--- a/20170613 MapReduce Python.pptx
+++ b/20170613 MapReduce Python.pptx
@@ -8,10 +8,12 @@
     <p:sldId id="256" r:id="rId2"/>
     <p:sldId id="258" r:id="rId3"/>
     <p:sldId id="259" r:id="rId4"/>
-    <p:sldId id="262" r:id="rId5"/>
-    <p:sldId id="260" r:id="rId6"/>
-    <p:sldId id="261" r:id="rId7"/>
-    <p:sldId id="263" r:id="rId8"/>
+    <p:sldId id="264" r:id="rId5"/>
+    <p:sldId id="265" r:id="rId6"/>
+    <p:sldId id="260" r:id="rId7"/>
+    <p:sldId id="262" r:id="rId8"/>
+    <p:sldId id="261" r:id="rId9"/>
+    <p:sldId id="263" r:id="rId10"/>
   </p:sldIdLst>
   <p:sldSz cx="12192000" cy="6858000"/>
   <p:notesSz cx="6858000" cy="9144000"/>
@@ -116,7 +118,7 @@
 <file path=ppt/charts/chart1.xml><?xml version="1.0" encoding="utf-8"?>
 <c:chartSpace xmlns:c="http://schemas.openxmlformats.org/drawingml/2006/chart" xmlns:a="http://schemas.openxmlformats.org/drawingml/2006/main" xmlns:r="http://schemas.openxmlformats.org/officeDocument/2006/relationships">
   <c:date1904 val="0"/>
-  <c:lang val="en-US"/>
+  <c:lang val="de-CH"/>
   <c:roundedCorners val="0"/>
   <mc:AlternateContent xmlns:mc="http://schemas.openxmlformats.org/markup-compatibility/2006">
     <mc:Choice xmlns:c14="http://schemas.microsoft.com/office/drawing/2007/8/2/chart" Requires="c14">
@@ -137,7 +139,7 @@
           <c:idx val="2"/>
           <c:order val="0"/>
           <c:tx>
-            <c:v>Anzahl Nachrichten &amp; Antworten Client</c:v>
+            <c:v>Task 1: Anzahl res_snd pro Minute, Server-Log (Anzahl Calls)</c:v>
           </c:tx>
           <c:marker>
             <c:symbol val="none"/>
@@ -149,160 +151,160 @@
                 <c:formatCode>[$-F400]h:mm:ss\ AM/PM</c:formatCode>
                 <c:ptCount val="52"/>
                 <c:pt idx="0">
-                  <c:v>41937.64027777777</c:v>
+                  <c:v>41937.640277777777</c:v>
                 </c:pt>
                 <c:pt idx="1">
-                  <c:v>41937.64097222222</c:v>
+                  <c:v>41937.640972222223</c:v>
                 </c:pt>
                 <c:pt idx="2">
                   <c:v>41937.64166666667</c:v>
                 </c:pt>
                 <c:pt idx="3">
-                  <c:v>41937.64236111111</c:v>
+                  <c:v>41937.642361111109</c:v>
                 </c:pt>
                 <c:pt idx="4">
-                  <c:v>41937.64305555556</c:v>
+                  <c:v>41937.643055555556</c:v>
                 </c:pt>
                 <c:pt idx="5">
-                  <c:v>41937.64375</c:v>
+                  <c:v>41937.643750000003</c:v>
                 </c:pt>
                 <c:pt idx="6">
-                  <c:v>41937.64444444444</c:v>
+                  <c:v>41937.644444444442</c:v>
                 </c:pt>
                 <c:pt idx="7">
-                  <c:v>41937.64513888889</c:v>
+                  <c:v>41937.645138888889</c:v>
                 </c:pt>
                 <c:pt idx="8">
-                  <c:v>41937.64583333334</c:v>
+                  <c:v>41937.645833333336</c:v>
                 </c:pt>
                 <c:pt idx="9">
-                  <c:v>41937.64652777777</c:v>
+                  <c:v>41937.646527777775</c:v>
                 </c:pt>
                 <c:pt idx="10">
-                  <c:v>41937.64722222222</c:v>
+                  <c:v>41937.647222222222</c:v>
                 </c:pt>
                 <c:pt idx="11">
-                  <c:v>41937.64791666667</c:v>
+                  <c:v>41937.647916666669</c:v>
                 </c:pt>
                 <c:pt idx="12">
-                  <c:v>41937.64861111111</c:v>
+                  <c:v>41937.648611111108</c:v>
                 </c:pt>
                 <c:pt idx="13">
-                  <c:v>41937.64930555555</c:v>
+                  <c:v>41937.649305555555</c:v>
                 </c:pt>
                 <c:pt idx="14">
                   <c:v>41937.65</c:v>
                 </c:pt>
                 <c:pt idx="15">
-                  <c:v>41937.65069444444</c:v>
+                  <c:v>41937.650694444441</c:v>
                 </c:pt>
                 <c:pt idx="16">
-                  <c:v>41937.65138888889</c:v>
+                  <c:v>41937.651388888888</c:v>
                 </c:pt>
                 <c:pt idx="17">
-                  <c:v>41937.65208333333</c:v>
+                  <c:v>41937.652083333334</c:v>
                 </c:pt>
                 <c:pt idx="18">
-                  <c:v>41937.65277777778</c:v>
+                  <c:v>41937.652777777781</c:v>
                 </c:pt>
                 <c:pt idx="19">
                   <c:v>41937.65347222222</c:v>
                 </c:pt>
                 <c:pt idx="20">
-                  <c:v>41937.65416666667</c:v>
+                  <c:v>41937.654166666667</c:v>
                 </c:pt>
                 <c:pt idx="21">
-                  <c:v>41937.65486111111</c:v>
+                  <c:v>41937.654861111114</c:v>
                 </c:pt>
                 <c:pt idx="22">
-                  <c:v>41937.65555555555</c:v>
+                  <c:v>41937.655555555553</c:v>
                 </c:pt>
                 <c:pt idx="23">
                   <c:v>41937.65625</c:v>
                 </c:pt>
                 <c:pt idx="24">
-                  <c:v>41937.65694444444</c:v>
+                  <c:v>41937.656944444447</c:v>
                 </c:pt>
                 <c:pt idx="25">
-                  <c:v>41937.65763888888</c:v>
+                  <c:v>41937.657638888886</c:v>
                 </c:pt>
                 <c:pt idx="26">
-                  <c:v>41937.65833333333</c:v>
+                  <c:v>41937.658333333333</c:v>
                 </c:pt>
                 <c:pt idx="27">
                   <c:v>41937.65902777778</c:v>
                 </c:pt>
                 <c:pt idx="28">
-                  <c:v>41937.65972222222</c:v>
+                  <c:v>41937.659722222219</c:v>
                 </c:pt>
                 <c:pt idx="29">
-                  <c:v>41937.66041666667</c:v>
+                  <c:v>41937.660416666666</c:v>
                 </c:pt>
                 <c:pt idx="30">
-                  <c:v>41937.66111111111</c:v>
+                  <c:v>41937.661111111112</c:v>
                 </c:pt>
                 <c:pt idx="31">
-                  <c:v>41937.66180555556</c:v>
+                  <c:v>41937.661805555559</c:v>
                 </c:pt>
                 <c:pt idx="32">
-                  <c:v>41937.6625</c:v>
+                  <c:v>41937.662499999999</c:v>
                 </c:pt>
                 <c:pt idx="33">
-                  <c:v>41937.66319444445</c:v>
+                  <c:v>41937.663194444445</c:v>
                 </c:pt>
                 <c:pt idx="34">
-                  <c:v>41937.66388888889</c:v>
+                  <c:v>41937.663888888892</c:v>
                 </c:pt>
                 <c:pt idx="35">
-                  <c:v>41937.66458333333</c:v>
+                  <c:v>41937.664583333331</c:v>
                 </c:pt>
                 <c:pt idx="36">
-                  <c:v>41937.66527777778</c:v>
+                  <c:v>41937.665277777778</c:v>
                 </c:pt>
                 <c:pt idx="37">
-                  <c:v>41937.66597222222</c:v>
+                  <c:v>41937.665972222225</c:v>
                 </c:pt>
                 <c:pt idx="38">
-                  <c:v>41937.66666666666</c:v>
+                  <c:v>41937.666666666664</c:v>
                 </c:pt>
                 <c:pt idx="39">
-                  <c:v>41937.66736111111</c:v>
+                  <c:v>41937.667361111111</c:v>
                 </c:pt>
                 <c:pt idx="40">
-                  <c:v>41937.66805555556</c:v>
+                  <c:v>41937.668055555558</c:v>
                 </c:pt>
                 <c:pt idx="41">
-                  <c:v>41937.66875</c:v>
+                  <c:v>41937.668749999997</c:v>
                 </c:pt>
                 <c:pt idx="42">
-                  <c:v>41937.66944444444</c:v>
+                  <c:v>41937.669444444444</c:v>
                 </c:pt>
                 <c:pt idx="43">
-                  <c:v>41937.6701388889</c:v>
+                  <c:v>41937.670138888891</c:v>
                 </c:pt>
                 <c:pt idx="44">
                   <c:v>41937.67083333333</c:v>
                 </c:pt>
                 <c:pt idx="45">
-                  <c:v>41937.67152777778</c:v>
+                  <c:v>41937.671527777777</c:v>
                 </c:pt>
                 <c:pt idx="46">
-                  <c:v>41937.67222222222</c:v>
+                  <c:v>41937.672222222223</c:v>
                 </c:pt>
                 <c:pt idx="47">
                   <c:v>41937.67291666667</c:v>
                 </c:pt>
                 <c:pt idx="48">
-                  <c:v>41937.67361111111</c:v>
+                  <c:v>41937.673611111109</c:v>
                 </c:pt>
                 <c:pt idx="49">
-                  <c:v>41937.67430555556</c:v>
+                  <c:v>41937.674305555556</c:v>
                 </c:pt>
                 <c:pt idx="50">
-                  <c:v>41937.675</c:v>
+                  <c:v>41937.675000000003</c:v>
                 </c:pt>
                 <c:pt idx="51">
-                  <c:v>41937.67569444444</c:v>
+                  <c:v>41937.675694444442</c:v>
                 </c:pt>
               </c:numCache>
             </c:numRef>
@@ -314,842 +316,160 @@
                 <c:formatCode>General</c:formatCode>
                 <c:ptCount val="52"/>
                 <c:pt idx="0">
-                  <c:v>98686.0</c:v>
+                  <c:v>98686</c:v>
                 </c:pt>
                 <c:pt idx="1">
-                  <c:v>86715.0</c:v>
+                  <c:v>86715</c:v>
                 </c:pt>
                 <c:pt idx="2">
-                  <c:v>89248.0</c:v>
+                  <c:v>89248</c:v>
                 </c:pt>
                 <c:pt idx="3">
-                  <c:v>84445.0</c:v>
+                  <c:v>84445</c:v>
                 </c:pt>
                 <c:pt idx="4">
-                  <c:v>80223.0</c:v>
+                  <c:v>80223</c:v>
                 </c:pt>
                 <c:pt idx="5">
-                  <c:v>74100.0</c:v>
+                  <c:v>74100</c:v>
                 </c:pt>
                 <c:pt idx="6">
-                  <c:v>69397.0</c:v>
+                  <c:v>69397</c:v>
                 </c:pt>
                 <c:pt idx="7">
-                  <c:v>63450.0</c:v>
+                  <c:v>63450</c:v>
                 </c:pt>
                 <c:pt idx="8">
-                  <c:v>56804.0</c:v>
+                  <c:v>56804</c:v>
                 </c:pt>
                 <c:pt idx="9">
-                  <c:v>55026.0</c:v>
+                  <c:v>55026</c:v>
                 </c:pt>
                 <c:pt idx="10">
-                  <c:v>54119.0</c:v>
+                  <c:v>54119</c:v>
                 </c:pt>
                 <c:pt idx="11">
-                  <c:v>52197.0</c:v>
+                  <c:v>52197</c:v>
                 </c:pt>
                 <c:pt idx="12">
-                  <c:v>50868.0</c:v>
+                  <c:v>50868</c:v>
                 </c:pt>
                 <c:pt idx="13">
-                  <c:v>50053.0</c:v>
+                  <c:v>50053</c:v>
                 </c:pt>
                 <c:pt idx="14">
-                  <c:v>47628.0</c:v>
+                  <c:v>47628</c:v>
                 </c:pt>
                 <c:pt idx="15">
-                  <c:v>46907.0</c:v>
+                  <c:v>46907</c:v>
                 </c:pt>
                 <c:pt idx="16">
-                  <c:v>45163.0</c:v>
+                  <c:v>45163</c:v>
                 </c:pt>
                 <c:pt idx="17">
-                  <c:v>45294.0</c:v>
+                  <c:v>45294</c:v>
                 </c:pt>
                 <c:pt idx="18">
-                  <c:v>44401.0</c:v>
+                  <c:v>44401</c:v>
                 </c:pt>
                 <c:pt idx="19">
-                  <c:v>42654.0</c:v>
+                  <c:v>42654</c:v>
                 </c:pt>
                 <c:pt idx="20">
-                  <c:v>43153.0</c:v>
+                  <c:v>43153</c:v>
                 </c:pt>
                 <c:pt idx="21">
-                  <c:v>41910.0</c:v>
+                  <c:v>41910</c:v>
                 </c:pt>
                 <c:pt idx="22">
-                  <c:v>41853.0</c:v>
+                  <c:v>41853</c:v>
                 </c:pt>
                 <c:pt idx="23">
-                  <c:v>40867.0</c:v>
+                  <c:v>40867</c:v>
                 </c:pt>
                 <c:pt idx="24">
-                  <c:v>40644.0</c:v>
+                  <c:v>40644</c:v>
                 </c:pt>
                 <c:pt idx="25">
-                  <c:v>39571.0</c:v>
+                  <c:v>39571</c:v>
                 </c:pt>
                 <c:pt idx="26">
-                  <c:v>39070.0</c:v>
+                  <c:v>39070</c:v>
                 </c:pt>
                 <c:pt idx="27">
-                  <c:v>38358.0</c:v>
+                  <c:v>38358</c:v>
                 </c:pt>
                 <c:pt idx="28">
-                  <c:v>37559.0</c:v>
+                  <c:v>37559</c:v>
                 </c:pt>
                 <c:pt idx="29">
-                  <c:v>37649.0</c:v>
+                  <c:v>37649</c:v>
                 </c:pt>
                 <c:pt idx="30">
-                  <c:v>37395.0</c:v>
+                  <c:v>37395</c:v>
                 </c:pt>
                 <c:pt idx="31">
-                  <c:v>36968.0</c:v>
+                  <c:v>36968</c:v>
                 </c:pt>
                 <c:pt idx="32">
-                  <c:v>36064.0</c:v>
+                  <c:v>36064</c:v>
                 </c:pt>
                 <c:pt idx="33">
-                  <c:v>34169.0</c:v>
+                  <c:v>34169</c:v>
                 </c:pt>
                 <c:pt idx="34">
-                  <c:v>34230.0</c:v>
+                  <c:v>34230</c:v>
                 </c:pt>
                 <c:pt idx="35">
-                  <c:v>34507.0</c:v>
+                  <c:v>34507</c:v>
                 </c:pt>
                 <c:pt idx="36">
-                  <c:v>34075.0</c:v>
+                  <c:v>34075</c:v>
                 </c:pt>
                 <c:pt idx="37">
-                  <c:v>34472.0</c:v>
+                  <c:v>34472</c:v>
                 </c:pt>
                 <c:pt idx="38">
-                  <c:v>33341.0</c:v>
+                  <c:v>33341</c:v>
                 </c:pt>
                 <c:pt idx="39">
-                  <c:v>33558.0</c:v>
+                  <c:v>33558</c:v>
                 </c:pt>
                 <c:pt idx="40">
-                  <c:v>33318.0</c:v>
+                  <c:v>33318</c:v>
                 </c:pt>
                 <c:pt idx="41">
-                  <c:v>32923.0</c:v>
+                  <c:v>32923</c:v>
                 </c:pt>
                 <c:pt idx="42">
-                  <c:v>32128.0</c:v>
+                  <c:v>32128</c:v>
                 </c:pt>
                 <c:pt idx="43">
-                  <c:v>31728.0</c:v>
+                  <c:v>31728</c:v>
                 </c:pt>
                 <c:pt idx="44">
-                  <c:v>31055.0</c:v>
+                  <c:v>31055</c:v>
                 </c:pt>
                 <c:pt idx="45">
-                  <c:v>31339.0</c:v>
+                  <c:v>31339</c:v>
                 </c:pt>
                 <c:pt idx="46">
-                  <c:v>31207.0</c:v>
+                  <c:v>31207</c:v>
                 </c:pt>
                 <c:pt idx="47">
-                  <c:v>30777.0</c:v>
+                  <c:v>30777</c:v>
                 </c:pt>
                 <c:pt idx="48">
-                  <c:v>29273.0</c:v>
+                  <c:v>29273</c:v>
                 </c:pt>
                 <c:pt idx="49">
-                  <c:v>27988.0</c:v>
+                  <c:v>27988</c:v>
                 </c:pt>
                 <c:pt idx="50">
-                  <c:v>28168.0</c:v>
+                  <c:v>28168</c:v>
                 </c:pt>
                 <c:pt idx="51">
-                  <c:v>23844.0</c:v>
-                </c:pt>
-              </c:numCache>
-            </c:numRef>
-          </c:val>
-          <c:smooth val="0"/>
-        </c:ser>
-        <c:ser>
-          <c:idx val="3"/>
-          <c:order val="1"/>
-          <c:tx>
-            <c:v>Anzahl Fehler Client</c:v>
-          </c:tx>
-          <c:marker>
-            <c:symbol val="none"/>
-          </c:marker>
-          <c:cat>
-            <c:numRef>
-              <c:f>Tabelle2!$B$2:$B$53</c:f>
-              <c:numCache>
-                <c:formatCode>[$-F400]h:mm:ss\ AM/PM</c:formatCode>
-                <c:ptCount val="52"/>
-                <c:pt idx="0">
-                  <c:v>41937.64027777777</c:v>
-                </c:pt>
-                <c:pt idx="1">
-                  <c:v>41937.64097222222</c:v>
-                </c:pt>
-                <c:pt idx="2">
-                  <c:v>41937.64166666667</c:v>
-                </c:pt>
-                <c:pt idx="3">
-                  <c:v>41937.64236111111</c:v>
-                </c:pt>
-                <c:pt idx="4">
-                  <c:v>41937.64305555556</c:v>
-                </c:pt>
-                <c:pt idx="5">
-                  <c:v>41937.64375</c:v>
-                </c:pt>
-                <c:pt idx="6">
-                  <c:v>41937.64444444444</c:v>
-                </c:pt>
-                <c:pt idx="7">
-                  <c:v>41937.64513888889</c:v>
-                </c:pt>
-                <c:pt idx="8">
-                  <c:v>41937.64583333334</c:v>
-                </c:pt>
-                <c:pt idx="9">
-                  <c:v>41937.64652777777</c:v>
-                </c:pt>
-                <c:pt idx="10">
-                  <c:v>41937.64722222222</c:v>
-                </c:pt>
-                <c:pt idx="11">
-                  <c:v>41937.64791666667</c:v>
-                </c:pt>
-                <c:pt idx="12">
-                  <c:v>41937.64861111111</c:v>
-                </c:pt>
-                <c:pt idx="13">
-                  <c:v>41937.64930555555</c:v>
-                </c:pt>
-                <c:pt idx="14">
-                  <c:v>41937.65</c:v>
-                </c:pt>
-                <c:pt idx="15">
-                  <c:v>41937.65069444444</c:v>
-                </c:pt>
-                <c:pt idx="16">
-                  <c:v>41937.65138888889</c:v>
-                </c:pt>
-                <c:pt idx="17">
-                  <c:v>41937.65208333333</c:v>
-                </c:pt>
-                <c:pt idx="18">
-                  <c:v>41937.65277777778</c:v>
-                </c:pt>
-                <c:pt idx="19">
-                  <c:v>41937.65347222222</c:v>
-                </c:pt>
-                <c:pt idx="20">
-                  <c:v>41937.65416666667</c:v>
-                </c:pt>
-                <c:pt idx="21">
-                  <c:v>41937.65486111111</c:v>
-                </c:pt>
-                <c:pt idx="22">
-                  <c:v>41937.65555555555</c:v>
-                </c:pt>
-                <c:pt idx="23">
-                  <c:v>41937.65625</c:v>
-                </c:pt>
-                <c:pt idx="24">
-                  <c:v>41937.65694444444</c:v>
-                </c:pt>
-                <c:pt idx="25">
-                  <c:v>41937.65763888888</c:v>
-                </c:pt>
-                <c:pt idx="26">
-                  <c:v>41937.65833333333</c:v>
-                </c:pt>
-                <c:pt idx="27">
-                  <c:v>41937.65902777778</c:v>
-                </c:pt>
-                <c:pt idx="28">
-                  <c:v>41937.65972222222</c:v>
-                </c:pt>
-                <c:pt idx="29">
-                  <c:v>41937.66041666667</c:v>
-                </c:pt>
-                <c:pt idx="30">
-                  <c:v>41937.66111111111</c:v>
-                </c:pt>
-                <c:pt idx="31">
-                  <c:v>41937.66180555556</c:v>
-                </c:pt>
-                <c:pt idx="32">
-                  <c:v>41937.6625</c:v>
-                </c:pt>
-                <c:pt idx="33">
-                  <c:v>41937.66319444445</c:v>
-                </c:pt>
-                <c:pt idx="34">
-                  <c:v>41937.66388888889</c:v>
-                </c:pt>
-                <c:pt idx="35">
-                  <c:v>41937.66458333333</c:v>
-                </c:pt>
-                <c:pt idx="36">
-                  <c:v>41937.66527777778</c:v>
-                </c:pt>
-                <c:pt idx="37">
-                  <c:v>41937.66597222222</c:v>
-                </c:pt>
-                <c:pt idx="38">
-                  <c:v>41937.66666666666</c:v>
-                </c:pt>
-                <c:pt idx="39">
-                  <c:v>41937.66736111111</c:v>
-                </c:pt>
-                <c:pt idx="40">
-                  <c:v>41937.66805555556</c:v>
-                </c:pt>
-                <c:pt idx="41">
-                  <c:v>41937.66875</c:v>
-                </c:pt>
-                <c:pt idx="42">
-                  <c:v>41937.66944444444</c:v>
-                </c:pt>
-                <c:pt idx="43">
-                  <c:v>41937.6701388889</c:v>
-                </c:pt>
-                <c:pt idx="44">
-                  <c:v>41937.67083333333</c:v>
-                </c:pt>
-                <c:pt idx="45">
-                  <c:v>41937.67152777778</c:v>
-                </c:pt>
-                <c:pt idx="46">
-                  <c:v>41937.67222222222</c:v>
-                </c:pt>
-                <c:pt idx="47">
-                  <c:v>41937.67291666667</c:v>
-                </c:pt>
-                <c:pt idx="48">
-                  <c:v>41937.67361111111</c:v>
-                </c:pt>
-                <c:pt idx="49">
-                  <c:v>41937.67430555556</c:v>
-                </c:pt>
-                <c:pt idx="50">
-                  <c:v>41937.675</c:v>
-                </c:pt>
-                <c:pt idx="51">
-                  <c:v>41937.67569444444</c:v>
-                </c:pt>
-              </c:numCache>
-            </c:numRef>
-          </c:cat>
-          <c:val>
-            <c:numRef>
-              <c:f>Tabelle2!$F$2:$F$53</c:f>
-              <c:numCache>
-                <c:formatCode>General</c:formatCode>
-                <c:ptCount val="52"/>
-                <c:pt idx="0">
-                  <c:v>33366.0</c:v>
-                </c:pt>
-                <c:pt idx="1">
-                  <c:v>30183.0</c:v>
-                </c:pt>
-                <c:pt idx="2">
-                  <c:v>32545.0</c:v>
-                </c:pt>
-                <c:pt idx="3">
-                  <c:v>32933.0</c:v>
-                </c:pt>
-                <c:pt idx="4">
-                  <c:v>32814.0</c:v>
-                </c:pt>
-                <c:pt idx="5">
-                  <c:v>31620.0</c:v>
-                </c:pt>
-                <c:pt idx="6">
-                  <c:v>30257.0</c:v>
-                </c:pt>
-                <c:pt idx="7">
-                  <c:v>27481.0</c:v>
-                </c:pt>
-                <c:pt idx="8">
-                  <c:v>25055.0</c:v>
-                </c:pt>
-                <c:pt idx="9">
-                  <c:v>24247.0</c:v>
-                </c:pt>
-                <c:pt idx="10">
-                  <c:v>23873.0</c:v>
-                </c:pt>
-                <c:pt idx="11">
-                  <c:v>23346.0</c:v>
-                </c:pt>
-                <c:pt idx="12">
-                  <c:v>22616.0</c:v>
-                </c:pt>
-                <c:pt idx="13">
-                  <c:v>22196.0</c:v>
-                </c:pt>
-                <c:pt idx="14">
-                  <c:v>21171.0</c:v>
-                </c:pt>
-                <c:pt idx="15">
-                  <c:v>20731.0</c:v>
-                </c:pt>
-                <c:pt idx="16">
-                  <c:v>20153.0</c:v>
-                </c:pt>
-                <c:pt idx="17">
-                  <c:v>20267.0</c:v>
-                </c:pt>
-                <c:pt idx="18">
-                  <c:v>19842.0</c:v>
-                </c:pt>
-                <c:pt idx="19">
-                  <c:v>18841.0</c:v>
-                </c:pt>
-                <c:pt idx="20">
-                  <c:v>18990.0</c:v>
-                </c:pt>
-                <c:pt idx="21">
-                  <c:v>18519.0</c:v>
-                </c:pt>
-                <c:pt idx="22">
-                  <c:v>18297.0</c:v>
-                </c:pt>
-                <c:pt idx="23">
-                  <c:v>17905.0</c:v>
-                </c:pt>
-                <c:pt idx="24">
-                  <c:v>17851.0</c:v>
-                </c:pt>
-                <c:pt idx="25">
-                  <c:v>17418.0</c:v>
-                </c:pt>
-                <c:pt idx="26">
-                  <c:v>16993.0</c:v>
-                </c:pt>
-                <c:pt idx="27">
-                  <c:v>16635.0</c:v>
-                </c:pt>
-                <c:pt idx="28">
-                  <c:v>16288.0</c:v>
-                </c:pt>
-                <c:pt idx="29">
-                  <c:v>16335.0</c:v>
-                </c:pt>
-                <c:pt idx="30">
-                  <c:v>16061.0</c:v>
-                </c:pt>
-                <c:pt idx="31">
-                  <c:v>15884.0</c:v>
-                </c:pt>
-                <c:pt idx="32">
-                  <c:v>15748.0</c:v>
-                </c:pt>
-                <c:pt idx="33">
-                  <c:v>14650.0</c:v>
-                </c:pt>
-                <c:pt idx="34">
-                  <c:v>14631.0</c:v>
-                </c:pt>
-                <c:pt idx="35">
-                  <c:v>14749.0</c:v>
-                </c:pt>
-                <c:pt idx="36">
-                  <c:v>14486.0</c:v>
-                </c:pt>
-                <c:pt idx="37">
-                  <c:v>14899.0</c:v>
-                </c:pt>
-                <c:pt idx="38">
-                  <c:v>14088.0</c:v>
-                </c:pt>
-                <c:pt idx="39">
-                  <c:v>14120.0</c:v>
-                </c:pt>
-                <c:pt idx="40">
-                  <c:v>14225.0</c:v>
-                </c:pt>
-                <c:pt idx="41">
-                  <c:v>14068.0</c:v>
-                </c:pt>
-                <c:pt idx="42">
-                  <c:v>13558.0</c:v>
-                </c:pt>
-                <c:pt idx="43">
-                  <c:v>13324.0</c:v>
-                </c:pt>
-                <c:pt idx="44">
-                  <c:v>13042.0</c:v>
-                </c:pt>
-                <c:pt idx="45">
-                  <c:v>13004.0</c:v>
-                </c:pt>
-                <c:pt idx="46">
-                  <c:v>12951.0</c:v>
-                </c:pt>
-                <c:pt idx="47">
-                  <c:v>12941.0</c:v>
-                </c:pt>
-                <c:pt idx="48">
-                  <c:v>12187.0</c:v>
-                </c:pt>
-                <c:pt idx="49">
-                  <c:v>11418.0</c:v>
-                </c:pt>
-                <c:pt idx="50">
-                  <c:v>11706.0</c:v>
-                </c:pt>
-                <c:pt idx="51">
-                  <c:v>9737.0</c:v>
-                </c:pt>
-              </c:numCache>
-            </c:numRef>
-          </c:val>
-          <c:smooth val="0"/>
-        </c:ser>
-        <c:ser>
-          <c:idx val="0"/>
-          <c:order val="3"/>
-          <c:tx>
-            <c:v>Anzahl res_send Server</c:v>
-          </c:tx>
-          <c:marker>
-            <c:symbol val="none"/>
-          </c:marker>
-          <c:cat>
-            <c:numRef>
-              <c:f>Tabelle2!$B$2:$B$53</c:f>
-              <c:numCache>
-                <c:formatCode>[$-F400]h:mm:ss\ AM/PM</c:formatCode>
-                <c:ptCount val="52"/>
-                <c:pt idx="0">
-                  <c:v>41937.64027777777</c:v>
-                </c:pt>
-                <c:pt idx="1">
-                  <c:v>41937.64097222222</c:v>
-                </c:pt>
-                <c:pt idx="2">
-                  <c:v>41937.64166666667</c:v>
-                </c:pt>
-                <c:pt idx="3">
-                  <c:v>41937.64236111111</c:v>
-                </c:pt>
-                <c:pt idx="4">
-                  <c:v>41937.64305555556</c:v>
-                </c:pt>
-                <c:pt idx="5">
-                  <c:v>41937.64375</c:v>
-                </c:pt>
-                <c:pt idx="6">
-                  <c:v>41937.64444444444</c:v>
-                </c:pt>
-                <c:pt idx="7">
-                  <c:v>41937.64513888889</c:v>
-                </c:pt>
-                <c:pt idx="8">
-                  <c:v>41937.64583333334</c:v>
-                </c:pt>
-                <c:pt idx="9">
-                  <c:v>41937.64652777777</c:v>
-                </c:pt>
-                <c:pt idx="10">
-                  <c:v>41937.64722222222</c:v>
-                </c:pt>
-                <c:pt idx="11">
-                  <c:v>41937.64791666667</c:v>
-                </c:pt>
-                <c:pt idx="12">
-                  <c:v>41937.64861111111</c:v>
-                </c:pt>
-                <c:pt idx="13">
-                  <c:v>41937.64930555555</c:v>
-                </c:pt>
-                <c:pt idx="14">
-                  <c:v>41937.65</c:v>
-                </c:pt>
-                <c:pt idx="15">
-                  <c:v>41937.65069444444</c:v>
-                </c:pt>
-                <c:pt idx="16">
-                  <c:v>41937.65138888889</c:v>
-                </c:pt>
-                <c:pt idx="17">
-                  <c:v>41937.65208333333</c:v>
-                </c:pt>
-                <c:pt idx="18">
-                  <c:v>41937.65277777778</c:v>
-                </c:pt>
-                <c:pt idx="19">
-                  <c:v>41937.65347222222</c:v>
-                </c:pt>
-                <c:pt idx="20">
-                  <c:v>41937.65416666667</c:v>
-                </c:pt>
-                <c:pt idx="21">
-                  <c:v>41937.65486111111</c:v>
-                </c:pt>
-                <c:pt idx="22">
-                  <c:v>41937.65555555555</c:v>
-                </c:pt>
-                <c:pt idx="23">
-                  <c:v>41937.65625</c:v>
-                </c:pt>
-                <c:pt idx="24">
-                  <c:v>41937.65694444444</c:v>
-                </c:pt>
-                <c:pt idx="25">
-                  <c:v>41937.65763888888</c:v>
-                </c:pt>
-                <c:pt idx="26">
-                  <c:v>41937.65833333333</c:v>
-                </c:pt>
-                <c:pt idx="27">
-                  <c:v>41937.65902777778</c:v>
-                </c:pt>
-                <c:pt idx="28">
-                  <c:v>41937.65972222222</c:v>
-                </c:pt>
-                <c:pt idx="29">
-                  <c:v>41937.66041666667</c:v>
-                </c:pt>
-                <c:pt idx="30">
-                  <c:v>41937.66111111111</c:v>
-                </c:pt>
-                <c:pt idx="31">
-                  <c:v>41937.66180555556</c:v>
-                </c:pt>
-                <c:pt idx="32">
-                  <c:v>41937.6625</c:v>
-                </c:pt>
-                <c:pt idx="33">
-                  <c:v>41937.66319444445</c:v>
-                </c:pt>
-                <c:pt idx="34">
-                  <c:v>41937.66388888889</c:v>
-                </c:pt>
-                <c:pt idx="35">
-                  <c:v>41937.66458333333</c:v>
-                </c:pt>
-                <c:pt idx="36">
-                  <c:v>41937.66527777778</c:v>
-                </c:pt>
-                <c:pt idx="37">
-                  <c:v>41937.66597222222</c:v>
-                </c:pt>
-                <c:pt idx="38">
-                  <c:v>41937.66666666666</c:v>
-                </c:pt>
-                <c:pt idx="39">
-                  <c:v>41937.66736111111</c:v>
-                </c:pt>
-                <c:pt idx="40">
-                  <c:v>41937.66805555556</c:v>
-                </c:pt>
-                <c:pt idx="41">
-                  <c:v>41937.66875</c:v>
-                </c:pt>
-                <c:pt idx="42">
-                  <c:v>41937.66944444444</c:v>
-                </c:pt>
-                <c:pt idx="43">
-                  <c:v>41937.6701388889</c:v>
-                </c:pt>
-                <c:pt idx="44">
-                  <c:v>41937.67083333333</c:v>
-                </c:pt>
-                <c:pt idx="45">
-                  <c:v>41937.67152777778</c:v>
-                </c:pt>
-                <c:pt idx="46">
-                  <c:v>41937.67222222222</c:v>
-                </c:pt>
-                <c:pt idx="47">
-                  <c:v>41937.67291666667</c:v>
-                </c:pt>
-                <c:pt idx="48">
-                  <c:v>41937.67361111111</c:v>
-                </c:pt>
-                <c:pt idx="49">
-                  <c:v>41937.67430555556</c:v>
-                </c:pt>
-                <c:pt idx="50">
-                  <c:v>41937.675</c:v>
-                </c:pt>
-                <c:pt idx="51">
-                  <c:v>41937.67569444444</c:v>
-                </c:pt>
-              </c:numCache>
-            </c:numRef>
-          </c:cat>
-          <c:val>
-            <c:numRef>
-              <c:f>Tabelle2!$C$2:$C$53</c:f>
-              <c:numCache>
-                <c:formatCode>General</c:formatCode>
-                <c:ptCount val="52"/>
-                <c:pt idx="0">
-                  <c:v>25669.0</c:v>
-                </c:pt>
-                <c:pt idx="1">
-                  <c:v>22612.0</c:v>
-                </c:pt>
-                <c:pt idx="2">
-                  <c:v>23366.0</c:v>
-                </c:pt>
-                <c:pt idx="3">
-                  <c:v>22102.0</c:v>
-                </c:pt>
-                <c:pt idx="4">
-                  <c:v>21049.0</c:v>
-                </c:pt>
-                <c:pt idx="5">
-                  <c:v>19422.0</c:v>
-                </c:pt>
-                <c:pt idx="6">
-                  <c:v>18125.0</c:v>
-                </c:pt>
-                <c:pt idx="7">
-                  <c:v>16722.0</c:v>
-                </c:pt>
-                <c:pt idx="8">
-                  <c:v>14897.0</c:v>
-                </c:pt>
-                <c:pt idx="9">
-                  <c:v>14461.0</c:v>
-                </c:pt>
-                <c:pt idx="10">
-                  <c:v>14214.0</c:v>
-                </c:pt>
-                <c:pt idx="11">
-                  <c:v>13707.0</c:v>
-                </c:pt>
-                <c:pt idx="12">
-                  <c:v>13431.0</c:v>
-                </c:pt>
-                <c:pt idx="13">
-                  <c:v>13228.0</c:v>
-                </c:pt>
-                <c:pt idx="14">
-                  <c:v>12647.0</c:v>
-                </c:pt>
-                <c:pt idx="15">
-                  <c:v>12479.0</c:v>
-                </c:pt>
-                <c:pt idx="16">
-                  <c:v>12028.0</c:v>
-                </c:pt>
-                <c:pt idx="17">
-                  <c:v>12043.0</c:v>
-                </c:pt>
-                <c:pt idx="18">
-                  <c:v>11723.0</c:v>
-                </c:pt>
-                <c:pt idx="19">
-                  <c:v>11232.0</c:v>
-                </c:pt>
-                <c:pt idx="20">
-                  <c:v>11341.0</c:v>
-                </c:pt>
-                <c:pt idx="21">
-                  <c:v>11029.0</c:v>
-                </c:pt>
-                <c:pt idx="22">
-                  <c:v>11030.0</c:v>
-                </c:pt>
-                <c:pt idx="23">
-                  <c:v>10764.0</c:v>
-                </c:pt>
-                <c:pt idx="24">
-                  <c:v>10815.0</c:v>
-                </c:pt>
-                <c:pt idx="25">
-                  <c:v>10390.0</c:v>
-                </c:pt>
-                <c:pt idx="26">
-                  <c:v>10292.0</c:v>
-                </c:pt>
-                <c:pt idx="27">
-                  <c:v>10189.0</c:v>
-                </c:pt>
-                <c:pt idx="28">
-                  <c:v>9877.0</c:v>
-                </c:pt>
-                <c:pt idx="29">
-                  <c:v>10010.0</c:v>
-                </c:pt>
-                <c:pt idx="30">
-                  <c:v>9805.0</c:v>
-                </c:pt>
-                <c:pt idx="31">
-                  <c:v>9768.0</c:v>
-                </c:pt>
-                <c:pt idx="32">
-                  <c:v>9556.0</c:v>
-                </c:pt>
-                <c:pt idx="33">
-                  <c:v>8995.0</c:v>
-                </c:pt>
-                <c:pt idx="34">
-                  <c:v>9002.0</c:v>
-                </c:pt>
-                <c:pt idx="35">
-                  <c:v>9151.0</c:v>
-                </c:pt>
-                <c:pt idx="36">
-                  <c:v>8995.0</c:v>
-                </c:pt>
-                <c:pt idx="37">
-                  <c:v>9032.0</c:v>
-                </c:pt>
-                <c:pt idx="38">
-                  <c:v>8819.0</c:v>
-                </c:pt>
-                <c:pt idx="39">
-                  <c:v>8755.0</c:v>
-                </c:pt>
-                <c:pt idx="40">
-                  <c:v>8707.0</c:v>
-                </c:pt>
-                <c:pt idx="41">
-                  <c:v>8687.0</c:v>
-                </c:pt>
-                <c:pt idx="42">
-                  <c:v>8458.0</c:v>
-                </c:pt>
-                <c:pt idx="43">
-                  <c:v>8463.0</c:v>
-                </c:pt>
-                <c:pt idx="44">
-                  <c:v>8218.0</c:v>
-                </c:pt>
-                <c:pt idx="45">
-                  <c:v>8374.0</c:v>
-                </c:pt>
-                <c:pt idx="46">
-                  <c:v>8261.0</c:v>
-                </c:pt>
-                <c:pt idx="47">
-                  <c:v>8096.0</c:v>
-                </c:pt>
-                <c:pt idx="48">
-                  <c:v>11708.0</c:v>
-                </c:pt>
-                <c:pt idx="49">
-                  <c:v>14966.0</c:v>
-                </c:pt>
-                <c:pt idx="50">
-                  <c:v>15136.0</c:v>
-                </c:pt>
-                <c:pt idx="51">
-                  <c:v>18247.0</c:v>
+                  <c:v>23844</c:v>
                 </c:pt>
               </c:numCache>
             </c:numRef>
@@ -1166,17 +486,17 @@
         </c:dLbls>
         <c:marker val="1"/>
         <c:smooth val="0"/>
-        <c:axId val="2052715456"/>
-        <c:axId val="2052717776"/>
+        <c:axId val="137776512"/>
+        <c:axId val="137876608"/>
       </c:lineChart>
       <c:lineChart>
         <c:grouping val="standard"/>
         <c:varyColors val="0"/>
         <c:ser>
           <c:idx val="1"/>
-          <c:order val="2"/>
+          <c:order val="1"/>
           <c:tx>
-            <c:v>Durchschnittliche Dauer (Sekunden)</c:v>
+            <c:v>Task 2: Mittlere Response_Time pro Minute (Sekunden)</c:v>
           </c:tx>
           <c:marker>
             <c:symbol val="none"/>
@@ -1188,160 +508,160 @@
                 <c:formatCode>[$-F400]h:mm:ss\ AM/PM</c:formatCode>
                 <c:ptCount val="52"/>
                 <c:pt idx="0">
-                  <c:v>41937.64027777777</c:v>
+                  <c:v>41937.640277777777</c:v>
                 </c:pt>
                 <c:pt idx="1">
-                  <c:v>41937.64097222222</c:v>
+                  <c:v>41937.640972222223</c:v>
                 </c:pt>
                 <c:pt idx="2">
                   <c:v>41937.64166666667</c:v>
                 </c:pt>
                 <c:pt idx="3">
-                  <c:v>41937.64236111111</c:v>
+                  <c:v>41937.642361111109</c:v>
                 </c:pt>
                 <c:pt idx="4">
-                  <c:v>41937.64305555556</c:v>
+                  <c:v>41937.643055555556</c:v>
                 </c:pt>
                 <c:pt idx="5">
-                  <c:v>41937.64375</c:v>
+                  <c:v>41937.643750000003</c:v>
                 </c:pt>
                 <c:pt idx="6">
-                  <c:v>41937.64444444444</c:v>
+                  <c:v>41937.644444444442</c:v>
                 </c:pt>
                 <c:pt idx="7">
-                  <c:v>41937.64513888889</c:v>
+                  <c:v>41937.645138888889</c:v>
                 </c:pt>
                 <c:pt idx="8">
-                  <c:v>41937.64583333334</c:v>
+                  <c:v>41937.645833333336</c:v>
                 </c:pt>
                 <c:pt idx="9">
-                  <c:v>41937.64652777777</c:v>
+                  <c:v>41937.646527777775</c:v>
                 </c:pt>
                 <c:pt idx="10">
-                  <c:v>41937.64722222222</c:v>
+                  <c:v>41937.647222222222</c:v>
                 </c:pt>
                 <c:pt idx="11">
-                  <c:v>41937.64791666667</c:v>
+                  <c:v>41937.647916666669</c:v>
                 </c:pt>
                 <c:pt idx="12">
-                  <c:v>41937.64861111111</c:v>
+                  <c:v>41937.648611111108</c:v>
                 </c:pt>
                 <c:pt idx="13">
-                  <c:v>41937.64930555555</c:v>
+                  <c:v>41937.649305555555</c:v>
                 </c:pt>
                 <c:pt idx="14">
                   <c:v>41937.65</c:v>
                 </c:pt>
                 <c:pt idx="15">
-                  <c:v>41937.65069444444</c:v>
+                  <c:v>41937.650694444441</c:v>
                 </c:pt>
                 <c:pt idx="16">
-                  <c:v>41937.65138888889</c:v>
+                  <c:v>41937.651388888888</c:v>
                 </c:pt>
                 <c:pt idx="17">
-                  <c:v>41937.65208333333</c:v>
+                  <c:v>41937.652083333334</c:v>
                 </c:pt>
                 <c:pt idx="18">
-                  <c:v>41937.65277777778</c:v>
+                  <c:v>41937.652777777781</c:v>
                 </c:pt>
                 <c:pt idx="19">
                   <c:v>41937.65347222222</c:v>
                 </c:pt>
                 <c:pt idx="20">
-                  <c:v>41937.65416666667</c:v>
+                  <c:v>41937.654166666667</c:v>
                 </c:pt>
                 <c:pt idx="21">
-                  <c:v>41937.65486111111</c:v>
+                  <c:v>41937.654861111114</c:v>
                 </c:pt>
                 <c:pt idx="22">
-                  <c:v>41937.65555555555</c:v>
+                  <c:v>41937.655555555553</c:v>
                 </c:pt>
                 <c:pt idx="23">
                   <c:v>41937.65625</c:v>
                 </c:pt>
                 <c:pt idx="24">
-                  <c:v>41937.65694444444</c:v>
+                  <c:v>41937.656944444447</c:v>
                 </c:pt>
                 <c:pt idx="25">
-                  <c:v>41937.65763888888</c:v>
+                  <c:v>41937.657638888886</c:v>
                 </c:pt>
                 <c:pt idx="26">
-                  <c:v>41937.65833333333</c:v>
+                  <c:v>41937.658333333333</c:v>
                 </c:pt>
                 <c:pt idx="27">
                   <c:v>41937.65902777778</c:v>
                 </c:pt>
                 <c:pt idx="28">
-                  <c:v>41937.65972222222</c:v>
+                  <c:v>41937.659722222219</c:v>
                 </c:pt>
                 <c:pt idx="29">
-                  <c:v>41937.66041666667</c:v>
+                  <c:v>41937.660416666666</c:v>
                 </c:pt>
                 <c:pt idx="30">
-                  <c:v>41937.66111111111</c:v>
+                  <c:v>41937.661111111112</c:v>
                 </c:pt>
                 <c:pt idx="31">
-                  <c:v>41937.66180555556</c:v>
+                  <c:v>41937.661805555559</c:v>
                 </c:pt>
                 <c:pt idx="32">
-                  <c:v>41937.6625</c:v>
+                  <c:v>41937.662499999999</c:v>
                 </c:pt>
                 <c:pt idx="33">
-                  <c:v>41937.66319444445</c:v>
+                  <c:v>41937.663194444445</c:v>
                 </c:pt>
                 <c:pt idx="34">
-                  <c:v>41937.66388888889</c:v>
+                  <c:v>41937.663888888892</c:v>
                 </c:pt>
                 <c:pt idx="35">
-                  <c:v>41937.66458333333</c:v>
+                  <c:v>41937.664583333331</c:v>
                 </c:pt>
                 <c:pt idx="36">
-                  <c:v>41937.66527777778</c:v>
+                  <c:v>41937.665277777778</c:v>
                 </c:pt>
                 <c:pt idx="37">
-                  <c:v>41937.66597222222</c:v>
+                  <c:v>41937.665972222225</c:v>
                 </c:pt>
                 <c:pt idx="38">
-                  <c:v>41937.66666666666</c:v>
+                  <c:v>41937.666666666664</c:v>
                 </c:pt>
                 <c:pt idx="39">
-                  <c:v>41937.66736111111</c:v>
+                  <c:v>41937.667361111111</c:v>
                 </c:pt>
                 <c:pt idx="40">
-                  <c:v>41937.66805555556</c:v>
+                  <c:v>41937.668055555558</c:v>
                 </c:pt>
                 <c:pt idx="41">
-                  <c:v>41937.66875</c:v>
+                  <c:v>41937.668749999997</c:v>
                 </c:pt>
                 <c:pt idx="42">
-                  <c:v>41937.66944444444</c:v>
+                  <c:v>41937.669444444444</c:v>
                 </c:pt>
                 <c:pt idx="43">
-                  <c:v>41937.6701388889</c:v>
+                  <c:v>41937.670138888891</c:v>
                 </c:pt>
                 <c:pt idx="44">
                   <c:v>41937.67083333333</c:v>
                 </c:pt>
                 <c:pt idx="45">
-                  <c:v>41937.67152777778</c:v>
+                  <c:v>41937.671527777777</c:v>
                 </c:pt>
                 <c:pt idx="46">
-                  <c:v>41937.67222222222</c:v>
+                  <c:v>41937.672222222223</c:v>
                 </c:pt>
                 <c:pt idx="47">
                   <c:v>41937.67291666667</c:v>
                 </c:pt>
                 <c:pt idx="48">
-                  <c:v>41937.67361111111</c:v>
+                  <c:v>41937.673611111109</c:v>
                 </c:pt>
                 <c:pt idx="49">
-                  <c:v>41937.67430555556</c:v>
+                  <c:v>41937.674305555556</c:v>
                 </c:pt>
                 <c:pt idx="50">
-                  <c:v>41937.675</c:v>
+                  <c:v>41937.675000000003</c:v>
                 </c:pt>
                 <c:pt idx="51">
-                  <c:v>41937.67569444444</c:v>
+                  <c:v>41937.675694444442</c:v>
                 </c:pt>
               </c:numCache>
             </c:numRef>
@@ -1359,154 +679,154 @@
                   <c:v>32.4735512887043</c:v>
                 </c:pt>
                 <c:pt idx="2">
-                  <c:v>31.5604943528146</c:v>
+                  <c:v>31.560494352814601</c:v>
                 </c:pt>
                 <c:pt idx="3">
-                  <c:v>33.350843744449</c:v>
+                  <c:v>33.350843744449001</c:v>
                 </c:pt>
                 <c:pt idx="4">
-                  <c:v>35.1033369482567</c:v>
+                  <c:v>35.103336948256697</c:v>
                 </c:pt>
                 <c:pt idx="5">
-                  <c:v>38.0228879892037</c:v>
+                  <c:v>38.022887989203703</c:v>
                 </c:pt>
                 <c:pt idx="6">
-                  <c:v>40.577719497961</c:v>
+                  <c:v>40.577719497960999</c:v>
                 </c:pt>
                 <c:pt idx="7">
-                  <c:v>44.4206776989755</c:v>
+                  <c:v>44.420677698975503</c:v>
                 </c:pt>
                 <c:pt idx="8">
-                  <c:v>49.5799943665939</c:v>
+                  <c:v>49.579994366593901</c:v>
                 </c:pt>
                 <c:pt idx="9">
-                  <c:v>51.1896376258496</c:v>
+                  <c:v>51.189637625849599</c:v>
                 </c:pt>
                 <c:pt idx="10">
-                  <c:v>52.0657809641715</c:v>
+                  <c:v>52.065780964171502</c:v>
                 </c:pt>
                 <c:pt idx="11">
-                  <c:v>53.983121635343</c:v>
+                  <c:v>53.983121635342997</c:v>
                 </c:pt>
                 <c:pt idx="12">
-                  <c:v>55.4127938979319</c:v>
+                  <c:v>55.412793897931898</c:v>
                 </c:pt>
                 <c:pt idx="13">
-                  <c:v>56.2678161149181</c:v>
+                  <c:v>56.267816114918098</c:v>
                 </c:pt>
                 <c:pt idx="14">
-                  <c:v>59.1858150667674</c:v>
+                  <c:v>59.185815066767397</c:v>
                 </c:pt>
                 <c:pt idx="15">
-                  <c:v>60.0220436182232</c:v>
+                  <c:v>60.022043618223201</c:v>
                 </c:pt>
                 <c:pt idx="16">
-                  <c:v>62.3956557358899</c:v>
+                  <c:v>62.395655735889903</c:v>
                 </c:pt>
                 <c:pt idx="17">
-                  <c:v>62.2149953636243</c:v>
+                  <c:v>62.214995363624297</c:v>
                 </c:pt>
                 <c:pt idx="18">
-                  <c:v>63.4246075538839</c:v>
+                  <c:v>63.424607553883902</c:v>
                 </c:pt>
                 <c:pt idx="19">
-                  <c:v>66.0644957096638</c:v>
+                  <c:v>66.064495709663802</c:v>
                 </c:pt>
                 <c:pt idx="20">
-                  <c:v>65.2713832178527</c:v>
+                  <c:v>65.271383217852701</c:v>
                 </c:pt>
                 <c:pt idx="21">
-                  <c:v>67.2539966595084</c:v>
+                  <c:v>67.253996659508402</c:v>
                 </c:pt>
                 <c:pt idx="22">
-                  <c:v>67.3019138413017</c:v>
+                  <c:v>67.301913841301698</c:v>
                 </c:pt>
                 <c:pt idx="23">
-                  <c:v>68.94748819340781</c:v>
+                  <c:v>68.947488193407807</c:v>
                 </c:pt>
                 <c:pt idx="24">
-                  <c:v>69.278909556146</c:v>
+                  <c:v>69.278909556146004</c:v>
                 </c:pt>
                 <c:pt idx="25">
-                  <c:v>71.23395921255459</c:v>
+                  <c:v>71.233959212554595</c:v>
                 </c:pt>
                 <c:pt idx="26">
-                  <c:v>72.08382390581</c:v>
+                  <c:v>72.083823905809993</c:v>
                 </c:pt>
                 <c:pt idx="27">
-                  <c:v>73.45070128786691</c:v>
+                  <c:v>73.450701287866906</c:v>
                 </c:pt>
                 <c:pt idx="28">
-                  <c:v>75.0176256023855</c:v>
+                  <c:v>75.017625602385493</c:v>
                 </c:pt>
                 <c:pt idx="29">
-                  <c:v>74.8842997157959</c:v>
+                  <c:v>74.884299715795905</c:v>
                 </c:pt>
                 <c:pt idx="30">
                   <c:v>75.3307394036635</c:v>
                 </c:pt>
                 <c:pt idx="31">
-                  <c:v>76.2050962995022</c:v>
+                  <c:v>76.205096299502202</c:v>
                 </c:pt>
                 <c:pt idx="32">
-                  <c:v>78.11388087843829</c:v>
+                  <c:v>78.113880878438295</c:v>
                 </c:pt>
                 <c:pt idx="33">
-                  <c:v>82.5315051655008</c:v>
+                  <c:v>82.531505165500803</c:v>
                 </c:pt>
                 <c:pt idx="34">
-                  <c:v>82.2784107508033</c:v>
+                  <c:v>82.278410750803303</c:v>
                 </c:pt>
                 <c:pt idx="35">
-                  <c:v>81.69023676355521</c:v>
+                  <c:v>81.690236763555205</c:v>
                 </c:pt>
                 <c:pt idx="36">
-                  <c:v>82.6425531914893</c:v>
+                  <c:v>82.642553191489299</c:v>
                 </c:pt>
                 <c:pt idx="37">
-                  <c:v>81.77207588767691</c:v>
+                  <c:v>81.772075887676905</c:v>
                 </c:pt>
                 <c:pt idx="38">
-                  <c:v>84.4821691011067</c:v>
+                  <c:v>84.482169101106706</c:v>
                 </c:pt>
                 <c:pt idx="39">
-                  <c:v>84.00679420704451</c:v>
+                  <c:v>84.006794207044507</c:v>
                 </c:pt>
                 <c:pt idx="40">
-                  <c:v>84.51710786962</c:v>
+                  <c:v>84.517107869620006</c:v>
                 </c:pt>
                 <c:pt idx="41">
-                  <c:v>85.642924399356</c:v>
+                  <c:v>85.642924399356005</c:v>
                 </c:pt>
                 <c:pt idx="42">
-                  <c:v>87.6269297808765</c:v>
+                  <c:v>87.626929780876495</c:v>
                 </c:pt>
                 <c:pt idx="43">
                   <c:v>88.971570852244</c:v>
                 </c:pt>
                 <c:pt idx="44">
-                  <c:v>90.6477217839317</c:v>
+                  <c:v>90.647721783931701</c:v>
                 </c:pt>
                 <c:pt idx="45">
-                  <c:v>89.903793994703</c:v>
+                  <c:v>89.903793994702994</c:v>
                 </c:pt>
                 <c:pt idx="46">
-                  <c:v>90.4158361905982</c:v>
+                  <c:v>90.415836190598199</c:v>
                 </c:pt>
                 <c:pt idx="47">
-                  <c:v>89.5689638366312</c:v>
+                  <c:v>89.568963836631198</c:v>
                 </c:pt>
                 <c:pt idx="48">
-                  <c:v>61.6766303419533</c:v>
+                  <c:v>61.676630341953299</c:v>
                 </c:pt>
                 <c:pt idx="49">
-                  <c:v>51.4281120480205</c:v>
+                  <c:v>51.428112048020502</c:v>
                 </c:pt>
                 <c:pt idx="50">
-                  <c:v>50.9552328883839</c:v>
+                  <c:v>50.955232888383897</c:v>
                 </c:pt>
                 <c:pt idx="51">
-                  <c:v>36.3525834591511</c:v>
+                  <c:v>36.352583459151099</c:v>
                 </c:pt>
               </c:numCache>
             </c:numRef>
@@ -1523,11 +843,11 @@
         </c:dLbls>
         <c:marker val="1"/>
         <c:smooth val="0"/>
-        <c:axId val="2052661568"/>
-        <c:axId val="2052378000"/>
+        <c:axId val="138176000"/>
+        <c:axId val="137878912"/>
       </c:lineChart>
       <c:catAx>
-        <c:axId val="2052715456"/>
+        <c:axId val="137776512"/>
         <c:scaling>
           <c:orientation val="minMax"/>
         </c:scaling>
@@ -1537,7 +857,7 @@
         <c:majorTickMark val="out"/>
         <c:minorTickMark val="none"/>
         <c:tickLblPos val="nextTo"/>
-        <c:crossAx val="2052717776"/>
+        <c:crossAx val="137876608"/>
         <c:crosses val="autoZero"/>
         <c:auto val="1"/>
         <c:lblAlgn val="ctr"/>
@@ -1545,7 +865,7 @@
         <c:noMultiLvlLbl val="0"/>
       </c:catAx>
       <c:valAx>
-        <c:axId val="2052717776"/>
+        <c:axId val="137876608"/>
         <c:scaling>
           <c:orientation val="minMax"/>
         </c:scaling>
@@ -1556,22 +876,12 @@
         <c:majorTickMark val="out"/>
         <c:minorTickMark val="none"/>
         <c:tickLblPos val="nextTo"/>
-        <c:txPr>
-          <a:bodyPr/>
-          <a:lstStyle/>
-          <a:p>
-            <a:pPr>
-              <a:defRPr sz="1100"/>
-            </a:pPr>
-            <a:endParaRPr lang="en-US"/>
-          </a:p>
-        </c:txPr>
-        <c:crossAx val="2052715456"/>
+        <c:crossAx val="137776512"/>
         <c:crosses val="autoZero"/>
         <c:crossBetween val="between"/>
       </c:valAx>
       <c:valAx>
-        <c:axId val="2052378000"/>
+        <c:axId val="137878912"/>
         <c:scaling>
           <c:orientation val="minMax"/>
         </c:scaling>
@@ -1581,22 +891,12 @@
         <c:majorTickMark val="out"/>
         <c:minorTickMark val="none"/>
         <c:tickLblPos val="nextTo"/>
-        <c:txPr>
-          <a:bodyPr/>
-          <a:lstStyle/>
-          <a:p>
-            <a:pPr>
-              <a:defRPr sz="1100"/>
-            </a:pPr>
-            <a:endParaRPr lang="en-US"/>
-          </a:p>
-        </c:txPr>
-        <c:crossAx val="2052661568"/>
+        <c:crossAx val="138176000"/>
         <c:crosses val="max"/>
         <c:crossBetween val="between"/>
       </c:valAx>
       <c:catAx>
-        <c:axId val="2052661568"/>
+        <c:axId val="138176000"/>
         <c:scaling>
           <c:orientation val="minMax"/>
         </c:scaling>
@@ -1606,7 +906,7 @@
         <c:majorTickMark val="out"/>
         <c:minorTickMark val="none"/>
         <c:tickLblPos val="nextTo"/>
-        <c:crossAx val="2052378000"/>
+        <c:crossAx val="137878912"/>
         <c:crosses val="autoZero"/>
         <c:auto val="1"/>
         <c:lblAlgn val="ctr"/>
@@ -1618,21 +918,26 @@
       <c:legendPos val="r"/>
       <c:layout/>
       <c:overlay val="0"/>
-      <c:txPr>
-        <a:bodyPr/>
-        <a:lstStyle/>
-        <a:p>
-          <a:pPr>
-            <a:defRPr sz="1200"/>
-          </a:pPr>
-          <a:endParaRPr lang="en-US"/>
-        </a:p>
-      </c:txPr>
+      <c:spPr>
+        <a:solidFill>
+          <a:schemeClr val="bg1"/>
+        </a:solidFill>
+      </c:spPr>
     </c:legend>
     <c:plotVisOnly val="1"/>
     <c:dispBlanksAs val="gap"/>
     <c:showDLblsOverMax val="0"/>
   </c:chart>
+  <c:txPr>
+    <a:bodyPr/>
+    <a:lstStyle/>
+    <a:p>
+      <a:pPr>
+        <a:defRPr sz="1200"/>
+      </a:pPr>
+      <a:endParaRPr lang="de-DE"/>
+    </a:p>
+  </c:txPr>
   <c:externalData r:id="rId1">
     <c:autoUpdate val="0"/>
   </c:externalData>
@@ -2362,7 +1667,7 @@
             <a:fld id="{B61BEF0D-F0BB-DE4B-95CE-6DB70DBA9567}" type="datetimeFigureOut">
               <a:rPr lang="en-US" dirty="0"/>
               <a:pPr/>
-              <a:t>6/6/17</a:t>
+              <a:t>6/11/2017</a:t>
             </a:fld>
             <a:endParaRPr lang="en-US" dirty="0"/>
           </a:p>
@@ -2405,7 +1710,7 @@
             <a:fld id="{D57F1E4F-1CFF-5643-939E-217C01CDF565}" type="slidenum">
               <a:rPr lang="en-US" dirty="0"/>
               <a:pPr/>
-              <a:t>‹#›</a:t>
+              <a:t>‹Nr.›</a:t>
             </a:fld>
             <a:endParaRPr lang="en-US" dirty="0"/>
           </a:p>
@@ -2610,7 +1915,7 @@
             <a:fld id="{B61BEF0D-F0BB-DE4B-95CE-6DB70DBA9567}" type="datetimeFigureOut">
               <a:rPr lang="en-US" dirty="0"/>
               <a:pPr/>
-              <a:t>6/6/17</a:t>
+              <a:t>6/11/2017</a:t>
             </a:fld>
             <a:endParaRPr lang="en-US" dirty="0"/>
           </a:p>
@@ -2653,7 +1958,7 @@
             <a:fld id="{D57F1E4F-1CFF-5643-939E-217C01CDF565}" type="slidenum">
               <a:rPr lang="en-US" dirty="0"/>
               <a:pPr/>
-              <a:t>‹#›</a:t>
+              <a:t>‹Nr.›</a:t>
             </a:fld>
             <a:endParaRPr lang="en-US" dirty="0"/>
           </a:p>
@@ -2921,7 +2226,7 @@
             <a:fld id="{B61BEF0D-F0BB-DE4B-95CE-6DB70DBA9567}" type="datetimeFigureOut">
               <a:rPr lang="en-US" dirty="0"/>
               <a:pPr/>
-              <a:t>6/6/17</a:t>
+              <a:t>6/11/2017</a:t>
             </a:fld>
             <a:endParaRPr lang="en-US" dirty="0"/>
           </a:p>
@@ -2964,7 +2269,7 @@
             <a:fld id="{D57F1E4F-1CFF-5643-939E-217C01CDF565}" type="slidenum">
               <a:rPr lang="en-US" dirty="0"/>
               <a:pPr/>
-              <a:t>‹#›</a:t>
+              <a:t>‹Nr.›</a:t>
             </a:fld>
             <a:endParaRPr lang="en-US" dirty="0"/>
           </a:p>
@@ -3259,7 +2564,7 @@
             <a:fld id="{B61BEF0D-F0BB-DE4B-95CE-6DB70DBA9567}" type="datetimeFigureOut">
               <a:rPr lang="en-US" dirty="0"/>
               <a:pPr/>
-              <a:t>6/6/17</a:t>
+              <a:t>6/11/2017</a:t>
             </a:fld>
             <a:endParaRPr lang="en-US" dirty="0"/>
           </a:p>
@@ -3302,7 +2607,7 @@
             <a:fld id="{D57F1E4F-1CFF-5643-939E-217C01CDF565}" type="slidenum">
               <a:rPr lang="en-US" dirty="0"/>
               <a:pPr/>
-              <a:t>‹#›</a:t>
+              <a:t>‹Nr.›</a:t>
             </a:fld>
             <a:endParaRPr lang="en-US" dirty="0"/>
           </a:p>
@@ -3570,7 +2875,7 @@
             <a:fld id="{B61BEF0D-F0BB-DE4B-95CE-6DB70DBA9567}" type="datetimeFigureOut">
               <a:rPr lang="en-US" dirty="0"/>
               <a:pPr/>
-              <a:t>6/6/17</a:t>
+              <a:t>6/11/2017</a:t>
             </a:fld>
             <a:endParaRPr lang="en-US" dirty="0"/>
           </a:p>
@@ -3613,7 +2918,7 @@
             <a:fld id="{D57F1E4F-1CFF-5643-939E-217C01CDF565}" type="slidenum">
               <a:rPr lang="en-US" dirty="0"/>
               <a:pPr/>
-              <a:t>‹#›</a:t>
+              <a:t>‹Nr.›</a:t>
             </a:fld>
             <a:endParaRPr lang="en-US" dirty="0"/>
           </a:p>
@@ -3960,7 +3265,7 @@
             <a:fld id="{B61BEF0D-F0BB-DE4B-95CE-6DB70DBA9567}" type="datetimeFigureOut">
               <a:rPr lang="en-US" dirty="0"/>
               <a:pPr/>
-              <a:t>6/6/17</a:t>
+              <a:t>6/11/2017</a:t>
             </a:fld>
             <a:endParaRPr lang="en-US" dirty="0"/>
           </a:p>
@@ -4003,7 +3308,7 @@
             <a:fld id="{D57F1E4F-1CFF-5643-939E-217C01CDF565}" type="slidenum">
               <a:rPr lang="en-US" dirty="0"/>
               <a:pPr/>
-              <a:t>‹#›</a:t>
+              <a:t>‹Nr.›</a:t>
             </a:fld>
             <a:endParaRPr lang="en-US" dirty="0"/>
           </a:p>
@@ -4126,7 +3431,7 @@
           <a:p>
             <a:fld id="{55C6B4A9-1611-4792-9094-5F34BCA07E0B}" type="datetimeFigureOut">
               <a:rPr lang="en-US" dirty="0"/>
-              <a:t>6/6/17</a:t>
+              <a:t>6/11/2017</a:t>
             </a:fld>
             <a:endParaRPr lang="en-US" dirty="0"/>
           </a:p>
@@ -4168,7 +3473,7 @@
           <a:p>
             <a:fld id="{89333C77-0158-454C-844F-B7AB9BD7DAD4}" type="slidenum">
               <a:rPr lang="en-US" dirty="0"/>
-              <a:t>‹#›</a:t>
+              <a:t>‹Nr.›</a:t>
             </a:fld>
             <a:endParaRPr lang="en-US" dirty="0"/>
           </a:p>
@@ -4302,7 +3607,7 @@
             <a:fld id="{B61BEF0D-F0BB-DE4B-95CE-6DB70DBA9567}" type="datetimeFigureOut">
               <a:rPr lang="en-US" dirty="0"/>
               <a:pPr/>
-              <a:t>6/6/17</a:t>
+              <a:t>6/11/2017</a:t>
             </a:fld>
             <a:endParaRPr lang="en-US" dirty="0"/>
           </a:p>
@@ -4345,7 +3650,7 @@
             <a:fld id="{D57F1E4F-1CFF-5643-939E-217C01CDF565}" type="slidenum">
               <a:rPr lang="en-US" dirty="0"/>
               <a:pPr/>
-              <a:t>‹#›</a:t>
+              <a:t>‹Nr.›</a:t>
             </a:fld>
             <a:endParaRPr lang="en-US" dirty="0"/>
           </a:p>
@@ -4475,7 +3780,7 @@
             <a:fld id="{B61BEF0D-F0BB-DE4B-95CE-6DB70DBA9567}" type="datetimeFigureOut">
               <a:rPr lang="en-US" dirty="0"/>
               <a:pPr/>
-              <a:t>6/6/17</a:t>
+              <a:t>6/11/2017</a:t>
             </a:fld>
             <a:endParaRPr lang="en-US" dirty="0"/>
           </a:p>
@@ -4518,7 +3823,7 @@
             <a:fld id="{D57F1E4F-1CFF-5643-939E-217C01CDF565}" type="slidenum">
               <a:rPr lang="en-US" dirty="0"/>
               <a:pPr/>
-              <a:t>‹#›</a:t>
+              <a:t>‹Nr.›</a:t>
             </a:fld>
             <a:endParaRPr lang="en-US" dirty="0"/>
           </a:p>
@@ -4719,7 +4024,7 @@
             <a:fld id="{B61BEF0D-F0BB-DE4B-95CE-6DB70DBA9567}" type="datetimeFigureOut">
               <a:rPr lang="en-US" dirty="0"/>
               <a:pPr/>
-              <a:t>6/6/17</a:t>
+              <a:t>6/11/2017</a:t>
             </a:fld>
             <a:endParaRPr lang="en-US" dirty="0"/>
           </a:p>
@@ -4762,7 +4067,7 @@
             <a:fld id="{D57F1E4F-1CFF-5643-939E-217C01CDF565}" type="slidenum">
               <a:rPr lang="en-US" dirty="0"/>
               <a:pPr/>
-              <a:t>‹#›</a:t>
+              <a:t>‹Nr.›</a:t>
             </a:fld>
             <a:endParaRPr lang="en-US" dirty="0"/>
           </a:p>
@@ -4947,7 +4252,7 @@
           <a:p>
             <a:fld id="{EB712588-04B1-427B-82EE-E8DB90309F08}" type="datetimeFigureOut">
               <a:rPr lang="en-US" dirty="0"/>
-              <a:t>6/6/17</a:t>
+              <a:t>6/11/2017</a:t>
             </a:fld>
             <a:endParaRPr lang="en-US" dirty="0"/>
           </a:p>
@@ -4989,7 +4294,7 @@
           <a:p>
             <a:fld id="{6FF9F0C5-380F-41C2-899A-BAC0F0927E16}" type="slidenum">
               <a:rPr lang="en-US" dirty="0"/>
-              <a:t>‹#›</a:t>
+              <a:t>‹Nr.›</a:t>
             </a:fld>
             <a:endParaRPr lang="en-US" dirty="0"/>
           </a:p>
@@ -5317,7 +4622,7 @@
             <a:fld id="{B61BEF0D-F0BB-DE4B-95CE-6DB70DBA9567}" type="datetimeFigureOut">
               <a:rPr lang="en-US" dirty="0"/>
               <a:pPr/>
-              <a:t>6/6/17</a:t>
+              <a:t>6/11/2017</a:t>
             </a:fld>
             <a:endParaRPr lang="en-US" dirty="0"/>
           </a:p>
@@ -5360,7 +4665,7 @@
             <a:fld id="{D57F1E4F-1CFF-5643-939E-217C01CDF565}" type="slidenum">
               <a:rPr lang="en-US" dirty="0"/>
               <a:pPr/>
-              <a:t>‹#›</a:t>
+              <a:t>‹Nr.›</a:t>
             </a:fld>
             <a:endParaRPr lang="en-US" dirty="0"/>
           </a:p>
@@ -5437,7 +4742,7 @@
             <a:fld id="{B61BEF0D-F0BB-DE4B-95CE-6DB70DBA9567}" type="datetimeFigureOut">
               <a:rPr lang="en-US" dirty="0"/>
               <a:pPr/>
-              <a:t>6/6/17</a:t>
+              <a:t>6/11/2017</a:t>
             </a:fld>
             <a:endParaRPr lang="en-US" dirty="0"/>
           </a:p>
@@ -5480,7 +4785,7 @@
             <a:fld id="{D57F1E4F-1CFF-5643-939E-217C01CDF565}" type="slidenum">
               <a:rPr lang="en-US" dirty="0"/>
               <a:pPr/>
-              <a:t>‹#›</a:t>
+              <a:t>‹Nr.›</a:t>
             </a:fld>
             <a:endParaRPr lang="en-US" dirty="0"/>
           </a:p>
@@ -5529,7 +4834,7 @@
             <a:fld id="{B61BEF0D-F0BB-DE4B-95CE-6DB70DBA9567}" type="datetimeFigureOut">
               <a:rPr lang="en-US" dirty="0"/>
               <a:pPr/>
-              <a:t>6/6/17</a:t>
+              <a:t>6/11/2017</a:t>
             </a:fld>
             <a:endParaRPr lang="en-US" dirty="0"/>
           </a:p>
@@ -5572,7 +4877,7 @@
             <a:fld id="{D57F1E4F-1CFF-5643-939E-217C01CDF565}" type="slidenum">
               <a:rPr lang="en-US" dirty="0"/>
               <a:pPr/>
-              <a:t>‹#›</a:t>
+              <a:t>‹Nr.›</a:t>
             </a:fld>
             <a:endParaRPr lang="en-US" dirty="0"/>
           </a:p>
@@ -5780,7 +5085,7 @@
           <a:p>
             <a:fld id="{42A54C80-263E-416B-A8E0-580EDEADCBDC}" type="datetimeFigureOut">
               <a:rPr lang="en-US" dirty="0"/>
-              <a:t>6/6/17</a:t>
+              <a:t>6/11/2017</a:t>
             </a:fld>
             <a:endParaRPr lang="en-US" dirty="0"/>
           </a:p>
@@ -5822,7 +5127,7 @@
           <a:p>
             <a:fld id="{519954A3-9DFD-4C44-94BA-B95130A3BA1C}" type="slidenum">
               <a:rPr lang="en-US" dirty="0"/>
-              <a:t>‹#›</a:t>
+              <a:t>‹Nr.›</a:t>
             </a:fld>
             <a:endParaRPr lang="en-US" dirty="0"/>
           </a:p>
@@ -6039,7 +5344,7 @@
             <a:fld id="{B61BEF0D-F0BB-DE4B-95CE-6DB70DBA9567}" type="datetimeFigureOut">
               <a:rPr lang="en-US" dirty="0"/>
               <a:pPr/>
-              <a:t>6/6/17</a:t>
+              <a:t>6/11/2017</a:t>
             </a:fld>
             <a:endParaRPr lang="en-US" dirty="0"/>
           </a:p>
@@ -6082,7 +5387,7 @@
             <a:fld id="{D57F1E4F-1CFF-5643-939E-217C01CDF565}" type="slidenum">
               <a:rPr lang="en-US" dirty="0"/>
               <a:pPr/>
-              <a:t>‹#›</a:t>
+              <a:t>‹Nr.›</a:t>
             </a:fld>
             <a:endParaRPr lang="en-US" dirty="0"/>
           </a:p>
@@ -6779,7 +6084,7 @@
             <a:fld id="{B61BEF0D-F0BB-DE4B-95CE-6DB70DBA9567}" type="datetimeFigureOut">
               <a:rPr lang="en-US" dirty="0"/>
               <a:pPr/>
-              <a:t>6/6/17</a:t>
+              <a:t>6/11/2017</a:t>
             </a:fld>
             <a:endParaRPr lang="en-US" dirty="0"/>
           </a:p>
@@ -6856,7 +6161,7 @@
             <a:fld id="{D57F1E4F-1CFF-5643-939E-217C01CDF565}" type="slidenum">
               <a:rPr lang="en-US" dirty="0"/>
               <a:pPr/>
-              <a:t>‹#›</a:t>
+              <a:t>‹Nr.›</a:t>
             </a:fld>
             <a:endParaRPr lang="en-US" dirty="0"/>
           </a:p>
@@ -7546,20 +6851,8 @@
           </a:p>
           <a:p>
             <a:r>
-              <a:rPr lang="de-CH" dirty="0" err="1" smtClean="0"/>
-              <a:t>Using</a:t>
-            </a:r>
-            <a:r>
               <a:rPr lang="de-CH" dirty="0" smtClean="0"/>
-              <a:t> Python-Code </a:t>
-            </a:r>
-            <a:r>
-              <a:rPr lang="de-CH" dirty="0" err="1" smtClean="0"/>
-              <a:t>with</a:t>
-            </a:r>
-            <a:r>
-              <a:rPr lang="de-CH" dirty="0" smtClean="0"/>
-              <a:t> </a:t>
+              <a:t>Python-Code auf </a:t>
             </a:r>
             <a:r>
               <a:rPr lang="de-CH" dirty="0" err="1" smtClean="0"/>
@@ -7582,19 +6875,10 @@
             </a:r>
           </a:p>
           <a:p>
+            <a:pPr marL="0" indent="0">
+              <a:buNone/>
+            </a:pPr>
             <a:endParaRPr lang="de-CH" dirty="0"/>
-          </a:p>
-          <a:p>
-            <a:pPr marL="0" indent="0">
-              <a:buNone/>
-            </a:pPr>
-            <a:r>
-              <a:rPr lang="de-CH" dirty="0" smtClean="0">
-                <a:sym typeface="Wingdings"/>
-              </a:rPr>
-              <a:t> Code</a:t>
-            </a:r>
-            <a:endParaRPr lang="de-CH" dirty="0" smtClean="0"/>
           </a:p>
         </p:txBody>
       </p:sp>
@@ -7608,6 +6892,13 @@
   <p:clrMapOvr>
     <a:masterClrMapping/>
   </p:clrMapOvr>
+  <p:timing>
+    <p:tnLst>
+      <p:par>
+        <p:cTn id="1" dur="indefinite" restart="never" nodeType="tmRoot"/>
+      </p:par>
+    </p:tnLst>
+  </p:timing>
 </p:sld>
 </file>
 
@@ -7645,46 +6936,3464 @@
           <a:p>
             <a:r>
               <a:rPr lang="de-CH" dirty="0" smtClean="0"/>
-              <a:t>Ergebnisse</a:t>
+              <a:t>Code Single-Core</a:t>
             </a:r>
             <a:endParaRPr lang="de-CH" dirty="0"/>
           </a:p>
         </p:txBody>
       </p:sp>
-      <p:graphicFrame>
-        <p:nvGraphicFramePr>
-          <p:cNvPr id="4" name="Diagramm 16"/>
-          <p:cNvGraphicFramePr>
-            <a:graphicFrameLocks/>
-          </p:cNvGraphicFramePr>
+      <p:sp>
+        <p:nvSpPr>
+          <p:cNvPr id="3" name="Content Placeholder 2"/>
+          <p:cNvSpPr>
+            <a:spLocks noGrp="1"/>
+          </p:cNvSpPr>
           <p:nvPr>
-            <p:extLst>
-              <p:ext uri="{D42A27DB-BD31-4B8C-83A1-F6EECF244321}">
-                <p14:modId xmlns:p14="http://schemas.microsoft.com/office/powerpoint/2010/main" val="2043175102"/>
-              </p:ext>
-            </p:extLst>
+            <p:ph idx="1"/>
           </p:nvPr>
-        </p:nvGraphicFramePr>
-        <p:xfrm>
-          <a:off x="677334" y="1270000"/>
-          <a:ext cx="10924116" cy="4926330"/>
-        </p:xfrm>
-        <a:graphic>
-          <a:graphicData uri="http://schemas.openxmlformats.org/drawingml/2006/chart">
-            <c:chart xmlns:c="http://schemas.openxmlformats.org/drawingml/2006/chart" xmlns:r="http://schemas.openxmlformats.org/officeDocument/2006/relationships" r:id="rId2"/>
-          </a:graphicData>
-        </a:graphic>
-      </p:graphicFrame>
+        </p:nvSpPr>
+        <p:spPr>
+          <a:xfrm>
+            <a:off x="677334" y="1554007"/>
+            <a:ext cx="8596668" cy="3880773"/>
+          </a:xfrm>
+        </p:spPr>
+        <p:txBody>
+          <a:bodyPr/>
+          <a:lstStyle/>
+          <a:p>
+            <a:pPr marL="0" indent="0">
+              <a:buNone/>
+            </a:pPr>
+            <a:r>
+              <a:rPr lang="de-CH" dirty="0" err="1" smtClean="0"/>
+              <a:t>Map</a:t>
+            </a:r>
+            <a:r>
+              <a:rPr lang="de-CH" dirty="0" smtClean="0"/>
+              <a:t> Task 1</a:t>
+            </a:r>
+          </a:p>
+          <a:p>
+            <a:pPr marL="0" indent="0">
+              <a:buNone/>
+            </a:pPr>
+            <a:endParaRPr lang="de-CH" dirty="0"/>
+          </a:p>
+          <a:p>
+            <a:pPr marL="0" indent="0">
+              <a:buNone/>
+            </a:pPr>
+            <a:endParaRPr lang="de-CH" dirty="0" smtClean="0"/>
+          </a:p>
+          <a:p>
+            <a:pPr marL="0" indent="0">
+              <a:buNone/>
+            </a:pPr>
+            <a:endParaRPr lang="de-CH" dirty="0"/>
+          </a:p>
+          <a:p>
+            <a:pPr marL="0" indent="0">
+              <a:buNone/>
+            </a:pPr>
+            <a:endParaRPr lang="de-CH" dirty="0" smtClean="0"/>
+          </a:p>
+          <a:p>
+            <a:pPr marL="0" indent="0">
+              <a:buNone/>
+            </a:pPr>
+            <a:endParaRPr lang="de-CH" dirty="0" smtClean="0"/>
+          </a:p>
+          <a:p>
+            <a:pPr marL="0" indent="0">
+              <a:buNone/>
+            </a:pPr>
+            <a:r>
+              <a:rPr lang="de-CH" dirty="0" err="1" smtClean="0"/>
+              <a:t>Map</a:t>
+            </a:r>
+            <a:r>
+              <a:rPr lang="de-CH" dirty="0" smtClean="0"/>
+              <a:t> Task 2</a:t>
+            </a:r>
+            <a:endParaRPr lang="de-CH" dirty="0"/>
+          </a:p>
+        </p:txBody>
+      </p:sp>
+      <p:sp>
+        <p:nvSpPr>
+          <p:cNvPr id="4" name="Rectangle 5"/>
+          <p:cNvSpPr>
+            <a:spLocks noChangeArrowheads="1"/>
+          </p:cNvSpPr>
+          <p:nvPr/>
+        </p:nvSpPr>
+        <p:spPr bwMode="auto">
+          <a:xfrm>
+            <a:off x="677334" y="4362944"/>
+            <a:ext cx="11381882" cy="2308324"/>
+          </a:xfrm>
+          <a:prstGeom prst="rect">
+            <a:avLst/>
+          </a:prstGeom>
+          <a:solidFill>
+            <a:srgbClr val="FFFFFF"/>
+          </a:solidFill>
+          <a:ln>
+            <a:noFill/>
+          </a:ln>
+          <a:effectLst/>
+          <a:extLst>
+            <a:ext uri="{91240B29-F687-4F45-9708-019B960494DF}">
+              <a14:hiddenLine xmlns:a14="http://schemas.microsoft.com/office/drawing/2010/main" w="9525">
+                <a:solidFill>
+                  <a:schemeClr val="tx1"/>
+                </a:solidFill>
+                <a:miter lim="800000"/>
+                <a:headEnd/>
+                <a:tailEnd/>
+              </a14:hiddenLine>
+            </a:ext>
+            <a:ext uri="{AF507438-7753-43E0-B8FC-AC1667EBCBE1}">
+              <a14:hiddenEffects xmlns:a14="http://schemas.microsoft.com/office/drawing/2010/main">
+                <a:effectLst>
+                  <a:outerShdw dist="35921" dir="2700000" algn="ctr" rotWithShape="0">
+                    <a:schemeClr val="bg2"/>
+                  </a:outerShdw>
+                </a:effectLst>
+              </a14:hiddenEffects>
+            </a:ext>
+          </a:extLst>
+        </p:spPr>
+        <p:txBody>
+          <a:bodyPr vert="horz" wrap="square" lIns="91440" tIns="45720" rIns="91440" bIns="45720" numCol="1" anchor="ctr" anchorCtr="0" compatLnSpc="1">
+            <a:prstTxWarp prst="textNoShape">
+              <a:avLst/>
+            </a:prstTxWarp>
+            <a:spAutoFit/>
+          </a:bodyPr>
+          <a:lstStyle/>
+          <a:p>
+            <a:pPr marL="0" marR="0" lvl="0" indent="0" algn="l" defTabSz="914400" rtl="0" eaLnBrk="1" fontAlgn="base" latinLnBrk="0" hangingPunct="1">
+              <a:lnSpc>
+                <a:spcPct val="100000"/>
+              </a:lnSpc>
+              <a:spcBef>
+                <a:spcPct val="0"/>
+              </a:spcBef>
+              <a:spcAft>
+                <a:spcPct val="0"/>
+              </a:spcAft>
+              <a:buClrTx/>
+              <a:buSzTx/>
+              <a:buFontTx/>
+              <a:buNone/>
+              <a:tabLst/>
+            </a:pPr>
+            <a:r>
+              <a:rPr kumimoji="0" lang="de-DE" altLang="de-DE" sz="1200" b="0" i="0" u="none" strike="noStrike" cap="none" normalizeH="0" baseline="0" dirty="0" err="1" smtClean="0">
+                <a:ln>
+                  <a:noFill/>
+                </a:ln>
+                <a:solidFill>
+                  <a:srgbClr val="000000"/>
+                </a:solidFill>
+                <a:effectLst/>
+                <a:latin typeface="Courier New" pitchFamily="49" charset="0"/>
+                <a:cs typeface="Courier New" pitchFamily="49" charset="0"/>
+              </a:rPr>
+              <a:t>data</a:t>
+            </a:r>
+            <a:r>
+              <a:rPr kumimoji="0" lang="de-DE" altLang="de-DE" sz="1200" b="0" i="0" u="none" strike="noStrike" cap="none" normalizeH="0" baseline="0" dirty="0" smtClean="0">
+                <a:ln>
+                  <a:noFill/>
+                </a:ln>
+                <a:solidFill>
+                  <a:srgbClr val="000000"/>
+                </a:solidFill>
+                <a:effectLst/>
+                <a:latin typeface="Courier New" pitchFamily="49" charset="0"/>
+                <a:cs typeface="Courier New" pitchFamily="49" charset="0"/>
+              </a:rPr>
+              <a:t> = </a:t>
+            </a:r>
+            <a:r>
+              <a:rPr kumimoji="0" lang="de-DE" altLang="de-DE" sz="1200" b="0" i="0" u="none" strike="noStrike" cap="none" normalizeH="0" baseline="0" dirty="0" err="1" smtClean="0">
+                <a:ln>
+                  <a:noFill/>
+                </a:ln>
+                <a:solidFill>
+                  <a:srgbClr val="000000"/>
+                </a:solidFill>
+                <a:effectLst/>
+                <a:latin typeface="Courier New" pitchFamily="49" charset="0"/>
+                <a:cs typeface="Courier New" pitchFamily="49" charset="0"/>
+              </a:rPr>
+              <a:t>csv.DictReader</a:t>
+            </a:r>
+            <a:r>
+              <a:rPr kumimoji="0" lang="de-DE" altLang="de-DE" sz="1200" b="0" i="0" u="none" strike="noStrike" cap="none" normalizeH="0" baseline="0" dirty="0" smtClean="0">
+                <a:ln>
+                  <a:noFill/>
+                </a:ln>
+                <a:solidFill>
+                  <a:srgbClr val="000000"/>
+                </a:solidFill>
+                <a:effectLst/>
+                <a:latin typeface="Courier New" pitchFamily="49" charset="0"/>
+                <a:cs typeface="Courier New" pitchFamily="49" charset="0"/>
+              </a:rPr>
+              <a:t>(</a:t>
+            </a:r>
+            <a:r>
+              <a:rPr kumimoji="0" lang="de-DE" altLang="de-DE" sz="1200" b="0" i="0" u="none" strike="noStrike" cap="none" normalizeH="0" baseline="0" dirty="0" smtClean="0">
+                <a:ln>
+                  <a:noFill/>
+                </a:ln>
+                <a:solidFill>
+                  <a:srgbClr val="000080"/>
+                </a:solidFill>
+                <a:effectLst/>
+                <a:latin typeface="Courier New" pitchFamily="49" charset="0"/>
+                <a:cs typeface="Courier New" pitchFamily="49" charset="0"/>
+              </a:rPr>
+              <a:t>open</a:t>
+            </a:r>
+            <a:r>
+              <a:rPr kumimoji="0" lang="de-DE" altLang="de-DE" sz="1200" b="0" i="0" u="none" strike="noStrike" cap="none" normalizeH="0" baseline="0" dirty="0" smtClean="0">
+                <a:ln>
+                  <a:noFill/>
+                </a:ln>
+                <a:solidFill>
+                  <a:srgbClr val="000000"/>
+                </a:solidFill>
+                <a:effectLst/>
+                <a:latin typeface="Courier New" pitchFamily="49" charset="0"/>
+                <a:cs typeface="Courier New" pitchFamily="49" charset="0"/>
+              </a:rPr>
+              <a:t>(</a:t>
+            </a:r>
+            <a:r>
+              <a:rPr kumimoji="0" lang="de-DE" altLang="de-DE" sz="1200" b="0" i="0" u="none" strike="noStrike" cap="none" normalizeH="0" baseline="0" dirty="0" err="1" smtClean="0">
+                <a:ln>
+                  <a:noFill/>
+                </a:ln>
+                <a:solidFill>
+                  <a:srgbClr val="000000"/>
+                </a:solidFill>
+                <a:effectLst/>
+                <a:latin typeface="Courier New" pitchFamily="49" charset="0"/>
+                <a:cs typeface="Courier New" pitchFamily="49" charset="0"/>
+              </a:rPr>
+              <a:t>path</a:t>
+            </a:r>
+            <a:r>
+              <a:rPr kumimoji="0" lang="de-DE" altLang="de-DE" sz="1200" b="0" i="0" u="none" strike="noStrike" cap="none" normalizeH="0" baseline="0" dirty="0" smtClean="0">
+                <a:ln>
+                  <a:noFill/>
+                </a:ln>
+                <a:solidFill>
+                  <a:srgbClr val="000000"/>
+                </a:solidFill>
+                <a:effectLst/>
+                <a:latin typeface="Courier New" pitchFamily="49" charset="0"/>
+                <a:cs typeface="Courier New" pitchFamily="49" charset="0"/>
+              </a:rPr>
+              <a:t>),</a:t>
+            </a:r>
+            <a:r>
+              <a:rPr kumimoji="0" lang="de-DE" altLang="de-DE" sz="1200" b="0" i="0" u="none" strike="noStrike" cap="none" normalizeH="0" baseline="0" dirty="0" err="1" smtClean="0">
+                <a:ln>
+                  <a:noFill/>
+                </a:ln>
+                <a:solidFill>
+                  <a:srgbClr val="660099"/>
+                </a:solidFill>
+                <a:effectLst/>
+                <a:latin typeface="Courier New" pitchFamily="49" charset="0"/>
+                <a:cs typeface="Courier New" pitchFamily="49" charset="0"/>
+              </a:rPr>
+              <a:t>dialect</a:t>
+            </a:r>
+            <a:r>
+              <a:rPr kumimoji="0" lang="de-DE" altLang="de-DE" sz="1200" b="0" i="0" u="none" strike="noStrike" cap="none" normalizeH="0" baseline="0" dirty="0" smtClean="0">
+                <a:ln>
+                  <a:noFill/>
+                </a:ln>
+                <a:solidFill>
+                  <a:srgbClr val="000000"/>
+                </a:solidFill>
+                <a:effectLst/>
+                <a:latin typeface="Courier New" pitchFamily="49" charset="0"/>
+                <a:cs typeface="Courier New" pitchFamily="49" charset="0"/>
+              </a:rPr>
+              <a:t>=</a:t>
+            </a:r>
+            <a:r>
+              <a:rPr kumimoji="0" lang="de-DE" altLang="de-DE" sz="1200" b="1" i="0" u="none" strike="noStrike" cap="none" normalizeH="0" baseline="0" dirty="0" smtClean="0">
+                <a:ln>
+                  <a:noFill/>
+                </a:ln>
+                <a:solidFill>
+                  <a:srgbClr val="008080"/>
+                </a:solidFill>
+                <a:effectLst/>
+                <a:latin typeface="Courier New" pitchFamily="49" charset="0"/>
+                <a:cs typeface="Courier New" pitchFamily="49" charset="0"/>
+              </a:rPr>
+              <a:t>'</a:t>
+            </a:r>
+            <a:r>
+              <a:rPr kumimoji="0" lang="de-DE" altLang="de-DE" sz="1200" b="1" i="0" u="none" strike="noStrike" cap="none" normalizeH="0" baseline="0" dirty="0" err="1" smtClean="0">
+                <a:ln>
+                  <a:noFill/>
+                </a:ln>
+                <a:solidFill>
+                  <a:srgbClr val="008080"/>
+                </a:solidFill>
+                <a:effectLst/>
+                <a:latin typeface="Courier New" pitchFamily="49" charset="0"/>
+                <a:cs typeface="Courier New" pitchFamily="49" charset="0"/>
+              </a:rPr>
+              <a:t>excel</a:t>
+            </a:r>
+            <a:r>
+              <a:rPr kumimoji="0" lang="de-DE" altLang="de-DE" sz="1200" b="1" i="0" u="none" strike="noStrike" cap="none" normalizeH="0" baseline="0" dirty="0" smtClean="0">
+                <a:ln>
+                  <a:noFill/>
+                </a:ln>
+                <a:solidFill>
+                  <a:srgbClr val="008080"/>
+                </a:solidFill>
+                <a:effectLst/>
+                <a:latin typeface="Courier New" pitchFamily="49" charset="0"/>
+                <a:cs typeface="Courier New" pitchFamily="49" charset="0"/>
+              </a:rPr>
+              <a:t>'</a:t>
+            </a:r>
+            <a:r>
+              <a:rPr kumimoji="0" lang="de-DE" altLang="de-DE" sz="1200" b="0" i="0" u="none" strike="noStrike" cap="none" normalizeH="0" baseline="0" dirty="0" smtClean="0">
+                <a:ln>
+                  <a:noFill/>
+                </a:ln>
+                <a:solidFill>
+                  <a:srgbClr val="000000"/>
+                </a:solidFill>
+                <a:effectLst/>
+                <a:latin typeface="Courier New" pitchFamily="49" charset="0"/>
+                <a:cs typeface="Courier New" pitchFamily="49" charset="0"/>
+              </a:rPr>
+              <a:t>)</a:t>
+            </a:r>
+            <a:br>
+              <a:rPr kumimoji="0" lang="de-DE" altLang="de-DE" sz="1200" b="0" i="0" u="none" strike="noStrike" cap="none" normalizeH="0" baseline="0" dirty="0" smtClean="0">
+                <a:ln>
+                  <a:noFill/>
+                </a:ln>
+                <a:solidFill>
+                  <a:srgbClr val="000000"/>
+                </a:solidFill>
+                <a:effectLst/>
+                <a:latin typeface="Courier New" pitchFamily="49" charset="0"/>
+                <a:cs typeface="Courier New" pitchFamily="49" charset="0"/>
+              </a:rPr>
+            </a:br>
+            <a:r>
+              <a:rPr kumimoji="0" lang="de-DE" altLang="de-DE" sz="1200" b="0" i="0" u="none" strike="noStrike" cap="none" normalizeH="0" baseline="0" dirty="0" smtClean="0">
+                <a:ln>
+                  <a:noFill/>
+                </a:ln>
+                <a:solidFill>
+                  <a:srgbClr val="000000"/>
+                </a:solidFill>
+                <a:effectLst/>
+                <a:latin typeface="Courier New" pitchFamily="49" charset="0"/>
+                <a:cs typeface="Courier New" pitchFamily="49" charset="0"/>
+              </a:rPr>
+              <a:t/>
+            </a:r>
+            <a:br>
+              <a:rPr kumimoji="0" lang="de-DE" altLang="de-DE" sz="1200" b="0" i="0" u="none" strike="noStrike" cap="none" normalizeH="0" baseline="0" dirty="0" smtClean="0">
+                <a:ln>
+                  <a:noFill/>
+                </a:ln>
+                <a:solidFill>
+                  <a:srgbClr val="000000"/>
+                </a:solidFill>
+                <a:effectLst/>
+                <a:latin typeface="Courier New" pitchFamily="49" charset="0"/>
+                <a:cs typeface="Courier New" pitchFamily="49" charset="0"/>
+              </a:rPr>
+            </a:br>
+            <a:r>
+              <a:rPr kumimoji="0" lang="de-DE" altLang="de-DE" sz="1200" b="1" i="0" u="none" strike="noStrike" cap="none" normalizeH="0" baseline="0" dirty="0" err="1" smtClean="0">
+                <a:ln>
+                  <a:noFill/>
+                </a:ln>
+                <a:solidFill>
+                  <a:srgbClr val="000080"/>
+                </a:solidFill>
+                <a:effectLst/>
+                <a:latin typeface="Courier New" pitchFamily="49" charset="0"/>
+                <a:cs typeface="Courier New" pitchFamily="49" charset="0"/>
+              </a:rPr>
+              <a:t>def</a:t>
+            </a:r>
+            <a:r>
+              <a:rPr kumimoji="0" lang="de-DE" altLang="de-DE" sz="1200" b="1" i="0" u="none" strike="noStrike" cap="none" normalizeH="0" baseline="0" dirty="0" smtClean="0">
+                <a:ln>
+                  <a:noFill/>
+                </a:ln>
+                <a:solidFill>
+                  <a:srgbClr val="000080"/>
+                </a:solidFill>
+                <a:effectLst/>
+                <a:latin typeface="Courier New" pitchFamily="49" charset="0"/>
+                <a:cs typeface="Courier New" pitchFamily="49" charset="0"/>
+              </a:rPr>
+              <a:t> </a:t>
+            </a:r>
+            <a:r>
+              <a:rPr kumimoji="0" lang="de-DE" altLang="de-DE" sz="1200" b="0" i="0" u="none" strike="noStrike" cap="none" normalizeH="0" baseline="0" dirty="0" smtClean="0">
+                <a:ln>
+                  <a:noFill/>
+                </a:ln>
+                <a:solidFill>
+                  <a:srgbClr val="000000"/>
+                </a:solidFill>
+                <a:effectLst/>
+                <a:latin typeface="Courier New" pitchFamily="49" charset="0"/>
+                <a:cs typeface="Courier New" pitchFamily="49" charset="0"/>
+              </a:rPr>
+              <a:t>task2firstmap(</a:t>
+            </a:r>
+            <a:r>
+              <a:rPr kumimoji="0" lang="de-DE" altLang="de-DE" sz="1200" b="0" i="0" u="none" strike="noStrike" cap="none" normalizeH="0" baseline="0" dirty="0" err="1" smtClean="0">
+                <a:ln>
+                  <a:noFill/>
+                </a:ln>
+                <a:solidFill>
+                  <a:srgbClr val="000000"/>
+                </a:solidFill>
+                <a:effectLst/>
+                <a:latin typeface="Courier New" pitchFamily="49" charset="0"/>
+                <a:cs typeface="Courier New" pitchFamily="49" charset="0"/>
+              </a:rPr>
+              <a:t>data</a:t>
+            </a:r>
+            <a:r>
+              <a:rPr kumimoji="0" lang="de-DE" altLang="de-DE" sz="1200" b="0" i="0" u="none" strike="noStrike" cap="none" normalizeH="0" baseline="0" dirty="0" smtClean="0">
+                <a:ln>
+                  <a:noFill/>
+                </a:ln>
+                <a:solidFill>
+                  <a:srgbClr val="000000"/>
+                </a:solidFill>
+                <a:effectLst/>
+                <a:latin typeface="Courier New" pitchFamily="49" charset="0"/>
+                <a:cs typeface="Courier New" pitchFamily="49" charset="0"/>
+              </a:rPr>
+              <a:t>):</a:t>
+            </a:r>
+            <a:br>
+              <a:rPr kumimoji="0" lang="de-DE" altLang="de-DE" sz="1200" b="0" i="0" u="none" strike="noStrike" cap="none" normalizeH="0" baseline="0" dirty="0" smtClean="0">
+                <a:ln>
+                  <a:noFill/>
+                </a:ln>
+                <a:solidFill>
+                  <a:srgbClr val="000000"/>
+                </a:solidFill>
+                <a:effectLst/>
+                <a:latin typeface="Courier New" pitchFamily="49" charset="0"/>
+                <a:cs typeface="Courier New" pitchFamily="49" charset="0"/>
+              </a:rPr>
+            </a:br>
+            <a:r>
+              <a:rPr kumimoji="0" lang="de-DE" altLang="de-DE" sz="1200" b="0" i="0" u="none" strike="noStrike" cap="none" normalizeH="0" baseline="0" dirty="0" smtClean="0">
+                <a:ln>
+                  <a:noFill/>
+                </a:ln>
+                <a:solidFill>
+                  <a:srgbClr val="000000"/>
+                </a:solidFill>
+                <a:effectLst/>
+                <a:latin typeface="Courier New" pitchFamily="49" charset="0"/>
+                <a:cs typeface="Courier New" pitchFamily="49" charset="0"/>
+              </a:rPr>
+              <a:t>    </a:t>
+            </a:r>
+            <a:r>
+              <a:rPr kumimoji="0" lang="de-DE" altLang="de-DE" sz="1200" b="0" i="0" u="none" strike="noStrike" cap="none" normalizeH="0" baseline="0" dirty="0" err="1" smtClean="0">
+                <a:ln>
+                  <a:noFill/>
+                </a:ln>
+                <a:solidFill>
+                  <a:srgbClr val="000000"/>
+                </a:solidFill>
+                <a:effectLst/>
+                <a:latin typeface="Courier New" pitchFamily="49" charset="0"/>
+                <a:cs typeface="Courier New" pitchFamily="49" charset="0"/>
+              </a:rPr>
+              <a:t>logs</a:t>
+            </a:r>
+            <a:r>
+              <a:rPr kumimoji="0" lang="de-DE" altLang="de-DE" sz="1200" b="0" i="0" u="none" strike="noStrike" cap="none" normalizeH="0" baseline="0" dirty="0" smtClean="0">
+                <a:ln>
+                  <a:noFill/>
+                </a:ln>
+                <a:solidFill>
+                  <a:srgbClr val="000000"/>
+                </a:solidFill>
+                <a:effectLst/>
+                <a:latin typeface="Courier New" pitchFamily="49" charset="0"/>
+                <a:cs typeface="Courier New" pitchFamily="49" charset="0"/>
+              </a:rPr>
+              <a:t> = []</a:t>
+            </a:r>
+            <a:br>
+              <a:rPr kumimoji="0" lang="de-DE" altLang="de-DE" sz="1200" b="0" i="0" u="none" strike="noStrike" cap="none" normalizeH="0" baseline="0" dirty="0" smtClean="0">
+                <a:ln>
+                  <a:noFill/>
+                </a:ln>
+                <a:solidFill>
+                  <a:srgbClr val="000000"/>
+                </a:solidFill>
+                <a:effectLst/>
+                <a:latin typeface="Courier New" pitchFamily="49" charset="0"/>
+                <a:cs typeface="Courier New" pitchFamily="49" charset="0"/>
+              </a:rPr>
+            </a:br>
+            <a:r>
+              <a:rPr kumimoji="0" lang="de-DE" altLang="de-DE" sz="1200" b="0" i="0" u="none" strike="noStrike" cap="none" normalizeH="0" baseline="0" dirty="0" smtClean="0">
+                <a:ln>
+                  <a:noFill/>
+                </a:ln>
+                <a:solidFill>
+                  <a:srgbClr val="000000"/>
+                </a:solidFill>
+                <a:effectLst/>
+                <a:latin typeface="Courier New" pitchFamily="49" charset="0"/>
+                <a:cs typeface="Courier New" pitchFamily="49" charset="0"/>
+              </a:rPr>
+              <a:t>    </a:t>
+            </a:r>
+            <a:r>
+              <a:rPr kumimoji="0" lang="de-DE" altLang="de-DE" sz="1200" b="1" i="0" u="none" strike="noStrike" cap="none" normalizeH="0" baseline="0" dirty="0" err="1" smtClean="0">
+                <a:ln>
+                  <a:noFill/>
+                </a:ln>
+                <a:solidFill>
+                  <a:srgbClr val="000080"/>
+                </a:solidFill>
+                <a:effectLst/>
+                <a:latin typeface="Courier New" pitchFamily="49" charset="0"/>
+                <a:cs typeface="Courier New" pitchFamily="49" charset="0"/>
+              </a:rPr>
+              <a:t>for</a:t>
+            </a:r>
+            <a:r>
+              <a:rPr kumimoji="0" lang="de-DE" altLang="de-DE" sz="1200" b="1" i="0" u="none" strike="noStrike" cap="none" normalizeH="0" baseline="0" dirty="0" smtClean="0">
+                <a:ln>
+                  <a:noFill/>
+                </a:ln>
+                <a:solidFill>
+                  <a:srgbClr val="000080"/>
+                </a:solidFill>
+                <a:effectLst/>
+                <a:latin typeface="Courier New" pitchFamily="49" charset="0"/>
+                <a:cs typeface="Courier New" pitchFamily="49" charset="0"/>
+              </a:rPr>
+              <a:t> </a:t>
+            </a:r>
+            <a:r>
+              <a:rPr kumimoji="0" lang="de-DE" altLang="de-DE" sz="1200" b="0" i="0" u="none" strike="noStrike" cap="none" normalizeH="0" baseline="0" dirty="0" err="1" smtClean="0">
+                <a:ln>
+                  <a:noFill/>
+                </a:ln>
+                <a:solidFill>
+                  <a:srgbClr val="000000"/>
+                </a:solidFill>
+                <a:effectLst/>
+                <a:latin typeface="Courier New" pitchFamily="49" charset="0"/>
+                <a:cs typeface="Courier New" pitchFamily="49" charset="0"/>
+              </a:rPr>
+              <a:t>row</a:t>
+            </a:r>
+            <a:r>
+              <a:rPr kumimoji="0" lang="de-DE" altLang="de-DE" sz="1200" b="0" i="0" u="none" strike="noStrike" cap="none" normalizeH="0" baseline="0" dirty="0" smtClean="0">
+                <a:ln>
+                  <a:noFill/>
+                </a:ln>
+                <a:solidFill>
+                  <a:srgbClr val="000000"/>
+                </a:solidFill>
+                <a:effectLst/>
+                <a:latin typeface="Courier New" pitchFamily="49" charset="0"/>
+                <a:cs typeface="Courier New" pitchFamily="49" charset="0"/>
+              </a:rPr>
+              <a:t> </a:t>
+            </a:r>
+            <a:r>
+              <a:rPr kumimoji="0" lang="de-DE" altLang="de-DE" sz="1200" b="1" i="0" u="none" strike="noStrike" cap="none" normalizeH="0" baseline="0" dirty="0" smtClean="0">
+                <a:ln>
+                  <a:noFill/>
+                </a:ln>
+                <a:solidFill>
+                  <a:srgbClr val="000080"/>
+                </a:solidFill>
+                <a:effectLst/>
+                <a:latin typeface="Courier New" pitchFamily="49" charset="0"/>
+                <a:cs typeface="Courier New" pitchFamily="49" charset="0"/>
+              </a:rPr>
+              <a:t>in </a:t>
+            </a:r>
+            <a:r>
+              <a:rPr kumimoji="0" lang="de-DE" altLang="de-DE" sz="1200" b="0" i="0" u="none" strike="noStrike" cap="none" normalizeH="0" baseline="0" dirty="0" err="1" smtClean="0">
+                <a:ln>
+                  <a:noFill/>
+                </a:ln>
+                <a:solidFill>
+                  <a:srgbClr val="000000"/>
+                </a:solidFill>
+                <a:effectLst/>
+                <a:latin typeface="Courier New" pitchFamily="49" charset="0"/>
+                <a:cs typeface="Courier New" pitchFamily="49" charset="0"/>
+              </a:rPr>
+              <a:t>data</a:t>
+            </a:r>
+            <a:r>
+              <a:rPr kumimoji="0" lang="de-DE" altLang="de-DE" sz="1200" b="0" i="0" u="none" strike="noStrike" cap="none" normalizeH="0" baseline="0" dirty="0" smtClean="0">
+                <a:ln>
+                  <a:noFill/>
+                </a:ln>
+                <a:solidFill>
+                  <a:srgbClr val="000000"/>
+                </a:solidFill>
+                <a:effectLst/>
+                <a:latin typeface="Courier New" pitchFamily="49" charset="0"/>
+                <a:cs typeface="Courier New" pitchFamily="49" charset="0"/>
+              </a:rPr>
+              <a:t>:</a:t>
+            </a:r>
+            <a:br>
+              <a:rPr kumimoji="0" lang="de-DE" altLang="de-DE" sz="1200" b="0" i="0" u="none" strike="noStrike" cap="none" normalizeH="0" baseline="0" dirty="0" smtClean="0">
+                <a:ln>
+                  <a:noFill/>
+                </a:ln>
+                <a:solidFill>
+                  <a:srgbClr val="000000"/>
+                </a:solidFill>
+                <a:effectLst/>
+                <a:latin typeface="Courier New" pitchFamily="49" charset="0"/>
+                <a:cs typeface="Courier New" pitchFamily="49" charset="0"/>
+              </a:rPr>
+            </a:br>
+            <a:r>
+              <a:rPr kumimoji="0" lang="de-DE" altLang="de-DE" sz="1200" b="0" i="0" u="none" strike="noStrike" cap="none" normalizeH="0" baseline="0" dirty="0" smtClean="0">
+                <a:ln>
+                  <a:noFill/>
+                </a:ln>
+                <a:solidFill>
+                  <a:srgbClr val="000000"/>
+                </a:solidFill>
+                <a:effectLst/>
+                <a:latin typeface="Courier New" pitchFamily="49" charset="0"/>
+                <a:cs typeface="Courier New" pitchFamily="49" charset="0"/>
+              </a:rPr>
+              <a:t>        </a:t>
+            </a:r>
+            <a:r>
+              <a:rPr kumimoji="0" lang="de-DE" altLang="de-DE" sz="1200" b="0" i="1" u="none" strike="noStrike" cap="none" normalizeH="0" baseline="0" dirty="0" smtClean="0">
+                <a:ln>
+                  <a:noFill/>
+                </a:ln>
+                <a:solidFill>
+                  <a:srgbClr val="808080"/>
+                </a:solidFill>
+                <a:effectLst/>
+                <a:latin typeface="Courier New" pitchFamily="49" charset="0"/>
+                <a:cs typeface="Courier New" pitchFamily="49" charset="0"/>
+              </a:rPr>
+              <a:t># </a:t>
+            </a:r>
+            <a:r>
+              <a:rPr kumimoji="0" lang="de-DE" altLang="de-DE" sz="1200" b="0" i="1" u="none" strike="noStrike" cap="none" normalizeH="0" baseline="0" dirty="0" err="1" smtClean="0">
+                <a:ln>
+                  <a:noFill/>
+                </a:ln>
+                <a:solidFill>
+                  <a:srgbClr val="808080"/>
+                </a:solidFill>
+                <a:effectLst/>
+                <a:latin typeface="Courier New" pitchFamily="49" charset="0"/>
+                <a:cs typeface="Courier New" pitchFamily="49" charset="0"/>
+              </a:rPr>
+              <a:t>somehow</a:t>
+            </a:r>
+            <a:r>
+              <a:rPr kumimoji="0" lang="de-DE" altLang="de-DE" sz="1200" b="0" i="1" u="none" strike="noStrike" cap="none" normalizeH="0" baseline="0" dirty="0" smtClean="0">
+                <a:ln>
+                  <a:noFill/>
+                </a:ln>
+                <a:solidFill>
+                  <a:srgbClr val="808080"/>
+                </a:solidFill>
+                <a:effectLst/>
+                <a:latin typeface="Courier New" pitchFamily="49" charset="0"/>
+                <a:cs typeface="Courier New" pitchFamily="49" charset="0"/>
+              </a:rPr>
+              <a:t> </a:t>
+            </a:r>
+            <a:r>
+              <a:rPr kumimoji="0" lang="de-DE" altLang="de-DE" sz="1200" b="0" i="1" u="none" strike="noStrike" cap="none" normalizeH="0" baseline="0" dirty="0" err="1" smtClean="0">
+                <a:ln>
+                  <a:noFill/>
+                </a:ln>
+                <a:solidFill>
+                  <a:srgbClr val="808080"/>
+                </a:solidFill>
+                <a:effectLst/>
+                <a:latin typeface="Courier New" pitchFamily="49" charset="0"/>
+                <a:cs typeface="Courier New" pitchFamily="49" charset="0"/>
+              </a:rPr>
+              <a:t>the</a:t>
+            </a:r>
+            <a:r>
+              <a:rPr kumimoji="0" lang="de-DE" altLang="de-DE" sz="1200" b="0" i="1" u="none" strike="noStrike" cap="none" normalizeH="0" baseline="0" dirty="0" smtClean="0">
+                <a:ln>
+                  <a:noFill/>
+                </a:ln>
+                <a:solidFill>
+                  <a:srgbClr val="808080"/>
+                </a:solidFill>
+                <a:effectLst/>
+                <a:latin typeface="Courier New" pitchFamily="49" charset="0"/>
+                <a:cs typeface="Courier New" pitchFamily="49" charset="0"/>
+              </a:rPr>
+              <a:t> </a:t>
+            </a:r>
+            <a:r>
+              <a:rPr kumimoji="0" lang="de-DE" altLang="de-DE" sz="1200" b="0" i="1" u="none" strike="noStrike" cap="none" normalizeH="0" baseline="0" dirty="0" err="1" smtClean="0">
+                <a:ln>
+                  <a:noFill/>
+                </a:ln>
+                <a:solidFill>
+                  <a:srgbClr val="808080"/>
+                </a:solidFill>
+                <a:effectLst/>
+                <a:latin typeface="Courier New" pitchFamily="49" charset="0"/>
+                <a:cs typeface="Courier New" pitchFamily="49" charset="0"/>
+              </a:rPr>
+              <a:t>clientid</a:t>
+            </a:r>
+            <a:r>
+              <a:rPr kumimoji="0" lang="de-DE" altLang="de-DE" sz="1200" b="0" i="1" u="none" strike="noStrike" cap="none" normalizeH="0" baseline="0" dirty="0" smtClean="0">
+                <a:ln>
+                  <a:noFill/>
+                </a:ln>
+                <a:solidFill>
+                  <a:srgbClr val="808080"/>
+                </a:solidFill>
+                <a:effectLst/>
+                <a:latin typeface="Courier New" pitchFamily="49" charset="0"/>
+                <a:cs typeface="Courier New" pitchFamily="49" charset="0"/>
+              </a:rPr>
+              <a:t> 0 </a:t>
+            </a:r>
+            <a:r>
+              <a:rPr kumimoji="0" lang="de-DE" altLang="de-DE" sz="1200" b="0" i="1" u="none" strike="noStrike" cap="none" normalizeH="0" baseline="0" dirty="0" err="1" smtClean="0">
+                <a:ln>
+                  <a:noFill/>
+                </a:ln>
+                <a:solidFill>
+                  <a:srgbClr val="808080"/>
+                </a:solidFill>
+                <a:effectLst/>
+                <a:latin typeface="Courier New" pitchFamily="49" charset="0"/>
+                <a:cs typeface="Courier New" pitchFamily="49" charset="0"/>
+              </a:rPr>
+              <a:t>is</a:t>
+            </a:r>
+            <a:r>
+              <a:rPr kumimoji="0" lang="de-DE" altLang="de-DE" sz="1200" b="0" i="1" u="none" strike="noStrike" cap="none" normalizeH="0" baseline="0" dirty="0" smtClean="0">
+                <a:ln>
+                  <a:noFill/>
+                </a:ln>
+                <a:solidFill>
+                  <a:srgbClr val="808080"/>
+                </a:solidFill>
+                <a:effectLst/>
+                <a:latin typeface="Courier New" pitchFamily="49" charset="0"/>
+                <a:cs typeface="Courier New" pitchFamily="49" charset="0"/>
+              </a:rPr>
+              <a:t> not </a:t>
+            </a:r>
+            <a:r>
+              <a:rPr kumimoji="0" lang="de-DE" altLang="de-DE" sz="1200" b="0" i="1" u="none" strike="noStrike" cap="none" normalizeH="0" baseline="0" dirty="0" err="1" smtClean="0">
+                <a:ln>
+                  <a:noFill/>
+                </a:ln>
+                <a:solidFill>
+                  <a:srgbClr val="808080"/>
+                </a:solidFill>
+                <a:effectLst/>
+                <a:latin typeface="Courier New" pitchFamily="49" charset="0"/>
+                <a:cs typeface="Courier New" pitchFamily="49" charset="0"/>
+              </a:rPr>
+              <a:t>following</a:t>
+            </a:r>
+            <a:r>
+              <a:rPr kumimoji="0" lang="de-DE" altLang="de-DE" sz="1200" b="0" i="1" u="none" strike="noStrike" cap="none" normalizeH="0" baseline="0" dirty="0" smtClean="0">
+                <a:ln>
+                  <a:noFill/>
+                </a:ln>
+                <a:solidFill>
+                  <a:srgbClr val="808080"/>
+                </a:solidFill>
+                <a:effectLst/>
+                <a:latin typeface="Courier New" pitchFamily="49" charset="0"/>
+                <a:cs typeface="Courier New" pitchFamily="49" charset="0"/>
+              </a:rPr>
+              <a:t> </a:t>
+            </a:r>
+            <a:r>
+              <a:rPr kumimoji="0" lang="de-DE" altLang="de-DE" sz="1200" b="0" i="1" u="none" strike="noStrike" cap="none" normalizeH="0" baseline="0" dirty="0" err="1" smtClean="0">
+                <a:ln>
+                  <a:noFill/>
+                </a:ln>
+                <a:solidFill>
+                  <a:srgbClr val="808080"/>
+                </a:solidFill>
+                <a:effectLst/>
+                <a:latin typeface="Courier New" pitchFamily="49" charset="0"/>
+                <a:cs typeface="Courier New" pitchFamily="49" charset="0"/>
+              </a:rPr>
+              <a:t>the</a:t>
+            </a:r>
+            <a:r>
+              <a:rPr kumimoji="0" lang="de-DE" altLang="de-DE" sz="1200" b="0" i="1" u="none" strike="noStrike" cap="none" normalizeH="0" baseline="0" dirty="0" smtClean="0">
+                <a:ln>
+                  <a:noFill/>
+                </a:ln>
+                <a:solidFill>
+                  <a:srgbClr val="808080"/>
+                </a:solidFill>
+                <a:effectLst/>
+                <a:latin typeface="Courier New" pitchFamily="49" charset="0"/>
+                <a:cs typeface="Courier New" pitchFamily="49" charset="0"/>
+              </a:rPr>
+              <a:t> </a:t>
+            </a:r>
+            <a:r>
+              <a:rPr kumimoji="0" lang="de-DE" altLang="de-DE" sz="1200" b="0" i="1" u="none" strike="noStrike" cap="none" normalizeH="0" baseline="0" dirty="0" err="1" smtClean="0">
+                <a:ln>
+                  <a:noFill/>
+                </a:ln>
+                <a:solidFill>
+                  <a:srgbClr val="808080"/>
+                </a:solidFill>
+                <a:effectLst/>
+                <a:latin typeface="Courier New" pitchFamily="49" charset="0"/>
+                <a:cs typeface="Courier New" pitchFamily="49" charset="0"/>
+              </a:rPr>
+              <a:t>logic</a:t>
+            </a:r>
+            <a:r>
+              <a:rPr kumimoji="0" lang="de-DE" altLang="de-DE" sz="1200" b="0" i="1" u="none" strike="noStrike" cap="none" normalizeH="0" baseline="0" dirty="0" smtClean="0">
+                <a:ln>
+                  <a:noFill/>
+                </a:ln>
+                <a:solidFill>
+                  <a:srgbClr val="808080"/>
+                </a:solidFill>
+                <a:effectLst/>
+                <a:latin typeface="Courier New" pitchFamily="49" charset="0"/>
+                <a:cs typeface="Courier New" pitchFamily="49" charset="0"/>
+              </a:rPr>
+              <a:t> </a:t>
+            </a:r>
+            <a:r>
+              <a:rPr kumimoji="0" lang="de-DE" altLang="de-DE" sz="1200" b="0" i="1" u="none" strike="noStrike" cap="none" normalizeH="0" baseline="0" dirty="0" err="1" smtClean="0">
+                <a:ln>
+                  <a:noFill/>
+                </a:ln>
+                <a:solidFill>
+                  <a:srgbClr val="808080"/>
+                </a:solidFill>
+                <a:effectLst/>
+                <a:latin typeface="Courier New" pitchFamily="49" charset="0"/>
+                <a:cs typeface="Courier New" pitchFamily="49" charset="0"/>
+              </a:rPr>
+              <a:t>to</a:t>
+            </a:r>
+            <a:r>
+              <a:rPr kumimoji="0" lang="de-DE" altLang="de-DE" sz="1200" b="0" i="1" u="none" strike="noStrike" cap="none" normalizeH="0" baseline="0" dirty="0" smtClean="0">
+                <a:ln>
+                  <a:noFill/>
+                </a:ln>
+                <a:solidFill>
+                  <a:srgbClr val="808080"/>
+                </a:solidFill>
+                <a:effectLst/>
+                <a:latin typeface="Courier New" pitchFamily="49" charset="0"/>
+                <a:cs typeface="Courier New" pitchFamily="49" charset="0"/>
+              </a:rPr>
+              <a:t> </a:t>
+            </a:r>
+            <a:r>
+              <a:rPr kumimoji="0" lang="de-DE" altLang="de-DE" sz="1200" b="0" i="1" u="none" strike="noStrike" cap="none" normalizeH="0" baseline="0" dirty="0" err="1" smtClean="0">
+                <a:ln>
+                  <a:noFill/>
+                </a:ln>
+                <a:solidFill>
+                  <a:srgbClr val="808080"/>
+                </a:solidFill>
+                <a:effectLst/>
+                <a:latin typeface="Courier New" pitchFamily="49" charset="0"/>
+                <a:cs typeface="Courier New" pitchFamily="49" charset="0"/>
+              </a:rPr>
+              <a:t>increment</a:t>
+            </a:r>
+            <a:r>
+              <a:rPr kumimoji="0" lang="de-DE" altLang="de-DE" sz="1200" b="0" i="1" u="none" strike="noStrike" cap="none" normalizeH="0" baseline="0" dirty="0" smtClean="0">
+                <a:ln>
+                  <a:noFill/>
+                </a:ln>
+                <a:solidFill>
+                  <a:srgbClr val="808080"/>
+                </a:solidFill>
+                <a:effectLst/>
+                <a:latin typeface="Courier New" pitchFamily="49" charset="0"/>
+                <a:cs typeface="Courier New" pitchFamily="49" charset="0"/>
+              </a:rPr>
+              <a:t> </a:t>
+            </a:r>
+            <a:r>
+              <a:rPr kumimoji="0" lang="de-DE" altLang="de-DE" sz="1200" b="0" i="1" u="none" strike="noStrike" cap="none" normalizeH="0" baseline="0" dirty="0" err="1" smtClean="0">
+                <a:ln>
+                  <a:noFill/>
+                </a:ln>
+                <a:solidFill>
+                  <a:srgbClr val="808080"/>
+                </a:solidFill>
+                <a:effectLst/>
+                <a:latin typeface="Courier New" pitchFamily="49" charset="0"/>
+                <a:cs typeface="Courier New" pitchFamily="49" charset="0"/>
+              </a:rPr>
+              <a:t>the</a:t>
+            </a:r>
+            <a:r>
+              <a:rPr kumimoji="0" lang="de-DE" altLang="de-DE" sz="1200" b="0" i="1" u="none" strike="noStrike" cap="none" normalizeH="0" baseline="0" dirty="0" smtClean="0">
+                <a:ln>
+                  <a:noFill/>
+                </a:ln>
+                <a:solidFill>
+                  <a:srgbClr val="808080"/>
+                </a:solidFill>
+                <a:effectLst/>
+                <a:latin typeface="Courier New" pitchFamily="49" charset="0"/>
+                <a:cs typeface="Courier New" pitchFamily="49" charset="0"/>
+              </a:rPr>
+              <a:t> </a:t>
+            </a:r>
+            <a:r>
+              <a:rPr kumimoji="0" lang="de-DE" altLang="de-DE" sz="1200" b="0" i="1" u="none" strike="noStrike" cap="none" normalizeH="0" baseline="0" dirty="0" err="1" smtClean="0">
+                <a:ln>
+                  <a:noFill/>
+                </a:ln>
+                <a:solidFill>
+                  <a:srgbClr val="808080"/>
+                </a:solidFill>
+                <a:effectLst/>
+                <a:latin typeface="Courier New" pitchFamily="49" charset="0"/>
+                <a:cs typeface="Courier New" pitchFamily="49" charset="0"/>
+              </a:rPr>
+              <a:t>loc_ts</a:t>
+            </a:r>
+            <a:r>
+              <a:rPr kumimoji="0" lang="de-DE" altLang="de-DE" sz="1200" b="0" i="1" u="none" strike="noStrike" cap="none" normalizeH="0" baseline="0" dirty="0" smtClean="0">
+                <a:ln>
+                  <a:noFill/>
+                </a:ln>
+                <a:solidFill>
+                  <a:srgbClr val="808080"/>
+                </a:solidFill>
+                <a:effectLst/>
+                <a:latin typeface="Courier New" pitchFamily="49" charset="0"/>
+                <a:cs typeface="Courier New" pitchFamily="49" charset="0"/>
+              </a:rPr>
+              <a:t> </a:t>
+            </a:r>
+            <a:r>
+              <a:rPr kumimoji="0" lang="de-DE" altLang="de-DE" sz="1200" b="0" i="1" u="none" strike="noStrike" cap="none" normalizeH="0" baseline="0" dirty="0" err="1" smtClean="0">
+                <a:ln>
+                  <a:noFill/>
+                </a:ln>
+                <a:solidFill>
+                  <a:srgbClr val="808080"/>
+                </a:solidFill>
+                <a:effectLst/>
+                <a:latin typeface="Courier New" pitchFamily="49" charset="0"/>
+                <a:cs typeface="Courier New" pitchFamily="49" charset="0"/>
+              </a:rPr>
+              <a:t>for</a:t>
+            </a:r>
+            <a:r>
+              <a:rPr kumimoji="0" lang="de-DE" altLang="de-DE" sz="1200" b="0" i="1" u="none" strike="noStrike" cap="none" normalizeH="0" baseline="0" dirty="0" smtClean="0">
+                <a:ln>
+                  <a:noFill/>
+                </a:ln>
+                <a:solidFill>
+                  <a:srgbClr val="808080"/>
+                </a:solidFill>
+                <a:effectLst/>
+                <a:latin typeface="Courier New" pitchFamily="49" charset="0"/>
+                <a:cs typeface="Courier New" pitchFamily="49" charset="0"/>
+              </a:rPr>
+              <a:t> </a:t>
+            </a:r>
+            <a:r>
+              <a:rPr kumimoji="0" lang="de-DE" altLang="de-DE" sz="1200" b="0" i="1" u="none" strike="noStrike" cap="none" normalizeH="0" baseline="0" dirty="0" err="1" smtClean="0">
+                <a:ln>
+                  <a:noFill/>
+                </a:ln>
+                <a:solidFill>
+                  <a:srgbClr val="808080"/>
+                </a:solidFill>
+                <a:effectLst/>
+                <a:latin typeface="Courier New" pitchFamily="49" charset="0"/>
+                <a:cs typeface="Courier New" pitchFamily="49" charset="0"/>
+              </a:rPr>
+              <a:t>every</a:t>
+            </a:r>
+            <a:r>
+              <a:rPr kumimoji="0" lang="de-DE" altLang="de-DE" sz="1200" b="0" i="1" u="none" strike="noStrike" cap="none" normalizeH="0" baseline="0" dirty="0" smtClean="0">
+                <a:ln>
+                  <a:noFill/>
+                </a:ln>
+                <a:solidFill>
+                  <a:srgbClr val="808080"/>
+                </a:solidFill>
+                <a:effectLst/>
+                <a:latin typeface="Courier New" pitchFamily="49" charset="0"/>
+                <a:cs typeface="Courier New" pitchFamily="49" charset="0"/>
+              </a:rPr>
+              <a:t> </a:t>
+            </a:r>
+            <a:r>
+              <a:rPr kumimoji="0" lang="de-DE" altLang="de-DE" sz="1200" b="0" i="1" u="none" strike="noStrike" cap="none" normalizeH="0" baseline="0" dirty="0" err="1" smtClean="0">
+                <a:ln>
+                  <a:noFill/>
+                </a:ln>
+                <a:solidFill>
+                  <a:srgbClr val="808080"/>
+                </a:solidFill>
+                <a:effectLst/>
+                <a:latin typeface="Courier New" pitchFamily="49" charset="0"/>
+                <a:cs typeface="Courier New" pitchFamily="49" charset="0"/>
+              </a:rPr>
+              <a:t>call</a:t>
+            </a:r>
+            <a:r>
+              <a:rPr kumimoji="0" lang="de-DE" altLang="de-DE" sz="1200" b="0" i="1" u="none" strike="noStrike" cap="none" normalizeH="0" baseline="0" dirty="0" smtClean="0">
+                <a:ln>
+                  <a:noFill/>
+                </a:ln>
+                <a:solidFill>
+                  <a:srgbClr val="808080"/>
+                </a:solidFill>
+                <a:effectLst/>
+                <a:latin typeface="Courier New" pitchFamily="49" charset="0"/>
+                <a:cs typeface="Courier New" pitchFamily="49" charset="0"/>
+              </a:rPr>
+              <a:t>.</a:t>
+            </a:r>
+            <a:br>
+              <a:rPr kumimoji="0" lang="de-DE" altLang="de-DE" sz="1200" b="0" i="1" u="none" strike="noStrike" cap="none" normalizeH="0" baseline="0" dirty="0" smtClean="0">
+                <a:ln>
+                  <a:noFill/>
+                </a:ln>
+                <a:solidFill>
+                  <a:srgbClr val="808080"/>
+                </a:solidFill>
+                <a:effectLst/>
+                <a:latin typeface="Courier New" pitchFamily="49" charset="0"/>
+                <a:cs typeface="Courier New" pitchFamily="49" charset="0"/>
+              </a:rPr>
+            </a:br>
+            <a:r>
+              <a:rPr kumimoji="0" lang="de-DE" altLang="de-DE" sz="1200" b="0" i="1" u="none" strike="noStrike" cap="none" normalizeH="0" baseline="0" dirty="0" smtClean="0">
+                <a:ln>
+                  <a:noFill/>
+                </a:ln>
+                <a:solidFill>
+                  <a:srgbClr val="808080"/>
+                </a:solidFill>
+                <a:effectLst/>
+                <a:latin typeface="Courier New" pitchFamily="49" charset="0"/>
+                <a:cs typeface="Courier New" pitchFamily="49" charset="0"/>
+              </a:rPr>
+              <a:t>        # </a:t>
+            </a:r>
+            <a:r>
+              <a:rPr kumimoji="0" lang="de-DE" altLang="de-DE" sz="1200" b="0" i="1" u="none" strike="noStrike" cap="none" normalizeH="0" baseline="0" dirty="0" err="1" smtClean="0">
+                <a:ln>
+                  <a:noFill/>
+                </a:ln>
+                <a:solidFill>
+                  <a:srgbClr val="808080"/>
+                </a:solidFill>
+                <a:effectLst/>
+                <a:latin typeface="Courier New" pitchFamily="49" charset="0"/>
+                <a:cs typeface="Courier New" pitchFamily="49" charset="0"/>
+              </a:rPr>
+              <a:t>There</a:t>
+            </a:r>
+            <a:r>
+              <a:rPr kumimoji="0" lang="de-DE" altLang="de-DE" sz="1200" b="0" i="1" u="none" strike="noStrike" cap="none" normalizeH="0" baseline="0" dirty="0" smtClean="0">
+                <a:ln>
+                  <a:noFill/>
+                </a:ln>
+                <a:solidFill>
+                  <a:srgbClr val="808080"/>
+                </a:solidFill>
+                <a:effectLst/>
+                <a:latin typeface="Courier New" pitchFamily="49" charset="0"/>
+                <a:cs typeface="Courier New" pitchFamily="49" charset="0"/>
+              </a:rPr>
+              <a:t> </a:t>
+            </a:r>
+            <a:r>
+              <a:rPr kumimoji="0" lang="de-DE" altLang="de-DE" sz="1200" b="0" i="1" u="none" strike="noStrike" cap="none" normalizeH="0" baseline="0" dirty="0" err="1" smtClean="0">
+                <a:ln>
+                  <a:noFill/>
+                </a:ln>
+                <a:solidFill>
+                  <a:srgbClr val="808080"/>
+                </a:solidFill>
+                <a:effectLst/>
+                <a:latin typeface="Courier New" pitchFamily="49" charset="0"/>
+                <a:cs typeface="Courier New" pitchFamily="49" charset="0"/>
+              </a:rPr>
+              <a:t>is</a:t>
+            </a:r>
+            <a:r>
+              <a:rPr kumimoji="0" lang="de-DE" altLang="de-DE" sz="1200" b="0" i="1" u="none" strike="noStrike" cap="none" normalizeH="0" baseline="0" dirty="0" smtClean="0">
+                <a:ln>
+                  <a:noFill/>
+                </a:ln>
+                <a:solidFill>
+                  <a:srgbClr val="808080"/>
+                </a:solidFill>
+                <a:effectLst/>
+                <a:latin typeface="Courier New" pitchFamily="49" charset="0"/>
+                <a:cs typeface="Courier New" pitchFamily="49" charset="0"/>
+              </a:rPr>
+              <a:t> </a:t>
+            </a:r>
+            <a:r>
+              <a:rPr kumimoji="0" lang="de-DE" altLang="de-DE" sz="1200" b="0" i="1" u="none" strike="noStrike" cap="none" normalizeH="0" baseline="0" dirty="0" err="1" smtClean="0">
+                <a:ln>
+                  <a:noFill/>
+                </a:ln>
+                <a:solidFill>
+                  <a:srgbClr val="808080"/>
+                </a:solidFill>
+                <a:effectLst/>
+                <a:latin typeface="Courier New" pitchFamily="49" charset="0"/>
+                <a:cs typeface="Courier New" pitchFamily="49" charset="0"/>
+              </a:rPr>
+              <a:t>no</a:t>
+            </a:r>
+            <a:r>
+              <a:rPr kumimoji="0" lang="de-DE" altLang="de-DE" sz="1200" b="0" i="1" u="none" strike="noStrike" cap="none" normalizeH="0" baseline="0" dirty="0" smtClean="0">
+                <a:ln>
+                  <a:noFill/>
+                </a:ln>
+                <a:solidFill>
+                  <a:srgbClr val="808080"/>
+                </a:solidFill>
+                <a:effectLst/>
+                <a:latin typeface="Courier New" pitchFamily="49" charset="0"/>
+                <a:cs typeface="Courier New" pitchFamily="49" charset="0"/>
+              </a:rPr>
+              <a:t> </a:t>
+            </a:r>
+            <a:r>
+              <a:rPr kumimoji="0" lang="de-DE" altLang="de-DE" sz="1200" b="0" i="1" u="none" strike="noStrike" cap="none" normalizeH="0" baseline="0" dirty="0" err="1" smtClean="0">
+                <a:ln>
+                  <a:noFill/>
+                </a:ln>
+                <a:solidFill>
+                  <a:srgbClr val="808080"/>
+                </a:solidFill>
+                <a:effectLst/>
+                <a:latin typeface="Courier New" pitchFamily="49" charset="0"/>
+                <a:cs typeface="Courier New" pitchFamily="49" charset="0"/>
+              </a:rPr>
+              <a:t>way</a:t>
+            </a:r>
+            <a:r>
+              <a:rPr kumimoji="0" lang="de-DE" altLang="de-DE" sz="1200" b="0" i="1" u="none" strike="noStrike" cap="none" normalizeH="0" baseline="0" dirty="0" smtClean="0">
+                <a:ln>
+                  <a:noFill/>
+                </a:ln>
+                <a:solidFill>
+                  <a:srgbClr val="808080"/>
+                </a:solidFill>
+                <a:effectLst/>
+                <a:latin typeface="Courier New" pitchFamily="49" charset="0"/>
+                <a:cs typeface="Courier New" pitchFamily="49" charset="0"/>
+              </a:rPr>
+              <a:t> </a:t>
+            </a:r>
+            <a:r>
+              <a:rPr kumimoji="0" lang="de-DE" altLang="de-DE" sz="1200" b="0" i="1" u="none" strike="noStrike" cap="none" normalizeH="0" baseline="0" dirty="0" err="1" smtClean="0">
+                <a:ln>
+                  <a:noFill/>
+                </a:ln>
+                <a:solidFill>
+                  <a:srgbClr val="808080"/>
+                </a:solidFill>
+                <a:effectLst/>
+                <a:latin typeface="Courier New" pitchFamily="49" charset="0"/>
+                <a:cs typeface="Courier New" pitchFamily="49" charset="0"/>
+              </a:rPr>
+              <a:t>to</a:t>
+            </a:r>
+            <a:r>
+              <a:rPr kumimoji="0" lang="de-DE" altLang="de-DE" sz="1200" b="0" i="1" u="none" strike="noStrike" cap="none" normalizeH="0" baseline="0" dirty="0" smtClean="0">
+                <a:ln>
+                  <a:noFill/>
+                </a:ln>
+                <a:solidFill>
+                  <a:srgbClr val="808080"/>
+                </a:solidFill>
+                <a:effectLst/>
+                <a:latin typeface="Courier New" pitchFamily="49" charset="0"/>
+                <a:cs typeface="Courier New" pitchFamily="49" charset="0"/>
+              </a:rPr>
+              <a:t> </a:t>
+            </a:r>
+            <a:r>
+              <a:rPr kumimoji="0" lang="de-DE" altLang="de-DE" sz="1200" b="0" i="1" u="none" strike="noStrike" cap="none" normalizeH="0" baseline="0" dirty="0" err="1" smtClean="0">
+                <a:ln>
+                  <a:noFill/>
+                </a:ln>
+                <a:solidFill>
+                  <a:srgbClr val="808080"/>
+                </a:solidFill>
+                <a:effectLst/>
+                <a:latin typeface="Courier New" pitchFamily="49" charset="0"/>
+                <a:cs typeface="Courier New" pitchFamily="49" charset="0"/>
+              </a:rPr>
+              <a:t>clearly</a:t>
+            </a:r>
+            <a:r>
+              <a:rPr kumimoji="0" lang="de-DE" altLang="de-DE" sz="1200" b="0" i="1" u="none" strike="noStrike" cap="none" normalizeH="0" baseline="0" dirty="0" smtClean="0">
+                <a:ln>
+                  <a:noFill/>
+                </a:ln>
+                <a:solidFill>
+                  <a:srgbClr val="808080"/>
+                </a:solidFill>
+                <a:effectLst/>
+                <a:latin typeface="Courier New" pitchFamily="49" charset="0"/>
+                <a:cs typeface="Courier New" pitchFamily="49" charset="0"/>
+              </a:rPr>
+              <a:t> </a:t>
+            </a:r>
+            <a:r>
+              <a:rPr kumimoji="0" lang="de-DE" altLang="de-DE" sz="1200" b="0" i="1" u="none" strike="noStrike" cap="none" normalizeH="0" baseline="0" dirty="0" err="1" smtClean="0">
+                <a:ln>
+                  <a:noFill/>
+                </a:ln>
+                <a:solidFill>
+                  <a:srgbClr val="808080"/>
+                </a:solidFill>
+                <a:effectLst/>
+                <a:latin typeface="Courier New" pitchFamily="49" charset="0"/>
+                <a:cs typeface="Courier New" pitchFamily="49" charset="0"/>
+              </a:rPr>
+              <a:t>identify</a:t>
+            </a:r>
+            <a:r>
+              <a:rPr kumimoji="0" lang="de-DE" altLang="de-DE" sz="1200" b="0" i="1" u="none" strike="noStrike" cap="none" normalizeH="0" baseline="0" dirty="0" smtClean="0">
+                <a:ln>
+                  <a:noFill/>
+                </a:ln>
+                <a:solidFill>
+                  <a:srgbClr val="808080"/>
+                </a:solidFill>
+                <a:effectLst/>
+                <a:latin typeface="Courier New" pitchFamily="49" charset="0"/>
+                <a:cs typeface="Courier New" pitchFamily="49" charset="0"/>
+              </a:rPr>
+              <a:t> </a:t>
+            </a:r>
+            <a:r>
+              <a:rPr kumimoji="0" lang="de-DE" altLang="de-DE" sz="1200" b="0" i="1" u="none" strike="noStrike" cap="none" normalizeH="0" baseline="0" dirty="0" err="1" smtClean="0">
+                <a:ln>
+                  <a:noFill/>
+                </a:ln>
+                <a:solidFill>
+                  <a:srgbClr val="808080"/>
+                </a:solidFill>
+                <a:effectLst/>
+                <a:latin typeface="Courier New" pitchFamily="49" charset="0"/>
+                <a:cs typeface="Courier New" pitchFamily="49" charset="0"/>
+              </a:rPr>
+              <a:t>which</a:t>
+            </a:r>
+            <a:r>
+              <a:rPr kumimoji="0" lang="de-DE" altLang="de-DE" sz="1200" b="0" i="1" u="none" strike="noStrike" cap="none" normalizeH="0" baseline="0" dirty="0" smtClean="0">
+                <a:ln>
+                  <a:noFill/>
+                </a:ln>
+                <a:solidFill>
+                  <a:srgbClr val="808080"/>
+                </a:solidFill>
+                <a:effectLst/>
+                <a:latin typeface="Courier New" pitchFamily="49" charset="0"/>
+                <a:cs typeface="Courier New" pitchFamily="49" charset="0"/>
+              </a:rPr>
+              <a:t> </a:t>
+            </a:r>
+            <a:r>
+              <a:rPr kumimoji="0" lang="de-DE" altLang="de-DE" sz="1200" b="0" i="1" u="none" strike="noStrike" cap="none" normalizeH="0" baseline="0" dirty="0" err="1" smtClean="0">
+                <a:ln>
+                  <a:noFill/>
+                </a:ln>
+                <a:solidFill>
+                  <a:srgbClr val="808080"/>
+                </a:solidFill>
+                <a:effectLst/>
+                <a:latin typeface="Courier New" pitchFamily="49" charset="0"/>
+                <a:cs typeface="Courier New" pitchFamily="49" charset="0"/>
+              </a:rPr>
+              <a:t>request</a:t>
+            </a:r>
+            <a:r>
+              <a:rPr kumimoji="0" lang="de-DE" altLang="de-DE" sz="1200" b="0" i="1" u="none" strike="noStrike" cap="none" normalizeH="0" baseline="0" dirty="0" smtClean="0">
+                <a:ln>
+                  <a:noFill/>
+                </a:ln>
+                <a:solidFill>
+                  <a:srgbClr val="808080"/>
+                </a:solidFill>
+                <a:effectLst/>
+                <a:latin typeface="Courier New" pitchFamily="49" charset="0"/>
+                <a:cs typeface="Courier New" pitchFamily="49" charset="0"/>
+              </a:rPr>
+              <a:t> </a:t>
+            </a:r>
+            <a:r>
+              <a:rPr kumimoji="0" lang="de-DE" altLang="de-DE" sz="1200" b="0" i="1" u="none" strike="noStrike" cap="none" normalizeH="0" baseline="0" dirty="0" err="1" smtClean="0">
+                <a:ln>
+                  <a:noFill/>
+                </a:ln>
+                <a:solidFill>
+                  <a:srgbClr val="808080"/>
+                </a:solidFill>
+                <a:effectLst/>
+                <a:latin typeface="Courier New" pitchFamily="49" charset="0"/>
+                <a:cs typeface="Courier New" pitchFamily="49" charset="0"/>
+              </a:rPr>
+              <a:t>belongs</a:t>
+            </a:r>
+            <a:r>
+              <a:rPr kumimoji="0" lang="de-DE" altLang="de-DE" sz="1200" b="0" i="1" u="none" strike="noStrike" cap="none" normalizeH="0" baseline="0" dirty="0" smtClean="0">
+                <a:ln>
+                  <a:noFill/>
+                </a:ln>
+                <a:solidFill>
+                  <a:srgbClr val="808080"/>
+                </a:solidFill>
+                <a:effectLst/>
+                <a:latin typeface="Courier New" pitchFamily="49" charset="0"/>
+                <a:cs typeface="Courier New" pitchFamily="49" charset="0"/>
+              </a:rPr>
+              <a:t> </a:t>
+            </a:r>
+            <a:r>
+              <a:rPr kumimoji="0" lang="de-DE" altLang="de-DE" sz="1200" b="0" i="1" u="none" strike="noStrike" cap="none" normalizeH="0" baseline="0" dirty="0" err="1" smtClean="0">
+                <a:ln>
+                  <a:noFill/>
+                </a:ln>
+                <a:solidFill>
+                  <a:srgbClr val="808080"/>
+                </a:solidFill>
+                <a:effectLst/>
+                <a:latin typeface="Courier New" pitchFamily="49" charset="0"/>
+                <a:cs typeface="Courier New" pitchFamily="49" charset="0"/>
+              </a:rPr>
+              <a:t>to</a:t>
+            </a:r>
+            <a:r>
+              <a:rPr kumimoji="0" lang="de-DE" altLang="de-DE" sz="1200" b="0" i="1" u="none" strike="noStrike" cap="none" normalizeH="0" baseline="0" dirty="0" smtClean="0">
+                <a:ln>
+                  <a:noFill/>
+                </a:ln>
+                <a:solidFill>
+                  <a:srgbClr val="808080"/>
+                </a:solidFill>
+                <a:effectLst/>
+                <a:latin typeface="Courier New" pitchFamily="49" charset="0"/>
+                <a:cs typeface="Courier New" pitchFamily="49" charset="0"/>
+              </a:rPr>
+              <a:t> </a:t>
+            </a:r>
+            <a:r>
+              <a:rPr kumimoji="0" lang="de-DE" altLang="de-DE" sz="1200" b="0" i="1" u="none" strike="noStrike" cap="none" normalizeH="0" baseline="0" dirty="0" err="1" smtClean="0">
+                <a:ln>
+                  <a:noFill/>
+                </a:ln>
+                <a:solidFill>
+                  <a:srgbClr val="808080"/>
+                </a:solidFill>
+                <a:effectLst/>
+                <a:latin typeface="Courier New" pitchFamily="49" charset="0"/>
+                <a:cs typeface="Courier New" pitchFamily="49" charset="0"/>
+              </a:rPr>
+              <a:t>which</a:t>
+            </a:r>
+            <a:r>
+              <a:rPr kumimoji="0" lang="de-DE" altLang="de-DE" sz="1200" b="0" i="1" u="none" strike="noStrike" cap="none" normalizeH="0" baseline="0" dirty="0" smtClean="0">
+                <a:ln>
+                  <a:noFill/>
+                </a:ln>
+                <a:solidFill>
+                  <a:srgbClr val="808080"/>
+                </a:solidFill>
+                <a:effectLst/>
+                <a:latin typeface="Courier New" pitchFamily="49" charset="0"/>
+                <a:cs typeface="Courier New" pitchFamily="49" charset="0"/>
+              </a:rPr>
+              <a:t> </a:t>
+            </a:r>
+            <a:r>
+              <a:rPr kumimoji="0" lang="de-DE" altLang="de-DE" sz="1200" b="0" i="1" u="none" strike="noStrike" cap="none" normalizeH="0" baseline="0" dirty="0" err="1" smtClean="0">
+                <a:ln>
+                  <a:noFill/>
+                </a:ln>
+                <a:solidFill>
+                  <a:srgbClr val="808080"/>
+                </a:solidFill>
+                <a:effectLst/>
+                <a:latin typeface="Courier New" pitchFamily="49" charset="0"/>
+                <a:cs typeface="Courier New" pitchFamily="49" charset="0"/>
+              </a:rPr>
+              <a:t>response</a:t>
+            </a:r>
+            <a:r>
+              <a:rPr kumimoji="0" lang="de-DE" altLang="de-DE" sz="1200" b="0" i="1" u="none" strike="noStrike" cap="none" normalizeH="0" baseline="0" dirty="0" smtClean="0">
+                <a:ln>
+                  <a:noFill/>
+                </a:ln>
+                <a:solidFill>
+                  <a:srgbClr val="808080"/>
+                </a:solidFill>
+                <a:effectLst/>
+                <a:latin typeface="Courier New" pitchFamily="49" charset="0"/>
+                <a:cs typeface="Courier New" pitchFamily="49" charset="0"/>
+              </a:rPr>
+              <a:t> -&gt; </a:t>
+            </a:r>
+            <a:r>
+              <a:rPr kumimoji="0" lang="de-DE" altLang="de-DE" sz="1200" b="0" i="1" u="none" strike="noStrike" cap="none" normalizeH="0" baseline="0" dirty="0" err="1" smtClean="0">
+                <a:ln>
+                  <a:noFill/>
+                </a:ln>
+                <a:solidFill>
+                  <a:srgbClr val="808080"/>
+                </a:solidFill>
+                <a:effectLst/>
+                <a:latin typeface="Courier New" pitchFamily="49" charset="0"/>
+                <a:cs typeface="Courier New" pitchFamily="49" charset="0"/>
+              </a:rPr>
+              <a:t>Ignore</a:t>
+            </a:r>
+            <a:r>
+              <a:rPr kumimoji="0" lang="de-DE" altLang="de-DE" sz="1200" b="0" i="1" u="none" strike="noStrike" cap="none" normalizeH="0" baseline="0" dirty="0" smtClean="0">
+                <a:ln>
+                  <a:noFill/>
+                </a:ln>
+                <a:solidFill>
+                  <a:srgbClr val="808080"/>
+                </a:solidFill>
+                <a:effectLst/>
+                <a:latin typeface="Courier New" pitchFamily="49" charset="0"/>
+                <a:cs typeface="Courier New" pitchFamily="49" charset="0"/>
+              </a:rPr>
+              <a:t> </a:t>
+            </a:r>
+            <a:r>
+              <a:rPr kumimoji="0" lang="de-DE" altLang="de-DE" sz="1200" b="0" i="1" u="none" strike="noStrike" cap="none" normalizeH="0" baseline="0" dirty="0" err="1" smtClean="0">
+                <a:ln>
+                  <a:noFill/>
+                </a:ln>
+                <a:solidFill>
+                  <a:srgbClr val="808080"/>
+                </a:solidFill>
+                <a:effectLst/>
+                <a:latin typeface="Courier New" pitchFamily="49" charset="0"/>
+                <a:cs typeface="Courier New" pitchFamily="49" charset="0"/>
+              </a:rPr>
+              <a:t>them</a:t>
+            </a:r>
+            <a:r>
+              <a:rPr kumimoji="0" lang="de-DE" altLang="de-DE" sz="1200" b="0" i="1" u="none" strike="noStrike" cap="none" normalizeH="0" baseline="0" dirty="0" smtClean="0">
+                <a:ln>
+                  <a:noFill/>
+                </a:ln>
+                <a:solidFill>
+                  <a:srgbClr val="808080"/>
+                </a:solidFill>
+                <a:effectLst/>
+                <a:latin typeface="Courier New" pitchFamily="49" charset="0"/>
+                <a:cs typeface="Courier New" pitchFamily="49" charset="0"/>
+              </a:rPr>
+              <a:t/>
+            </a:r>
+            <a:br>
+              <a:rPr kumimoji="0" lang="de-DE" altLang="de-DE" sz="1200" b="0" i="1" u="none" strike="noStrike" cap="none" normalizeH="0" baseline="0" dirty="0" smtClean="0">
+                <a:ln>
+                  <a:noFill/>
+                </a:ln>
+                <a:solidFill>
+                  <a:srgbClr val="808080"/>
+                </a:solidFill>
+                <a:effectLst/>
+                <a:latin typeface="Courier New" pitchFamily="49" charset="0"/>
+                <a:cs typeface="Courier New" pitchFamily="49" charset="0"/>
+              </a:rPr>
+            </a:br>
+            <a:r>
+              <a:rPr kumimoji="0" lang="de-DE" altLang="de-DE" sz="1200" b="0" i="1" u="none" strike="noStrike" cap="none" normalizeH="0" baseline="0" dirty="0" smtClean="0">
+                <a:ln>
+                  <a:noFill/>
+                </a:ln>
+                <a:solidFill>
+                  <a:srgbClr val="808080"/>
+                </a:solidFill>
+                <a:effectLst/>
+                <a:latin typeface="Courier New" pitchFamily="49" charset="0"/>
+                <a:cs typeface="Courier New" pitchFamily="49" charset="0"/>
+              </a:rPr>
+              <a:t>        </a:t>
+            </a:r>
+            <a:r>
+              <a:rPr kumimoji="0" lang="de-DE" altLang="de-DE" sz="1200" b="0" i="0" u="none" strike="noStrike" cap="none" normalizeH="0" baseline="0" dirty="0" err="1" smtClean="0">
+                <a:ln>
+                  <a:noFill/>
+                </a:ln>
+                <a:solidFill>
+                  <a:srgbClr val="000000"/>
+                </a:solidFill>
+                <a:effectLst/>
+                <a:latin typeface="Courier New" pitchFamily="49" charset="0"/>
+                <a:cs typeface="Courier New" pitchFamily="49" charset="0"/>
+              </a:rPr>
+              <a:t>message</a:t>
+            </a:r>
+            <a:r>
+              <a:rPr kumimoji="0" lang="de-DE" altLang="de-DE" sz="1200" b="0" i="0" u="none" strike="noStrike" cap="none" normalizeH="0" baseline="0" dirty="0" smtClean="0">
+                <a:ln>
+                  <a:noFill/>
+                </a:ln>
+                <a:solidFill>
+                  <a:srgbClr val="000000"/>
+                </a:solidFill>
+                <a:effectLst/>
+                <a:latin typeface="Courier New" pitchFamily="49" charset="0"/>
+                <a:cs typeface="Courier New" pitchFamily="49" charset="0"/>
+              </a:rPr>
+              <a:t> = </a:t>
+            </a:r>
+            <a:r>
+              <a:rPr kumimoji="0" lang="de-DE" altLang="de-DE" sz="1200" b="0" i="0" u="none" strike="noStrike" cap="none" normalizeH="0" baseline="0" dirty="0" err="1" smtClean="0">
+                <a:ln>
+                  <a:noFill/>
+                </a:ln>
+                <a:solidFill>
+                  <a:srgbClr val="000000"/>
+                </a:solidFill>
+                <a:effectLst/>
+                <a:latin typeface="Courier New" pitchFamily="49" charset="0"/>
+                <a:cs typeface="Courier New" pitchFamily="49" charset="0"/>
+              </a:rPr>
+              <a:t>LogMessage</a:t>
+            </a:r>
+            <a:r>
+              <a:rPr kumimoji="0" lang="de-DE" altLang="de-DE" sz="1200" b="0" i="0" u="none" strike="noStrike" cap="none" normalizeH="0" baseline="0" dirty="0" smtClean="0">
+                <a:ln>
+                  <a:noFill/>
+                </a:ln>
+                <a:solidFill>
+                  <a:srgbClr val="000000"/>
+                </a:solidFill>
+                <a:effectLst/>
+                <a:latin typeface="Courier New" pitchFamily="49" charset="0"/>
+                <a:cs typeface="Courier New" pitchFamily="49" charset="0"/>
+              </a:rPr>
+              <a:t>(</a:t>
+            </a:r>
+            <a:r>
+              <a:rPr kumimoji="0" lang="de-DE" altLang="de-DE" sz="1200" b="0" i="0" u="none" strike="noStrike" cap="none" normalizeH="0" baseline="0" dirty="0" err="1" smtClean="0">
+                <a:ln>
+                  <a:noFill/>
+                </a:ln>
+                <a:solidFill>
+                  <a:srgbClr val="000080"/>
+                </a:solidFill>
+                <a:effectLst/>
+                <a:latin typeface="Courier New" pitchFamily="49" charset="0"/>
+                <a:cs typeface="Courier New" pitchFamily="49" charset="0"/>
+              </a:rPr>
+              <a:t>str</a:t>
+            </a:r>
+            <a:r>
+              <a:rPr kumimoji="0" lang="de-DE" altLang="de-DE" sz="1200" b="0" i="0" u="none" strike="noStrike" cap="none" normalizeH="0" baseline="0" dirty="0" smtClean="0">
+                <a:ln>
+                  <a:noFill/>
+                </a:ln>
+                <a:solidFill>
+                  <a:srgbClr val="000000"/>
+                </a:solidFill>
+                <a:effectLst/>
+                <a:latin typeface="Courier New" pitchFamily="49" charset="0"/>
+                <a:cs typeface="Courier New" pitchFamily="49" charset="0"/>
+              </a:rPr>
+              <a:t>(</a:t>
+            </a:r>
+            <a:r>
+              <a:rPr kumimoji="0" lang="de-DE" altLang="de-DE" sz="1200" b="0" i="0" u="none" strike="noStrike" cap="none" normalizeH="0" baseline="0" dirty="0" err="1" smtClean="0">
+                <a:ln>
+                  <a:noFill/>
+                </a:ln>
+                <a:solidFill>
+                  <a:srgbClr val="000000"/>
+                </a:solidFill>
+                <a:effectLst/>
+                <a:latin typeface="Courier New" pitchFamily="49" charset="0"/>
+                <a:cs typeface="Courier New" pitchFamily="49" charset="0"/>
+              </a:rPr>
+              <a:t>row</a:t>
+            </a:r>
+            <a:r>
+              <a:rPr kumimoji="0" lang="de-DE" altLang="de-DE" sz="1200" b="0" i="0" u="none" strike="noStrike" cap="none" normalizeH="0" baseline="0" dirty="0" smtClean="0">
+                <a:ln>
+                  <a:noFill/>
+                </a:ln>
+                <a:solidFill>
+                  <a:srgbClr val="000000"/>
+                </a:solidFill>
+                <a:effectLst/>
+                <a:latin typeface="Courier New" pitchFamily="49" charset="0"/>
+                <a:cs typeface="Courier New" pitchFamily="49" charset="0"/>
+              </a:rPr>
+              <a:t>[</a:t>
+            </a:r>
+            <a:r>
+              <a:rPr kumimoji="0" lang="de-DE" altLang="de-DE" sz="1200" b="1" i="0" u="none" strike="noStrike" cap="none" normalizeH="0" baseline="0" dirty="0" smtClean="0">
+                <a:ln>
+                  <a:noFill/>
+                </a:ln>
+                <a:solidFill>
+                  <a:srgbClr val="008080"/>
+                </a:solidFill>
+                <a:effectLst/>
+                <a:latin typeface="Courier New" pitchFamily="49" charset="0"/>
+                <a:cs typeface="Courier New" pitchFamily="49" charset="0"/>
+              </a:rPr>
+              <a:t>'</a:t>
+            </a:r>
+            <a:r>
+              <a:rPr kumimoji="0" lang="de-DE" altLang="de-DE" sz="1200" b="1" i="0" u="none" strike="noStrike" cap="none" normalizeH="0" baseline="0" dirty="0" err="1" smtClean="0">
+                <a:ln>
+                  <a:noFill/>
+                </a:ln>
+                <a:solidFill>
+                  <a:srgbClr val="008080"/>
+                </a:solidFill>
+                <a:effectLst/>
+                <a:latin typeface="Courier New" pitchFamily="49" charset="0"/>
+                <a:cs typeface="Courier New" pitchFamily="49" charset="0"/>
+              </a:rPr>
+              <a:t>code</a:t>
+            </a:r>
+            <a:r>
+              <a:rPr kumimoji="0" lang="de-DE" altLang="de-DE" sz="1200" b="1" i="0" u="none" strike="noStrike" cap="none" normalizeH="0" baseline="0" dirty="0" smtClean="0">
+                <a:ln>
+                  <a:noFill/>
+                </a:ln>
+                <a:solidFill>
+                  <a:srgbClr val="008080"/>
+                </a:solidFill>
+                <a:effectLst/>
+                <a:latin typeface="Courier New" pitchFamily="49" charset="0"/>
+                <a:cs typeface="Courier New" pitchFamily="49" charset="0"/>
+              </a:rPr>
+              <a:t>'</a:t>
+            </a:r>
+            <a:r>
+              <a:rPr kumimoji="0" lang="de-DE" altLang="de-DE" sz="1200" b="0" i="0" u="none" strike="noStrike" cap="none" normalizeH="0" baseline="0" dirty="0" smtClean="0">
+                <a:ln>
+                  <a:noFill/>
+                </a:ln>
+                <a:solidFill>
+                  <a:srgbClr val="000000"/>
+                </a:solidFill>
+                <a:effectLst/>
+                <a:latin typeface="Courier New" pitchFamily="49" charset="0"/>
+                <a:cs typeface="Courier New" pitchFamily="49" charset="0"/>
+              </a:rPr>
+              <a:t>]), </a:t>
+            </a:r>
+            <a:r>
+              <a:rPr kumimoji="0" lang="de-DE" altLang="de-DE" sz="1200" b="0" i="0" u="none" strike="noStrike" cap="none" normalizeH="0" baseline="0" dirty="0" err="1" smtClean="0">
+                <a:ln>
+                  <a:noFill/>
+                </a:ln>
+                <a:solidFill>
+                  <a:srgbClr val="000080"/>
+                </a:solidFill>
+                <a:effectLst/>
+                <a:latin typeface="Courier New" pitchFamily="49" charset="0"/>
+                <a:cs typeface="Courier New" pitchFamily="49" charset="0"/>
+              </a:rPr>
+              <a:t>int</a:t>
+            </a:r>
+            <a:r>
+              <a:rPr kumimoji="0" lang="de-DE" altLang="de-DE" sz="1200" b="0" i="0" u="none" strike="noStrike" cap="none" normalizeH="0" baseline="0" dirty="0" smtClean="0">
+                <a:ln>
+                  <a:noFill/>
+                </a:ln>
+                <a:solidFill>
+                  <a:srgbClr val="000000"/>
+                </a:solidFill>
+                <a:effectLst/>
+                <a:latin typeface="Courier New" pitchFamily="49" charset="0"/>
+                <a:cs typeface="Courier New" pitchFamily="49" charset="0"/>
+              </a:rPr>
+              <a:t>(</a:t>
+            </a:r>
+            <a:r>
+              <a:rPr kumimoji="0" lang="de-DE" altLang="de-DE" sz="1200" b="0" i="0" u="none" strike="noStrike" cap="none" normalizeH="0" baseline="0" dirty="0" err="1" smtClean="0">
+                <a:ln>
+                  <a:noFill/>
+                </a:ln>
+                <a:solidFill>
+                  <a:srgbClr val="000000"/>
+                </a:solidFill>
+                <a:effectLst/>
+                <a:latin typeface="Courier New" pitchFamily="49" charset="0"/>
+                <a:cs typeface="Courier New" pitchFamily="49" charset="0"/>
+              </a:rPr>
+              <a:t>row</a:t>
+            </a:r>
+            <a:r>
+              <a:rPr kumimoji="0" lang="de-DE" altLang="de-DE" sz="1200" b="0" i="0" u="none" strike="noStrike" cap="none" normalizeH="0" baseline="0" dirty="0" smtClean="0">
+                <a:ln>
+                  <a:noFill/>
+                </a:ln>
+                <a:solidFill>
+                  <a:srgbClr val="000000"/>
+                </a:solidFill>
+                <a:effectLst/>
+                <a:latin typeface="Courier New" pitchFamily="49" charset="0"/>
+                <a:cs typeface="Courier New" pitchFamily="49" charset="0"/>
+              </a:rPr>
+              <a:t>[</a:t>
+            </a:r>
+            <a:r>
+              <a:rPr kumimoji="0" lang="de-DE" altLang="de-DE" sz="1200" b="1" i="0" u="none" strike="noStrike" cap="none" normalizeH="0" baseline="0" dirty="0" smtClean="0">
+                <a:ln>
+                  <a:noFill/>
+                </a:ln>
+                <a:solidFill>
+                  <a:srgbClr val="008080"/>
+                </a:solidFill>
+                <a:effectLst/>
+                <a:latin typeface="Courier New" pitchFamily="49" charset="0"/>
+                <a:cs typeface="Courier New" pitchFamily="49" charset="0"/>
+              </a:rPr>
+              <a:t>'</a:t>
+            </a:r>
+            <a:r>
+              <a:rPr kumimoji="0" lang="de-DE" altLang="de-DE" sz="1200" b="1" i="0" u="none" strike="noStrike" cap="none" normalizeH="0" baseline="0" dirty="0" err="1" smtClean="0">
+                <a:ln>
+                  <a:noFill/>
+                </a:ln>
+                <a:solidFill>
+                  <a:srgbClr val="008080"/>
+                </a:solidFill>
+                <a:effectLst/>
+                <a:latin typeface="Courier New" pitchFamily="49" charset="0"/>
+                <a:cs typeface="Courier New" pitchFamily="49" charset="0"/>
+              </a:rPr>
+              <a:t>client_id</a:t>
+            </a:r>
+            <a:r>
+              <a:rPr kumimoji="0" lang="de-DE" altLang="de-DE" sz="1200" b="1" i="0" u="none" strike="noStrike" cap="none" normalizeH="0" baseline="0" dirty="0" smtClean="0">
+                <a:ln>
+                  <a:noFill/>
+                </a:ln>
+                <a:solidFill>
+                  <a:srgbClr val="008080"/>
+                </a:solidFill>
+                <a:effectLst/>
+                <a:latin typeface="Courier New" pitchFamily="49" charset="0"/>
+                <a:cs typeface="Courier New" pitchFamily="49" charset="0"/>
+              </a:rPr>
+              <a:t>'</a:t>
+            </a:r>
+            <a:r>
+              <a:rPr kumimoji="0" lang="de-DE" altLang="de-DE" sz="1200" b="0" i="0" u="none" strike="noStrike" cap="none" normalizeH="0" baseline="0" dirty="0" smtClean="0">
+                <a:ln>
+                  <a:noFill/>
+                </a:ln>
+                <a:solidFill>
+                  <a:srgbClr val="000000"/>
+                </a:solidFill>
+                <a:effectLst/>
+                <a:latin typeface="Courier New" pitchFamily="49" charset="0"/>
+                <a:cs typeface="Courier New" pitchFamily="49" charset="0"/>
+              </a:rPr>
+              <a:t>]), </a:t>
+            </a:r>
+            <a:r>
+              <a:rPr kumimoji="0" lang="de-DE" altLang="de-DE" sz="1200" b="0" i="0" u="none" strike="noStrike" cap="none" normalizeH="0" baseline="0" dirty="0" err="1" smtClean="0">
+                <a:ln>
+                  <a:noFill/>
+                </a:ln>
+                <a:solidFill>
+                  <a:srgbClr val="000080"/>
+                </a:solidFill>
+                <a:effectLst/>
+                <a:latin typeface="Courier New" pitchFamily="49" charset="0"/>
+                <a:cs typeface="Courier New" pitchFamily="49" charset="0"/>
+              </a:rPr>
+              <a:t>int</a:t>
+            </a:r>
+            <a:r>
+              <a:rPr kumimoji="0" lang="de-DE" altLang="de-DE" sz="1200" b="0" i="0" u="none" strike="noStrike" cap="none" normalizeH="0" baseline="0" dirty="0" smtClean="0">
+                <a:ln>
+                  <a:noFill/>
+                </a:ln>
+                <a:solidFill>
+                  <a:srgbClr val="000000"/>
+                </a:solidFill>
+                <a:effectLst/>
+                <a:latin typeface="Courier New" pitchFamily="49" charset="0"/>
+                <a:cs typeface="Courier New" pitchFamily="49" charset="0"/>
+              </a:rPr>
+              <a:t>(</a:t>
+            </a:r>
+            <a:r>
+              <a:rPr kumimoji="0" lang="de-DE" altLang="de-DE" sz="1200" b="0" i="0" u="none" strike="noStrike" cap="none" normalizeH="0" baseline="0" dirty="0" err="1" smtClean="0">
+                <a:ln>
+                  <a:noFill/>
+                </a:ln>
+                <a:solidFill>
+                  <a:srgbClr val="000000"/>
+                </a:solidFill>
+                <a:effectLst/>
+                <a:latin typeface="Courier New" pitchFamily="49" charset="0"/>
+                <a:cs typeface="Courier New" pitchFamily="49" charset="0"/>
+              </a:rPr>
+              <a:t>row</a:t>
+            </a:r>
+            <a:r>
+              <a:rPr kumimoji="0" lang="de-DE" altLang="de-DE" sz="1200" b="0" i="0" u="none" strike="noStrike" cap="none" normalizeH="0" baseline="0" dirty="0" smtClean="0">
+                <a:ln>
+                  <a:noFill/>
+                </a:ln>
+                <a:solidFill>
+                  <a:srgbClr val="000000"/>
+                </a:solidFill>
+                <a:effectLst/>
+                <a:latin typeface="Courier New" pitchFamily="49" charset="0"/>
+                <a:cs typeface="Courier New" pitchFamily="49" charset="0"/>
+              </a:rPr>
+              <a:t>[</a:t>
+            </a:r>
+            <a:r>
+              <a:rPr kumimoji="0" lang="de-DE" altLang="de-DE" sz="1200" b="1" i="0" u="none" strike="noStrike" cap="none" normalizeH="0" baseline="0" dirty="0" smtClean="0">
+                <a:ln>
+                  <a:noFill/>
+                </a:ln>
+                <a:solidFill>
+                  <a:srgbClr val="008080"/>
+                </a:solidFill>
+                <a:effectLst/>
+                <a:latin typeface="Courier New" pitchFamily="49" charset="0"/>
+                <a:cs typeface="Courier New" pitchFamily="49" charset="0"/>
+              </a:rPr>
+              <a:t>'</a:t>
+            </a:r>
+            <a:r>
+              <a:rPr kumimoji="0" lang="de-DE" altLang="de-DE" sz="1200" b="1" i="0" u="none" strike="noStrike" cap="none" normalizeH="0" baseline="0" dirty="0" err="1" smtClean="0">
+                <a:ln>
+                  <a:noFill/>
+                </a:ln>
+                <a:solidFill>
+                  <a:srgbClr val="008080"/>
+                </a:solidFill>
+                <a:effectLst/>
+                <a:latin typeface="Courier New" pitchFamily="49" charset="0"/>
+                <a:cs typeface="Courier New" pitchFamily="49" charset="0"/>
+              </a:rPr>
+              <a:t>loc_ts</a:t>
+            </a:r>
+            <a:r>
+              <a:rPr kumimoji="0" lang="de-DE" altLang="de-DE" sz="1200" b="1" i="0" u="none" strike="noStrike" cap="none" normalizeH="0" baseline="0" dirty="0" smtClean="0">
+                <a:ln>
+                  <a:noFill/>
+                </a:ln>
+                <a:solidFill>
+                  <a:srgbClr val="008080"/>
+                </a:solidFill>
+                <a:effectLst/>
+                <a:latin typeface="Courier New" pitchFamily="49" charset="0"/>
+                <a:cs typeface="Courier New" pitchFamily="49" charset="0"/>
+              </a:rPr>
+              <a:t>'</a:t>
+            </a:r>
+            <a:r>
+              <a:rPr kumimoji="0" lang="de-DE" altLang="de-DE" sz="1200" b="0" i="0" u="none" strike="noStrike" cap="none" normalizeH="0" baseline="0" dirty="0" smtClean="0">
+                <a:ln>
+                  <a:noFill/>
+                </a:ln>
+                <a:solidFill>
+                  <a:srgbClr val="000000"/>
+                </a:solidFill>
+                <a:effectLst/>
+                <a:latin typeface="Courier New" pitchFamily="49" charset="0"/>
+                <a:cs typeface="Courier New" pitchFamily="49" charset="0"/>
+              </a:rPr>
+              <a:t>]), </a:t>
+            </a:r>
+            <a:r>
+              <a:rPr kumimoji="0" lang="de-DE" altLang="de-DE" sz="1200" b="0" i="0" u="none" strike="noStrike" cap="none" normalizeH="0" baseline="0" dirty="0" err="1" smtClean="0">
+                <a:ln>
+                  <a:noFill/>
+                </a:ln>
+                <a:solidFill>
+                  <a:srgbClr val="000000"/>
+                </a:solidFill>
+                <a:effectLst/>
+                <a:latin typeface="Courier New" pitchFamily="49" charset="0"/>
+                <a:cs typeface="Courier New" pitchFamily="49" charset="0"/>
+              </a:rPr>
+              <a:t>safeintcast</a:t>
+            </a:r>
+            <a:r>
+              <a:rPr kumimoji="0" lang="de-DE" altLang="de-DE" sz="1200" b="0" i="0" u="none" strike="noStrike" cap="none" normalizeH="0" baseline="0" dirty="0" smtClean="0">
+                <a:ln>
+                  <a:noFill/>
+                </a:ln>
+                <a:solidFill>
+                  <a:srgbClr val="000000"/>
+                </a:solidFill>
+                <a:effectLst/>
+                <a:latin typeface="Courier New" pitchFamily="49" charset="0"/>
+                <a:cs typeface="Courier New" pitchFamily="49" charset="0"/>
+              </a:rPr>
+              <a:t>(</a:t>
+            </a:r>
+            <a:r>
+              <a:rPr kumimoji="0" lang="de-DE" altLang="de-DE" sz="1200" b="0" i="0" u="none" strike="noStrike" cap="none" normalizeH="0" baseline="0" dirty="0" err="1" smtClean="0">
+                <a:ln>
+                  <a:noFill/>
+                </a:ln>
+                <a:solidFill>
+                  <a:srgbClr val="000000"/>
+                </a:solidFill>
+                <a:effectLst/>
+                <a:latin typeface="Courier New" pitchFamily="49" charset="0"/>
+                <a:cs typeface="Courier New" pitchFamily="49" charset="0"/>
+              </a:rPr>
+              <a:t>row</a:t>
+            </a:r>
+            <a:r>
+              <a:rPr kumimoji="0" lang="de-DE" altLang="de-DE" sz="1200" b="0" i="0" u="none" strike="noStrike" cap="none" normalizeH="0" baseline="0" dirty="0" smtClean="0">
+                <a:ln>
+                  <a:noFill/>
+                </a:ln>
+                <a:solidFill>
+                  <a:srgbClr val="000000"/>
+                </a:solidFill>
+                <a:effectLst/>
+                <a:latin typeface="Courier New" pitchFamily="49" charset="0"/>
+                <a:cs typeface="Courier New" pitchFamily="49" charset="0"/>
+              </a:rPr>
+              <a:t>[</a:t>
+            </a:r>
+            <a:r>
+              <a:rPr kumimoji="0" lang="de-DE" altLang="de-DE" sz="1200" b="1" i="0" u="none" strike="noStrike" cap="none" normalizeH="0" baseline="0" dirty="0" smtClean="0">
+                <a:ln>
+                  <a:noFill/>
+                </a:ln>
+                <a:solidFill>
+                  <a:srgbClr val="008080"/>
+                </a:solidFill>
+                <a:effectLst/>
+                <a:latin typeface="Courier New" pitchFamily="49" charset="0"/>
+                <a:cs typeface="Courier New" pitchFamily="49" charset="0"/>
+              </a:rPr>
+              <a:t>'</a:t>
+            </a:r>
+            <a:r>
+              <a:rPr kumimoji="0" lang="de-DE" altLang="de-DE" sz="1200" b="1" i="0" u="none" strike="noStrike" cap="none" normalizeH="0" baseline="0" dirty="0" err="1" smtClean="0">
+                <a:ln>
+                  <a:noFill/>
+                </a:ln>
+                <a:solidFill>
+                  <a:srgbClr val="008080"/>
+                </a:solidFill>
+                <a:effectLst/>
+                <a:latin typeface="Courier New" pitchFamily="49" charset="0"/>
+                <a:cs typeface="Courier New" pitchFamily="49" charset="0"/>
+              </a:rPr>
+              <a:t>err_code</a:t>
+            </a:r>
+            <a:r>
+              <a:rPr kumimoji="0" lang="de-DE" altLang="de-DE" sz="1200" b="1" i="0" u="none" strike="noStrike" cap="none" normalizeH="0" baseline="0" dirty="0" smtClean="0">
+                <a:ln>
+                  <a:noFill/>
+                </a:ln>
+                <a:solidFill>
+                  <a:srgbClr val="008080"/>
+                </a:solidFill>
+                <a:effectLst/>
+                <a:latin typeface="Courier New" pitchFamily="49" charset="0"/>
+                <a:cs typeface="Courier New" pitchFamily="49" charset="0"/>
+              </a:rPr>
+              <a:t>'</a:t>
+            </a:r>
+            <a:r>
+              <a:rPr kumimoji="0" lang="de-DE" altLang="de-DE" sz="1200" b="0" i="0" u="none" strike="noStrike" cap="none" normalizeH="0" baseline="0" dirty="0" smtClean="0">
+                <a:ln>
+                  <a:noFill/>
+                </a:ln>
+                <a:solidFill>
+                  <a:srgbClr val="000000"/>
+                </a:solidFill>
+                <a:effectLst/>
+                <a:latin typeface="Courier New" pitchFamily="49" charset="0"/>
+                <a:cs typeface="Courier New" pitchFamily="49" charset="0"/>
+              </a:rPr>
+              <a:t>], -</a:t>
+            </a:r>
+            <a:r>
+              <a:rPr kumimoji="0" lang="de-DE" altLang="de-DE" sz="1200" b="0" i="0" u="none" strike="noStrike" cap="none" normalizeH="0" baseline="0" dirty="0" smtClean="0">
+                <a:ln>
+                  <a:noFill/>
+                </a:ln>
+                <a:solidFill>
+                  <a:srgbClr val="0000FF"/>
+                </a:solidFill>
+                <a:effectLst/>
+                <a:latin typeface="Courier New" pitchFamily="49" charset="0"/>
+                <a:cs typeface="Courier New" pitchFamily="49" charset="0"/>
+              </a:rPr>
+              <a:t>1</a:t>
+            </a:r>
+            <a:r>
+              <a:rPr kumimoji="0" lang="de-DE" altLang="de-DE" sz="1200" b="0" i="0" u="none" strike="noStrike" cap="none" normalizeH="0" baseline="0" dirty="0" smtClean="0">
+                <a:ln>
+                  <a:noFill/>
+                </a:ln>
+                <a:solidFill>
+                  <a:srgbClr val="000000"/>
+                </a:solidFill>
+                <a:effectLst/>
+                <a:latin typeface="Courier New" pitchFamily="49" charset="0"/>
+                <a:cs typeface="Courier New" pitchFamily="49" charset="0"/>
+              </a:rPr>
+              <a:t>), </a:t>
+            </a:r>
+            <a:r>
+              <a:rPr kumimoji="0" lang="de-DE" altLang="de-DE" sz="1200" b="0" i="0" u="none" strike="noStrike" cap="none" normalizeH="0" baseline="0" dirty="0" err="1" smtClean="0">
+                <a:ln>
+                  <a:noFill/>
+                </a:ln>
+                <a:solidFill>
+                  <a:srgbClr val="000080"/>
+                </a:solidFill>
+                <a:effectLst/>
+                <a:latin typeface="Courier New" pitchFamily="49" charset="0"/>
+                <a:cs typeface="Courier New" pitchFamily="49" charset="0"/>
+              </a:rPr>
+              <a:t>int</a:t>
+            </a:r>
+            <a:r>
+              <a:rPr kumimoji="0" lang="de-DE" altLang="de-DE" sz="1200" b="0" i="0" u="none" strike="noStrike" cap="none" normalizeH="0" baseline="0" dirty="0" smtClean="0">
+                <a:ln>
+                  <a:noFill/>
+                </a:ln>
+                <a:solidFill>
+                  <a:srgbClr val="000000"/>
+                </a:solidFill>
+                <a:effectLst/>
+                <a:latin typeface="Courier New" pitchFamily="49" charset="0"/>
+                <a:cs typeface="Courier New" pitchFamily="49" charset="0"/>
+              </a:rPr>
+              <a:t>(</a:t>
+            </a:r>
+            <a:r>
+              <a:rPr kumimoji="0" lang="de-DE" altLang="de-DE" sz="1200" b="0" i="0" u="none" strike="noStrike" cap="none" normalizeH="0" baseline="0" dirty="0" err="1" smtClean="0">
+                <a:ln>
+                  <a:noFill/>
+                </a:ln>
+                <a:solidFill>
+                  <a:srgbClr val="000000"/>
+                </a:solidFill>
+                <a:effectLst/>
+                <a:latin typeface="Courier New" pitchFamily="49" charset="0"/>
+                <a:cs typeface="Courier New" pitchFamily="49" charset="0"/>
+              </a:rPr>
+              <a:t>row</a:t>
+            </a:r>
+            <a:r>
+              <a:rPr kumimoji="0" lang="de-DE" altLang="de-DE" sz="1200" b="0" i="0" u="none" strike="noStrike" cap="none" normalizeH="0" baseline="0" dirty="0" smtClean="0">
+                <a:ln>
+                  <a:noFill/>
+                </a:ln>
+                <a:solidFill>
+                  <a:srgbClr val="000000"/>
+                </a:solidFill>
+                <a:effectLst/>
+                <a:latin typeface="Courier New" pitchFamily="49" charset="0"/>
+                <a:cs typeface="Courier New" pitchFamily="49" charset="0"/>
+              </a:rPr>
+              <a:t>[</a:t>
+            </a:r>
+            <a:r>
+              <a:rPr kumimoji="0" lang="de-DE" altLang="de-DE" sz="1200" b="1" i="0" u="none" strike="noStrike" cap="none" normalizeH="0" baseline="0" dirty="0" smtClean="0">
+                <a:ln>
+                  <a:noFill/>
+                </a:ln>
+                <a:solidFill>
+                  <a:srgbClr val="008080"/>
+                </a:solidFill>
+                <a:effectLst/>
+                <a:latin typeface="Courier New" pitchFamily="49" charset="0"/>
+                <a:cs typeface="Courier New" pitchFamily="49" charset="0"/>
+              </a:rPr>
+              <a:t>'time'</a:t>
+            </a:r>
+            <a:r>
+              <a:rPr kumimoji="0" lang="de-DE" altLang="de-DE" sz="1200" b="0" i="0" u="none" strike="noStrike" cap="none" normalizeH="0" baseline="0" dirty="0" smtClean="0">
+                <a:ln>
+                  <a:noFill/>
+                </a:ln>
+                <a:solidFill>
+                  <a:srgbClr val="000000"/>
+                </a:solidFill>
+                <a:effectLst/>
+                <a:latin typeface="Courier New" pitchFamily="49" charset="0"/>
+                <a:cs typeface="Courier New" pitchFamily="49" charset="0"/>
+              </a:rPr>
+              <a:t>]))</a:t>
+            </a:r>
+            <a:br>
+              <a:rPr kumimoji="0" lang="de-DE" altLang="de-DE" sz="1200" b="0" i="0" u="none" strike="noStrike" cap="none" normalizeH="0" baseline="0" dirty="0" smtClean="0">
+                <a:ln>
+                  <a:noFill/>
+                </a:ln>
+                <a:solidFill>
+                  <a:srgbClr val="000000"/>
+                </a:solidFill>
+                <a:effectLst/>
+                <a:latin typeface="Courier New" pitchFamily="49" charset="0"/>
+                <a:cs typeface="Courier New" pitchFamily="49" charset="0"/>
+              </a:rPr>
+            </a:br>
+            <a:r>
+              <a:rPr kumimoji="0" lang="de-DE" altLang="de-DE" sz="1200" b="0" i="0" u="none" strike="noStrike" cap="none" normalizeH="0" baseline="0" dirty="0" smtClean="0">
+                <a:ln>
+                  <a:noFill/>
+                </a:ln>
+                <a:solidFill>
+                  <a:srgbClr val="000000"/>
+                </a:solidFill>
+                <a:effectLst/>
+                <a:latin typeface="Courier New" pitchFamily="49" charset="0"/>
+                <a:cs typeface="Courier New" pitchFamily="49" charset="0"/>
+              </a:rPr>
+              <a:t>        </a:t>
+            </a:r>
+            <a:r>
+              <a:rPr kumimoji="0" lang="de-DE" altLang="de-DE" sz="1200" b="1" i="0" u="none" strike="noStrike" cap="none" normalizeH="0" baseline="0" dirty="0" err="1" smtClean="0">
+                <a:ln>
+                  <a:noFill/>
+                </a:ln>
+                <a:solidFill>
+                  <a:srgbClr val="000080"/>
+                </a:solidFill>
+                <a:effectLst/>
+                <a:latin typeface="Courier New" pitchFamily="49" charset="0"/>
+                <a:cs typeface="Courier New" pitchFamily="49" charset="0"/>
+              </a:rPr>
+              <a:t>if</a:t>
+            </a:r>
+            <a:r>
+              <a:rPr kumimoji="0" lang="de-DE" altLang="de-DE" sz="1200" b="1" i="0" u="none" strike="noStrike" cap="none" normalizeH="0" baseline="0" dirty="0" smtClean="0">
+                <a:ln>
+                  <a:noFill/>
+                </a:ln>
+                <a:solidFill>
+                  <a:srgbClr val="000080"/>
+                </a:solidFill>
+                <a:effectLst/>
+                <a:latin typeface="Courier New" pitchFamily="49" charset="0"/>
+                <a:cs typeface="Courier New" pitchFamily="49" charset="0"/>
+              </a:rPr>
+              <a:t> </a:t>
+            </a:r>
+            <a:r>
+              <a:rPr kumimoji="0" lang="de-DE" altLang="de-DE" sz="1200" b="0" i="0" u="none" strike="noStrike" cap="none" normalizeH="0" baseline="0" dirty="0" err="1" smtClean="0">
+                <a:ln>
+                  <a:noFill/>
+                </a:ln>
+                <a:solidFill>
+                  <a:srgbClr val="000000"/>
+                </a:solidFill>
+                <a:effectLst/>
+                <a:latin typeface="Courier New" pitchFamily="49" charset="0"/>
+                <a:cs typeface="Courier New" pitchFamily="49" charset="0"/>
+              </a:rPr>
+              <a:t>message.client_id</a:t>
+            </a:r>
+            <a:r>
+              <a:rPr kumimoji="0" lang="de-DE" altLang="de-DE" sz="1200" b="0" i="0" u="none" strike="noStrike" cap="none" normalizeH="0" baseline="0" dirty="0" smtClean="0">
+                <a:ln>
+                  <a:noFill/>
+                </a:ln>
+                <a:solidFill>
+                  <a:srgbClr val="000000"/>
+                </a:solidFill>
+                <a:effectLst/>
+                <a:latin typeface="Courier New" pitchFamily="49" charset="0"/>
+                <a:cs typeface="Courier New" pitchFamily="49" charset="0"/>
+              </a:rPr>
+              <a:t> != </a:t>
+            </a:r>
+            <a:r>
+              <a:rPr kumimoji="0" lang="de-DE" altLang="de-DE" sz="1200" b="0" i="0" u="none" strike="noStrike" cap="none" normalizeH="0" baseline="0" dirty="0" smtClean="0">
+                <a:ln>
+                  <a:noFill/>
+                </a:ln>
+                <a:solidFill>
+                  <a:srgbClr val="0000FF"/>
+                </a:solidFill>
+                <a:effectLst/>
+                <a:latin typeface="Courier New" pitchFamily="49" charset="0"/>
+                <a:cs typeface="Courier New" pitchFamily="49" charset="0"/>
+              </a:rPr>
+              <a:t>0</a:t>
+            </a:r>
+            <a:r>
+              <a:rPr kumimoji="0" lang="de-DE" altLang="de-DE" sz="1200" b="0" i="0" u="none" strike="noStrike" cap="none" normalizeH="0" baseline="0" dirty="0" smtClean="0">
+                <a:ln>
+                  <a:noFill/>
+                </a:ln>
+                <a:solidFill>
+                  <a:srgbClr val="000000"/>
+                </a:solidFill>
+                <a:effectLst/>
+                <a:latin typeface="Courier New" pitchFamily="49" charset="0"/>
+                <a:cs typeface="Courier New" pitchFamily="49" charset="0"/>
+              </a:rPr>
+              <a:t>:</a:t>
+            </a:r>
+            <a:br>
+              <a:rPr kumimoji="0" lang="de-DE" altLang="de-DE" sz="1200" b="0" i="0" u="none" strike="noStrike" cap="none" normalizeH="0" baseline="0" dirty="0" smtClean="0">
+                <a:ln>
+                  <a:noFill/>
+                </a:ln>
+                <a:solidFill>
+                  <a:srgbClr val="000000"/>
+                </a:solidFill>
+                <a:effectLst/>
+                <a:latin typeface="Courier New" pitchFamily="49" charset="0"/>
+                <a:cs typeface="Courier New" pitchFamily="49" charset="0"/>
+              </a:rPr>
+            </a:br>
+            <a:r>
+              <a:rPr kumimoji="0" lang="de-DE" altLang="de-DE" sz="1200" b="0" i="0" u="none" strike="noStrike" cap="none" normalizeH="0" baseline="0" dirty="0" smtClean="0">
+                <a:ln>
+                  <a:noFill/>
+                </a:ln>
+                <a:solidFill>
+                  <a:srgbClr val="000000"/>
+                </a:solidFill>
+                <a:effectLst/>
+                <a:latin typeface="Courier New" pitchFamily="49" charset="0"/>
+                <a:cs typeface="Courier New" pitchFamily="49" charset="0"/>
+              </a:rPr>
+              <a:t>            </a:t>
+            </a:r>
+            <a:r>
+              <a:rPr kumimoji="0" lang="de-DE" altLang="de-DE" sz="1200" b="0" i="0" u="none" strike="noStrike" cap="none" normalizeH="0" baseline="0" dirty="0" err="1" smtClean="0">
+                <a:ln>
+                  <a:noFill/>
+                </a:ln>
+                <a:solidFill>
+                  <a:srgbClr val="000000"/>
+                </a:solidFill>
+                <a:effectLst/>
+                <a:latin typeface="Courier New" pitchFamily="49" charset="0"/>
+                <a:cs typeface="Courier New" pitchFamily="49" charset="0"/>
+              </a:rPr>
+              <a:t>logs.append</a:t>
+            </a:r>
+            <a:r>
+              <a:rPr kumimoji="0" lang="de-DE" altLang="de-DE" sz="1200" b="0" i="0" u="none" strike="noStrike" cap="none" normalizeH="0" baseline="0" dirty="0" smtClean="0">
+                <a:ln>
+                  <a:noFill/>
+                </a:ln>
+                <a:solidFill>
+                  <a:srgbClr val="000000"/>
+                </a:solidFill>
+                <a:effectLst/>
+                <a:latin typeface="Courier New" pitchFamily="49" charset="0"/>
+                <a:cs typeface="Courier New" pitchFamily="49" charset="0"/>
+              </a:rPr>
+              <a:t>(</a:t>
+            </a:r>
+            <a:r>
+              <a:rPr kumimoji="0" lang="de-DE" altLang="de-DE" sz="1200" b="0" i="0" u="none" strike="noStrike" cap="none" normalizeH="0" baseline="0" dirty="0" err="1" smtClean="0">
+                <a:ln>
+                  <a:noFill/>
+                </a:ln>
+                <a:solidFill>
+                  <a:srgbClr val="000000"/>
+                </a:solidFill>
+                <a:effectLst/>
+                <a:latin typeface="Courier New" pitchFamily="49" charset="0"/>
+                <a:cs typeface="Courier New" pitchFamily="49" charset="0"/>
+              </a:rPr>
+              <a:t>message</a:t>
+            </a:r>
+            <a:r>
+              <a:rPr kumimoji="0" lang="de-DE" altLang="de-DE" sz="1200" b="0" i="0" u="none" strike="noStrike" cap="none" normalizeH="0" baseline="0" dirty="0" smtClean="0">
+                <a:ln>
+                  <a:noFill/>
+                </a:ln>
+                <a:solidFill>
+                  <a:srgbClr val="000000"/>
+                </a:solidFill>
+                <a:effectLst/>
+                <a:latin typeface="Courier New" pitchFamily="49" charset="0"/>
+                <a:cs typeface="Courier New" pitchFamily="49" charset="0"/>
+              </a:rPr>
+              <a:t>)</a:t>
+            </a:r>
+            <a:br>
+              <a:rPr kumimoji="0" lang="de-DE" altLang="de-DE" sz="1200" b="0" i="0" u="none" strike="noStrike" cap="none" normalizeH="0" baseline="0" dirty="0" smtClean="0">
+                <a:ln>
+                  <a:noFill/>
+                </a:ln>
+                <a:solidFill>
+                  <a:srgbClr val="000000"/>
+                </a:solidFill>
+                <a:effectLst/>
+                <a:latin typeface="Courier New" pitchFamily="49" charset="0"/>
+                <a:cs typeface="Courier New" pitchFamily="49" charset="0"/>
+              </a:rPr>
+            </a:br>
+            <a:r>
+              <a:rPr kumimoji="0" lang="de-DE" altLang="de-DE" sz="1200" b="0" i="0" u="none" strike="noStrike" cap="none" normalizeH="0" baseline="0" dirty="0" smtClean="0">
+                <a:ln>
+                  <a:noFill/>
+                </a:ln>
+                <a:solidFill>
+                  <a:srgbClr val="000000"/>
+                </a:solidFill>
+                <a:effectLst/>
+                <a:latin typeface="Courier New" pitchFamily="49" charset="0"/>
+                <a:cs typeface="Courier New" pitchFamily="49" charset="0"/>
+              </a:rPr>
+              <a:t>    </a:t>
+            </a:r>
+            <a:r>
+              <a:rPr kumimoji="0" lang="de-DE" altLang="de-DE" sz="1200" b="1" i="0" u="none" strike="noStrike" cap="none" normalizeH="0" baseline="0" dirty="0" err="1" smtClean="0">
+                <a:ln>
+                  <a:noFill/>
+                </a:ln>
+                <a:solidFill>
+                  <a:srgbClr val="000080"/>
+                </a:solidFill>
+                <a:effectLst/>
+                <a:latin typeface="Courier New" pitchFamily="49" charset="0"/>
+                <a:cs typeface="Courier New" pitchFamily="49" charset="0"/>
+              </a:rPr>
+              <a:t>return</a:t>
+            </a:r>
+            <a:r>
+              <a:rPr kumimoji="0" lang="de-DE" altLang="de-DE" sz="1200" b="1" i="0" u="none" strike="noStrike" cap="none" normalizeH="0" baseline="0" dirty="0" smtClean="0">
+                <a:ln>
+                  <a:noFill/>
+                </a:ln>
+                <a:solidFill>
+                  <a:srgbClr val="000080"/>
+                </a:solidFill>
+                <a:effectLst/>
+                <a:latin typeface="Courier New" pitchFamily="49" charset="0"/>
+                <a:cs typeface="Courier New" pitchFamily="49" charset="0"/>
+              </a:rPr>
+              <a:t> </a:t>
+            </a:r>
+            <a:r>
+              <a:rPr kumimoji="0" lang="de-DE" altLang="de-DE" sz="1200" b="0" i="0" u="none" strike="noStrike" cap="none" normalizeH="0" baseline="0" dirty="0" err="1" smtClean="0">
+                <a:ln>
+                  <a:noFill/>
+                </a:ln>
+                <a:solidFill>
+                  <a:srgbClr val="000000"/>
+                </a:solidFill>
+                <a:effectLst/>
+                <a:latin typeface="Courier New" pitchFamily="49" charset="0"/>
+                <a:cs typeface="Courier New" pitchFamily="49" charset="0"/>
+              </a:rPr>
+              <a:t>logs</a:t>
+            </a:r>
+            <a:endParaRPr kumimoji="0" lang="de-DE" altLang="de-DE" sz="3200" b="0" i="0" u="none" strike="noStrike" cap="none" normalizeH="0" baseline="0" dirty="0" smtClean="0">
+              <a:ln>
+                <a:noFill/>
+              </a:ln>
+              <a:solidFill>
+                <a:schemeClr val="tx1"/>
+              </a:solidFill>
+              <a:effectLst/>
+              <a:latin typeface="Arial" pitchFamily="34" charset="0"/>
+              <a:cs typeface="Arial" pitchFamily="34" charset="0"/>
+            </a:endParaRPr>
+          </a:p>
+        </p:txBody>
+      </p:sp>
+      <p:sp>
+        <p:nvSpPr>
+          <p:cNvPr id="5" name="Rectangle 6"/>
+          <p:cNvSpPr>
+            <a:spLocks noChangeArrowheads="1"/>
+          </p:cNvSpPr>
+          <p:nvPr/>
+        </p:nvSpPr>
+        <p:spPr bwMode="auto">
+          <a:xfrm>
+            <a:off x="677334" y="1947888"/>
+            <a:ext cx="7740713" cy="1569660"/>
+          </a:xfrm>
+          <a:prstGeom prst="rect">
+            <a:avLst/>
+          </a:prstGeom>
+          <a:solidFill>
+            <a:srgbClr val="FFFFFF"/>
+          </a:solidFill>
+          <a:ln>
+            <a:noFill/>
+          </a:ln>
+          <a:effectLst/>
+          <a:extLst>
+            <a:ext uri="{91240B29-F687-4F45-9708-019B960494DF}">
+              <a14:hiddenLine xmlns:a14="http://schemas.microsoft.com/office/drawing/2010/main" w="9525">
+                <a:solidFill>
+                  <a:schemeClr val="tx1"/>
+                </a:solidFill>
+                <a:miter lim="800000"/>
+                <a:headEnd/>
+                <a:tailEnd/>
+              </a14:hiddenLine>
+            </a:ext>
+            <a:ext uri="{AF507438-7753-43E0-B8FC-AC1667EBCBE1}">
+              <a14:hiddenEffects xmlns:a14="http://schemas.microsoft.com/office/drawing/2010/main">
+                <a:effectLst>
+                  <a:outerShdw dist="35921" dir="2700000" algn="ctr" rotWithShape="0">
+                    <a:schemeClr val="bg2"/>
+                  </a:outerShdw>
+                </a:effectLst>
+              </a14:hiddenEffects>
+            </a:ext>
+          </a:extLst>
+        </p:spPr>
+        <p:txBody>
+          <a:bodyPr vert="horz" wrap="square" lIns="91440" tIns="45720" rIns="91440" bIns="45720" numCol="1" anchor="ctr" anchorCtr="0" compatLnSpc="1">
+            <a:prstTxWarp prst="textNoShape">
+              <a:avLst/>
+            </a:prstTxWarp>
+            <a:spAutoFit/>
+          </a:bodyPr>
+          <a:lstStyle/>
+          <a:p>
+            <a:pPr marL="0" marR="0" lvl="0" indent="0" algn="l" defTabSz="914400" rtl="0" eaLnBrk="1" fontAlgn="base" latinLnBrk="0" hangingPunct="1">
+              <a:lnSpc>
+                <a:spcPct val="100000"/>
+              </a:lnSpc>
+              <a:spcBef>
+                <a:spcPct val="0"/>
+              </a:spcBef>
+              <a:spcAft>
+                <a:spcPct val="0"/>
+              </a:spcAft>
+              <a:buClrTx/>
+              <a:buSzTx/>
+              <a:buFontTx/>
+              <a:buNone/>
+              <a:tabLst/>
+            </a:pPr>
+            <a:r>
+              <a:rPr kumimoji="0" lang="de-DE" altLang="de-DE" sz="1200" b="0" i="0" u="none" strike="noStrike" cap="none" normalizeH="0" baseline="0" dirty="0" err="1" smtClean="0">
+                <a:ln>
+                  <a:noFill/>
+                </a:ln>
+                <a:solidFill>
+                  <a:srgbClr val="000000"/>
+                </a:solidFill>
+                <a:effectLst/>
+                <a:latin typeface="Courier New" pitchFamily="49" charset="0"/>
+                <a:cs typeface="Courier New" pitchFamily="49" charset="0"/>
+              </a:rPr>
+              <a:t>data</a:t>
+            </a:r>
+            <a:r>
+              <a:rPr kumimoji="0" lang="de-DE" altLang="de-DE" sz="1200" b="0" i="0" u="none" strike="noStrike" cap="none" normalizeH="0" baseline="0" dirty="0" smtClean="0">
+                <a:ln>
+                  <a:noFill/>
+                </a:ln>
+                <a:solidFill>
+                  <a:srgbClr val="000000"/>
+                </a:solidFill>
+                <a:effectLst/>
+                <a:latin typeface="Courier New" pitchFamily="49" charset="0"/>
+                <a:cs typeface="Courier New" pitchFamily="49" charset="0"/>
+              </a:rPr>
+              <a:t> = </a:t>
+            </a:r>
+            <a:r>
+              <a:rPr kumimoji="0" lang="de-DE" altLang="de-DE" sz="1200" b="0" i="0" u="none" strike="noStrike" cap="none" normalizeH="0" baseline="0" dirty="0" err="1" smtClean="0">
+                <a:ln>
+                  <a:noFill/>
+                </a:ln>
+                <a:solidFill>
+                  <a:srgbClr val="000000"/>
+                </a:solidFill>
+                <a:effectLst/>
+                <a:latin typeface="Courier New" pitchFamily="49" charset="0"/>
+                <a:cs typeface="Courier New" pitchFamily="49" charset="0"/>
+              </a:rPr>
+              <a:t>csv.DictReader</a:t>
+            </a:r>
+            <a:r>
+              <a:rPr kumimoji="0" lang="de-DE" altLang="de-DE" sz="1200" b="0" i="0" u="none" strike="noStrike" cap="none" normalizeH="0" baseline="0" dirty="0" smtClean="0">
+                <a:ln>
+                  <a:noFill/>
+                </a:ln>
+                <a:solidFill>
+                  <a:srgbClr val="000000"/>
+                </a:solidFill>
+                <a:effectLst/>
+                <a:latin typeface="Courier New" pitchFamily="49" charset="0"/>
+                <a:cs typeface="Courier New" pitchFamily="49" charset="0"/>
+              </a:rPr>
+              <a:t>(</a:t>
+            </a:r>
+            <a:r>
+              <a:rPr kumimoji="0" lang="de-DE" altLang="de-DE" sz="1200" b="0" i="0" u="none" strike="noStrike" cap="none" normalizeH="0" baseline="0" dirty="0" smtClean="0">
+                <a:ln>
+                  <a:noFill/>
+                </a:ln>
+                <a:solidFill>
+                  <a:srgbClr val="000080"/>
+                </a:solidFill>
+                <a:effectLst/>
+                <a:latin typeface="Courier New" pitchFamily="49" charset="0"/>
+                <a:cs typeface="Courier New" pitchFamily="49" charset="0"/>
+              </a:rPr>
+              <a:t>open</a:t>
+            </a:r>
+            <a:r>
+              <a:rPr kumimoji="0" lang="de-DE" altLang="de-DE" sz="1200" b="0" i="0" u="none" strike="noStrike" cap="none" normalizeH="0" baseline="0" dirty="0" smtClean="0">
+                <a:ln>
+                  <a:noFill/>
+                </a:ln>
+                <a:solidFill>
+                  <a:srgbClr val="000000"/>
+                </a:solidFill>
+                <a:effectLst/>
+                <a:latin typeface="Courier New" pitchFamily="49" charset="0"/>
+                <a:cs typeface="Courier New" pitchFamily="49" charset="0"/>
+              </a:rPr>
+              <a:t>(</a:t>
+            </a:r>
+            <a:r>
+              <a:rPr kumimoji="0" lang="de-DE" altLang="de-DE" sz="1200" b="0" i="0" u="none" strike="noStrike" cap="none" normalizeH="0" baseline="0" dirty="0" err="1" smtClean="0">
+                <a:ln>
+                  <a:noFill/>
+                </a:ln>
+                <a:solidFill>
+                  <a:srgbClr val="000000"/>
+                </a:solidFill>
+                <a:effectLst/>
+                <a:latin typeface="Courier New" pitchFamily="49" charset="0"/>
+                <a:cs typeface="Courier New" pitchFamily="49" charset="0"/>
+              </a:rPr>
+              <a:t>path</a:t>
+            </a:r>
+            <a:r>
+              <a:rPr kumimoji="0" lang="de-DE" altLang="de-DE" sz="1200" b="0" i="0" u="none" strike="noStrike" cap="none" normalizeH="0" baseline="0" dirty="0" smtClean="0">
+                <a:ln>
+                  <a:noFill/>
+                </a:ln>
+                <a:solidFill>
+                  <a:srgbClr val="000000"/>
+                </a:solidFill>
+                <a:effectLst/>
+                <a:latin typeface="Courier New" pitchFamily="49" charset="0"/>
+                <a:cs typeface="Courier New" pitchFamily="49" charset="0"/>
+              </a:rPr>
+              <a:t>),</a:t>
+            </a:r>
+            <a:r>
+              <a:rPr kumimoji="0" lang="de-DE" altLang="de-DE" sz="1200" b="0" i="0" u="none" strike="noStrike" cap="none" normalizeH="0" baseline="0" dirty="0" err="1" smtClean="0">
+                <a:ln>
+                  <a:noFill/>
+                </a:ln>
+                <a:solidFill>
+                  <a:srgbClr val="660099"/>
+                </a:solidFill>
+                <a:effectLst/>
+                <a:latin typeface="Courier New" pitchFamily="49" charset="0"/>
+                <a:cs typeface="Courier New" pitchFamily="49" charset="0"/>
+              </a:rPr>
+              <a:t>dialect</a:t>
+            </a:r>
+            <a:r>
+              <a:rPr kumimoji="0" lang="de-DE" altLang="de-DE" sz="1200" b="0" i="0" u="none" strike="noStrike" cap="none" normalizeH="0" baseline="0" dirty="0" smtClean="0">
+                <a:ln>
+                  <a:noFill/>
+                </a:ln>
+                <a:solidFill>
+                  <a:srgbClr val="000000"/>
+                </a:solidFill>
+                <a:effectLst/>
+                <a:latin typeface="Courier New" pitchFamily="49" charset="0"/>
+                <a:cs typeface="Courier New" pitchFamily="49" charset="0"/>
+              </a:rPr>
+              <a:t>=</a:t>
+            </a:r>
+            <a:r>
+              <a:rPr kumimoji="0" lang="de-DE" altLang="de-DE" sz="1200" b="1" i="0" u="none" strike="noStrike" cap="none" normalizeH="0" baseline="0" dirty="0" smtClean="0">
+                <a:ln>
+                  <a:noFill/>
+                </a:ln>
+                <a:solidFill>
+                  <a:srgbClr val="008080"/>
+                </a:solidFill>
+                <a:effectLst/>
+                <a:latin typeface="Courier New" pitchFamily="49" charset="0"/>
+                <a:cs typeface="Courier New" pitchFamily="49" charset="0"/>
+              </a:rPr>
+              <a:t>'</a:t>
+            </a:r>
+            <a:r>
+              <a:rPr kumimoji="0" lang="de-DE" altLang="de-DE" sz="1200" b="1" i="0" u="none" strike="noStrike" cap="none" normalizeH="0" baseline="0" dirty="0" err="1" smtClean="0">
+                <a:ln>
+                  <a:noFill/>
+                </a:ln>
+                <a:solidFill>
+                  <a:srgbClr val="008080"/>
+                </a:solidFill>
+                <a:effectLst/>
+                <a:latin typeface="Courier New" pitchFamily="49" charset="0"/>
+                <a:cs typeface="Courier New" pitchFamily="49" charset="0"/>
+              </a:rPr>
+              <a:t>excel</a:t>
+            </a:r>
+            <a:r>
+              <a:rPr kumimoji="0" lang="de-DE" altLang="de-DE" sz="1200" b="1" i="0" u="none" strike="noStrike" cap="none" normalizeH="0" baseline="0" dirty="0" smtClean="0">
+                <a:ln>
+                  <a:noFill/>
+                </a:ln>
+                <a:solidFill>
+                  <a:srgbClr val="008080"/>
+                </a:solidFill>
+                <a:effectLst/>
+                <a:latin typeface="Courier New" pitchFamily="49" charset="0"/>
+                <a:cs typeface="Courier New" pitchFamily="49" charset="0"/>
+              </a:rPr>
+              <a:t>'</a:t>
+            </a:r>
+            <a:r>
+              <a:rPr kumimoji="0" lang="de-DE" altLang="de-DE" sz="1200" b="0" i="0" u="none" strike="noStrike" cap="none" normalizeH="0" baseline="0" dirty="0" smtClean="0">
+                <a:ln>
+                  <a:noFill/>
+                </a:ln>
+                <a:solidFill>
+                  <a:srgbClr val="000000"/>
+                </a:solidFill>
+                <a:effectLst/>
+                <a:latin typeface="Courier New" pitchFamily="49" charset="0"/>
+                <a:cs typeface="Courier New" pitchFamily="49" charset="0"/>
+              </a:rPr>
+              <a:t>)</a:t>
+            </a:r>
+            <a:br>
+              <a:rPr kumimoji="0" lang="de-DE" altLang="de-DE" sz="1200" b="0" i="0" u="none" strike="noStrike" cap="none" normalizeH="0" baseline="0" dirty="0" smtClean="0">
+                <a:ln>
+                  <a:noFill/>
+                </a:ln>
+                <a:solidFill>
+                  <a:srgbClr val="000000"/>
+                </a:solidFill>
+                <a:effectLst/>
+                <a:latin typeface="Courier New" pitchFamily="49" charset="0"/>
+                <a:cs typeface="Courier New" pitchFamily="49" charset="0"/>
+              </a:rPr>
+            </a:br>
+            <a:r>
+              <a:rPr kumimoji="0" lang="de-DE" altLang="de-DE" sz="1200" b="0" i="0" u="none" strike="noStrike" cap="none" normalizeH="0" baseline="0" dirty="0" smtClean="0">
+                <a:ln>
+                  <a:noFill/>
+                </a:ln>
+                <a:solidFill>
+                  <a:srgbClr val="000000"/>
+                </a:solidFill>
+                <a:effectLst/>
+                <a:latin typeface="Courier New" pitchFamily="49" charset="0"/>
+                <a:cs typeface="Courier New" pitchFamily="49" charset="0"/>
+              </a:rPr>
+              <a:t/>
+            </a:r>
+            <a:br>
+              <a:rPr kumimoji="0" lang="de-DE" altLang="de-DE" sz="1200" b="0" i="0" u="none" strike="noStrike" cap="none" normalizeH="0" baseline="0" dirty="0" smtClean="0">
+                <a:ln>
+                  <a:noFill/>
+                </a:ln>
+                <a:solidFill>
+                  <a:srgbClr val="000000"/>
+                </a:solidFill>
+                <a:effectLst/>
+                <a:latin typeface="Courier New" pitchFamily="49" charset="0"/>
+                <a:cs typeface="Courier New" pitchFamily="49" charset="0"/>
+              </a:rPr>
+            </a:br>
+            <a:r>
+              <a:rPr kumimoji="0" lang="de-DE" altLang="de-DE" sz="1200" b="1" i="0" u="none" strike="noStrike" cap="none" normalizeH="0" baseline="0" dirty="0" err="1" smtClean="0">
+                <a:ln>
+                  <a:noFill/>
+                </a:ln>
+                <a:solidFill>
+                  <a:srgbClr val="000080"/>
+                </a:solidFill>
+                <a:effectLst/>
+                <a:latin typeface="Courier New" pitchFamily="49" charset="0"/>
+                <a:cs typeface="Courier New" pitchFamily="49" charset="0"/>
+              </a:rPr>
+              <a:t>def</a:t>
+            </a:r>
+            <a:r>
+              <a:rPr kumimoji="0" lang="de-DE" altLang="de-DE" sz="1200" b="1" i="0" u="none" strike="noStrike" cap="none" normalizeH="0" baseline="0" dirty="0" smtClean="0">
+                <a:ln>
+                  <a:noFill/>
+                </a:ln>
+                <a:solidFill>
+                  <a:srgbClr val="000080"/>
+                </a:solidFill>
+                <a:effectLst/>
+                <a:latin typeface="Courier New" pitchFamily="49" charset="0"/>
+                <a:cs typeface="Courier New" pitchFamily="49" charset="0"/>
+              </a:rPr>
+              <a:t> </a:t>
+            </a:r>
+            <a:r>
+              <a:rPr kumimoji="0" lang="de-DE" altLang="de-DE" sz="1200" b="0" i="0" u="none" strike="noStrike" cap="none" normalizeH="0" baseline="0" dirty="0" smtClean="0">
+                <a:ln>
+                  <a:noFill/>
+                </a:ln>
+                <a:solidFill>
+                  <a:srgbClr val="000000"/>
+                </a:solidFill>
+                <a:effectLst/>
+                <a:latin typeface="Courier New" pitchFamily="49" charset="0"/>
+                <a:cs typeface="Courier New" pitchFamily="49" charset="0"/>
+              </a:rPr>
+              <a:t>task1map(</a:t>
+            </a:r>
+            <a:r>
+              <a:rPr kumimoji="0" lang="de-DE" altLang="de-DE" sz="1200" b="0" i="0" u="none" strike="noStrike" cap="none" normalizeH="0" baseline="0" dirty="0" err="1" smtClean="0">
+                <a:ln>
+                  <a:noFill/>
+                </a:ln>
+                <a:solidFill>
+                  <a:srgbClr val="000000"/>
+                </a:solidFill>
+                <a:effectLst/>
+                <a:latin typeface="Courier New" pitchFamily="49" charset="0"/>
+                <a:cs typeface="Courier New" pitchFamily="49" charset="0"/>
+              </a:rPr>
+              <a:t>data</a:t>
+            </a:r>
+            <a:r>
+              <a:rPr kumimoji="0" lang="de-DE" altLang="de-DE" sz="1200" b="0" i="0" u="none" strike="noStrike" cap="none" normalizeH="0" baseline="0" dirty="0" smtClean="0">
+                <a:ln>
+                  <a:noFill/>
+                </a:ln>
+                <a:solidFill>
+                  <a:srgbClr val="000000"/>
+                </a:solidFill>
+                <a:effectLst/>
+                <a:latin typeface="Courier New" pitchFamily="49" charset="0"/>
+                <a:cs typeface="Courier New" pitchFamily="49" charset="0"/>
+              </a:rPr>
+              <a:t>):</a:t>
+            </a:r>
+            <a:br>
+              <a:rPr kumimoji="0" lang="de-DE" altLang="de-DE" sz="1200" b="0" i="0" u="none" strike="noStrike" cap="none" normalizeH="0" baseline="0" dirty="0" smtClean="0">
+                <a:ln>
+                  <a:noFill/>
+                </a:ln>
+                <a:solidFill>
+                  <a:srgbClr val="000000"/>
+                </a:solidFill>
+                <a:effectLst/>
+                <a:latin typeface="Courier New" pitchFamily="49" charset="0"/>
+                <a:cs typeface="Courier New" pitchFamily="49" charset="0"/>
+              </a:rPr>
+            </a:br>
+            <a:r>
+              <a:rPr kumimoji="0" lang="de-DE" altLang="de-DE" sz="1200" b="0" i="0" u="none" strike="noStrike" cap="none" normalizeH="0" baseline="0" dirty="0" smtClean="0">
+                <a:ln>
+                  <a:noFill/>
+                </a:ln>
+                <a:solidFill>
+                  <a:srgbClr val="000000"/>
+                </a:solidFill>
+                <a:effectLst/>
+                <a:latin typeface="Courier New" pitchFamily="49" charset="0"/>
+                <a:cs typeface="Courier New" pitchFamily="49" charset="0"/>
+              </a:rPr>
+              <a:t>    </a:t>
+            </a:r>
+            <a:r>
+              <a:rPr kumimoji="0" lang="de-DE" altLang="de-DE" sz="1200" b="0" i="0" u="none" strike="noStrike" cap="none" normalizeH="0" baseline="0" dirty="0" err="1" smtClean="0">
+                <a:ln>
+                  <a:noFill/>
+                </a:ln>
+                <a:solidFill>
+                  <a:srgbClr val="000000"/>
+                </a:solidFill>
+                <a:effectLst/>
+                <a:latin typeface="Courier New" pitchFamily="49" charset="0"/>
+                <a:cs typeface="Courier New" pitchFamily="49" charset="0"/>
+              </a:rPr>
+              <a:t>timestamps</a:t>
+            </a:r>
+            <a:r>
+              <a:rPr kumimoji="0" lang="de-DE" altLang="de-DE" sz="1200" b="0" i="0" u="none" strike="noStrike" cap="none" normalizeH="0" baseline="0" dirty="0" smtClean="0">
+                <a:ln>
+                  <a:noFill/>
+                </a:ln>
+                <a:solidFill>
+                  <a:srgbClr val="000000"/>
+                </a:solidFill>
+                <a:effectLst/>
+                <a:latin typeface="Courier New" pitchFamily="49" charset="0"/>
+                <a:cs typeface="Courier New" pitchFamily="49" charset="0"/>
+              </a:rPr>
+              <a:t> = []</a:t>
+            </a:r>
+            <a:br>
+              <a:rPr kumimoji="0" lang="de-DE" altLang="de-DE" sz="1200" b="0" i="0" u="none" strike="noStrike" cap="none" normalizeH="0" baseline="0" dirty="0" smtClean="0">
+                <a:ln>
+                  <a:noFill/>
+                </a:ln>
+                <a:solidFill>
+                  <a:srgbClr val="000000"/>
+                </a:solidFill>
+                <a:effectLst/>
+                <a:latin typeface="Courier New" pitchFamily="49" charset="0"/>
+                <a:cs typeface="Courier New" pitchFamily="49" charset="0"/>
+              </a:rPr>
+            </a:br>
+            <a:r>
+              <a:rPr kumimoji="0" lang="de-DE" altLang="de-DE" sz="1200" b="0" i="0" u="none" strike="noStrike" cap="none" normalizeH="0" baseline="0" dirty="0" smtClean="0">
+                <a:ln>
+                  <a:noFill/>
+                </a:ln>
+                <a:solidFill>
+                  <a:srgbClr val="000000"/>
+                </a:solidFill>
+                <a:effectLst/>
+                <a:latin typeface="Courier New" pitchFamily="49" charset="0"/>
+                <a:cs typeface="Courier New" pitchFamily="49" charset="0"/>
+              </a:rPr>
+              <a:t>    </a:t>
+            </a:r>
+            <a:r>
+              <a:rPr kumimoji="0" lang="de-DE" altLang="de-DE" sz="1200" b="1" i="0" u="none" strike="noStrike" cap="none" normalizeH="0" baseline="0" dirty="0" err="1" smtClean="0">
+                <a:ln>
+                  <a:noFill/>
+                </a:ln>
+                <a:solidFill>
+                  <a:srgbClr val="000080"/>
+                </a:solidFill>
+                <a:effectLst/>
+                <a:latin typeface="Courier New" pitchFamily="49" charset="0"/>
+                <a:cs typeface="Courier New" pitchFamily="49" charset="0"/>
+              </a:rPr>
+              <a:t>for</a:t>
+            </a:r>
+            <a:r>
+              <a:rPr kumimoji="0" lang="de-DE" altLang="de-DE" sz="1200" b="1" i="0" u="none" strike="noStrike" cap="none" normalizeH="0" baseline="0" dirty="0" smtClean="0">
+                <a:ln>
+                  <a:noFill/>
+                </a:ln>
+                <a:solidFill>
+                  <a:srgbClr val="000080"/>
+                </a:solidFill>
+                <a:effectLst/>
+                <a:latin typeface="Courier New" pitchFamily="49" charset="0"/>
+                <a:cs typeface="Courier New" pitchFamily="49" charset="0"/>
+              </a:rPr>
+              <a:t> </a:t>
+            </a:r>
+            <a:r>
+              <a:rPr kumimoji="0" lang="de-DE" altLang="de-DE" sz="1200" b="0" i="0" u="none" strike="noStrike" cap="none" normalizeH="0" baseline="0" dirty="0" err="1" smtClean="0">
+                <a:ln>
+                  <a:noFill/>
+                </a:ln>
+                <a:solidFill>
+                  <a:srgbClr val="000000"/>
+                </a:solidFill>
+                <a:effectLst/>
+                <a:latin typeface="Courier New" pitchFamily="49" charset="0"/>
+                <a:cs typeface="Courier New" pitchFamily="49" charset="0"/>
+              </a:rPr>
+              <a:t>row</a:t>
+            </a:r>
+            <a:r>
+              <a:rPr kumimoji="0" lang="de-DE" altLang="de-DE" sz="1200" b="0" i="0" u="none" strike="noStrike" cap="none" normalizeH="0" baseline="0" dirty="0" smtClean="0">
+                <a:ln>
+                  <a:noFill/>
+                </a:ln>
+                <a:solidFill>
+                  <a:srgbClr val="000000"/>
+                </a:solidFill>
+                <a:effectLst/>
+                <a:latin typeface="Courier New" pitchFamily="49" charset="0"/>
+                <a:cs typeface="Courier New" pitchFamily="49" charset="0"/>
+              </a:rPr>
+              <a:t> </a:t>
+            </a:r>
+            <a:r>
+              <a:rPr kumimoji="0" lang="de-DE" altLang="de-DE" sz="1200" b="1" i="0" u="none" strike="noStrike" cap="none" normalizeH="0" baseline="0" dirty="0" smtClean="0">
+                <a:ln>
+                  <a:noFill/>
+                </a:ln>
+                <a:solidFill>
+                  <a:srgbClr val="000080"/>
+                </a:solidFill>
+                <a:effectLst/>
+                <a:latin typeface="Courier New" pitchFamily="49" charset="0"/>
+                <a:cs typeface="Courier New" pitchFamily="49" charset="0"/>
+              </a:rPr>
+              <a:t>in </a:t>
+            </a:r>
+            <a:r>
+              <a:rPr kumimoji="0" lang="de-DE" altLang="de-DE" sz="1200" b="0" i="0" u="none" strike="noStrike" cap="none" normalizeH="0" baseline="0" dirty="0" err="1" smtClean="0">
+                <a:ln>
+                  <a:noFill/>
+                </a:ln>
+                <a:solidFill>
+                  <a:srgbClr val="000000"/>
+                </a:solidFill>
+                <a:effectLst/>
+                <a:latin typeface="Courier New" pitchFamily="49" charset="0"/>
+                <a:cs typeface="Courier New" pitchFamily="49" charset="0"/>
+              </a:rPr>
+              <a:t>data</a:t>
+            </a:r>
+            <a:r>
+              <a:rPr kumimoji="0" lang="de-DE" altLang="de-DE" sz="1200" b="0" i="0" u="none" strike="noStrike" cap="none" normalizeH="0" baseline="0" dirty="0" smtClean="0">
+                <a:ln>
+                  <a:noFill/>
+                </a:ln>
+                <a:solidFill>
+                  <a:srgbClr val="000000"/>
+                </a:solidFill>
+                <a:effectLst/>
+                <a:latin typeface="Courier New" pitchFamily="49" charset="0"/>
+                <a:cs typeface="Courier New" pitchFamily="49" charset="0"/>
+              </a:rPr>
+              <a:t>:</a:t>
+            </a:r>
+            <a:br>
+              <a:rPr kumimoji="0" lang="de-DE" altLang="de-DE" sz="1200" b="0" i="0" u="none" strike="noStrike" cap="none" normalizeH="0" baseline="0" dirty="0" smtClean="0">
+                <a:ln>
+                  <a:noFill/>
+                </a:ln>
+                <a:solidFill>
+                  <a:srgbClr val="000000"/>
+                </a:solidFill>
+                <a:effectLst/>
+                <a:latin typeface="Courier New" pitchFamily="49" charset="0"/>
+                <a:cs typeface="Courier New" pitchFamily="49" charset="0"/>
+              </a:rPr>
+            </a:br>
+            <a:r>
+              <a:rPr kumimoji="0" lang="de-DE" altLang="de-DE" sz="1200" b="0" i="0" u="none" strike="noStrike" cap="none" normalizeH="0" baseline="0" dirty="0" smtClean="0">
+                <a:ln>
+                  <a:noFill/>
+                </a:ln>
+                <a:solidFill>
+                  <a:srgbClr val="000000"/>
+                </a:solidFill>
+                <a:effectLst/>
+                <a:latin typeface="Courier New" pitchFamily="49" charset="0"/>
+                <a:cs typeface="Courier New" pitchFamily="49" charset="0"/>
+              </a:rPr>
+              <a:t>        </a:t>
+            </a:r>
+            <a:r>
+              <a:rPr kumimoji="0" lang="de-DE" altLang="de-DE" sz="1200" b="1" i="0" u="none" strike="noStrike" cap="none" normalizeH="0" baseline="0" dirty="0" err="1" smtClean="0">
+                <a:ln>
+                  <a:noFill/>
+                </a:ln>
+                <a:solidFill>
+                  <a:srgbClr val="000080"/>
+                </a:solidFill>
+                <a:effectLst/>
+                <a:latin typeface="Courier New" pitchFamily="49" charset="0"/>
+                <a:cs typeface="Courier New" pitchFamily="49" charset="0"/>
+              </a:rPr>
+              <a:t>if</a:t>
+            </a:r>
+            <a:r>
+              <a:rPr kumimoji="0" lang="de-DE" altLang="de-DE" sz="1200" b="1" i="0" u="none" strike="noStrike" cap="none" normalizeH="0" baseline="0" dirty="0" smtClean="0">
+                <a:ln>
+                  <a:noFill/>
+                </a:ln>
+                <a:solidFill>
+                  <a:srgbClr val="000080"/>
+                </a:solidFill>
+                <a:effectLst/>
+                <a:latin typeface="Courier New" pitchFamily="49" charset="0"/>
+                <a:cs typeface="Courier New" pitchFamily="49" charset="0"/>
+              </a:rPr>
+              <a:t> </a:t>
+            </a:r>
+            <a:r>
+              <a:rPr kumimoji="0" lang="de-DE" altLang="de-DE" sz="1200" b="0" i="0" u="none" strike="noStrike" cap="none" normalizeH="0" baseline="0" dirty="0" err="1" smtClean="0">
+                <a:ln>
+                  <a:noFill/>
+                </a:ln>
+                <a:solidFill>
+                  <a:srgbClr val="000000"/>
+                </a:solidFill>
+                <a:effectLst/>
+                <a:latin typeface="Courier New" pitchFamily="49" charset="0"/>
+                <a:cs typeface="Courier New" pitchFamily="49" charset="0"/>
+              </a:rPr>
+              <a:t>row</a:t>
+            </a:r>
+            <a:r>
+              <a:rPr kumimoji="0" lang="de-DE" altLang="de-DE" sz="1200" b="0" i="0" u="none" strike="noStrike" cap="none" normalizeH="0" baseline="0" dirty="0" smtClean="0">
+                <a:ln>
+                  <a:noFill/>
+                </a:ln>
+                <a:solidFill>
+                  <a:srgbClr val="000000"/>
+                </a:solidFill>
+                <a:effectLst/>
+                <a:latin typeface="Courier New" pitchFamily="49" charset="0"/>
+                <a:cs typeface="Courier New" pitchFamily="49" charset="0"/>
+              </a:rPr>
+              <a:t>[</a:t>
+            </a:r>
+            <a:r>
+              <a:rPr kumimoji="0" lang="de-DE" altLang="de-DE" sz="1200" b="1" i="0" u="none" strike="noStrike" cap="none" normalizeH="0" baseline="0" dirty="0" smtClean="0">
+                <a:ln>
+                  <a:noFill/>
+                </a:ln>
+                <a:solidFill>
+                  <a:srgbClr val="008080"/>
+                </a:solidFill>
+                <a:effectLst/>
+                <a:latin typeface="Courier New" pitchFamily="49" charset="0"/>
+                <a:cs typeface="Courier New" pitchFamily="49" charset="0"/>
+              </a:rPr>
+              <a:t>'</a:t>
+            </a:r>
+            <a:r>
+              <a:rPr kumimoji="0" lang="de-DE" altLang="de-DE" sz="1200" b="1" i="0" u="none" strike="noStrike" cap="none" normalizeH="0" baseline="0" dirty="0" err="1" smtClean="0">
+                <a:ln>
+                  <a:noFill/>
+                </a:ln>
+                <a:solidFill>
+                  <a:srgbClr val="008080"/>
+                </a:solidFill>
+                <a:effectLst/>
+                <a:latin typeface="Courier New" pitchFamily="49" charset="0"/>
+                <a:cs typeface="Courier New" pitchFamily="49" charset="0"/>
+              </a:rPr>
+              <a:t>code</a:t>
+            </a:r>
+            <a:r>
+              <a:rPr kumimoji="0" lang="de-DE" altLang="de-DE" sz="1200" b="1" i="0" u="none" strike="noStrike" cap="none" normalizeH="0" baseline="0" dirty="0" smtClean="0">
+                <a:ln>
+                  <a:noFill/>
+                </a:ln>
+                <a:solidFill>
+                  <a:srgbClr val="008080"/>
+                </a:solidFill>
+                <a:effectLst/>
+                <a:latin typeface="Courier New" pitchFamily="49" charset="0"/>
+                <a:cs typeface="Courier New" pitchFamily="49" charset="0"/>
+              </a:rPr>
+              <a:t>'</a:t>
+            </a:r>
+            <a:r>
+              <a:rPr kumimoji="0" lang="de-DE" altLang="de-DE" sz="1200" b="0" i="0" u="none" strike="noStrike" cap="none" normalizeH="0" baseline="0" dirty="0" smtClean="0">
+                <a:ln>
+                  <a:noFill/>
+                </a:ln>
+                <a:solidFill>
+                  <a:srgbClr val="000000"/>
+                </a:solidFill>
+                <a:effectLst/>
+                <a:latin typeface="Courier New" pitchFamily="49" charset="0"/>
+                <a:cs typeface="Courier New" pitchFamily="49" charset="0"/>
+              </a:rPr>
+              <a:t>]==</a:t>
+            </a:r>
+            <a:r>
+              <a:rPr kumimoji="0" lang="de-DE" altLang="de-DE" sz="1200" b="1" i="0" u="none" strike="noStrike" cap="none" normalizeH="0" baseline="0" dirty="0" smtClean="0">
+                <a:ln>
+                  <a:noFill/>
+                </a:ln>
+                <a:solidFill>
+                  <a:srgbClr val="008080"/>
+                </a:solidFill>
+                <a:effectLst/>
+                <a:latin typeface="Courier New" pitchFamily="49" charset="0"/>
+                <a:cs typeface="Courier New" pitchFamily="49" charset="0"/>
+              </a:rPr>
+              <a:t>'</a:t>
+            </a:r>
+            <a:r>
+              <a:rPr kumimoji="0" lang="de-DE" altLang="de-DE" sz="1200" b="1" i="0" u="none" strike="noStrike" cap="none" normalizeH="0" baseline="0" dirty="0" err="1" smtClean="0">
+                <a:ln>
+                  <a:noFill/>
+                </a:ln>
+                <a:solidFill>
+                  <a:srgbClr val="008080"/>
+                </a:solidFill>
+                <a:effectLst/>
+                <a:latin typeface="Courier New" pitchFamily="49" charset="0"/>
+                <a:cs typeface="Courier New" pitchFamily="49" charset="0"/>
+              </a:rPr>
+              <a:t>res_snd</a:t>
+            </a:r>
+            <a:r>
+              <a:rPr kumimoji="0" lang="de-DE" altLang="de-DE" sz="1200" b="1" i="0" u="none" strike="noStrike" cap="none" normalizeH="0" baseline="0" dirty="0" smtClean="0">
+                <a:ln>
+                  <a:noFill/>
+                </a:ln>
+                <a:solidFill>
+                  <a:srgbClr val="008080"/>
+                </a:solidFill>
+                <a:effectLst/>
+                <a:latin typeface="Courier New" pitchFamily="49" charset="0"/>
+                <a:cs typeface="Courier New" pitchFamily="49" charset="0"/>
+              </a:rPr>
+              <a:t>'</a:t>
+            </a:r>
+            <a:r>
+              <a:rPr kumimoji="0" lang="de-DE" altLang="de-DE" sz="1200" b="0" i="0" u="none" strike="noStrike" cap="none" normalizeH="0" baseline="0" dirty="0" smtClean="0">
+                <a:ln>
+                  <a:noFill/>
+                </a:ln>
+                <a:solidFill>
+                  <a:srgbClr val="000000"/>
+                </a:solidFill>
+                <a:effectLst/>
+                <a:latin typeface="Courier New" pitchFamily="49" charset="0"/>
+                <a:cs typeface="Courier New" pitchFamily="49" charset="0"/>
+              </a:rPr>
+              <a:t>:</a:t>
+            </a:r>
+            <a:br>
+              <a:rPr kumimoji="0" lang="de-DE" altLang="de-DE" sz="1200" b="0" i="0" u="none" strike="noStrike" cap="none" normalizeH="0" baseline="0" dirty="0" smtClean="0">
+                <a:ln>
+                  <a:noFill/>
+                </a:ln>
+                <a:solidFill>
+                  <a:srgbClr val="000000"/>
+                </a:solidFill>
+                <a:effectLst/>
+                <a:latin typeface="Courier New" pitchFamily="49" charset="0"/>
+                <a:cs typeface="Courier New" pitchFamily="49" charset="0"/>
+              </a:rPr>
+            </a:br>
+            <a:r>
+              <a:rPr kumimoji="0" lang="de-DE" altLang="de-DE" sz="1200" b="0" i="0" u="none" strike="noStrike" cap="none" normalizeH="0" baseline="0" dirty="0" smtClean="0">
+                <a:ln>
+                  <a:noFill/>
+                </a:ln>
+                <a:solidFill>
+                  <a:srgbClr val="000000"/>
+                </a:solidFill>
+                <a:effectLst/>
+                <a:latin typeface="Courier New" pitchFamily="49" charset="0"/>
+                <a:cs typeface="Courier New" pitchFamily="49" charset="0"/>
+              </a:rPr>
+              <a:t>            </a:t>
+            </a:r>
+            <a:r>
+              <a:rPr kumimoji="0" lang="de-DE" altLang="de-DE" sz="1200" b="0" i="0" u="none" strike="noStrike" cap="none" normalizeH="0" baseline="0" dirty="0" err="1" smtClean="0">
+                <a:ln>
+                  <a:noFill/>
+                </a:ln>
+                <a:solidFill>
+                  <a:srgbClr val="000000"/>
+                </a:solidFill>
+                <a:effectLst/>
+                <a:latin typeface="Courier New" pitchFamily="49" charset="0"/>
+                <a:cs typeface="Courier New" pitchFamily="49" charset="0"/>
+              </a:rPr>
+              <a:t>timestamps.append</a:t>
+            </a:r>
+            <a:r>
+              <a:rPr kumimoji="0" lang="de-DE" altLang="de-DE" sz="1200" b="0" i="0" u="none" strike="noStrike" cap="none" normalizeH="0" baseline="0" dirty="0" smtClean="0">
+                <a:ln>
+                  <a:noFill/>
+                </a:ln>
+                <a:solidFill>
+                  <a:srgbClr val="000000"/>
+                </a:solidFill>
+                <a:effectLst/>
+                <a:latin typeface="Courier New" pitchFamily="49" charset="0"/>
+                <a:cs typeface="Courier New" pitchFamily="49" charset="0"/>
+              </a:rPr>
+              <a:t>(</a:t>
+            </a:r>
+            <a:r>
+              <a:rPr kumimoji="0" lang="de-DE" altLang="de-DE" sz="1200" b="0" i="0" u="none" strike="noStrike" cap="none" normalizeH="0" baseline="0" dirty="0" err="1" smtClean="0">
+                <a:ln>
+                  <a:noFill/>
+                </a:ln>
+                <a:solidFill>
+                  <a:srgbClr val="000080"/>
+                </a:solidFill>
+                <a:effectLst/>
+                <a:latin typeface="Courier New" pitchFamily="49" charset="0"/>
+                <a:cs typeface="Courier New" pitchFamily="49" charset="0"/>
+              </a:rPr>
+              <a:t>int</a:t>
+            </a:r>
+            <a:r>
+              <a:rPr kumimoji="0" lang="de-DE" altLang="de-DE" sz="1200" b="0" i="0" u="none" strike="noStrike" cap="none" normalizeH="0" baseline="0" dirty="0" smtClean="0">
+                <a:ln>
+                  <a:noFill/>
+                </a:ln>
+                <a:solidFill>
+                  <a:srgbClr val="000000"/>
+                </a:solidFill>
+                <a:effectLst/>
+                <a:latin typeface="Courier New" pitchFamily="49" charset="0"/>
+                <a:cs typeface="Courier New" pitchFamily="49" charset="0"/>
+              </a:rPr>
+              <a:t>(</a:t>
+            </a:r>
+            <a:r>
+              <a:rPr kumimoji="0" lang="de-DE" altLang="de-DE" sz="1200" b="0" i="0" u="none" strike="noStrike" cap="none" normalizeH="0" baseline="0" dirty="0" err="1" smtClean="0">
+                <a:ln>
+                  <a:noFill/>
+                </a:ln>
+                <a:solidFill>
+                  <a:srgbClr val="000000"/>
+                </a:solidFill>
+                <a:effectLst/>
+                <a:latin typeface="Courier New" pitchFamily="49" charset="0"/>
+                <a:cs typeface="Courier New" pitchFamily="49" charset="0"/>
+              </a:rPr>
+              <a:t>row</a:t>
+            </a:r>
+            <a:r>
+              <a:rPr kumimoji="0" lang="de-DE" altLang="de-DE" sz="1200" b="0" i="0" u="none" strike="noStrike" cap="none" normalizeH="0" baseline="0" dirty="0" smtClean="0">
+                <a:ln>
+                  <a:noFill/>
+                </a:ln>
+                <a:solidFill>
+                  <a:srgbClr val="000000"/>
+                </a:solidFill>
+                <a:effectLst/>
+                <a:latin typeface="Courier New" pitchFamily="49" charset="0"/>
+                <a:cs typeface="Courier New" pitchFamily="49" charset="0"/>
+              </a:rPr>
+              <a:t>[</a:t>
+            </a:r>
+            <a:r>
+              <a:rPr kumimoji="0" lang="de-DE" altLang="de-DE" sz="1200" b="1" i="0" u="none" strike="noStrike" cap="none" normalizeH="0" baseline="0" dirty="0" smtClean="0">
+                <a:ln>
+                  <a:noFill/>
+                </a:ln>
+                <a:solidFill>
+                  <a:srgbClr val="008080"/>
+                </a:solidFill>
+                <a:effectLst/>
+                <a:latin typeface="Courier New" pitchFamily="49" charset="0"/>
+                <a:cs typeface="Courier New" pitchFamily="49" charset="0"/>
+              </a:rPr>
+              <a:t>'time'</a:t>
+            </a:r>
+            <a:r>
+              <a:rPr kumimoji="0" lang="de-DE" altLang="de-DE" sz="1200" b="0" i="0" u="none" strike="noStrike" cap="none" normalizeH="0" baseline="0" dirty="0" smtClean="0">
+                <a:ln>
+                  <a:noFill/>
+                </a:ln>
+                <a:solidFill>
+                  <a:srgbClr val="000000"/>
+                </a:solidFill>
+                <a:effectLst/>
+                <a:latin typeface="Courier New" pitchFamily="49" charset="0"/>
+                <a:cs typeface="Courier New" pitchFamily="49" charset="0"/>
+              </a:rPr>
+              <a:t>])//</a:t>
+            </a:r>
+            <a:r>
+              <a:rPr kumimoji="0" lang="de-DE" altLang="de-DE" sz="1200" b="0" i="0" u="none" strike="noStrike" cap="none" normalizeH="0" baseline="0" dirty="0" smtClean="0">
+                <a:ln>
+                  <a:noFill/>
+                </a:ln>
+                <a:solidFill>
+                  <a:srgbClr val="0000FF"/>
+                </a:solidFill>
+                <a:effectLst/>
+                <a:latin typeface="Courier New" pitchFamily="49" charset="0"/>
+                <a:cs typeface="Courier New" pitchFamily="49" charset="0"/>
+              </a:rPr>
+              <a:t>60000</a:t>
+            </a:r>
+            <a:r>
+              <a:rPr kumimoji="0" lang="de-DE" altLang="de-DE" sz="1200" b="0" i="0" u="none" strike="noStrike" cap="none" normalizeH="0" baseline="0" dirty="0" smtClean="0">
+                <a:ln>
+                  <a:noFill/>
+                </a:ln>
+                <a:solidFill>
+                  <a:srgbClr val="000000"/>
+                </a:solidFill>
+                <a:effectLst/>
+                <a:latin typeface="Courier New" pitchFamily="49" charset="0"/>
+                <a:cs typeface="Courier New" pitchFamily="49" charset="0"/>
+              </a:rPr>
+              <a:t>)</a:t>
+            </a:r>
+            <a:br>
+              <a:rPr kumimoji="0" lang="de-DE" altLang="de-DE" sz="1200" b="0" i="0" u="none" strike="noStrike" cap="none" normalizeH="0" baseline="0" dirty="0" smtClean="0">
+                <a:ln>
+                  <a:noFill/>
+                </a:ln>
+                <a:solidFill>
+                  <a:srgbClr val="000000"/>
+                </a:solidFill>
+                <a:effectLst/>
+                <a:latin typeface="Courier New" pitchFamily="49" charset="0"/>
+                <a:cs typeface="Courier New" pitchFamily="49" charset="0"/>
+              </a:rPr>
+            </a:br>
+            <a:r>
+              <a:rPr kumimoji="0" lang="de-DE" altLang="de-DE" sz="1200" b="0" i="0" u="none" strike="noStrike" cap="none" normalizeH="0" baseline="0" dirty="0" smtClean="0">
+                <a:ln>
+                  <a:noFill/>
+                </a:ln>
+                <a:solidFill>
+                  <a:srgbClr val="000000"/>
+                </a:solidFill>
+                <a:effectLst/>
+                <a:latin typeface="Courier New" pitchFamily="49" charset="0"/>
+                <a:cs typeface="Courier New" pitchFamily="49" charset="0"/>
+              </a:rPr>
+              <a:t>    </a:t>
+            </a:r>
+            <a:r>
+              <a:rPr kumimoji="0" lang="de-DE" altLang="de-DE" sz="1200" b="1" i="0" u="none" strike="noStrike" cap="none" normalizeH="0" baseline="0" dirty="0" err="1" smtClean="0">
+                <a:ln>
+                  <a:noFill/>
+                </a:ln>
+                <a:solidFill>
+                  <a:srgbClr val="000080"/>
+                </a:solidFill>
+                <a:effectLst/>
+                <a:latin typeface="Courier New" pitchFamily="49" charset="0"/>
+                <a:cs typeface="Courier New" pitchFamily="49" charset="0"/>
+              </a:rPr>
+              <a:t>return</a:t>
+            </a:r>
+            <a:r>
+              <a:rPr kumimoji="0" lang="de-DE" altLang="de-DE" sz="1200" b="1" i="0" u="none" strike="noStrike" cap="none" normalizeH="0" baseline="0" dirty="0" smtClean="0">
+                <a:ln>
+                  <a:noFill/>
+                </a:ln>
+                <a:solidFill>
+                  <a:srgbClr val="000080"/>
+                </a:solidFill>
+                <a:effectLst/>
+                <a:latin typeface="Courier New" pitchFamily="49" charset="0"/>
+                <a:cs typeface="Courier New" pitchFamily="49" charset="0"/>
+              </a:rPr>
+              <a:t> </a:t>
+            </a:r>
+            <a:r>
+              <a:rPr kumimoji="0" lang="de-DE" altLang="de-DE" sz="1200" b="0" i="0" u="none" strike="noStrike" cap="none" normalizeH="0" baseline="0" dirty="0" err="1" smtClean="0">
+                <a:ln>
+                  <a:noFill/>
+                </a:ln>
+                <a:solidFill>
+                  <a:srgbClr val="000000"/>
+                </a:solidFill>
+                <a:effectLst/>
+                <a:latin typeface="Courier New" pitchFamily="49" charset="0"/>
+                <a:cs typeface="Courier New" pitchFamily="49" charset="0"/>
+              </a:rPr>
+              <a:t>timestamps</a:t>
+            </a:r>
+            <a:endParaRPr kumimoji="0" lang="de-DE" altLang="de-DE" sz="3200" b="0" i="0" u="none" strike="noStrike" cap="none" normalizeH="0" baseline="0" dirty="0" smtClean="0">
+              <a:ln>
+                <a:noFill/>
+              </a:ln>
+              <a:solidFill>
+                <a:schemeClr val="tx1"/>
+              </a:solidFill>
+              <a:effectLst/>
+              <a:latin typeface="Arial" pitchFamily="34" charset="0"/>
+              <a:cs typeface="Arial" pitchFamily="34" charset="0"/>
+            </a:endParaRPr>
+          </a:p>
+        </p:txBody>
+      </p:sp>
     </p:spTree>
     <p:extLst>
       <p:ext uri="{BB962C8B-B14F-4D97-AF65-F5344CB8AC3E}">
-        <p14:creationId xmlns:p14="http://schemas.microsoft.com/office/powerpoint/2010/main" val="636100945"/>
+        <p14:creationId xmlns:p14="http://schemas.microsoft.com/office/powerpoint/2010/main" val="1714164802"/>
       </p:ext>
     </p:extLst>
   </p:cSld>
   <p:clrMapOvr>
     <a:masterClrMapping/>
   </p:clrMapOvr>
+  <p:timing>
+    <p:tnLst>
+      <p:par>
+        <p:cTn id="1" dur="indefinite" restart="never" nodeType="tmRoot"/>
+      </p:par>
+    </p:tnLst>
+  </p:timing>
 </p:sld>
 </file>
 
@@ -7722,7 +10431,7 @@
           <a:p>
             <a:r>
               <a:rPr lang="de-CH" dirty="0" smtClean="0"/>
-              <a:t>Performance-Vergleich</a:t>
+              <a:t>Code Pandas</a:t>
             </a:r>
             <a:endParaRPr lang="de-CH" dirty="0"/>
           </a:p>
@@ -7743,10 +10452,9 @@
           <a:bodyPr/>
           <a:lstStyle/>
           <a:p>
-            <a:r>
-              <a:rPr lang="de-CH" dirty="0" smtClean="0"/>
-              <a:t>Tabelle mit Daten</a:t>
-            </a:r>
+            <a:pPr marL="0" indent="0">
+              <a:buNone/>
+            </a:pPr>
             <a:endParaRPr lang="de-CH" dirty="0"/>
           </a:p>
         </p:txBody>
@@ -7754,13 +10462,20 @@
     </p:spTree>
     <p:extLst>
       <p:ext uri="{BB962C8B-B14F-4D97-AF65-F5344CB8AC3E}">
-        <p14:creationId xmlns:p14="http://schemas.microsoft.com/office/powerpoint/2010/main" val="970240754"/>
+        <p14:creationId xmlns:p14="http://schemas.microsoft.com/office/powerpoint/2010/main" val="259762040"/>
       </p:ext>
     </p:extLst>
   </p:cSld>
   <p:clrMapOvr>
     <a:masterClrMapping/>
   </p:clrMapOvr>
+  <p:timing>
+    <p:tnLst>
+      <p:par>
+        <p:cTn id="1" dur="indefinite" restart="never" nodeType="tmRoot"/>
+      </p:par>
+    </p:tnLst>
+  </p:timing>
 </p:sld>
 </file>
 
@@ -7798,6 +10513,307 @@
           <a:p>
             <a:r>
               <a:rPr lang="de-CH" dirty="0" smtClean="0"/>
+              <a:t>Performance-Vergleich</a:t>
+            </a:r>
+            <a:endParaRPr lang="de-CH" dirty="0"/>
+          </a:p>
+        </p:txBody>
+      </p:sp>
+      <p:graphicFrame>
+        <p:nvGraphicFramePr>
+          <p:cNvPr id="4" name="Tabelle 3"/>
+          <p:cNvGraphicFramePr>
+            <a:graphicFrameLocks noGrp="1"/>
+          </p:cNvGraphicFramePr>
+          <p:nvPr>
+            <p:extLst>
+              <p:ext uri="{D42A27DB-BD31-4B8C-83A1-F6EECF244321}">
+                <p14:modId xmlns:p14="http://schemas.microsoft.com/office/powerpoint/2010/main" val="4197762856"/>
+              </p:ext>
+            </p:extLst>
+          </p:nvPr>
+        </p:nvGraphicFramePr>
+        <p:xfrm>
+          <a:off x="755461" y="2160589"/>
+          <a:ext cx="8127999" cy="1112520"/>
+        </p:xfrm>
+        <a:graphic>
+          <a:graphicData uri="http://schemas.openxmlformats.org/drawingml/2006/table">
+            <a:tbl>
+              <a:tblPr firstRow="1" bandRow="1">
+                <a:tableStyleId>{5C22544A-7EE6-4342-B048-85BDC9FD1C3A}</a:tableStyleId>
+              </a:tblPr>
+              <a:tblGrid>
+                <a:gridCol w="2709333"/>
+                <a:gridCol w="2709333"/>
+                <a:gridCol w="2709333"/>
+              </a:tblGrid>
+              <a:tr h="370840">
+                <a:tc>
+                  <a:txBody>
+                    <a:bodyPr/>
+                    <a:lstStyle/>
+                    <a:p>
+                      <a:endParaRPr lang="de-CH" dirty="0"/>
+                    </a:p>
+                  </a:txBody>
+                  <a:tcPr/>
+                </a:tc>
+                <a:tc>
+                  <a:txBody>
+                    <a:bodyPr/>
+                    <a:lstStyle/>
+                    <a:p>
+                      <a:r>
+                        <a:rPr lang="de-CH" dirty="0" smtClean="0"/>
+                        <a:t>Single-Core</a:t>
+                      </a:r>
+                      <a:endParaRPr lang="de-CH" dirty="0"/>
+                    </a:p>
+                  </a:txBody>
+                  <a:tcPr/>
+                </a:tc>
+                <a:tc>
+                  <a:txBody>
+                    <a:bodyPr/>
+                    <a:lstStyle/>
+                    <a:p>
+                      <a:r>
+                        <a:rPr lang="de-CH" dirty="0" smtClean="0"/>
+                        <a:t>Pandas</a:t>
+                      </a:r>
+                      <a:endParaRPr lang="de-CH" dirty="0"/>
+                    </a:p>
+                  </a:txBody>
+                  <a:tcPr/>
+                </a:tc>
+              </a:tr>
+              <a:tr h="370840">
+                <a:tc>
+                  <a:txBody>
+                    <a:bodyPr/>
+                    <a:lstStyle/>
+                    <a:p>
+                      <a:r>
+                        <a:rPr lang="de-CH" dirty="0" smtClean="0"/>
+                        <a:t>Task 1</a:t>
+                      </a:r>
+                      <a:endParaRPr lang="de-CH" dirty="0"/>
+                    </a:p>
+                  </a:txBody>
+                  <a:tcPr/>
+                </a:tc>
+                <a:tc>
+                  <a:txBody>
+                    <a:bodyPr/>
+                    <a:lstStyle/>
+                    <a:p>
+                      <a:r>
+                        <a:rPr lang="de-CH" dirty="0" smtClean="0"/>
+                        <a:t>36 Sekunden</a:t>
+                      </a:r>
+                      <a:endParaRPr lang="de-CH" dirty="0"/>
+                    </a:p>
+                  </a:txBody>
+                  <a:tcPr/>
+                </a:tc>
+                <a:tc>
+                  <a:txBody>
+                    <a:bodyPr/>
+                    <a:lstStyle/>
+                    <a:p>
+                      <a:r>
+                        <a:rPr lang="de-CH" dirty="0" smtClean="0"/>
+                        <a:t>1.8 Sekunden</a:t>
+                      </a:r>
+                      <a:endParaRPr lang="de-CH" dirty="0"/>
+                    </a:p>
+                  </a:txBody>
+                  <a:tcPr/>
+                </a:tc>
+              </a:tr>
+              <a:tr h="370840">
+                <a:tc>
+                  <a:txBody>
+                    <a:bodyPr/>
+                    <a:lstStyle/>
+                    <a:p>
+                      <a:r>
+                        <a:rPr lang="de-CH" dirty="0" smtClean="0"/>
+                        <a:t>Task 2</a:t>
+                      </a:r>
+                      <a:endParaRPr lang="de-CH" dirty="0"/>
+                    </a:p>
+                  </a:txBody>
+                  <a:tcPr/>
+                </a:tc>
+                <a:tc>
+                  <a:txBody>
+                    <a:bodyPr/>
+                    <a:lstStyle/>
+                    <a:p>
+                      <a:r>
+                        <a:rPr lang="de-CH" dirty="0" smtClean="0"/>
+                        <a:t>64 Sekunden</a:t>
+                      </a:r>
+                      <a:endParaRPr lang="de-CH" dirty="0"/>
+                    </a:p>
+                  </a:txBody>
+                  <a:tcPr/>
+                </a:tc>
+                <a:tc>
+                  <a:txBody>
+                    <a:bodyPr/>
+                    <a:lstStyle/>
+                    <a:p>
+                      <a:endParaRPr lang="de-CH" dirty="0"/>
+                    </a:p>
+                  </a:txBody>
+                  <a:tcPr/>
+                </a:tc>
+              </a:tr>
+            </a:tbl>
+          </a:graphicData>
+        </a:graphic>
+      </p:graphicFrame>
+    </p:spTree>
+    <p:extLst>
+      <p:ext uri="{BB962C8B-B14F-4D97-AF65-F5344CB8AC3E}">
+        <p14:creationId xmlns:p14="http://schemas.microsoft.com/office/powerpoint/2010/main" val="970240754"/>
+      </p:ext>
+    </p:extLst>
+  </p:cSld>
+  <p:clrMapOvr>
+    <a:masterClrMapping/>
+  </p:clrMapOvr>
+  <p:timing>
+    <p:tnLst>
+      <p:par>
+        <p:cTn id="1" dur="indefinite" restart="never" nodeType="tmRoot"/>
+      </p:par>
+    </p:tnLst>
+  </p:timing>
+</p:sld>
+</file>
+
+<file path=ppt/slides/slide7.xml><?xml version="1.0" encoding="utf-8"?>
+<p:sld xmlns:a="http://schemas.openxmlformats.org/drawingml/2006/main" xmlns:r="http://schemas.openxmlformats.org/officeDocument/2006/relationships" xmlns:p="http://schemas.openxmlformats.org/presentationml/2006/main">
+  <p:cSld>
+    <p:spTree>
+      <p:nvGrpSpPr>
+        <p:cNvPr id="1" name=""/>
+        <p:cNvGrpSpPr/>
+        <p:nvPr/>
+      </p:nvGrpSpPr>
+      <p:grpSpPr>
+        <a:xfrm>
+          <a:off x="0" y="0"/>
+          <a:ext cx="0" cy="0"/>
+          <a:chOff x="0" y="0"/>
+          <a:chExt cx="0" cy="0"/>
+        </a:xfrm>
+      </p:grpSpPr>
+      <p:sp>
+        <p:nvSpPr>
+          <p:cNvPr id="2" name="Title 1"/>
+          <p:cNvSpPr>
+            <a:spLocks noGrp="1"/>
+          </p:cNvSpPr>
+          <p:nvPr>
+            <p:ph type="title"/>
+          </p:nvPr>
+        </p:nvSpPr>
+        <p:spPr/>
+        <p:txBody>
+          <a:bodyPr/>
+          <a:lstStyle/>
+          <a:p>
+            <a:r>
+              <a:rPr lang="de-CH" dirty="0" smtClean="0"/>
+              <a:t>Ergebnisse</a:t>
+            </a:r>
+            <a:endParaRPr lang="de-CH" dirty="0"/>
+          </a:p>
+        </p:txBody>
+      </p:sp>
+      <p:graphicFrame>
+        <p:nvGraphicFramePr>
+          <p:cNvPr id="5" name="Diagramm 4"/>
+          <p:cNvGraphicFramePr>
+            <a:graphicFrameLocks/>
+          </p:cNvGraphicFramePr>
+          <p:nvPr>
+            <p:extLst>
+              <p:ext uri="{D42A27DB-BD31-4B8C-83A1-F6EECF244321}">
+                <p14:modId xmlns:p14="http://schemas.microsoft.com/office/powerpoint/2010/main" val="3401543070"/>
+              </p:ext>
+            </p:extLst>
+          </p:nvPr>
+        </p:nvGraphicFramePr>
+        <p:xfrm>
+          <a:off x="411941" y="1327446"/>
+          <a:ext cx="11780059" cy="4774590"/>
+        </p:xfrm>
+        <a:graphic>
+          <a:graphicData uri="http://schemas.openxmlformats.org/drawingml/2006/chart">
+            <c:chart xmlns:c="http://schemas.openxmlformats.org/drawingml/2006/chart" xmlns:r="http://schemas.openxmlformats.org/officeDocument/2006/relationships" r:id="rId2"/>
+          </a:graphicData>
+        </a:graphic>
+      </p:graphicFrame>
+    </p:spTree>
+    <p:extLst>
+      <p:ext uri="{BB962C8B-B14F-4D97-AF65-F5344CB8AC3E}">
+        <p14:creationId xmlns:p14="http://schemas.microsoft.com/office/powerpoint/2010/main" val="636100945"/>
+      </p:ext>
+    </p:extLst>
+  </p:cSld>
+  <p:clrMapOvr>
+    <a:masterClrMapping/>
+  </p:clrMapOvr>
+  <p:timing>
+    <p:tnLst>
+      <p:par>
+        <p:cTn id="1" dur="indefinite" restart="never" nodeType="tmRoot"/>
+      </p:par>
+    </p:tnLst>
+  </p:timing>
+</p:sld>
+</file>
+
+<file path=ppt/slides/slide8.xml><?xml version="1.0" encoding="utf-8"?>
+<p:sld xmlns:a="http://schemas.openxmlformats.org/drawingml/2006/main" xmlns:r="http://schemas.openxmlformats.org/officeDocument/2006/relationships" xmlns:p="http://schemas.openxmlformats.org/presentationml/2006/main">
+  <p:cSld>
+    <p:spTree>
+      <p:nvGrpSpPr>
+        <p:cNvPr id="1" name=""/>
+        <p:cNvGrpSpPr/>
+        <p:nvPr/>
+      </p:nvGrpSpPr>
+      <p:grpSpPr>
+        <a:xfrm>
+          <a:off x="0" y="0"/>
+          <a:ext cx="0" cy="0"/>
+          <a:chOff x="0" y="0"/>
+          <a:chExt cx="0" cy="0"/>
+        </a:xfrm>
+      </p:grpSpPr>
+      <p:sp>
+        <p:nvSpPr>
+          <p:cNvPr id="2" name="Title 1"/>
+          <p:cNvSpPr>
+            <a:spLocks noGrp="1"/>
+          </p:cNvSpPr>
+          <p:nvPr>
+            <p:ph type="title"/>
+          </p:nvPr>
+        </p:nvSpPr>
+        <p:spPr/>
+        <p:txBody>
+          <a:bodyPr/>
+          <a:lstStyle/>
+          <a:p>
+            <a:r>
+              <a:rPr lang="de-CH" dirty="0" smtClean="0"/>
               <a:t>Vor- und Nachteile</a:t>
             </a:r>
             <a:endParaRPr lang="de-CH" dirty="0"/>
@@ -7895,7 +10911,7 @@
 </p:sld>
 </file>
 
-<file path=ppt/slides/slide7.xml><?xml version="1.0" encoding="utf-8"?>
+<file path=ppt/slides/slide9.xml><?xml version="1.0" encoding="utf-8"?>
 <p:sld xmlns:a="http://schemas.openxmlformats.org/drawingml/2006/main" xmlns:r="http://schemas.openxmlformats.org/officeDocument/2006/relationships" xmlns:p="http://schemas.openxmlformats.org/presentationml/2006/main">
   <p:cSld>
     <p:spTree>
@@ -8218,7 +11234,7 @@
   <a:extraClrSchemeLst/>
   <a:extLst>
     <a:ext uri="{05A4C25C-085E-4340-85A3-A5531E510DB2}">
-      <thm15:themeFamily xmlns:thm15="http://schemas.microsoft.com/office/thememl/2012/main" name="Facet" id="{C0C680CD-088A-49FC-A102-D699147F32B2}" vid="{CFBC31BA-B70F-4F30-BCAA-4F3011E16C4D}"/>
+      <thm15:themeFamily xmlns:thm15="http://schemas.microsoft.com/office/thememl/2012/main" xmlns="" name="Facet" id="{C0C680CD-088A-49FC-A102-D699147F32B2}" vid="{CFBC31BA-B70F-4F30-BCAA-4F3011E16C4D}"/>
     </a:ext>
   </a:extLst>
 </a:theme>

--- a/20170613 MapReduce Python.pptx
+++ b/20170613 MapReduce Python.pptx
@@ -10,10 +10,11 @@
     <p:sldId id="259" r:id="rId4"/>
     <p:sldId id="264" r:id="rId5"/>
     <p:sldId id="265" r:id="rId6"/>
-    <p:sldId id="260" r:id="rId7"/>
-    <p:sldId id="262" r:id="rId8"/>
-    <p:sldId id="261" r:id="rId9"/>
-    <p:sldId id="263" r:id="rId10"/>
+    <p:sldId id="266" r:id="rId7"/>
+    <p:sldId id="260" r:id="rId8"/>
+    <p:sldId id="262" r:id="rId9"/>
+    <p:sldId id="261" r:id="rId10"/>
+    <p:sldId id="263" r:id="rId11"/>
   </p:sldIdLst>
   <p:sldSz cx="12192000" cy="6858000"/>
   <p:notesSz cx="6858000" cy="9144000"/>
@@ -112,13 +113,29 @@
       </a:defRPr>
     </a:lvl9pPr>
   </p:defaultTextStyle>
+  <p:extLst>
+    <p:ext uri="{EFAFB233-063F-42B5-8137-9DF3F51BA10A}">
+      <p15:sldGuideLst xmlns:p15="http://schemas.microsoft.com/office/powerpoint/2012/main">
+        <p15:guide id="1" orient="horz" pos="2160">
+          <p15:clr>
+            <a:srgbClr val="A4A3A4"/>
+          </p15:clr>
+        </p15:guide>
+        <p15:guide id="2" pos="3840">
+          <p15:clr>
+            <a:srgbClr val="A4A3A4"/>
+          </p15:clr>
+        </p15:guide>
+      </p15:sldGuideLst>
+    </p:ext>
+  </p:extLst>
 </p:presentation>
 </file>
 
 <file path=ppt/charts/chart1.xml><?xml version="1.0" encoding="utf-8"?>
-<c:chartSpace xmlns:c="http://schemas.openxmlformats.org/drawingml/2006/chart" xmlns:a="http://schemas.openxmlformats.org/drawingml/2006/main" xmlns:r="http://schemas.openxmlformats.org/officeDocument/2006/relationships">
+<c:chartSpace xmlns:c="http://schemas.openxmlformats.org/drawingml/2006/chart" xmlns:a="http://schemas.openxmlformats.org/drawingml/2006/main" xmlns:r="http://schemas.openxmlformats.org/officeDocument/2006/relationships" xmlns:c16r2="http://schemas.microsoft.com/office/drawing/2015/06/chart">
   <c:date1904 val="0"/>
-  <c:lang val="de-CH"/>
+  <c:lang val="de-DE"/>
   <c:roundedCorners val="0"/>
   <mc:AlternateContent xmlns:mc="http://schemas.openxmlformats.org/markup-compatibility/2006">
     <mc:Choice xmlns:c14="http://schemas.microsoft.com/office/drawing/2007/8/2/chart" Requires="c14">
@@ -475,6 +492,11 @@
             </c:numRef>
           </c:val>
           <c:smooth val="0"/>
+          <c:extLst>
+            <c:ext xmlns:c16="http://schemas.microsoft.com/office/drawing/2014/chart" uri="{C3380CC4-5D6E-409C-BE32-E72D297353CC}">
+              <c16:uniqueId val="{00000000-B781-4931-8EA6-B997C9AE0BA6}"/>
+            </c:ext>
+          </c:extLst>
         </c:ser>
         <c:dLbls>
           <c:showLegendKey val="0"/>
@@ -832,6 +854,11 @@
             </c:numRef>
           </c:val>
           <c:smooth val="0"/>
+          <c:extLst>
+            <c:ext xmlns:c16="http://schemas.microsoft.com/office/drawing/2014/chart" uri="{C3380CC4-5D6E-409C-BE32-E72D297353CC}">
+              <c16:uniqueId val="{00000001-B781-4931-8EA6-B997C9AE0BA6}"/>
+            </c:ext>
+          </c:extLst>
         </c:ser>
         <c:dLbls>
           <c:showLegendKey val="0"/>
@@ -916,7 +943,6 @@
     </c:plotArea>
     <c:legend>
       <c:legendPos val="r"/>
-      <c:layout/>
       <c:overlay val="0"/>
       <c:spPr>
         <a:solidFill>
@@ -1522,7 +1548,7 @@
           </a:lstStyle>
           <a:p>
             <a:r>
-              <a:rPr lang="en-US" smtClean="0"/>
+              <a:rPr lang="en-US"/>
               <a:t>Click to edit Master title style</a:t>
             </a:r>
             <a:endParaRPr lang="en-US" dirty="0"/>
@@ -1642,7 +1668,7 @@
           </a:lstStyle>
           <a:p>
             <a:r>
-              <a:rPr lang="en-US" smtClean="0"/>
+              <a:rPr lang="en-US"/>
               <a:t>Click to edit Master subtitle style</a:t>
             </a:r>
             <a:endParaRPr lang="en-US" dirty="0"/>
@@ -1768,7 +1794,7 @@
           </a:lstStyle>
           <a:p>
             <a:r>
-              <a:rPr lang="en-US" smtClean="0"/>
+              <a:rPr lang="en-US"/>
               <a:t>Click to edit Master title style</a:t>
             </a:r>
             <a:endParaRPr lang="en-US" dirty="0"/>
@@ -1891,7 +1917,7 @@
           <a:p>
             <a:pPr lvl="0"/>
             <a:r>
-              <a:rPr lang="en-US" smtClean="0"/>
+              <a:rPr lang="en-US"/>
               <a:t>Click to edit Master text styles</a:t>
             </a:r>
           </a:p>
@@ -2016,7 +2042,7 @@
           </a:lstStyle>
           <a:p>
             <a:r>
-              <a:rPr lang="en-US" smtClean="0"/>
+              <a:rPr lang="en-US"/>
               <a:t>Click to edit Master title style</a:t>
             </a:r>
             <a:endParaRPr lang="en-US" dirty="0"/>
@@ -2080,7 +2106,7 @@
           <a:p>
             <a:pPr lvl="0"/>
             <a:r>
-              <a:rPr lang="en-US" smtClean="0"/>
+              <a:rPr lang="en-US"/>
               <a:t>Click to edit Master text styles</a:t>
             </a:r>
           </a:p>
@@ -2202,7 +2228,7 @@
           <a:p>
             <a:pPr lvl="0"/>
             <a:r>
-              <a:rPr lang="en-US" smtClean="0"/>
+              <a:rPr lang="en-US"/>
               <a:t>Click to edit Master text styles</a:t>
             </a:r>
           </a:p>
@@ -2417,7 +2443,7 @@
           </a:lstStyle>
           <a:p>
             <a:r>
-              <a:rPr lang="en-US" smtClean="0"/>
+              <a:rPr lang="en-US"/>
               <a:t>Click to edit Master title style</a:t>
             </a:r>
             <a:endParaRPr lang="en-US" dirty="0"/>
@@ -2540,7 +2566,7 @@
           <a:p>
             <a:pPr lvl="0"/>
             <a:r>
-              <a:rPr lang="en-US" smtClean="0"/>
+              <a:rPr lang="en-US"/>
               <a:t>Click to edit Master text styles</a:t>
             </a:r>
           </a:p>
@@ -2665,7 +2691,7 @@
           </a:lstStyle>
           <a:p>
             <a:r>
-              <a:rPr lang="en-US" smtClean="0"/>
+              <a:rPr lang="en-US"/>
               <a:t>Click to edit Master title style</a:t>
             </a:r>
             <a:endParaRPr lang="en-US" dirty="0"/>
@@ -2729,7 +2755,7 @@
           <a:p>
             <a:pPr lvl="0"/>
             <a:r>
-              <a:rPr lang="en-US" smtClean="0"/>
+              <a:rPr lang="en-US"/>
               <a:t>Click to edit Master text styles</a:t>
             </a:r>
           </a:p>
@@ -2851,7 +2877,7 @@
           <a:p>
             <a:pPr lvl="0"/>
             <a:r>
-              <a:rPr lang="en-US" smtClean="0"/>
+              <a:rPr lang="en-US"/>
               <a:t>Click to edit Master text styles</a:t>
             </a:r>
           </a:p>
@@ -3058,7 +3084,7 @@
           </a:lstStyle>
           <a:p>
             <a:r>
-              <a:rPr lang="en-US" smtClean="0"/>
+              <a:rPr lang="en-US"/>
               <a:t>Click to edit Master title style</a:t>
             </a:r>
             <a:endParaRPr lang="en-US" dirty="0"/>
@@ -3119,7 +3145,7 @@
           <a:p>
             <a:pPr lvl="0"/>
             <a:r>
-              <a:rPr lang="en-US" smtClean="0"/>
+              <a:rPr lang="en-US"/>
               <a:t>Click to edit Master text styles</a:t>
             </a:r>
           </a:p>
@@ -3241,7 +3267,7 @@
           <a:p>
             <a:pPr lvl="0"/>
             <a:r>
-              <a:rPr lang="en-US" smtClean="0"/>
+              <a:rPr lang="en-US"/>
               <a:t>Click to edit Master text styles</a:t>
             </a:r>
           </a:p>
@@ -3355,7 +3381,7 @@
           <a:lstStyle/>
           <a:p>
             <a:r>
-              <a:rPr lang="en-US" smtClean="0"/>
+              <a:rPr lang="en-US"/>
               <a:t>Click to edit Master title style</a:t>
             </a:r>
             <a:endParaRPr lang="en-US" dirty="0"/>
@@ -3379,35 +3405,35 @@
           <a:p>
             <a:pPr lvl="0"/>
             <a:r>
-              <a:rPr lang="en-US" smtClean="0"/>
+              <a:rPr lang="en-US"/>
               <a:t>Click to edit Master text styles</a:t>
             </a:r>
           </a:p>
           <a:p>
             <a:pPr lvl="1"/>
             <a:r>
-              <a:rPr lang="en-US" smtClean="0"/>
+              <a:rPr lang="en-US"/>
               <a:t>Second level</a:t>
             </a:r>
           </a:p>
           <a:p>
             <a:pPr lvl="2"/>
             <a:r>
-              <a:rPr lang="en-US" smtClean="0"/>
+              <a:rPr lang="en-US"/>
               <a:t>Third level</a:t>
             </a:r>
           </a:p>
           <a:p>
             <a:pPr lvl="3"/>
             <a:r>
-              <a:rPr lang="en-US" smtClean="0"/>
+              <a:rPr lang="en-US"/>
               <a:t>Fourth level</a:t>
             </a:r>
           </a:p>
           <a:p>
             <a:pPr lvl="4"/>
             <a:r>
-              <a:rPr lang="en-US" smtClean="0"/>
+              <a:rPr lang="en-US"/>
               <a:t>Fifth level</a:t>
             </a:r>
             <a:endParaRPr lang="en-US" dirty="0"/>
@@ -3525,7 +3551,7 @@
           <a:lstStyle/>
           <a:p>
             <a:r>
-              <a:rPr lang="en-US" smtClean="0"/>
+              <a:rPr lang="en-US"/>
               <a:t>Click to edit Master title style</a:t>
             </a:r>
             <a:endParaRPr lang="en-US" dirty="0"/>
@@ -3554,35 +3580,35 @@
           <a:p>
             <a:pPr lvl="0"/>
             <a:r>
-              <a:rPr lang="en-US" smtClean="0"/>
+              <a:rPr lang="en-US"/>
               <a:t>Click to edit Master text styles</a:t>
             </a:r>
           </a:p>
           <a:p>
             <a:pPr lvl="1"/>
             <a:r>
-              <a:rPr lang="en-US" smtClean="0"/>
+              <a:rPr lang="en-US"/>
               <a:t>Second level</a:t>
             </a:r>
           </a:p>
           <a:p>
             <a:pPr lvl="2"/>
             <a:r>
-              <a:rPr lang="en-US" smtClean="0"/>
+              <a:rPr lang="en-US"/>
               <a:t>Third level</a:t>
             </a:r>
           </a:p>
           <a:p>
             <a:pPr lvl="3"/>
             <a:r>
-              <a:rPr lang="en-US" smtClean="0"/>
+              <a:rPr lang="en-US"/>
               <a:t>Fourth level</a:t>
             </a:r>
           </a:p>
           <a:p>
             <a:pPr lvl="4"/>
             <a:r>
-              <a:rPr lang="en-US" smtClean="0"/>
+              <a:rPr lang="en-US"/>
               <a:t>Fifth level</a:t>
             </a:r>
             <a:endParaRPr lang="en-US" dirty="0"/>
@@ -3703,7 +3729,7 @@
           </a:lstStyle>
           <a:p>
             <a:r>
-              <a:rPr lang="en-US" smtClean="0"/>
+              <a:rPr lang="en-US"/>
               <a:t>Click to edit Master title style</a:t>
             </a:r>
             <a:endParaRPr lang="en-US" dirty="0"/>
@@ -3727,35 +3753,35 @@
           <a:p>
             <a:pPr lvl="0"/>
             <a:r>
-              <a:rPr lang="en-US" smtClean="0"/>
+              <a:rPr lang="en-US"/>
               <a:t>Click to edit Master text styles</a:t>
             </a:r>
           </a:p>
           <a:p>
             <a:pPr lvl="1"/>
             <a:r>
-              <a:rPr lang="en-US" smtClean="0"/>
+              <a:rPr lang="en-US"/>
               <a:t>Second level</a:t>
             </a:r>
           </a:p>
           <a:p>
             <a:pPr lvl="2"/>
             <a:r>
-              <a:rPr lang="en-US" smtClean="0"/>
+              <a:rPr lang="en-US"/>
               <a:t>Third level</a:t>
             </a:r>
           </a:p>
           <a:p>
             <a:pPr lvl="3"/>
             <a:r>
-              <a:rPr lang="en-US" smtClean="0"/>
+              <a:rPr lang="en-US"/>
               <a:t>Fourth level</a:t>
             </a:r>
           </a:p>
           <a:p>
             <a:pPr lvl="4"/>
             <a:r>
-              <a:rPr lang="en-US" smtClean="0"/>
+              <a:rPr lang="en-US"/>
               <a:t>Fifth level</a:t>
             </a:r>
             <a:endParaRPr lang="en-US" dirty="0"/>
@@ -3879,7 +3905,7 @@
           </a:lstStyle>
           <a:p>
             <a:r>
-              <a:rPr lang="en-US" smtClean="0"/>
+              <a:rPr lang="en-US"/>
               <a:t>Click to edit Master title style</a:t>
             </a:r>
             <a:endParaRPr lang="en-US" dirty="0"/>
@@ -4000,7 +4026,7 @@
           <a:p>
             <a:pPr lvl="0"/>
             <a:r>
-              <a:rPr lang="en-US" smtClean="0"/>
+              <a:rPr lang="en-US"/>
               <a:t>Click to edit Master text styles</a:t>
             </a:r>
           </a:p>
@@ -4114,7 +4140,7 @@
           <a:lstStyle/>
           <a:p>
             <a:r>
-              <a:rPr lang="en-US" smtClean="0"/>
+              <a:rPr lang="en-US"/>
               <a:t>Click to edit Master title style</a:t>
             </a:r>
             <a:endParaRPr lang="en-US" dirty="0"/>
@@ -4143,35 +4169,35 @@
           <a:p>
             <a:pPr lvl="0"/>
             <a:r>
-              <a:rPr lang="en-US" smtClean="0"/>
+              <a:rPr lang="en-US"/>
               <a:t>Click to edit Master text styles</a:t>
             </a:r>
           </a:p>
           <a:p>
             <a:pPr lvl="1"/>
             <a:r>
-              <a:rPr lang="en-US" smtClean="0"/>
+              <a:rPr lang="en-US"/>
               <a:t>Second level</a:t>
             </a:r>
           </a:p>
           <a:p>
             <a:pPr lvl="2"/>
             <a:r>
-              <a:rPr lang="en-US" smtClean="0"/>
+              <a:rPr lang="en-US"/>
               <a:t>Third level</a:t>
             </a:r>
           </a:p>
           <a:p>
             <a:pPr lvl="3"/>
             <a:r>
-              <a:rPr lang="en-US" smtClean="0"/>
+              <a:rPr lang="en-US"/>
               <a:t>Fourth level</a:t>
             </a:r>
           </a:p>
           <a:p>
             <a:pPr lvl="4"/>
             <a:r>
-              <a:rPr lang="en-US" smtClean="0"/>
+              <a:rPr lang="en-US"/>
               <a:t>Fifth level</a:t>
             </a:r>
             <a:endParaRPr lang="en-US" dirty="0"/>
@@ -4200,35 +4226,35 @@
           <a:p>
             <a:pPr lvl="0"/>
             <a:r>
-              <a:rPr lang="en-US" smtClean="0"/>
+              <a:rPr lang="en-US"/>
               <a:t>Click to edit Master text styles</a:t>
             </a:r>
           </a:p>
           <a:p>
             <a:pPr lvl="1"/>
             <a:r>
-              <a:rPr lang="en-US" smtClean="0"/>
+              <a:rPr lang="en-US"/>
               <a:t>Second level</a:t>
             </a:r>
           </a:p>
           <a:p>
             <a:pPr lvl="2"/>
             <a:r>
-              <a:rPr lang="en-US" smtClean="0"/>
+              <a:rPr lang="en-US"/>
               <a:t>Third level</a:t>
             </a:r>
           </a:p>
           <a:p>
             <a:pPr lvl="3"/>
             <a:r>
-              <a:rPr lang="en-US" smtClean="0"/>
+              <a:rPr lang="en-US"/>
               <a:t>Fourth level</a:t>
             </a:r>
           </a:p>
           <a:p>
             <a:pPr lvl="4"/>
             <a:r>
-              <a:rPr lang="en-US" smtClean="0"/>
+              <a:rPr lang="en-US"/>
               <a:t>Fifth level</a:t>
             </a:r>
             <a:endParaRPr lang="en-US" dirty="0"/>
@@ -4345,7 +4371,7 @@
           </a:lstStyle>
           <a:p>
             <a:r>
-              <a:rPr lang="en-US" smtClean="0"/>
+              <a:rPr lang="en-US"/>
               <a:t>Click to edit Master title style</a:t>
             </a:r>
             <a:endParaRPr lang="en-US" dirty="0"/>
@@ -4413,7 +4439,7 @@
           <a:p>
             <a:pPr lvl="0"/>
             <a:r>
-              <a:rPr lang="en-US" smtClean="0"/>
+              <a:rPr lang="en-US"/>
               <a:t>Click to edit Master text styles</a:t>
             </a:r>
           </a:p>
@@ -4443,35 +4469,35 @@
           <a:p>
             <a:pPr lvl="0"/>
             <a:r>
-              <a:rPr lang="en-US" smtClean="0"/>
+              <a:rPr lang="en-US"/>
               <a:t>Click to edit Master text styles</a:t>
             </a:r>
           </a:p>
           <a:p>
             <a:pPr lvl="1"/>
             <a:r>
-              <a:rPr lang="en-US" smtClean="0"/>
+              <a:rPr lang="en-US"/>
               <a:t>Second level</a:t>
             </a:r>
           </a:p>
           <a:p>
             <a:pPr lvl="2"/>
             <a:r>
-              <a:rPr lang="en-US" smtClean="0"/>
+              <a:rPr lang="en-US"/>
               <a:t>Third level</a:t>
             </a:r>
           </a:p>
           <a:p>
             <a:pPr lvl="3"/>
             <a:r>
-              <a:rPr lang="en-US" smtClean="0"/>
+              <a:rPr lang="en-US"/>
               <a:t>Fourth level</a:t>
             </a:r>
           </a:p>
           <a:p>
             <a:pPr lvl="4"/>
             <a:r>
-              <a:rPr lang="en-US" smtClean="0"/>
+              <a:rPr lang="en-US"/>
               <a:t>Fifth level</a:t>
             </a:r>
             <a:endParaRPr lang="en-US" dirty="0"/>
@@ -4539,7 +4565,7 @@
           <a:p>
             <a:pPr lvl="0"/>
             <a:r>
-              <a:rPr lang="en-US" smtClean="0"/>
+              <a:rPr lang="en-US"/>
               <a:t>Click to edit Master text styles</a:t>
             </a:r>
           </a:p>
@@ -4569,35 +4595,35 @@
           <a:p>
             <a:pPr lvl="0"/>
             <a:r>
-              <a:rPr lang="en-US" smtClean="0"/>
+              <a:rPr lang="en-US"/>
               <a:t>Click to edit Master text styles</a:t>
             </a:r>
           </a:p>
           <a:p>
             <a:pPr lvl="1"/>
             <a:r>
-              <a:rPr lang="en-US" smtClean="0"/>
+              <a:rPr lang="en-US"/>
               <a:t>Second level</a:t>
             </a:r>
           </a:p>
           <a:p>
             <a:pPr lvl="2"/>
             <a:r>
-              <a:rPr lang="en-US" smtClean="0"/>
+              <a:rPr lang="en-US"/>
               <a:t>Third level</a:t>
             </a:r>
           </a:p>
           <a:p>
             <a:pPr lvl="3"/>
             <a:r>
-              <a:rPr lang="en-US" smtClean="0"/>
+              <a:rPr lang="en-US"/>
               <a:t>Fourth level</a:t>
             </a:r>
           </a:p>
           <a:p>
             <a:pPr lvl="4"/>
             <a:r>
-              <a:rPr lang="en-US" smtClean="0"/>
+              <a:rPr lang="en-US"/>
               <a:t>Fifth level</a:t>
             </a:r>
             <a:endParaRPr lang="en-US" dirty="0"/>
@@ -4717,7 +4743,7 @@
           <a:lstStyle/>
           <a:p>
             <a:r>
-              <a:rPr lang="en-US" smtClean="0"/>
+              <a:rPr lang="en-US"/>
               <a:t>Click to edit Master title style</a:t>
             </a:r>
             <a:endParaRPr lang="en-US" dirty="0"/>
@@ -4935,7 +4961,7 @@
           </a:lstStyle>
           <a:p>
             <a:r>
-              <a:rPr lang="en-US" smtClean="0"/>
+              <a:rPr lang="en-US"/>
               <a:t>Click to edit Master title style</a:t>
             </a:r>
             <a:endParaRPr lang="en-US" dirty="0"/>
@@ -4966,35 +4992,35 @@
           <a:p>
             <a:pPr lvl="0"/>
             <a:r>
-              <a:rPr lang="en-US" smtClean="0"/>
+              <a:rPr lang="en-US"/>
               <a:t>Click to edit Master text styles</a:t>
             </a:r>
           </a:p>
           <a:p>
             <a:pPr lvl="1"/>
             <a:r>
-              <a:rPr lang="en-US" smtClean="0"/>
+              <a:rPr lang="en-US"/>
               <a:t>Second level</a:t>
             </a:r>
           </a:p>
           <a:p>
             <a:pPr lvl="2"/>
             <a:r>
-              <a:rPr lang="en-US" smtClean="0"/>
+              <a:rPr lang="en-US"/>
               <a:t>Third level</a:t>
             </a:r>
           </a:p>
           <a:p>
             <a:pPr lvl="3"/>
             <a:r>
-              <a:rPr lang="en-US" smtClean="0"/>
+              <a:rPr lang="en-US"/>
               <a:t>Fourth level</a:t>
             </a:r>
           </a:p>
           <a:p>
             <a:pPr lvl="4"/>
             <a:r>
-              <a:rPr lang="en-US" smtClean="0"/>
+              <a:rPr lang="en-US"/>
               <a:t>Fifth level</a:t>
             </a:r>
             <a:endParaRPr lang="en-US" dirty="0"/>
@@ -5062,7 +5088,7 @@
           <a:p>
             <a:pPr lvl="0"/>
             <a:r>
-              <a:rPr lang="en-US" smtClean="0"/>
+              <a:rPr lang="en-US"/>
               <a:t>Click to edit Master text styles</a:t>
             </a:r>
           </a:p>
@@ -5185,7 +5211,7 @@
           </a:lstStyle>
           <a:p>
             <a:r>
-              <a:rPr lang="en-US" smtClean="0"/>
+              <a:rPr lang="en-US"/>
               <a:t>Click to edit Master title style</a:t>
             </a:r>
             <a:endParaRPr lang="en-US" dirty="0"/>
@@ -5252,7 +5278,7 @@
           </a:lstStyle>
           <a:p>
             <a:r>
-              <a:rPr lang="en-US" smtClean="0"/>
+              <a:rPr lang="en-US"/>
               <a:t>Drag picture to placeholder or click icon to add</a:t>
             </a:r>
             <a:endParaRPr lang="en-US" dirty="0"/>
@@ -5320,7 +5346,7 @@
           <a:p>
             <a:pPr lvl="0"/>
             <a:r>
-              <a:rPr lang="en-US" smtClean="0"/>
+              <a:rPr lang="en-US"/>
               <a:t>Click to edit Master text styles</a:t>
             </a:r>
           </a:p>
@@ -5979,7 +6005,7 @@
           <a:lstStyle/>
           <a:p>
             <a:r>
-              <a:rPr lang="en-US" smtClean="0"/>
+              <a:rPr lang="en-US"/>
               <a:t>Click to edit Master title style</a:t>
             </a:r>
             <a:endParaRPr lang="en-US" dirty="0"/>
@@ -6013,35 +6039,35 @@
           <a:p>
             <a:pPr lvl="0"/>
             <a:r>
-              <a:rPr lang="en-US" smtClean="0"/>
+              <a:rPr lang="en-US"/>
               <a:t>Click to edit Master text styles</a:t>
             </a:r>
           </a:p>
           <a:p>
             <a:pPr lvl="1"/>
             <a:r>
-              <a:rPr lang="en-US" smtClean="0"/>
+              <a:rPr lang="en-US"/>
               <a:t>Second level</a:t>
             </a:r>
           </a:p>
           <a:p>
             <a:pPr lvl="2"/>
             <a:r>
-              <a:rPr lang="en-US" smtClean="0"/>
+              <a:rPr lang="en-US"/>
               <a:t>Third level</a:t>
             </a:r>
           </a:p>
           <a:p>
             <a:pPr lvl="3"/>
             <a:r>
-              <a:rPr lang="en-US" smtClean="0"/>
+              <a:rPr lang="en-US"/>
               <a:t>Fourth level</a:t>
             </a:r>
           </a:p>
           <a:p>
             <a:pPr lvl="4"/>
             <a:r>
-              <a:rPr lang="en-US" smtClean="0"/>
+              <a:rPr lang="en-US"/>
               <a:t>Fifth level</a:t>
             </a:r>
             <a:endParaRPr lang="en-US" dirty="0"/>
@@ -6620,14 +6646,13 @@
           <a:lstStyle/>
           <a:p>
             <a:r>
-              <a:rPr lang="de-CH" dirty="0" err="1" smtClean="0"/>
+              <a:rPr lang="de-CH" dirty="0" err="1"/>
               <a:t>MapReduce</a:t>
             </a:r>
             <a:r>
-              <a:rPr lang="de-CH" dirty="0" smtClean="0"/>
+              <a:rPr lang="de-CH" dirty="0"/>
               <a:t> in Python</a:t>
             </a:r>
-            <a:endParaRPr lang="de-CH" dirty="0"/>
           </a:p>
         </p:txBody>
       </p:sp>
@@ -6647,20 +6672,19 @@
           <a:lstStyle/>
           <a:p>
             <a:r>
-              <a:rPr lang="de-CH" dirty="0" smtClean="0"/>
+              <a:rPr lang="de-CH" dirty="0"/>
               <a:t>ADM Projekt Juni 2017</a:t>
             </a:r>
           </a:p>
           <a:p>
             <a:r>
-              <a:rPr lang="de-CH" dirty="0" err="1" smtClean="0"/>
+              <a:rPr lang="de-CH" dirty="0" err="1"/>
               <a:t>Marwin</a:t>
             </a:r>
             <a:r>
-              <a:rPr lang="de-CH" dirty="0" smtClean="0"/>
+              <a:rPr lang="de-CH" dirty="0"/>
               <a:t> Philips &amp; Michel Hosmann</a:t>
             </a:r>
-            <a:endParaRPr lang="de-CH" dirty="0"/>
           </a:p>
         </p:txBody>
       </p:sp>
@@ -6668,6 +6692,77 @@
     <p:extLst>
       <p:ext uri="{BB962C8B-B14F-4D97-AF65-F5344CB8AC3E}">
         <p14:creationId xmlns:p14="http://schemas.microsoft.com/office/powerpoint/2010/main" val="546097531"/>
+      </p:ext>
+    </p:extLst>
+  </p:cSld>
+  <p:clrMapOvr>
+    <a:masterClrMapping/>
+  </p:clrMapOvr>
+</p:sld>
+</file>
+
+<file path=ppt/slides/slide10.xml><?xml version="1.0" encoding="utf-8"?>
+<p:sld xmlns:a="http://schemas.openxmlformats.org/drawingml/2006/main" xmlns:r="http://schemas.openxmlformats.org/officeDocument/2006/relationships" xmlns:p="http://schemas.openxmlformats.org/presentationml/2006/main">
+  <p:cSld>
+    <p:spTree>
+      <p:nvGrpSpPr>
+        <p:cNvPr id="1" name=""/>
+        <p:cNvGrpSpPr/>
+        <p:nvPr/>
+      </p:nvGrpSpPr>
+      <p:grpSpPr>
+        <a:xfrm>
+          <a:off x="0" y="0"/>
+          <a:ext cx="0" cy="0"/>
+          <a:chOff x="0" y="0"/>
+          <a:chExt cx="0" cy="0"/>
+        </a:xfrm>
+      </p:grpSpPr>
+      <p:sp>
+        <p:nvSpPr>
+          <p:cNvPr id="2" name="Title 1"/>
+          <p:cNvSpPr>
+            <a:spLocks noGrp="1"/>
+          </p:cNvSpPr>
+          <p:nvPr>
+            <p:ph type="title"/>
+          </p:nvPr>
+        </p:nvSpPr>
+        <p:spPr/>
+        <p:txBody>
+          <a:bodyPr/>
+          <a:lstStyle/>
+          <a:p>
+            <a:r>
+              <a:rPr lang="de-CH" dirty="0"/>
+              <a:t>Diskussion</a:t>
+            </a:r>
+          </a:p>
+        </p:txBody>
+      </p:sp>
+      <p:sp>
+        <p:nvSpPr>
+          <p:cNvPr id="3" name="Content Placeholder 2"/>
+          <p:cNvSpPr>
+            <a:spLocks noGrp="1"/>
+          </p:cNvSpPr>
+          <p:nvPr>
+            <p:ph idx="1"/>
+          </p:nvPr>
+        </p:nvSpPr>
+        <p:spPr/>
+        <p:txBody>
+          <a:bodyPr/>
+          <a:lstStyle/>
+          <a:p>
+            <a:endParaRPr lang="de-CH" dirty="0"/>
+          </a:p>
+        </p:txBody>
+      </p:sp>
+    </p:spTree>
+    <p:extLst>
+      <p:ext uri="{BB962C8B-B14F-4D97-AF65-F5344CB8AC3E}">
+        <p14:creationId xmlns:p14="http://schemas.microsoft.com/office/powerpoint/2010/main" val="1934373449"/>
       </p:ext>
     </p:extLst>
   </p:cSld>
@@ -6710,11 +6805,11 @@
           <a:lstStyle/>
           <a:p>
             <a:r>
-              <a:rPr lang="de-CH" dirty="0" smtClean="0"/>
+              <a:rPr lang="de-CH" dirty="0"/>
               <a:t>Herangehensweise: </a:t>
             </a:r>
             <a:r>
-              <a:rPr lang="de-CH" dirty="0" err="1" smtClean="0"/>
+              <a:rPr lang="de-CH" dirty="0" err="1"/>
               <a:t>MapReduce</a:t>
             </a:r>
             <a:endParaRPr lang="de-CH" dirty="0"/>
@@ -6791,10 +6886,9 @@
           <a:lstStyle/>
           <a:p>
             <a:r>
-              <a:rPr lang="de-CH" dirty="0" smtClean="0"/>
+              <a:rPr lang="de-CH" dirty="0"/>
               <a:t>Implementierung(en)</a:t>
             </a:r>
-            <a:endParaRPr lang="de-CH" dirty="0"/>
           </a:p>
         </p:txBody>
       </p:sp>
@@ -6817,23 +6911,23 @@
               <a:buNone/>
             </a:pPr>
             <a:r>
-              <a:rPr lang="de-CH" dirty="0" smtClean="0"/>
+              <a:rPr lang="de-CH" dirty="0"/>
               <a:t>Unsere Auswahl:</a:t>
             </a:r>
           </a:p>
           <a:p>
             <a:r>
-              <a:rPr lang="de-CH" dirty="0" smtClean="0"/>
+              <a:rPr lang="de-CH" dirty="0"/>
               <a:t>“einfache“ Single-Core Lösung</a:t>
             </a:r>
           </a:p>
           <a:p>
             <a:r>
-              <a:rPr lang="de-CH" dirty="0" err="1" smtClean="0"/>
+              <a:rPr lang="de-CH" dirty="0" err="1"/>
               <a:t>Multiprocessing</a:t>
             </a:r>
             <a:r>
-              <a:rPr lang="de-CH" dirty="0" smtClean="0"/>
+              <a:rPr lang="de-CH" dirty="0"/>
               <a:t>-Variante mit Pandas</a:t>
             </a:r>
           </a:p>
@@ -6845,32 +6939,32 @@
               <a:buNone/>
             </a:pPr>
             <a:r>
-              <a:rPr lang="de-CH" dirty="0" smtClean="0"/>
+              <a:rPr lang="de-CH" dirty="0"/>
               <a:t>Weitere Möglichkeiten:</a:t>
             </a:r>
           </a:p>
           <a:p>
             <a:r>
-              <a:rPr lang="de-CH" dirty="0" smtClean="0"/>
+              <a:rPr lang="de-CH" dirty="0"/>
               <a:t>Python-Code auf </a:t>
             </a:r>
             <a:r>
-              <a:rPr lang="de-CH" dirty="0" err="1" smtClean="0"/>
+              <a:rPr lang="de-CH" dirty="0" err="1"/>
               <a:t>Hadoop</a:t>
             </a:r>
-            <a:endParaRPr lang="de-CH" dirty="0" smtClean="0"/>
-          </a:p>
-          <a:p>
-            <a:r>
-              <a:rPr lang="de-CH" dirty="0" smtClean="0"/>
+            <a:endParaRPr lang="de-CH" dirty="0"/>
+          </a:p>
+          <a:p>
+            <a:r>
+              <a:rPr lang="de-CH" dirty="0"/>
               <a:t>Distributed Computing (z.B. mit der </a:t>
             </a:r>
             <a:r>
-              <a:rPr lang="de-CH" dirty="0" err="1" smtClean="0"/>
+              <a:rPr lang="de-CH" dirty="0" err="1"/>
               <a:t>Twisted</a:t>
             </a:r>
             <a:r>
-              <a:rPr lang="de-CH" dirty="0" smtClean="0"/>
+              <a:rPr lang="de-CH" dirty="0"/>
               <a:t>-Library)</a:t>
             </a:r>
           </a:p>
@@ -6892,13 +6986,6 @@
   <p:clrMapOvr>
     <a:masterClrMapping/>
   </p:clrMapOvr>
-  <p:timing>
-    <p:tnLst>
-      <p:par>
-        <p:cTn id="1" dur="indefinite" restart="never" nodeType="tmRoot"/>
-      </p:par>
-    </p:tnLst>
-  </p:timing>
 </p:sld>
 </file>
 
@@ -6935,10 +7022,9 @@
           <a:lstStyle/>
           <a:p>
             <a:r>
-              <a:rPr lang="de-CH" dirty="0" smtClean="0"/>
+              <a:rPr lang="de-CH" dirty="0"/>
               <a:t>Code Single-Core</a:t>
             </a:r>
-            <a:endParaRPr lang="de-CH" dirty="0"/>
           </a:p>
         </p:txBody>
       </p:sp>
@@ -6966,11 +7052,11 @@
               <a:buNone/>
             </a:pPr>
             <a:r>
-              <a:rPr lang="de-CH" dirty="0" err="1" smtClean="0"/>
+              <a:rPr lang="de-CH" dirty="0" err="1"/>
               <a:t>Map</a:t>
             </a:r>
             <a:r>
-              <a:rPr lang="de-CH" dirty="0" smtClean="0"/>
+              <a:rPr lang="de-CH" dirty="0"/>
               <a:t> Task 1</a:t>
             </a:r>
           </a:p>
@@ -6984,7 +7070,7 @@
             <a:pPr marL="0" indent="0">
               <a:buNone/>
             </a:pPr>
-            <a:endParaRPr lang="de-CH" dirty="0" smtClean="0"/>
+            <a:endParaRPr lang="de-CH" dirty="0"/>
           </a:p>
           <a:p>
             <a:pPr marL="0" indent="0">
@@ -6996,27 +7082,26 @@
             <a:pPr marL="0" indent="0">
               <a:buNone/>
             </a:pPr>
-            <a:endParaRPr lang="de-CH" dirty="0" smtClean="0"/>
+            <a:endParaRPr lang="de-CH" dirty="0"/>
           </a:p>
           <a:p>
             <a:pPr marL="0" indent="0">
               <a:buNone/>
             </a:pPr>
-            <a:endParaRPr lang="de-CH" dirty="0" smtClean="0"/>
+            <a:endParaRPr lang="de-CH" dirty="0"/>
           </a:p>
           <a:p>
             <a:pPr marL="0" indent="0">
               <a:buNone/>
             </a:pPr>
             <a:r>
-              <a:rPr lang="de-CH" dirty="0" err="1" smtClean="0"/>
+              <a:rPr lang="de-CH" dirty="0" err="1"/>
               <a:t>Map</a:t>
             </a:r>
             <a:r>
-              <a:rPr lang="de-CH" dirty="0" smtClean="0"/>
+              <a:rPr lang="de-CH" dirty="0"/>
               <a:t> Task 2</a:t>
             </a:r>
-            <a:endParaRPr lang="de-CH" dirty="0"/>
           </a:p>
         </p:txBody>
       </p:sp>
@@ -7091,7 +7176,7 @@
               <a:tabLst/>
             </a:pPr>
             <a:r>
-              <a:rPr kumimoji="0" lang="de-DE" altLang="de-DE" sz="1200" b="0" i="0" u="none" strike="noStrike" cap="none" normalizeH="0" baseline="0" dirty="0" err="1" smtClean="0">
+              <a:rPr kumimoji="0" lang="de-DE" altLang="de-DE" sz="1200" b="0" i="0" u="none" strike="noStrike" cap="none" normalizeH="0" baseline="0" dirty="0" err="1">
                 <a:ln>
                   <a:noFill/>
                 </a:ln>
@@ -7105,7 +7190,7 @@
               <a:t>data</a:t>
             </a:r>
             <a:r>
-              <a:rPr kumimoji="0" lang="de-DE" altLang="de-DE" sz="1200" b="0" i="0" u="none" strike="noStrike" cap="none" normalizeH="0" baseline="0" dirty="0" smtClean="0">
+              <a:rPr kumimoji="0" lang="de-DE" altLang="de-DE" sz="1200" b="0" i="0" u="none" strike="noStrike" cap="none" normalizeH="0" baseline="0" dirty="0">
                 <a:ln>
                   <a:noFill/>
                 </a:ln>
@@ -7119,7 +7204,7 @@
               <a:t> = </a:t>
             </a:r>
             <a:r>
-              <a:rPr kumimoji="0" lang="de-DE" altLang="de-DE" sz="1200" b="0" i="0" u="none" strike="noStrike" cap="none" normalizeH="0" baseline="0" dirty="0" err="1" smtClean="0">
+              <a:rPr kumimoji="0" lang="de-DE" altLang="de-DE" sz="1200" b="0" i="0" u="none" strike="noStrike" cap="none" normalizeH="0" baseline="0" dirty="0" err="1">
                 <a:ln>
                   <a:noFill/>
                 </a:ln>
@@ -7133,7 +7218,7 @@
               <a:t>csv.DictReader</a:t>
             </a:r>
             <a:r>
-              <a:rPr kumimoji="0" lang="de-DE" altLang="de-DE" sz="1200" b="0" i="0" u="none" strike="noStrike" cap="none" normalizeH="0" baseline="0" dirty="0" smtClean="0">
+              <a:rPr kumimoji="0" lang="de-DE" altLang="de-DE" sz="1200" b="0" i="0" u="none" strike="noStrike" cap="none" normalizeH="0" baseline="0" dirty="0">
                 <a:ln>
                   <a:noFill/>
                 </a:ln>
@@ -7147,7 +7232,7 @@
               <a:t>(</a:t>
             </a:r>
             <a:r>
-              <a:rPr kumimoji="0" lang="de-DE" altLang="de-DE" sz="1200" b="0" i="0" u="none" strike="noStrike" cap="none" normalizeH="0" baseline="0" dirty="0" smtClean="0">
+              <a:rPr kumimoji="0" lang="de-DE" altLang="de-DE" sz="1200" b="0" i="0" u="none" strike="noStrike" cap="none" normalizeH="0" baseline="0" dirty="0">
                 <a:ln>
                   <a:noFill/>
                 </a:ln>
@@ -7161,7 +7246,7 @@
               <a:t>open</a:t>
             </a:r>
             <a:r>
-              <a:rPr kumimoji="0" lang="de-DE" altLang="de-DE" sz="1200" b="0" i="0" u="none" strike="noStrike" cap="none" normalizeH="0" baseline="0" dirty="0" smtClean="0">
+              <a:rPr kumimoji="0" lang="de-DE" altLang="de-DE" sz="1200" b="0" i="0" u="none" strike="noStrike" cap="none" normalizeH="0" baseline="0" dirty="0">
                 <a:ln>
                   <a:noFill/>
                 </a:ln>
@@ -7175,7 +7260,7 @@
               <a:t>(</a:t>
             </a:r>
             <a:r>
-              <a:rPr kumimoji="0" lang="de-DE" altLang="de-DE" sz="1200" b="0" i="0" u="none" strike="noStrike" cap="none" normalizeH="0" baseline="0" dirty="0" err="1" smtClean="0">
+              <a:rPr kumimoji="0" lang="de-DE" altLang="de-DE" sz="1200" b="0" i="0" u="none" strike="noStrike" cap="none" normalizeH="0" baseline="0" dirty="0" err="1">
                 <a:ln>
                   <a:noFill/>
                 </a:ln>
@@ -7189,7 +7274,7 @@
               <a:t>path</a:t>
             </a:r>
             <a:r>
-              <a:rPr kumimoji="0" lang="de-DE" altLang="de-DE" sz="1200" b="0" i="0" u="none" strike="noStrike" cap="none" normalizeH="0" baseline="0" dirty="0" smtClean="0">
+              <a:rPr kumimoji="0" lang="de-DE" altLang="de-DE" sz="1200" b="0" i="0" u="none" strike="noStrike" cap="none" normalizeH="0" baseline="0" dirty="0">
                 <a:ln>
                   <a:noFill/>
                 </a:ln>
@@ -7203,7 +7288,7 @@
               <a:t>),</a:t>
             </a:r>
             <a:r>
-              <a:rPr kumimoji="0" lang="de-DE" altLang="de-DE" sz="1200" b="0" i="0" u="none" strike="noStrike" cap="none" normalizeH="0" baseline="0" dirty="0" err="1" smtClean="0">
+              <a:rPr kumimoji="0" lang="de-DE" altLang="de-DE" sz="1200" b="0" i="0" u="none" strike="noStrike" cap="none" normalizeH="0" baseline="0" dirty="0" err="1">
                 <a:ln>
                   <a:noFill/>
                 </a:ln>
@@ -7217,7 +7302,7 @@
               <a:t>dialect</a:t>
             </a:r>
             <a:r>
-              <a:rPr kumimoji="0" lang="de-DE" altLang="de-DE" sz="1200" b="0" i="0" u="none" strike="noStrike" cap="none" normalizeH="0" baseline="0" dirty="0" smtClean="0">
+              <a:rPr kumimoji="0" lang="de-DE" altLang="de-DE" sz="1200" b="0" i="0" u="none" strike="noStrike" cap="none" normalizeH="0" baseline="0" dirty="0">
                 <a:ln>
                   <a:noFill/>
                 </a:ln>
@@ -7231,7 +7316,7 @@
               <a:t>=</a:t>
             </a:r>
             <a:r>
-              <a:rPr kumimoji="0" lang="de-DE" altLang="de-DE" sz="1200" b="1" i="0" u="none" strike="noStrike" cap="none" normalizeH="0" baseline="0" dirty="0" smtClean="0">
+              <a:rPr kumimoji="0" lang="de-DE" altLang="de-DE" sz="1200" b="1" i="0" u="none" strike="noStrike" cap="none" normalizeH="0" baseline="0" dirty="0">
                 <a:ln>
                   <a:noFill/>
                 </a:ln>
@@ -7245,7 +7330,7 @@
               <a:t>'</a:t>
             </a:r>
             <a:r>
-              <a:rPr kumimoji="0" lang="de-DE" altLang="de-DE" sz="1200" b="1" i="0" u="none" strike="noStrike" cap="none" normalizeH="0" baseline="0" dirty="0" err="1" smtClean="0">
+              <a:rPr kumimoji="0" lang="de-DE" altLang="de-DE" sz="1200" b="1" i="0" u="none" strike="noStrike" cap="none" normalizeH="0" baseline="0" dirty="0" err="1">
                 <a:ln>
                   <a:noFill/>
                 </a:ln>
@@ -7259,7 +7344,7 @@
               <a:t>excel</a:t>
             </a:r>
             <a:r>
-              <a:rPr kumimoji="0" lang="de-DE" altLang="de-DE" sz="1200" b="1" i="0" u="none" strike="noStrike" cap="none" normalizeH="0" baseline="0" dirty="0" smtClean="0">
+              <a:rPr kumimoji="0" lang="de-DE" altLang="de-DE" sz="1200" b="1" i="0" u="none" strike="noStrike" cap="none" normalizeH="0" baseline="0" dirty="0">
                 <a:ln>
                   <a:noFill/>
                 </a:ln>
@@ -7273,7 +7358,7 @@
               <a:t>'</a:t>
             </a:r>
             <a:r>
-              <a:rPr kumimoji="0" lang="de-DE" altLang="de-DE" sz="1200" b="0" i="0" u="none" strike="noStrike" cap="none" normalizeH="0" baseline="0" dirty="0" smtClean="0">
+              <a:rPr kumimoji="0" lang="de-DE" altLang="de-DE" sz="1200" b="0" i="0" u="none" strike="noStrike" cap="none" normalizeH="0" baseline="0" dirty="0">
                 <a:ln>
                   <a:noFill/>
                 </a:ln>
@@ -7287,7 +7372,7 @@
               <a:t>)</a:t>
             </a:r>
             <a:br>
-              <a:rPr kumimoji="0" lang="de-DE" altLang="de-DE" sz="1200" b="0" i="0" u="none" strike="noStrike" cap="none" normalizeH="0" baseline="0" dirty="0" smtClean="0">
+              <a:rPr kumimoji="0" lang="de-DE" altLang="de-DE" sz="1200" b="0" i="0" u="none" strike="noStrike" cap="none" normalizeH="0" baseline="0" dirty="0">
                 <a:ln>
                   <a:noFill/>
                 </a:ln>
@@ -7299,8 +7384,8 @@
                 <a:cs typeface="Courier New" pitchFamily="49" charset="0"/>
               </a:rPr>
             </a:br>
-            <a:r>
-              <a:rPr kumimoji="0" lang="de-DE" altLang="de-DE" sz="1200" b="0" i="0" u="none" strike="noStrike" cap="none" normalizeH="0" baseline="0" dirty="0" smtClean="0">
+            <a:br>
+              <a:rPr kumimoji="0" lang="de-DE" altLang="de-DE" sz="1200" b="0" i="0" u="none" strike="noStrike" cap="none" normalizeH="0" baseline="0" dirty="0">
                 <a:ln>
                   <a:noFill/>
                 </a:ln>
@@ -7311,10 +7396,79 @@
                 <a:latin typeface="Courier New" pitchFamily="49" charset="0"/>
                 <a:cs typeface="Courier New" pitchFamily="49" charset="0"/>
               </a:rPr>
-              <a:t/>
+            </a:br>
+            <a:r>
+              <a:rPr kumimoji="0" lang="de-DE" altLang="de-DE" sz="1200" b="1" i="0" u="none" strike="noStrike" cap="none" normalizeH="0" baseline="0" dirty="0" err="1">
+                <a:ln>
+                  <a:noFill/>
+                </a:ln>
+                <a:solidFill>
+                  <a:srgbClr val="000080"/>
+                </a:solidFill>
+                <a:effectLst/>
+                <a:latin typeface="Courier New" pitchFamily="49" charset="0"/>
+                <a:cs typeface="Courier New" pitchFamily="49" charset="0"/>
+              </a:rPr>
+              <a:t>def</a:t>
+            </a:r>
+            <a:r>
+              <a:rPr kumimoji="0" lang="de-DE" altLang="de-DE" sz="1200" b="1" i="0" u="none" strike="noStrike" cap="none" normalizeH="0" baseline="0" dirty="0">
+                <a:ln>
+                  <a:noFill/>
+                </a:ln>
+                <a:solidFill>
+                  <a:srgbClr val="000080"/>
+                </a:solidFill>
+                <a:effectLst/>
+                <a:latin typeface="Courier New" pitchFamily="49" charset="0"/>
+                <a:cs typeface="Courier New" pitchFamily="49" charset="0"/>
+              </a:rPr>
+              <a:t> </a:t>
+            </a:r>
+            <a:r>
+              <a:rPr kumimoji="0" lang="de-DE" altLang="de-DE" sz="1200" b="0" i="0" u="none" strike="noStrike" cap="none" normalizeH="0" baseline="0" dirty="0">
+                <a:ln>
+                  <a:noFill/>
+                </a:ln>
+                <a:solidFill>
+                  <a:srgbClr val="000000"/>
+                </a:solidFill>
+                <a:effectLst/>
+                <a:latin typeface="Courier New" pitchFamily="49" charset="0"/>
+                <a:cs typeface="Courier New" pitchFamily="49" charset="0"/>
+              </a:rPr>
+              <a:t>task2firstmap(</a:t>
+            </a:r>
+            <a:r>
+              <a:rPr kumimoji="0" lang="de-DE" altLang="de-DE" sz="1200" b="0" i="0" u="none" strike="noStrike" cap="none" normalizeH="0" baseline="0" dirty="0" err="1">
+                <a:ln>
+                  <a:noFill/>
+                </a:ln>
+                <a:solidFill>
+                  <a:srgbClr val="000000"/>
+                </a:solidFill>
+                <a:effectLst/>
+                <a:latin typeface="Courier New" pitchFamily="49" charset="0"/>
+                <a:cs typeface="Courier New" pitchFamily="49" charset="0"/>
+              </a:rPr>
+              <a:t>data</a:t>
+            </a:r>
+            <a:r>
+              <a:rPr kumimoji="0" lang="de-DE" altLang="de-DE" sz="1200" b="0" i="0" u="none" strike="noStrike" cap="none" normalizeH="0" baseline="0" dirty="0">
+                <a:ln>
+                  <a:noFill/>
+                </a:ln>
+                <a:solidFill>
+                  <a:srgbClr val="000000"/>
+                </a:solidFill>
+                <a:effectLst/>
+                <a:latin typeface="Courier New" pitchFamily="49" charset="0"/>
+                <a:cs typeface="Courier New" pitchFamily="49" charset="0"/>
+              </a:rPr>
+              <a:t>):</a:t>
             </a:r>
             <a:br>
-              <a:rPr kumimoji="0" lang="de-DE" altLang="de-DE" sz="1200" b="0" i="0" u="none" strike="noStrike" cap="none" normalizeH="0" baseline="0" dirty="0" smtClean="0">
+              <a:rPr kumimoji="0" lang="de-DE" altLang="de-DE" sz="1200" b="0" i="0" u="none" strike="noStrike" cap="none" normalizeH="0" baseline="0" dirty="0">
                 <a:ln>
                   <a:noFill/>
                 </a:ln>
@@ -7327,7 +7481,76 @@
               </a:rPr>
             </a:br>
             <a:r>
-              <a:rPr kumimoji="0" lang="de-DE" altLang="de-DE" sz="1200" b="1" i="0" u="none" strike="noStrike" cap="none" normalizeH="0" baseline="0" dirty="0" err="1" smtClean="0">
+              <a:rPr kumimoji="0" lang="de-DE" altLang="de-DE" sz="1200" b="0" i="0" u="none" strike="noStrike" cap="none" normalizeH="0" baseline="0" dirty="0">
+                <a:ln>
+                  <a:noFill/>
+                </a:ln>
+                <a:solidFill>
+                  <a:srgbClr val="000000"/>
+                </a:solidFill>
+                <a:effectLst/>
+                <a:latin typeface="Courier New" pitchFamily="49" charset="0"/>
+                <a:cs typeface="Courier New" pitchFamily="49" charset="0"/>
+              </a:rPr>
+              <a:t>    </a:t>
+            </a:r>
+            <a:r>
+              <a:rPr kumimoji="0" lang="de-DE" altLang="de-DE" sz="1200" b="0" i="0" u="none" strike="noStrike" cap="none" normalizeH="0" baseline="0" dirty="0" err="1">
+                <a:ln>
+                  <a:noFill/>
+                </a:ln>
+                <a:solidFill>
+                  <a:srgbClr val="000000"/>
+                </a:solidFill>
+                <a:effectLst/>
+                <a:latin typeface="Courier New" pitchFamily="49" charset="0"/>
+                <a:cs typeface="Courier New" pitchFamily="49" charset="0"/>
+              </a:rPr>
+              <a:t>logs</a:t>
+            </a:r>
+            <a:r>
+              <a:rPr kumimoji="0" lang="de-DE" altLang="de-DE" sz="1200" b="0" i="0" u="none" strike="noStrike" cap="none" normalizeH="0" baseline="0" dirty="0">
+                <a:ln>
+                  <a:noFill/>
+                </a:ln>
+                <a:solidFill>
+                  <a:srgbClr val="000000"/>
+                </a:solidFill>
+                <a:effectLst/>
+                <a:latin typeface="Courier New" pitchFamily="49" charset="0"/>
+                <a:cs typeface="Courier New" pitchFamily="49" charset="0"/>
+              </a:rPr>
+              <a:t> = []</a:t>
+            </a:r>
+            <a:br>
+              <a:rPr kumimoji="0" lang="de-DE" altLang="de-DE" sz="1200" b="0" i="0" u="none" strike="noStrike" cap="none" normalizeH="0" baseline="0" dirty="0">
+                <a:ln>
+                  <a:noFill/>
+                </a:ln>
+                <a:solidFill>
+                  <a:srgbClr val="000000"/>
+                </a:solidFill>
+                <a:effectLst/>
+                <a:latin typeface="Courier New" pitchFamily="49" charset="0"/>
+                <a:cs typeface="Courier New" pitchFamily="49" charset="0"/>
+              </a:rPr>
+            </a:br>
+            <a:r>
+              <a:rPr kumimoji="0" lang="de-DE" altLang="de-DE" sz="1200" b="0" i="0" u="none" strike="noStrike" cap="none" normalizeH="0" baseline="0" dirty="0">
+                <a:ln>
+                  <a:noFill/>
+                </a:ln>
+                <a:solidFill>
+                  <a:srgbClr val="000000"/>
+                </a:solidFill>
+                <a:effectLst/>
+                <a:latin typeface="Courier New" pitchFamily="49" charset="0"/>
+                <a:cs typeface="Courier New" pitchFamily="49" charset="0"/>
+              </a:rPr>
+              <a:t>    </a:t>
+            </a:r>
+            <a:r>
+              <a:rPr kumimoji="0" lang="de-DE" altLang="de-DE" sz="1200" b="1" i="0" u="none" strike="noStrike" cap="none" normalizeH="0" baseline="0" dirty="0" err="1">
                 <a:ln>
                   <a:noFill/>
                 </a:ln>
@@ -7338,10 +7561,10 @@
                 <a:latin typeface="Courier New" pitchFamily="49" charset="0"/>
                 <a:cs typeface="Courier New" pitchFamily="49" charset="0"/>
               </a:rPr>
-              <a:t>def</a:t>
-            </a:r>
-            <a:r>
-              <a:rPr kumimoji="0" lang="de-DE" altLang="de-DE" sz="1200" b="1" i="0" u="none" strike="noStrike" cap="none" normalizeH="0" baseline="0" dirty="0" smtClean="0">
+              <a:t>for</a:t>
+            </a:r>
+            <a:r>
+              <a:rPr kumimoji="0" lang="de-DE" altLang="de-DE" sz="1200" b="1" i="0" u="none" strike="noStrike" cap="none" normalizeH="0" baseline="0" dirty="0">
                 <a:ln>
                   <a:noFill/>
                 </a:ln>
@@ -7355,7 +7578,7 @@
               <a:t> </a:t>
             </a:r>
             <a:r>
-              <a:rPr kumimoji="0" lang="de-DE" altLang="de-DE" sz="1200" b="0" i="0" u="none" strike="noStrike" cap="none" normalizeH="0" baseline="0" dirty="0" smtClean="0">
+              <a:rPr kumimoji="0" lang="de-DE" altLang="de-DE" sz="1200" b="0" i="0" u="none" strike="noStrike" cap="none" normalizeH="0" baseline="0" dirty="0" err="1">
                 <a:ln>
                   <a:noFill/>
                 </a:ln>
@@ -7366,10 +7589,10 @@
                 <a:latin typeface="Courier New" pitchFamily="49" charset="0"/>
                 <a:cs typeface="Courier New" pitchFamily="49" charset="0"/>
               </a:rPr>
-              <a:t>task2firstmap(</a:t>
-            </a:r>
-            <a:r>
-              <a:rPr kumimoji="0" lang="de-DE" altLang="de-DE" sz="1200" b="0" i="0" u="none" strike="noStrike" cap="none" normalizeH="0" baseline="0" dirty="0" err="1" smtClean="0">
+              <a:t>row</a:t>
+            </a:r>
+            <a:r>
+              <a:rPr kumimoji="0" lang="de-DE" altLang="de-DE" sz="1200" b="0" i="0" u="none" strike="noStrike" cap="none" normalizeH="0" baseline="0" dirty="0">
                 <a:ln>
                   <a:noFill/>
                 </a:ln>
@@ -7380,10 +7603,38 @@
                 <a:latin typeface="Courier New" pitchFamily="49" charset="0"/>
                 <a:cs typeface="Courier New" pitchFamily="49" charset="0"/>
               </a:rPr>
+              <a:t> </a:t>
+            </a:r>
+            <a:r>
+              <a:rPr kumimoji="0" lang="de-DE" altLang="de-DE" sz="1200" b="1" i="0" u="none" strike="noStrike" cap="none" normalizeH="0" baseline="0" dirty="0">
+                <a:ln>
+                  <a:noFill/>
+                </a:ln>
+                <a:solidFill>
+                  <a:srgbClr val="000080"/>
+                </a:solidFill>
+                <a:effectLst/>
+                <a:latin typeface="Courier New" pitchFamily="49" charset="0"/>
+                <a:cs typeface="Courier New" pitchFamily="49" charset="0"/>
+              </a:rPr>
+              <a:t>in </a:t>
+            </a:r>
+            <a:r>
+              <a:rPr kumimoji="0" lang="de-DE" altLang="de-DE" sz="1200" b="0" i="0" u="none" strike="noStrike" cap="none" normalizeH="0" baseline="0" dirty="0" err="1">
+                <a:ln>
+                  <a:noFill/>
+                </a:ln>
+                <a:solidFill>
+                  <a:srgbClr val="000000"/>
+                </a:solidFill>
+                <a:effectLst/>
+                <a:latin typeface="Courier New" pitchFamily="49" charset="0"/>
+                <a:cs typeface="Courier New" pitchFamily="49" charset="0"/>
+              </a:rPr>
               <a:t>data</a:t>
             </a:r>
             <a:r>
-              <a:rPr kumimoji="0" lang="de-DE" altLang="de-DE" sz="1200" b="0" i="0" u="none" strike="noStrike" cap="none" normalizeH="0" baseline="0" dirty="0" smtClean="0">
+              <a:rPr kumimoji="0" lang="de-DE" altLang="de-DE" sz="1200" b="0" i="0" u="none" strike="noStrike" cap="none" normalizeH="0" baseline="0" dirty="0">
                 <a:ln>
                   <a:noFill/>
                 </a:ln>
@@ -7394,10 +7645,10 @@
                 <a:latin typeface="Courier New" pitchFamily="49" charset="0"/>
                 <a:cs typeface="Courier New" pitchFamily="49" charset="0"/>
               </a:rPr>
-              <a:t>):</a:t>
+              <a:t>:</a:t>
             </a:r>
             <a:br>
-              <a:rPr kumimoji="0" lang="de-DE" altLang="de-DE" sz="1200" b="0" i="0" u="none" strike="noStrike" cap="none" normalizeH="0" baseline="0" dirty="0" smtClean="0">
+              <a:rPr kumimoji="0" lang="de-DE" altLang="de-DE" sz="1200" b="0" i="0" u="none" strike="noStrike" cap="none" normalizeH="0" baseline="0" dirty="0">
                 <a:ln>
                   <a:noFill/>
                 </a:ln>
@@ -7410,7 +7661,7 @@
               </a:rPr>
             </a:br>
             <a:r>
-              <a:rPr kumimoji="0" lang="de-DE" altLang="de-DE" sz="1200" b="0" i="0" u="none" strike="noStrike" cap="none" normalizeH="0" baseline="0" dirty="0" smtClean="0">
+              <a:rPr kumimoji="0" lang="de-DE" altLang="de-DE" sz="1200" b="0" i="0" u="none" strike="noStrike" cap="none" normalizeH="0" baseline="0" dirty="0">
                 <a:ln>
                   <a:noFill/>
                 </a:ln>
@@ -7421,10 +7672,1741 @@
                 <a:latin typeface="Courier New" pitchFamily="49" charset="0"/>
                 <a:cs typeface="Courier New" pitchFamily="49" charset="0"/>
               </a:rPr>
+              <a:t>        </a:t>
+            </a:r>
+            <a:r>
+              <a:rPr kumimoji="0" lang="de-DE" altLang="de-DE" sz="1200" b="0" i="1" u="none" strike="noStrike" cap="none" normalizeH="0" baseline="0" dirty="0">
+                <a:ln>
+                  <a:noFill/>
+                </a:ln>
+                <a:solidFill>
+                  <a:srgbClr val="808080"/>
+                </a:solidFill>
+                <a:effectLst/>
+                <a:latin typeface="Courier New" pitchFamily="49" charset="0"/>
+                <a:cs typeface="Courier New" pitchFamily="49" charset="0"/>
+              </a:rPr>
+              <a:t># </a:t>
+            </a:r>
+            <a:r>
+              <a:rPr kumimoji="0" lang="de-DE" altLang="de-DE" sz="1200" b="0" i="1" u="none" strike="noStrike" cap="none" normalizeH="0" baseline="0" dirty="0" err="1">
+                <a:ln>
+                  <a:noFill/>
+                </a:ln>
+                <a:solidFill>
+                  <a:srgbClr val="808080"/>
+                </a:solidFill>
+                <a:effectLst/>
+                <a:latin typeface="Courier New" pitchFamily="49" charset="0"/>
+                <a:cs typeface="Courier New" pitchFamily="49" charset="0"/>
+              </a:rPr>
+              <a:t>somehow</a:t>
+            </a:r>
+            <a:r>
+              <a:rPr kumimoji="0" lang="de-DE" altLang="de-DE" sz="1200" b="0" i="1" u="none" strike="noStrike" cap="none" normalizeH="0" baseline="0" dirty="0">
+                <a:ln>
+                  <a:noFill/>
+                </a:ln>
+                <a:solidFill>
+                  <a:srgbClr val="808080"/>
+                </a:solidFill>
+                <a:effectLst/>
+                <a:latin typeface="Courier New" pitchFamily="49" charset="0"/>
+                <a:cs typeface="Courier New" pitchFamily="49" charset="0"/>
+              </a:rPr>
+              <a:t> </a:t>
+            </a:r>
+            <a:r>
+              <a:rPr kumimoji="0" lang="de-DE" altLang="de-DE" sz="1200" b="0" i="1" u="none" strike="noStrike" cap="none" normalizeH="0" baseline="0" dirty="0" err="1">
+                <a:ln>
+                  <a:noFill/>
+                </a:ln>
+                <a:solidFill>
+                  <a:srgbClr val="808080"/>
+                </a:solidFill>
+                <a:effectLst/>
+                <a:latin typeface="Courier New" pitchFamily="49" charset="0"/>
+                <a:cs typeface="Courier New" pitchFamily="49" charset="0"/>
+              </a:rPr>
+              <a:t>the</a:t>
+            </a:r>
+            <a:r>
+              <a:rPr kumimoji="0" lang="de-DE" altLang="de-DE" sz="1200" b="0" i="1" u="none" strike="noStrike" cap="none" normalizeH="0" baseline="0" dirty="0">
+                <a:ln>
+                  <a:noFill/>
+                </a:ln>
+                <a:solidFill>
+                  <a:srgbClr val="808080"/>
+                </a:solidFill>
+                <a:effectLst/>
+                <a:latin typeface="Courier New" pitchFamily="49" charset="0"/>
+                <a:cs typeface="Courier New" pitchFamily="49" charset="0"/>
+              </a:rPr>
+              <a:t> </a:t>
+            </a:r>
+            <a:r>
+              <a:rPr kumimoji="0" lang="de-DE" altLang="de-DE" sz="1200" b="0" i="1" u="none" strike="noStrike" cap="none" normalizeH="0" baseline="0" dirty="0" err="1">
+                <a:ln>
+                  <a:noFill/>
+                </a:ln>
+                <a:solidFill>
+                  <a:srgbClr val="808080"/>
+                </a:solidFill>
+                <a:effectLst/>
+                <a:latin typeface="Courier New" pitchFamily="49" charset="0"/>
+                <a:cs typeface="Courier New" pitchFamily="49" charset="0"/>
+              </a:rPr>
+              <a:t>clientid</a:t>
+            </a:r>
+            <a:r>
+              <a:rPr kumimoji="0" lang="de-DE" altLang="de-DE" sz="1200" b="0" i="1" u="none" strike="noStrike" cap="none" normalizeH="0" baseline="0" dirty="0">
+                <a:ln>
+                  <a:noFill/>
+                </a:ln>
+                <a:solidFill>
+                  <a:srgbClr val="808080"/>
+                </a:solidFill>
+                <a:effectLst/>
+                <a:latin typeface="Courier New" pitchFamily="49" charset="0"/>
+                <a:cs typeface="Courier New" pitchFamily="49" charset="0"/>
+              </a:rPr>
+              <a:t> 0 </a:t>
+            </a:r>
+            <a:r>
+              <a:rPr kumimoji="0" lang="de-DE" altLang="de-DE" sz="1200" b="0" i="1" u="none" strike="noStrike" cap="none" normalizeH="0" baseline="0" dirty="0" err="1">
+                <a:ln>
+                  <a:noFill/>
+                </a:ln>
+                <a:solidFill>
+                  <a:srgbClr val="808080"/>
+                </a:solidFill>
+                <a:effectLst/>
+                <a:latin typeface="Courier New" pitchFamily="49" charset="0"/>
+                <a:cs typeface="Courier New" pitchFamily="49" charset="0"/>
+              </a:rPr>
+              <a:t>is</a:t>
+            </a:r>
+            <a:r>
+              <a:rPr kumimoji="0" lang="de-DE" altLang="de-DE" sz="1200" b="0" i="1" u="none" strike="noStrike" cap="none" normalizeH="0" baseline="0" dirty="0">
+                <a:ln>
+                  <a:noFill/>
+                </a:ln>
+                <a:solidFill>
+                  <a:srgbClr val="808080"/>
+                </a:solidFill>
+                <a:effectLst/>
+                <a:latin typeface="Courier New" pitchFamily="49" charset="0"/>
+                <a:cs typeface="Courier New" pitchFamily="49" charset="0"/>
+              </a:rPr>
+              <a:t> not </a:t>
+            </a:r>
+            <a:r>
+              <a:rPr kumimoji="0" lang="de-DE" altLang="de-DE" sz="1200" b="0" i="1" u="none" strike="noStrike" cap="none" normalizeH="0" baseline="0" dirty="0" err="1">
+                <a:ln>
+                  <a:noFill/>
+                </a:ln>
+                <a:solidFill>
+                  <a:srgbClr val="808080"/>
+                </a:solidFill>
+                <a:effectLst/>
+                <a:latin typeface="Courier New" pitchFamily="49" charset="0"/>
+                <a:cs typeface="Courier New" pitchFamily="49" charset="0"/>
+              </a:rPr>
+              <a:t>following</a:t>
+            </a:r>
+            <a:r>
+              <a:rPr kumimoji="0" lang="de-DE" altLang="de-DE" sz="1200" b="0" i="1" u="none" strike="noStrike" cap="none" normalizeH="0" baseline="0" dirty="0">
+                <a:ln>
+                  <a:noFill/>
+                </a:ln>
+                <a:solidFill>
+                  <a:srgbClr val="808080"/>
+                </a:solidFill>
+                <a:effectLst/>
+                <a:latin typeface="Courier New" pitchFamily="49" charset="0"/>
+                <a:cs typeface="Courier New" pitchFamily="49" charset="0"/>
+              </a:rPr>
+              <a:t> </a:t>
+            </a:r>
+            <a:r>
+              <a:rPr kumimoji="0" lang="de-DE" altLang="de-DE" sz="1200" b="0" i="1" u="none" strike="noStrike" cap="none" normalizeH="0" baseline="0" dirty="0" err="1">
+                <a:ln>
+                  <a:noFill/>
+                </a:ln>
+                <a:solidFill>
+                  <a:srgbClr val="808080"/>
+                </a:solidFill>
+                <a:effectLst/>
+                <a:latin typeface="Courier New" pitchFamily="49" charset="0"/>
+                <a:cs typeface="Courier New" pitchFamily="49" charset="0"/>
+              </a:rPr>
+              <a:t>the</a:t>
+            </a:r>
+            <a:r>
+              <a:rPr kumimoji="0" lang="de-DE" altLang="de-DE" sz="1200" b="0" i="1" u="none" strike="noStrike" cap="none" normalizeH="0" baseline="0" dirty="0">
+                <a:ln>
+                  <a:noFill/>
+                </a:ln>
+                <a:solidFill>
+                  <a:srgbClr val="808080"/>
+                </a:solidFill>
+                <a:effectLst/>
+                <a:latin typeface="Courier New" pitchFamily="49" charset="0"/>
+                <a:cs typeface="Courier New" pitchFamily="49" charset="0"/>
+              </a:rPr>
+              <a:t> </a:t>
+            </a:r>
+            <a:r>
+              <a:rPr kumimoji="0" lang="de-DE" altLang="de-DE" sz="1200" b="0" i="1" u="none" strike="noStrike" cap="none" normalizeH="0" baseline="0" dirty="0" err="1">
+                <a:ln>
+                  <a:noFill/>
+                </a:ln>
+                <a:solidFill>
+                  <a:srgbClr val="808080"/>
+                </a:solidFill>
+                <a:effectLst/>
+                <a:latin typeface="Courier New" pitchFamily="49" charset="0"/>
+                <a:cs typeface="Courier New" pitchFamily="49" charset="0"/>
+              </a:rPr>
+              <a:t>logic</a:t>
+            </a:r>
+            <a:r>
+              <a:rPr kumimoji="0" lang="de-DE" altLang="de-DE" sz="1200" b="0" i="1" u="none" strike="noStrike" cap="none" normalizeH="0" baseline="0" dirty="0">
+                <a:ln>
+                  <a:noFill/>
+                </a:ln>
+                <a:solidFill>
+                  <a:srgbClr val="808080"/>
+                </a:solidFill>
+                <a:effectLst/>
+                <a:latin typeface="Courier New" pitchFamily="49" charset="0"/>
+                <a:cs typeface="Courier New" pitchFamily="49" charset="0"/>
+              </a:rPr>
+              <a:t> </a:t>
+            </a:r>
+            <a:r>
+              <a:rPr kumimoji="0" lang="de-DE" altLang="de-DE" sz="1200" b="0" i="1" u="none" strike="noStrike" cap="none" normalizeH="0" baseline="0" dirty="0" err="1">
+                <a:ln>
+                  <a:noFill/>
+                </a:ln>
+                <a:solidFill>
+                  <a:srgbClr val="808080"/>
+                </a:solidFill>
+                <a:effectLst/>
+                <a:latin typeface="Courier New" pitchFamily="49" charset="0"/>
+                <a:cs typeface="Courier New" pitchFamily="49" charset="0"/>
+              </a:rPr>
+              <a:t>to</a:t>
+            </a:r>
+            <a:r>
+              <a:rPr kumimoji="0" lang="de-DE" altLang="de-DE" sz="1200" b="0" i="1" u="none" strike="noStrike" cap="none" normalizeH="0" baseline="0" dirty="0">
+                <a:ln>
+                  <a:noFill/>
+                </a:ln>
+                <a:solidFill>
+                  <a:srgbClr val="808080"/>
+                </a:solidFill>
+                <a:effectLst/>
+                <a:latin typeface="Courier New" pitchFamily="49" charset="0"/>
+                <a:cs typeface="Courier New" pitchFamily="49" charset="0"/>
+              </a:rPr>
+              <a:t> </a:t>
+            </a:r>
+            <a:r>
+              <a:rPr kumimoji="0" lang="de-DE" altLang="de-DE" sz="1200" b="0" i="1" u="none" strike="noStrike" cap="none" normalizeH="0" baseline="0" dirty="0" err="1">
+                <a:ln>
+                  <a:noFill/>
+                </a:ln>
+                <a:solidFill>
+                  <a:srgbClr val="808080"/>
+                </a:solidFill>
+                <a:effectLst/>
+                <a:latin typeface="Courier New" pitchFamily="49" charset="0"/>
+                <a:cs typeface="Courier New" pitchFamily="49" charset="0"/>
+              </a:rPr>
+              <a:t>increment</a:t>
+            </a:r>
+            <a:r>
+              <a:rPr kumimoji="0" lang="de-DE" altLang="de-DE" sz="1200" b="0" i="1" u="none" strike="noStrike" cap="none" normalizeH="0" baseline="0" dirty="0">
+                <a:ln>
+                  <a:noFill/>
+                </a:ln>
+                <a:solidFill>
+                  <a:srgbClr val="808080"/>
+                </a:solidFill>
+                <a:effectLst/>
+                <a:latin typeface="Courier New" pitchFamily="49" charset="0"/>
+                <a:cs typeface="Courier New" pitchFamily="49" charset="0"/>
+              </a:rPr>
+              <a:t> </a:t>
+            </a:r>
+            <a:r>
+              <a:rPr kumimoji="0" lang="de-DE" altLang="de-DE" sz="1200" b="0" i="1" u="none" strike="noStrike" cap="none" normalizeH="0" baseline="0" dirty="0" err="1">
+                <a:ln>
+                  <a:noFill/>
+                </a:ln>
+                <a:solidFill>
+                  <a:srgbClr val="808080"/>
+                </a:solidFill>
+                <a:effectLst/>
+                <a:latin typeface="Courier New" pitchFamily="49" charset="0"/>
+                <a:cs typeface="Courier New" pitchFamily="49" charset="0"/>
+              </a:rPr>
+              <a:t>the</a:t>
+            </a:r>
+            <a:r>
+              <a:rPr kumimoji="0" lang="de-DE" altLang="de-DE" sz="1200" b="0" i="1" u="none" strike="noStrike" cap="none" normalizeH="0" baseline="0" dirty="0">
+                <a:ln>
+                  <a:noFill/>
+                </a:ln>
+                <a:solidFill>
+                  <a:srgbClr val="808080"/>
+                </a:solidFill>
+                <a:effectLst/>
+                <a:latin typeface="Courier New" pitchFamily="49" charset="0"/>
+                <a:cs typeface="Courier New" pitchFamily="49" charset="0"/>
+              </a:rPr>
+              <a:t> </a:t>
+            </a:r>
+            <a:r>
+              <a:rPr kumimoji="0" lang="de-DE" altLang="de-DE" sz="1200" b="0" i="1" u="none" strike="noStrike" cap="none" normalizeH="0" baseline="0" dirty="0" err="1">
+                <a:ln>
+                  <a:noFill/>
+                </a:ln>
+                <a:solidFill>
+                  <a:srgbClr val="808080"/>
+                </a:solidFill>
+                <a:effectLst/>
+                <a:latin typeface="Courier New" pitchFamily="49" charset="0"/>
+                <a:cs typeface="Courier New" pitchFamily="49" charset="0"/>
+              </a:rPr>
+              <a:t>loc_ts</a:t>
+            </a:r>
+            <a:r>
+              <a:rPr kumimoji="0" lang="de-DE" altLang="de-DE" sz="1200" b="0" i="1" u="none" strike="noStrike" cap="none" normalizeH="0" baseline="0" dirty="0">
+                <a:ln>
+                  <a:noFill/>
+                </a:ln>
+                <a:solidFill>
+                  <a:srgbClr val="808080"/>
+                </a:solidFill>
+                <a:effectLst/>
+                <a:latin typeface="Courier New" pitchFamily="49" charset="0"/>
+                <a:cs typeface="Courier New" pitchFamily="49" charset="0"/>
+              </a:rPr>
+              <a:t> </a:t>
+            </a:r>
+            <a:r>
+              <a:rPr kumimoji="0" lang="de-DE" altLang="de-DE" sz="1200" b="0" i="1" u="none" strike="noStrike" cap="none" normalizeH="0" baseline="0" dirty="0" err="1">
+                <a:ln>
+                  <a:noFill/>
+                </a:ln>
+                <a:solidFill>
+                  <a:srgbClr val="808080"/>
+                </a:solidFill>
+                <a:effectLst/>
+                <a:latin typeface="Courier New" pitchFamily="49" charset="0"/>
+                <a:cs typeface="Courier New" pitchFamily="49" charset="0"/>
+              </a:rPr>
+              <a:t>for</a:t>
+            </a:r>
+            <a:r>
+              <a:rPr kumimoji="0" lang="de-DE" altLang="de-DE" sz="1200" b="0" i="1" u="none" strike="noStrike" cap="none" normalizeH="0" baseline="0" dirty="0">
+                <a:ln>
+                  <a:noFill/>
+                </a:ln>
+                <a:solidFill>
+                  <a:srgbClr val="808080"/>
+                </a:solidFill>
+                <a:effectLst/>
+                <a:latin typeface="Courier New" pitchFamily="49" charset="0"/>
+                <a:cs typeface="Courier New" pitchFamily="49" charset="0"/>
+              </a:rPr>
+              <a:t> </a:t>
+            </a:r>
+            <a:r>
+              <a:rPr kumimoji="0" lang="de-DE" altLang="de-DE" sz="1200" b="0" i="1" u="none" strike="noStrike" cap="none" normalizeH="0" baseline="0" dirty="0" err="1">
+                <a:ln>
+                  <a:noFill/>
+                </a:ln>
+                <a:solidFill>
+                  <a:srgbClr val="808080"/>
+                </a:solidFill>
+                <a:effectLst/>
+                <a:latin typeface="Courier New" pitchFamily="49" charset="0"/>
+                <a:cs typeface="Courier New" pitchFamily="49" charset="0"/>
+              </a:rPr>
+              <a:t>every</a:t>
+            </a:r>
+            <a:r>
+              <a:rPr kumimoji="0" lang="de-DE" altLang="de-DE" sz="1200" b="0" i="1" u="none" strike="noStrike" cap="none" normalizeH="0" baseline="0" dirty="0">
+                <a:ln>
+                  <a:noFill/>
+                </a:ln>
+                <a:solidFill>
+                  <a:srgbClr val="808080"/>
+                </a:solidFill>
+                <a:effectLst/>
+                <a:latin typeface="Courier New" pitchFamily="49" charset="0"/>
+                <a:cs typeface="Courier New" pitchFamily="49" charset="0"/>
+              </a:rPr>
+              <a:t> </a:t>
+            </a:r>
+            <a:r>
+              <a:rPr kumimoji="0" lang="de-DE" altLang="de-DE" sz="1200" b="0" i="1" u="none" strike="noStrike" cap="none" normalizeH="0" baseline="0" dirty="0" err="1">
+                <a:ln>
+                  <a:noFill/>
+                </a:ln>
+                <a:solidFill>
+                  <a:srgbClr val="808080"/>
+                </a:solidFill>
+                <a:effectLst/>
+                <a:latin typeface="Courier New" pitchFamily="49" charset="0"/>
+                <a:cs typeface="Courier New" pitchFamily="49" charset="0"/>
+              </a:rPr>
+              <a:t>call</a:t>
+            </a:r>
+            <a:r>
+              <a:rPr kumimoji="0" lang="de-DE" altLang="de-DE" sz="1200" b="0" i="1" u="none" strike="noStrike" cap="none" normalizeH="0" baseline="0" dirty="0">
+                <a:ln>
+                  <a:noFill/>
+                </a:ln>
+                <a:solidFill>
+                  <a:srgbClr val="808080"/>
+                </a:solidFill>
+                <a:effectLst/>
+                <a:latin typeface="Courier New" pitchFamily="49" charset="0"/>
+                <a:cs typeface="Courier New" pitchFamily="49" charset="0"/>
+              </a:rPr>
+              <a:t>.</a:t>
+            </a:r>
+            <a:br>
+              <a:rPr kumimoji="0" lang="de-DE" altLang="de-DE" sz="1200" b="0" i="1" u="none" strike="noStrike" cap="none" normalizeH="0" baseline="0" dirty="0">
+                <a:ln>
+                  <a:noFill/>
+                </a:ln>
+                <a:solidFill>
+                  <a:srgbClr val="808080"/>
+                </a:solidFill>
+                <a:effectLst/>
+                <a:latin typeface="Courier New" pitchFamily="49" charset="0"/>
+                <a:cs typeface="Courier New" pitchFamily="49" charset="0"/>
+              </a:rPr>
+            </a:br>
+            <a:r>
+              <a:rPr kumimoji="0" lang="de-DE" altLang="de-DE" sz="1200" b="0" i="1" u="none" strike="noStrike" cap="none" normalizeH="0" baseline="0" dirty="0">
+                <a:ln>
+                  <a:noFill/>
+                </a:ln>
+                <a:solidFill>
+                  <a:srgbClr val="808080"/>
+                </a:solidFill>
+                <a:effectLst/>
+                <a:latin typeface="Courier New" pitchFamily="49" charset="0"/>
+                <a:cs typeface="Courier New" pitchFamily="49" charset="0"/>
+              </a:rPr>
+              <a:t>        # </a:t>
+            </a:r>
+            <a:r>
+              <a:rPr kumimoji="0" lang="de-DE" altLang="de-DE" sz="1200" b="0" i="1" u="none" strike="noStrike" cap="none" normalizeH="0" baseline="0" dirty="0" err="1">
+                <a:ln>
+                  <a:noFill/>
+                </a:ln>
+                <a:solidFill>
+                  <a:srgbClr val="808080"/>
+                </a:solidFill>
+                <a:effectLst/>
+                <a:latin typeface="Courier New" pitchFamily="49" charset="0"/>
+                <a:cs typeface="Courier New" pitchFamily="49" charset="0"/>
+              </a:rPr>
+              <a:t>There</a:t>
+            </a:r>
+            <a:r>
+              <a:rPr kumimoji="0" lang="de-DE" altLang="de-DE" sz="1200" b="0" i="1" u="none" strike="noStrike" cap="none" normalizeH="0" baseline="0" dirty="0">
+                <a:ln>
+                  <a:noFill/>
+                </a:ln>
+                <a:solidFill>
+                  <a:srgbClr val="808080"/>
+                </a:solidFill>
+                <a:effectLst/>
+                <a:latin typeface="Courier New" pitchFamily="49" charset="0"/>
+                <a:cs typeface="Courier New" pitchFamily="49" charset="0"/>
+              </a:rPr>
+              <a:t> </a:t>
+            </a:r>
+            <a:r>
+              <a:rPr kumimoji="0" lang="de-DE" altLang="de-DE" sz="1200" b="0" i="1" u="none" strike="noStrike" cap="none" normalizeH="0" baseline="0" dirty="0" err="1">
+                <a:ln>
+                  <a:noFill/>
+                </a:ln>
+                <a:solidFill>
+                  <a:srgbClr val="808080"/>
+                </a:solidFill>
+                <a:effectLst/>
+                <a:latin typeface="Courier New" pitchFamily="49" charset="0"/>
+                <a:cs typeface="Courier New" pitchFamily="49" charset="0"/>
+              </a:rPr>
+              <a:t>is</a:t>
+            </a:r>
+            <a:r>
+              <a:rPr kumimoji="0" lang="de-DE" altLang="de-DE" sz="1200" b="0" i="1" u="none" strike="noStrike" cap="none" normalizeH="0" baseline="0" dirty="0">
+                <a:ln>
+                  <a:noFill/>
+                </a:ln>
+                <a:solidFill>
+                  <a:srgbClr val="808080"/>
+                </a:solidFill>
+                <a:effectLst/>
+                <a:latin typeface="Courier New" pitchFamily="49" charset="0"/>
+                <a:cs typeface="Courier New" pitchFamily="49" charset="0"/>
+              </a:rPr>
+              <a:t> </a:t>
+            </a:r>
+            <a:r>
+              <a:rPr kumimoji="0" lang="de-DE" altLang="de-DE" sz="1200" b="0" i="1" u="none" strike="noStrike" cap="none" normalizeH="0" baseline="0" dirty="0" err="1">
+                <a:ln>
+                  <a:noFill/>
+                </a:ln>
+                <a:solidFill>
+                  <a:srgbClr val="808080"/>
+                </a:solidFill>
+                <a:effectLst/>
+                <a:latin typeface="Courier New" pitchFamily="49" charset="0"/>
+                <a:cs typeface="Courier New" pitchFamily="49" charset="0"/>
+              </a:rPr>
+              <a:t>no</a:t>
+            </a:r>
+            <a:r>
+              <a:rPr kumimoji="0" lang="de-DE" altLang="de-DE" sz="1200" b="0" i="1" u="none" strike="noStrike" cap="none" normalizeH="0" baseline="0" dirty="0">
+                <a:ln>
+                  <a:noFill/>
+                </a:ln>
+                <a:solidFill>
+                  <a:srgbClr val="808080"/>
+                </a:solidFill>
+                <a:effectLst/>
+                <a:latin typeface="Courier New" pitchFamily="49" charset="0"/>
+                <a:cs typeface="Courier New" pitchFamily="49" charset="0"/>
+              </a:rPr>
+              <a:t> </a:t>
+            </a:r>
+            <a:r>
+              <a:rPr kumimoji="0" lang="de-DE" altLang="de-DE" sz="1200" b="0" i="1" u="none" strike="noStrike" cap="none" normalizeH="0" baseline="0" dirty="0" err="1">
+                <a:ln>
+                  <a:noFill/>
+                </a:ln>
+                <a:solidFill>
+                  <a:srgbClr val="808080"/>
+                </a:solidFill>
+                <a:effectLst/>
+                <a:latin typeface="Courier New" pitchFamily="49" charset="0"/>
+                <a:cs typeface="Courier New" pitchFamily="49" charset="0"/>
+              </a:rPr>
+              <a:t>way</a:t>
+            </a:r>
+            <a:r>
+              <a:rPr kumimoji="0" lang="de-DE" altLang="de-DE" sz="1200" b="0" i="1" u="none" strike="noStrike" cap="none" normalizeH="0" baseline="0" dirty="0">
+                <a:ln>
+                  <a:noFill/>
+                </a:ln>
+                <a:solidFill>
+                  <a:srgbClr val="808080"/>
+                </a:solidFill>
+                <a:effectLst/>
+                <a:latin typeface="Courier New" pitchFamily="49" charset="0"/>
+                <a:cs typeface="Courier New" pitchFamily="49" charset="0"/>
+              </a:rPr>
+              <a:t> </a:t>
+            </a:r>
+            <a:r>
+              <a:rPr kumimoji="0" lang="de-DE" altLang="de-DE" sz="1200" b="0" i="1" u="none" strike="noStrike" cap="none" normalizeH="0" baseline="0" dirty="0" err="1">
+                <a:ln>
+                  <a:noFill/>
+                </a:ln>
+                <a:solidFill>
+                  <a:srgbClr val="808080"/>
+                </a:solidFill>
+                <a:effectLst/>
+                <a:latin typeface="Courier New" pitchFamily="49" charset="0"/>
+                <a:cs typeface="Courier New" pitchFamily="49" charset="0"/>
+              </a:rPr>
+              <a:t>to</a:t>
+            </a:r>
+            <a:r>
+              <a:rPr kumimoji="0" lang="de-DE" altLang="de-DE" sz="1200" b="0" i="1" u="none" strike="noStrike" cap="none" normalizeH="0" baseline="0" dirty="0">
+                <a:ln>
+                  <a:noFill/>
+                </a:ln>
+                <a:solidFill>
+                  <a:srgbClr val="808080"/>
+                </a:solidFill>
+                <a:effectLst/>
+                <a:latin typeface="Courier New" pitchFamily="49" charset="0"/>
+                <a:cs typeface="Courier New" pitchFamily="49" charset="0"/>
+              </a:rPr>
+              <a:t> </a:t>
+            </a:r>
+            <a:r>
+              <a:rPr kumimoji="0" lang="de-DE" altLang="de-DE" sz="1200" b="0" i="1" u="none" strike="noStrike" cap="none" normalizeH="0" baseline="0" dirty="0" err="1">
+                <a:ln>
+                  <a:noFill/>
+                </a:ln>
+                <a:solidFill>
+                  <a:srgbClr val="808080"/>
+                </a:solidFill>
+                <a:effectLst/>
+                <a:latin typeface="Courier New" pitchFamily="49" charset="0"/>
+                <a:cs typeface="Courier New" pitchFamily="49" charset="0"/>
+              </a:rPr>
+              <a:t>clearly</a:t>
+            </a:r>
+            <a:r>
+              <a:rPr kumimoji="0" lang="de-DE" altLang="de-DE" sz="1200" b="0" i="1" u="none" strike="noStrike" cap="none" normalizeH="0" baseline="0" dirty="0">
+                <a:ln>
+                  <a:noFill/>
+                </a:ln>
+                <a:solidFill>
+                  <a:srgbClr val="808080"/>
+                </a:solidFill>
+                <a:effectLst/>
+                <a:latin typeface="Courier New" pitchFamily="49" charset="0"/>
+                <a:cs typeface="Courier New" pitchFamily="49" charset="0"/>
+              </a:rPr>
+              <a:t> </a:t>
+            </a:r>
+            <a:r>
+              <a:rPr kumimoji="0" lang="de-DE" altLang="de-DE" sz="1200" b="0" i="1" u="none" strike="noStrike" cap="none" normalizeH="0" baseline="0" dirty="0" err="1">
+                <a:ln>
+                  <a:noFill/>
+                </a:ln>
+                <a:solidFill>
+                  <a:srgbClr val="808080"/>
+                </a:solidFill>
+                <a:effectLst/>
+                <a:latin typeface="Courier New" pitchFamily="49" charset="0"/>
+                <a:cs typeface="Courier New" pitchFamily="49" charset="0"/>
+              </a:rPr>
+              <a:t>identify</a:t>
+            </a:r>
+            <a:r>
+              <a:rPr kumimoji="0" lang="de-DE" altLang="de-DE" sz="1200" b="0" i="1" u="none" strike="noStrike" cap="none" normalizeH="0" baseline="0" dirty="0">
+                <a:ln>
+                  <a:noFill/>
+                </a:ln>
+                <a:solidFill>
+                  <a:srgbClr val="808080"/>
+                </a:solidFill>
+                <a:effectLst/>
+                <a:latin typeface="Courier New" pitchFamily="49" charset="0"/>
+                <a:cs typeface="Courier New" pitchFamily="49" charset="0"/>
+              </a:rPr>
+              <a:t> </a:t>
+            </a:r>
+            <a:r>
+              <a:rPr kumimoji="0" lang="de-DE" altLang="de-DE" sz="1200" b="0" i="1" u="none" strike="noStrike" cap="none" normalizeH="0" baseline="0" dirty="0" err="1">
+                <a:ln>
+                  <a:noFill/>
+                </a:ln>
+                <a:solidFill>
+                  <a:srgbClr val="808080"/>
+                </a:solidFill>
+                <a:effectLst/>
+                <a:latin typeface="Courier New" pitchFamily="49" charset="0"/>
+                <a:cs typeface="Courier New" pitchFamily="49" charset="0"/>
+              </a:rPr>
+              <a:t>which</a:t>
+            </a:r>
+            <a:r>
+              <a:rPr kumimoji="0" lang="de-DE" altLang="de-DE" sz="1200" b="0" i="1" u="none" strike="noStrike" cap="none" normalizeH="0" baseline="0" dirty="0">
+                <a:ln>
+                  <a:noFill/>
+                </a:ln>
+                <a:solidFill>
+                  <a:srgbClr val="808080"/>
+                </a:solidFill>
+                <a:effectLst/>
+                <a:latin typeface="Courier New" pitchFamily="49" charset="0"/>
+                <a:cs typeface="Courier New" pitchFamily="49" charset="0"/>
+              </a:rPr>
+              <a:t> </a:t>
+            </a:r>
+            <a:r>
+              <a:rPr kumimoji="0" lang="de-DE" altLang="de-DE" sz="1200" b="0" i="1" u="none" strike="noStrike" cap="none" normalizeH="0" baseline="0" dirty="0" err="1">
+                <a:ln>
+                  <a:noFill/>
+                </a:ln>
+                <a:solidFill>
+                  <a:srgbClr val="808080"/>
+                </a:solidFill>
+                <a:effectLst/>
+                <a:latin typeface="Courier New" pitchFamily="49" charset="0"/>
+                <a:cs typeface="Courier New" pitchFamily="49" charset="0"/>
+              </a:rPr>
+              <a:t>request</a:t>
+            </a:r>
+            <a:r>
+              <a:rPr kumimoji="0" lang="de-DE" altLang="de-DE" sz="1200" b="0" i="1" u="none" strike="noStrike" cap="none" normalizeH="0" baseline="0" dirty="0">
+                <a:ln>
+                  <a:noFill/>
+                </a:ln>
+                <a:solidFill>
+                  <a:srgbClr val="808080"/>
+                </a:solidFill>
+                <a:effectLst/>
+                <a:latin typeface="Courier New" pitchFamily="49" charset="0"/>
+                <a:cs typeface="Courier New" pitchFamily="49" charset="0"/>
+              </a:rPr>
+              <a:t> </a:t>
+            </a:r>
+            <a:r>
+              <a:rPr kumimoji="0" lang="de-DE" altLang="de-DE" sz="1200" b="0" i="1" u="none" strike="noStrike" cap="none" normalizeH="0" baseline="0" dirty="0" err="1">
+                <a:ln>
+                  <a:noFill/>
+                </a:ln>
+                <a:solidFill>
+                  <a:srgbClr val="808080"/>
+                </a:solidFill>
+                <a:effectLst/>
+                <a:latin typeface="Courier New" pitchFamily="49" charset="0"/>
+                <a:cs typeface="Courier New" pitchFamily="49" charset="0"/>
+              </a:rPr>
+              <a:t>belongs</a:t>
+            </a:r>
+            <a:r>
+              <a:rPr kumimoji="0" lang="de-DE" altLang="de-DE" sz="1200" b="0" i="1" u="none" strike="noStrike" cap="none" normalizeH="0" baseline="0" dirty="0">
+                <a:ln>
+                  <a:noFill/>
+                </a:ln>
+                <a:solidFill>
+                  <a:srgbClr val="808080"/>
+                </a:solidFill>
+                <a:effectLst/>
+                <a:latin typeface="Courier New" pitchFamily="49" charset="0"/>
+                <a:cs typeface="Courier New" pitchFamily="49" charset="0"/>
+              </a:rPr>
+              <a:t> </a:t>
+            </a:r>
+            <a:r>
+              <a:rPr kumimoji="0" lang="de-DE" altLang="de-DE" sz="1200" b="0" i="1" u="none" strike="noStrike" cap="none" normalizeH="0" baseline="0" dirty="0" err="1">
+                <a:ln>
+                  <a:noFill/>
+                </a:ln>
+                <a:solidFill>
+                  <a:srgbClr val="808080"/>
+                </a:solidFill>
+                <a:effectLst/>
+                <a:latin typeface="Courier New" pitchFamily="49" charset="0"/>
+                <a:cs typeface="Courier New" pitchFamily="49" charset="0"/>
+              </a:rPr>
+              <a:t>to</a:t>
+            </a:r>
+            <a:r>
+              <a:rPr kumimoji="0" lang="de-DE" altLang="de-DE" sz="1200" b="0" i="1" u="none" strike="noStrike" cap="none" normalizeH="0" baseline="0" dirty="0">
+                <a:ln>
+                  <a:noFill/>
+                </a:ln>
+                <a:solidFill>
+                  <a:srgbClr val="808080"/>
+                </a:solidFill>
+                <a:effectLst/>
+                <a:latin typeface="Courier New" pitchFamily="49" charset="0"/>
+                <a:cs typeface="Courier New" pitchFamily="49" charset="0"/>
+              </a:rPr>
+              <a:t> </a:t>
+            </a:r>
+            <a:r>
+              <a:rPr kumimoji="0" lang="de-DE" altLang="de-DE" sz="1200" b="0" i="1" u="none" strike="noStrike" cap="none" normalizeH="0" baseline="0" dirty="0" err="1">
+                <a:ln>
+                  <a:noFill/>
+                </a:ln>
+                <a:solidFill>
+                  <a:srgbClr val="808080"/>
+                </a:solidFill>
+                <a:effectLst/>
+                <a:latin typeface="Courier New" pitchFamily="49" charset="0"/>
+                <a:cs typeface="Courier New" pitchFamily="49" charset="0"/>
+              </a:rPr>
+              <a:t>which</a:t>
+            </a:r>
+            <a:r>
+              <a:rPr kumimoji="0" lang="de-DE" altLang="de-DE" sz="1200" b="0" i="1" u="none" strike="noStrike" cap="none" normalizeH="0" baseline="0" dirty="0">
+                <a:ln>
+                  <a:noFill/>
+                </a:ln>
+                <a:solidFill>
+                  <a:srgbClr val="808080"/>
+                </a:solidFill>
+                <a:effectLst/>
+                <a:latin typeface="Courier New" pitchFamily="49" charset="0"/>
+                <a:cs typeface="Courier New" pitchFamily="49" charset="0"/>
+              </a:rPr>
+              <a:t> </a:t>
+            </a:r>
+            <a:r>
+              <a:rPr kumimoji="0" lang="de-DE" altLang="de-DE" sz="1200" b="0" i="1" u="none" strike="noStrike" cap="none" normalizeH="0" baseline="0" dirty="0" err="1">
+                <a:ln>
+                  <a:noFill/>
+                </a:ln>
+                <a:solidFill>
+                  <a:srgbClr val="808080"/>
+                </a:solidFill>
+                <a:effectLst/>
+                <a:latin typeface="Courier New" pitchFamily="49" charset="0"/>
+                <a:cs typeface="Courier New" pitchFamily="49" charset="0"/>
+              </a:rPr>
+              <a:t>response</a:t>
+            </a:r>
+            <a:r>
+              <a:rPr kumimoji="0" lang="de-DE" altLang="de-DE" sz="1200" b="0" i="1" u="none" strike="noStrike" cap="none" normalizeH="0" baseline="0" dirty="0">
+                <a:ln>
+                  <a:noFill/>
+                </a:ln>
+                <a:solidFill>
+                  <a:srgbClr val="808080"/>
+                </a:solidFill>
+                <a:effectLst/>
+                <a:latin typeface="Courier New" pitchFamily="49" charset="0"/>
+                <a:cs typeface="Courier New" pitchFamily="49" charset="0"/>
+              </a:rPr>
+              <a:t> -&gt; </a:t>
+            </a:r>
+            <a:r>
+              <a:rPr kumimoji="0" lang="de-DE" altLang="de-DE" sz="1200" b="0" i="1" u="none" strike="noStrike" cap="none" normalizeH="0" baseline="0" dirty="0" err="1">
+                <a:ln>
+                  <a:noFill/>
+                </a:ln>
+                <a:solidFill>
+                  <a:srgbClr val="808080"/>
+                </a:solidFill>
+                <a:effectLst/>
+                <a:latin typeface="Courier New" pitchFamily="49" charset="0"/>
+                <a:cs typeface="Courier New" pitchFamily="49" charset="0"/>
+              </a:rPr>
+              <a:t>Ignore</a:t>
+            </a:r>
+            <a:r>
+              <a:rPr kumimoji="0" lang="de-DE" altLang="de-DE" sz="1200" b="0" i="1" u="none" strike="noStrike" cap="none" normalizeH="0" baseline="0" dirty="0">
+                <a:ln>
+                  <a:noFill/>
+                </a:ln>
+                <a:solidFill>
+                  <a:srgbClr val="808080"/>
+                </a:solidFill>
+                <a:effectLst/>
+                <a:latin typeface="Courier New" pitchFamily="49" charset="0"/>
+                <a:cs typeface="Courier New" pitchFamily="49" charset="0"/>
+              </a:rPr>
+              <a:t> </a:t>
+            </a:r>
+            <a:r>
+              <a:rPr kumimoji="0" lang="de-DE" altLang="de-DE" sz="1200" b="0" i="1" u="none" strike="noStrike" cap="none" normalizeH="0" baseline="0" dirty="0" err="1">
+                <a:ln>
+                  <a:noFill/>
+                </a:ln>
+                <a:solidFill>
+                  <a:srgbClr val="808080"/>
+                </a:solidFill>
+                <a:effectLst/>
+                <a:latin typeface="Courier New" pitchFamily="49" charset="0"/>
+                <a:cs typeface="Courier New" pitchFamily="49" charset="0"/>
+              </a:rPr>
+              <a:t>them</a:t>
+            </a:r>
+            <a:br>
+              <a:rPr kumimoji="0" lang="de-DE" altLang="de-DE" sz="1200" b="0" i="1" u="none" strike="noStrike" cap="none" normalizeH="0" baseline="0" dirty="0">
+                <a:ln>
+                  <a:noFill/>
+                </a:ln>
+                <a:solidFill>
+                  <a:srgbClr val="808080"/>
+                </a:solidFill>
+                <a:effectLst/>
+                <a:latin typeface="Courier New" pitchFamily="49" charset="0"/>
+                <a:cs typeface="Courier New" pitchFamily="49" charset="0"/>
+              </a:rPr>
+            </a:br>
+            <a:r>
+              <a:rPr kumimoji="0" lang="de-DE" altLang="de-DE" sz="1200" b="0" i="1" u="none" strike="noStrike" cap="none" normalizeH="0" baseline="0" dirty="0">
+                <a:ln>
+                  <a:noFill/>
+                </a:ln>
+                <a:solidFill>
+                  <a:srgbClr val="808080"/>
+                </a:solidFill>
+                <a:effectLst/>
+                <a:latin typeface="Courier New" pitchFamily="49" charset="0"/>
+                <a:cs typeface="Courier New" pitchFamily="49" charset="0"/>
+              </a:rPr>
+              <a:t>        </a:t>
+            </a:r>
+            <a:r>
+              <a:rPr kumimoji="0" lang="de-DE" altLang="de-DE" sz="1200" b="0" i="0" u="none" strike="noStrike" cap="none" normalizeH="0" baseline="0" dirty="0" err="1">
+                <a:ln>
+                  <a:noFill/>
+                </a:ln>
+                <a:solidFill>
+                  <a:srgbClr val="000000"/>
+                </a:solidFill>
+                <a:effectLst/>
+                <a:latin typeface="Courier New" pitchFamily="49" charset="0"/>
+                <a:cs typeface="Courier New" pitchFamily="49" charset="0"/>
+              </a:rPr>
+              <a:t>message</a:t>
+            </a:r>
+            <a:r>
+              <a:rPr kumimoji="0" lang="de-DE" altLang="de-DE" sz="1200" b="0" i="0" u="none" strike="noStrike" cap="none" normalizeH="0" baseline="0" dirty="0">
+                <a:ln>
+                  <a:noFill/>
+                </a:ln>
+                <a:solidFill>
+                  <a:srgbClr val="000000"/>
+                </a:solidFill>
+                <a:effectLst/>
+                <a:latin typeface="Courier New" pitchFamily="49" charset="0"/>
+                <a:cs typeface="Courier New" pitchFamily="49" charset="0"/>
+              </a:rPr>
+              <a:t> = </a:t>
+            </a:r>
+            <a:r>
+              <a:rPr kumimoji="0" lang="de-DE" altLang="de-DE" sz="1200" b="0" i="0" u="none" strike="noStrike" cap="none" normalizeH="0" baseline="0" dirty="0" err="1">
+                <a:ln>
+                  <a:noFill/>
+                </a:ln>
+                <a:solidFill>
+                  <a:srgbClr val="000000"/>
+                </a:solidFill>
+                <a:effectLst/>
+                <a:latin typeface="Courier New" pitchFamily="49" charset="0"/>
+                <a:cs typeface="Courier New" pitchFamily="49" charset="0"/>
+              </a:rPr>
+              <a:t>LogMessage</a:t>
+            </a:r>
+            <a:r>
+              <a:rPr kumimoji="0" lang="de-DE" altLang="de-DE" sz="1200" b="0" i="0" u="none" strike="noStrike" cap="none" normalizeH="0" baseline="0" dirty="0">
+                <a:ln>
+                  <a:noFill/>
+                </a:ln>
+                <a:solidFill>
+                  <a:srgbClr val="000000"/>
+                </a:solidFill>
+                <a:effectLst/>
+                <a:latin typeface="Courier New" pitchFamily="49" charset="0"/>
+                <a:cs typeface="Courier New" pitchFamily="49" charset="0"/>
+              </a:rPr>
+              <a:t>(</a:t>
+            </a:r>
+            <a:r>
+              <a:rPr kumimoji="0" lang="de-DE" altLang="de-DE" sz="1200" b="0" i="0" u="none" strike="noStrike" cap="none" normalizeH="0" baseline="0" dirty="0" err="1">
+                <a:ln>
+                  <a:noFill/>
+                </a:ln>
+                <a:solidFill>
+                  <a:srgbClr val="000080"/>
+                </a:solidFill>
+                <a:effectLst/>
+                <a:latin typeface="Courier New" pitchFamily="49" charset="0"/>
+                <a:cs typeface="Courier New" pitchFamily="49" charset="0"/>
+              </a:rPr>
+              <a:t>str</a:t>
+            </a:r>
+            <a:r>
+              <a:rPr kumimoji="0" lang="de-DE" altLang="de-DE" sz="1200" b="0" i="0" u="none" strike="noStrike" cap="none" normalizeH="0" baseline="0" dirty="0">
+                <a:ln>
+                  <a:noFill/>
+                </a:ln>
+                <a:solidFill>
+                  <a:srgbClr val="000000"/>
+                </a:solidFill>
+                <a:effectLst/>
+                <a:latin typeface="Courier New" pitchFamily="49" charset="0"/>
+                <a:cs typeface="Courier New" pitchFamily="49" charset="0"/>
+              </a:rPr>
+              <a:t>(</a:t>
+            </a:r>
+            <a:r>
+              <a:rPr kumimoji="0" lang="de-DE" altLang="de-DE" sz="1200" b="0" i="0" u="none" strike="noStrike" cap="none" normalizeH="0" baseline="0" dirty="0" err="1">
+                <a:ln>
+                  <a:noFill/>
+                </a:ln>
+                <a:solidFill>
+                  <a:srgbClr val="000000"/>
+                </a:solidFill>
+                <a:effectLst/>
+                <a:latin typeface="Courier New" pitchFamily="49" charset="0"/>
+                <a:cs typeface="Courier New" pitchFamily="49" charset="0"/>
+              </a:rPr>
+              <a:t>row</a:t>
+            </a:r>
+            <a:r>
+              <a:rPr kumimoji="0" lang="de-DE" altLang="de-DE" sz="1200" b="0" i="0" u="none" strike="noStrike" cap="none" normalizeH="0" baseline="0" dirty="0">
+                <a:ln>
+                  <a:noFill/>
+                </a:ln>
+                <a:solidFill>
+                  <a:srgbClr val="000000"/>
+                </a:solidFill>
+                <a:effectLst/>
+                <a:latin typeface="Courier New" pitchFamily="49" charset="0"/>
+                <a:cs typeface="Courier New" pitchFamily="49" charset="0"/>
+              </a:rPr>
+              <a:t>[</a:t>
+            </a:r>
+            <a:r>
+              <a:rPr kumimoji="0" lang="de-DE" altLang="de-DE" sz="1200" b="1" i="0" u="none" strike="noStrike" cap="none" normalizeH="0" baseline="0" dirty="0">
+                <a:ln>
+                  <a:noFill/>
+                </a:ln>
+                <a:solidFill>
+                  <a:srgbClr val="008080"/>
+                </a:solidFill>
+                <a:effectLst/>
+                <a:latin typeface="Courier New" pitchFamily="49" charset="0"/>
+                <a:cs typeface="Courier New" pitchFamily="49" charset="0"/>
+              </a:rPr>
+              <a:t>'</a:t>
+            </a:r>
+            <a:r>
+              <a:rPr kumimoji="0" lang="de-DE" altLang="de-DE" sz="1200" b="1" i="0" u="none" strike="noStrike" cap="none" normalizeH="0" baseline="0" dirty="0" err="1">
+                <a:ln>
+                  <a:noFill/>
+                </a:ln>
+                <a:solidFill>
+                  <a:srgbClr val="008080"/>
+                </a:solidFill>
+                <a:effectLst/>
+                <a:latin typeface="Courier New" pitchFamily="49" charset="0"/>
+                <a:cs typeface="Courier New" pitchFamily="49" charset="0"/>
+              </a:rPr>
+              <a:t>code</a:t>
+            </a:r>
+            <a:r>
+              <a:rPr kumimoji="0" lang="de-DE" altLang="de-DE" sz="1200" b="1" i="0" u="none" strike="noStrike" cap="none" normalizeH="0" baseline="0" dirty="0">
+                <a:ln>
+                  <a:noFill/>
+                </a:ln>
+                <a:solidFill>
+                  <a:srgbClr val="008080"/>
+                </a:solidFill>
+                <a:effectLst/>
+                <a:latin typeface="Courier New" pitchFamily="49" charset="0"/>
+                <a:cs typeface="Courier New" pitchFamily="49" charset="0"/>
+              </a:rPr>
+              <a:t>'</a:t>
+            </a:r>
+            <a:r>
+              <a:rPr kumimoji="0" lang="de-DE" altLang="de-DE" sz="1200" b="0" i="0" u="none" strike="noStrike" cap="none" normalizeH="0" baseline="0" dirty="0">
+                <a:ln>
+                  <a:noFill/>
+                </a:ln>
+                <a:solidFill>
+                  <a:srgbClr val="000000"/>
+                </a:solidFill>
+                <a:effectLst/>
+                <a:latin typeface="Courier New" pitchFamily="49" charset="0"/>
+                <a:cs typeface="Courier New" pitchFamily="49" charset="0"/>
+              </a:rPr>
+              <a:t>]), </a:t>
+            </a:r>
+            <a:r>
+              <a:rPr kumimoji="0" lang="de-DE" altLang="de-DE" sz="1200" b="0" i="0" u="none" strike="noStrike" cap="none" normalizeH="0" baseline="0" dirty="0" err="1">
+                <a:ln>
+                  <a:noFill/>
+                </a:ln>
+                <a:solidFill>
+                  <a:srgbClr val="000080"/>
+                </a:solidFill>
+                <a:effectLst/>
+                <a:latin typeface="Courier New" pitchFamily="49" charset="0"/>
+                <a:cs typeface="Courier New" pitchFamily="49" charset="0"/>
+              </a:rPr>
+              <a:t>int</a:t>
+            </a:r>
+            <a:r>
+              <a:rPr kumimoji="0" lang="de-DE" altLang="de-DE" sz="1200" b="0" i="0" u="none" strike="noStrike" cap="none" normalizeH="0" baseline="0" dirty="0">
+                <a:ln>
+                  <a:noFill/>
+                </a:ln>
+                <a:solidFill>
+                  <a:srgbClr val="000000"/>
+                </a:solidFill>
+                <a:effectLst/>
+                <a:latin typeface="Courier New" pitchFamily="49" charset="0"/>
+                <a:cs typeface="Courier New" pitchFamily="49" charset="0"/>
+              </a:rPr>
+              <a:t>(</a:t>
+            </a:r>
+            <a:r>
+              <a:rPr kumimoji="0" lang="de-DE" altLang="de-DE" sz="1200" b="0" i="0" u="none" strike="noStrike" cap="none" normalizeH="0" baseline="0" dirty="0" err="1">
+                <a:ln>
+                  <a:noFill/>
+                </a:ln>
+                <a:solidFill>
+                  <a:srgbClr val="000000"/>
+                </a:solidFill>
+                <a:effectLst/>
+                <a:latin typeface="Courier New" pitchFamily="49" charset="0"/>
+                <a:cs typeface="Courier New" pitchFamily="49" charset="0"/>
+              </a:rPr>
+              <a:t>row</a:t>
+            </a:r>
+            <a:r>
+              <a:rPr kumimoji="0" lang="de-DE" altLang="de-DE" sz="1200" b="0" i="0" u="none" strike="noStrike" cap="none" normalizeH="0" baseline="0" dirty="0">
+                <a:ln>
+                  <a:noFill/>
+                </a:ln>
+                <a:solidFill>
+                  <a:srgbClr val="000000"/>
+                </a:solidFill>
+                <a:effectLst/>
+                <a:latin typeface="Courier New" pitchFamily="49" charset="0"/>
+                <a:cs typeface="Courier New" pitchFamily="49" charset="0"/>
+              </a:rPr>
+              <a:t>[</a:t>
+            </a:r>
+            <a:r>
+              <a:rPr kumimoji="0" lang="de-DE" altLang="de-DE" sz="1200" b="1" i="0" u="none" strike="noStrike" cap="none" normalizeH="0" baseline="0" dirty="0">
+                <a:ln>
+                  <a:noFill/>
+                </a:ln>
+                <a:solidFill>
+                  <a:srgbClr val="008080"/>
+                </a:solidFill>
+                <a:effectLst/>
+                <a:latin typeface="Courier New" pitchFamily="49" charset="0"/>
+                <a:cs typeface="Courier New" pitchFamily="49" charset="0"/>
+              </a:rPr>
+              <a:t>'</a:t>
+            </a:r>
+            <a:r>
+              <a:rPr kumimoji="0" lang="de-DE" altLang="de-DE" sz="1200" b="1" i="0" u="none" strike="noStrike" cap="none" normalizeH="0" baseline="0" dirty="0" err="1">
+                <a:ln>
+                  <a:noFill/>
+                </a:ln>
+                <a:solidFill>
+                  <a:srgbClr val="008080"/>
+                </a:solidFill>
+                <a:effectLst/>
+                <a:latin typeface="Courier New" pitchFamily="49" charset="0"/>
+                <a:cs typeface="Courier New" pitchFamily="49" charset="0"/>
+              </a:rPr>
+              <a:t>client_id</a:t>
+            </a:r>
+            <a:r>
+              <a:rPr kumimoji="0" lang="de-DE" altLang="de-DE" sz="1200" b="1" i="0" u="none" strike="noStrike" cap="none" normalizeH="0" baseline="0" dirty="0">
+                <a:ln>
+                  <a:noFill/>
+                </a:ln>
+                <a:solidFill>
+                  <a:srgbClr val="008080"/>
+                </a:solidFill>
+                <a:effectLst/>
+                <a:latin typeface="Courier New" pitchFamily="49" charset="0"/>
+                <a:cs typeface="Courier New" pitchFamily="49" charset="0"/>
+              </a:rPr>
+              <a:t>'</a:t>
+            </a:r>
+            <a:r>
+              <a:rPr kumimoji="0" lang="de-DE" altLang="de-DE" sz="1200" b="0" i="0" u="none" strike="noStrike" cap="none" normalizeH="0" baseline="0" dirty="0">
+                <a:ln>
+                  <a:noFill/>
+                </a:ln>
+                <a:solidFill>
+                  <a:srgbClr val="000000"/>
+                </a:solidFill>
+                <a:effectLst/>
+                <a:latin typeface="Courier New" pitchFamily="49" charset="0"/>
+                <a:cs typeface="Courier New" pitchFamily="49" charset="0"/>
+              </a:rPr>
+              <a:t>]), </a:t>
+            </a:r>
+            <a:r>
+              <a:rPr kumimoji="0" lang="de-DE" altLang="de-DE" sz="1200" b="0" i="0" u="none" strike="noStrike" cap="none" normalizeH="0" baseline="0" dirty="0" err="1">
+                <a:ln>
+                  <a:noFill/>
+                </a:ln>
+                <a:solidFill>
+                  <a:srgbClr val="000080"/>
+                </a:solidFill>
+                <a:effectLst/>
+                <a:latin typeface="Courier New" pitchFamily="49" charset="0"/>
+                <a:cs typeface="Courier New" pitchFamily="49" charset="0"/>
+              </a:rPr>
+              <a:t>int</a:t>
+            </a:r>
+            <a:r>
+              <a:rPr kumimoji="0" lang="de-DE" altLang="de-DE" sz="1200" b="0" i="0" u="none" strike="noStrike" cap="none" normalizeH="0" baseline="0" dirty="0">
+                <a:ln>
+                  <a:noFill/>
+                </a:ln>
+                <a:solidFill>
+                  <a:srgbClr val="000000"/>
+                </a:solidFill>
+                <a:effectLst/>
+                <a:latin typeface="Courier New" pitchFamily="49" charset="0"/>
+                <a:cs typeface="Courier New" pitchFamily="49" charset="0"/>
+              </a:rPr>
+              <a:t>(</a:t>
+            </a:r>
+            <a:r>
+              <a:rPr kumimoji="0" lang="de-DE" altLang="de-DE" sz="1200" b="0" i="0" u="none" strike="noStrike" cap="none" normalizeH="0" baseline="0" dirty="0" err="1">
+                <a:ln>
+                  <a:noFill/>
+                </a:ln>
+                <a:solidFill>
+                  <a:srgbClr val="000000"/>
+                </a:solidFill>
+                <a:effectLst/>
+                <a:latin typeface="Courier New" pitchFamily="49" charset="0"/>
+                <a:cs typeface="Courier New" pitchFamily="49" charset="0"/>
+              </a:rPr>
+              <a:t>row</a:t>
+            </a:r>
+            <a:r>
+              <a:rPr kumimoji="0" lang="de-DE" altLang="de-DE" sz="1200" b="0" i="0" u="none" strike="noStrike" cap="none" normalizeH="0" baseline="0" dirty="0">
+                <a:ln>
+                  <a:noFill/>
+                </a:ln>
+                <a:solidFill>
+                  <a:srgbClr val="000000"/>
+                </a:solidFill>
+                <a:effectLst/>
+                <a:latin typeface="Courier New" pitchFamily="49" charset="0"/>
+                <a:cs typeface="Courier New" pitchFamily="49" charset="0"/>
+              </a:rPr>
+              <a:t>[</a:t>
+            </a:r>
+            <a:r>
+              <a:rPr kumimoji="0" lang="de-DE" altLang="de-DE" sz="1200" b="1" i="0" u="none" strike="noStrike" cap="none" normalizeH="0" baseline="0" dirty="0">
+                <a:ln>
+                  <a:noFill/>
+                </a:ln>
+                <a:solidFill>
+                  <a:srgbClr val="008080"/>
+                </a:solidFill>
+                <a:effectLst/>
+                <a:latin typeface="Courier New" pitchFamily="49" charset="0"/>
+                <a:cs typeface="Courier New" pitchFamily="49" charset="0"/>
+              </a:rPr>
+              <a:t>'</a:t>
+            </a:r>
+            <a:r>
+              <a:rPr kumimoji="0" lang="de-DE" altLang="de-DE" sz="1200" b="1" i="0" u="none" strike="noStrike" cap="none" normalizeH="0" baseline="0" dirty="0" err="1">
+                <a:ln>
+                  <a:noFill/>
+                </a:ln>
+                <a:solidFill>
+                  <a:srgbClr val="008080"/>
+                </a:solidFill>
+                <a:effectLst/>
+                <a:latin typeface="Courier New" pitchFamily="49" charset="0"/>
+                <a:cs typeface="Courier New" pitchFamily="49" charset="0"/>
+              </a:rPr>
+              <a:t>loc_ts</a:t>
+            </a:r>
+            <a:r>
+              <a:rPr kumimoji="0" lang="de-DE" altLang="de-DE" sz="1200" b="1" i="0" u="none" strike="noStrike" cap="none" normalizeH="0" baseline="0" dirty="0">
+                <a:ln>
+                  <a:noFill/>
+                </a:ln>
+                <a:solidFill>
+                  <a:srgbClr val="008080"/>
+                </a:solidFill>
+                <a:effectLst/>
+                <a:latin typeface="Courier New" pitchFamily="49" charset="0"/>
+                <a:cs typeface="Courier New" pitchFamily="49" charset="0"/>
+              </a:rPr>
+              <a:t>'</a:t>
+            </a:r>
+            <a:r>
+              <a:rPr kumimoji="0" lang="de-DE" altLang="de-DE" sz="1200" b="0" i="0" u="none" strike="noStrike" cap="none" normalizeH="0" baseline="0" dirty="0">
+                <a:ln>
+                  <a:noFill/>
+                </a:ln>
+                <a:solidFill>
+                  <a:srgbClr val="000000"/>
+                </a:solidFill>
+                <a:effectLst/>
+                <a:latin typeface="Courier New" pitchFamily="49" charset="0"/>
+                <a:cs typeface="Courier New" pitchFamily="49" charset="0"/>
+              </a:rPr>
+              <a:t>]), </a:t>
+            </a:r>
+            <a:r>
+              <a:rPr kumimoji="0" lang="de-DE" altLang="de-DE" sz="1200" b="0" i="0" u="none" strike="noStrike" cap="none" normalizeH="0" baseline="0" dirty="0" err="1">
+                <a:ln>
+                  <a:noFill/>
+                </a:ln>
+                <a:solidFill>
+                  <a:srgbClr val="000000"/>
+                </a:solidFill>
+                <a:effectLst/>
+                <a:latin typeface="Courier New" pitchFamily="49" charset="0"/>
+                <a:cs typeface="Courier New" pitchFamily="49" charset="0"/>
+              </a:rPr>
+              <a:t>safeintcast</a:t>
+            </a:r>
+            <a:r>
+              <a:rPr kumimoji="0" lang="de-DE" altLang="de-DE" sz="1200" b="0" i="0" u="none" strike="noStrike" cap="none" normalizeH="0" baseline="0" dirty="0">
+                <a:ln>
+                  <a:noFill/>
+                </a:ln>
+                <a:solidFill>
+                  <a:srgbClr val="000000"/>
+                </a:solidFill>
+                <a:effectLst/>
+                <a:latin typeface="Courier New" pitchFamily="49" charset="0"/>
+                <a:cs typeface="Courier New" pitchFamily="49" charset="0"/>
+              </a:rPr>
+              <a:t>(</a:t>
+            </a:r>
+            <a:r>
+              <a:rPr kumimoji="0" lang="de-DE" altLang="de-DE" sz="1200" b="0" i="0" u="none" strike="noStrike" cap="none" normalizeH="0" baseline="0" dirty="0" err="1">
+                <a:ln>
+                  <a:noFill/>
+                </a:ln>
+                <a:solidFill>
+                  <a:srgbClr val="000000"/>
+                </a:solidFill>
+                <a:effectLst/>
+                <a:latin typeface="Courier New" pitchFamily="49" charset="0"/>
+                <a:cs typeface="Courier New" pitchFamily="49" charset="0"/>
+              </a:rPr>
+              <a:t>row</a:t>
+            </a:r>
+            <a:r>
+              <a:rPr kumimoji="0" lang="de-DE" altLang="de-DE" sz="1200" b="0" i="0" u="none" strike="noStrike" cap="none" normalizeH="0" baseline="0" dirty="0">
+                <a:ln>
+                  <a:noFill/>
+                </a:ln>
+                <a:solidFill>
+                  <a:srgbClr val="000000"/>
+                </a:solidFill>
+                <a:effectLst/>
+                <a:latin typeface="Courier New" pitchFamily="49" charset="0"/>
+                <a:cs typeface="Courier New" pitchFamily="49" charset="0"/>
+              </a:rPr>
+              <a:t>[</a:t>
+            </a:r>
+            <a:r>
+              <a:rPr kumimoji="0" lang="de-DE" altLang="de-DE" sz="1200" b="1" i="0" u="none" strike="noStrike" cap="none" normalizeH="0" baseline="0" dirty="0">
+                <a:ln>
+                  <a:noFill/>
+                </a:ln>
+                <a:solidFill>
+                  <a:srgbClr val="008080"/>
+                </a:solidFill>
+                <a:effectLst/>
+                <a:latin typeface="Courier New" pitchFamily="49" charset="0"/>
+                <a:cs typeface="Courier New" pitchFamily="49" charset="0"/>
+              </a:rPr>
+              <a:t>'</a:t>
+            </a:r>
+            <a:r>
+              <a:rPr kumimoji="0" lang="de-DE" altLang="de-DE" sz="1200" b="1" i="0" u="none" strike="noStrike" cap="none" normalizeH="0" baseline="0" dirty="0" err="1">
+                <a:ln>
+                  <a:noFill/>
+                </a:ln>
+                <a:solidFill>
+                  <a:srgbClr val="008080"/>
+                </a:solidFill>
+                <a:effectLst/>
+                <a:latin typeface="Courier New" pitchFamily="49" charset="0"/>
+                <a:cs typeface="Courier New" pitchFamily="49" charset="0"/>
+              </a:rPr>
+              <a:t>err_code</a:t>
+            </a:r>
+            <a:r>
+              <a:rPr kumimoji="0" lang="de-DE" altLang="de-DE" sz="1200" b="1" i="0" u="none" strike="noStrike" cap="none" normalizeH="0" baseline="0" dirty="0">
+                <a:ln>
+                  <a:noFill/>
+                </a:ln>
+                <a:solidFill>
+                  <a:srgbClr val="008080"/>
+                </a:solidFill>
+                <a:effectLst/>
+                <a:latin typeface="Courier New" pitchFamily="49" charset="0"/>
+                <a:cs typeface="Courier New" pitchFamily="49" charset="0"/>
+              </a:rPr>
+              <a:t>'</a:t>
+            </a:r>
+            <a:r>
+              <a:rPr kumimoji="0" lang="de-DE" altLang="de-DE" sz="1200" b="0" i="0" u="none" strike="noStrike" cap="none" normalizeH="0" baseline="0" dirty="0">
+                <a:ln>
+                  <a:noFill/>
+                </a:ln>
+                <a:solidFill>
+                  <a:srgbClr val="000000"/>
+                </a:solidFill>
+                <a:effectLst/>
+                <a:latin typeface="Courier New" pitchFamily="49" charset="0"/>
+                <a:cs typeface="Courier New" pitchFamily="49" charset="0"/>
+              </a:rPr>
+              <a:t>], -</a:t>
+            </a:r>
+            <a:r>
+              <a:rPr kumimoji="0" lang="de-DE" altLang="de-DE" sz="1200" b="0" i="0" u="none" strike="noStrike" cap="none" normalizeH="0" baseline="0" dirty="0">
+                <a:ln>
+                  <a:noFill/>
+                </a:ln>
+                <a:solidFill>
+                  <a:srgbClr val="0000FF"/>
+                </a:solidFill>
+                <a:effectLst/>
+                <a:latin typeface="Courier New" pitchFamily="49" charset="0"/>
+                <a:cs typeface="Courier New" pitchFamily="49" charset="0"/>
+              </a:rPr>
+              <a:t>1</a:t>
+            </a:r>
+            <a:r>
+              <a:rPr kumimoji="0" lang="de-DE" altLang="de-DE" sz="1200" b="0" i="0" u="none" strike="noStrike" cap="none" normalizeH="0" baseline="0" dirty="0">
+                <a:ln>
+                  <a:noFill/>
+                </a:ln>
+                <a:solidFill>
+                  <a:srgbClr val="000000"/>
+                </a:solidFill>
+                <a:effectLst/>
+                <a:latin typeface="Courier New" pitchFamily="49" charset="0"/>
+                <a:cs typeface="Courier New" pitchFamily="49" charset="0"/>
+              </a:rPr>
+              <a:t>), </a:t>
+            </a:r>
+            <a:r>
+              <a:rPr kumimoji="0" lang="de-DE" altLang="de-DE" sz="1200" b="0" i="0" u="none" strike="noStrike" cap="none" normalizeH="0" baseline="0" dirty="0" err="1">
+                <a:ln>
+                  <a:noFill/>
+                </a:ln>
+                <a:solidFill>
+                  <a:srgbClr val="000080"/>
+                </a:solidFill>
+                <a:effectLst/>
+                <a:latin typeface="Courier New" pitchFamily="49" charset="0"/>
+                <a:cs typeface="Courier New" pitchFamily="49" charset="0"/>
+              </a:rPr>
+              <a:t>int</a:t>
+            </a:r>
+            <a:r>
+              <a:rPr kumimoji="0" lang="de-DE" altLang="de-DE" sz="1200" b="0" i="0" u="none" strike="noStrike" cap="none" normalizeH="0" baseline="0" dirty="0">
+                <a:ln>
+                  <a:noFill/>
+                </a:ln>
+                <a:solidFill>
+                  <a:srgbClr val="000000"/>
+                </a:solidFill>
+                <a:effectLst/>
+                <a:latin typeface="Courier New" pitchFamily="49" charset="0"/>
+                <a:cs typeface="Courier New" pitchFamily="49" charset="0"/>
+              </a:rPr>
+              <a:t>(</a:t>
+            </a:r>
+            <a:r>
+              <a:rPr kumimoji="0" lang="de-DE" altLang="de-DE" sz="1200" b="0" i="0" u="none" strike="noStrike" cap="none" normalizeH="0" baseline="0" dirty="0" err="1">
+                <a:ln>
+                  <a:noFill/>
+                </a:ln>
+                <a:solidFill>
+                  <a:srgbClr val="000000"/>
+                </a:solidFill>
+                <a:effectLst/>
+                <a:latin typeface="Courier New" pitchFamily="49" charset="0"/>
+                <a:cs typeface="Courier New" pitchFamily="49" charset="0"/>
+              </a:rPr>
+              <a:t>row</a:t>
+            </a:r>
+            <a:r>
+              <a:rPr kumimoji="0" lang="de-DE" altLang="de-DE" sz="1200" b="0" i="0" u="none" strike="noStrike" cap="none" normalizeH="0" baseline="0" dirty="0">
+                <a:ln>
+                  <a:noFill/>
+                </a:ln>
+                <a:solidFill>
+                  <a:srgbClr val="000000"/>
+                </a:solidFill>
+                <a:effectLst/>
+                <a:latin typeface="Courier New" pitchFamily="49" charset="0"/>
+                <a:cs typeface="Courier New" pitchFamily="49" charset="0"/>
+              </a:rPr>
+              <a:t>[</a:t>
+            </a:r>
+            <a:r>
+              <a:rPr kumimoji="0" lang="de-DE" altLang="de-DE" sz="1200" b="1" i="0" u="none" strike="noStrike" cap="none" normalizeH="0" baseline="0" dirty="0">
+                <a:ln>
+                  <a:noFill/>
+                </a:ln>
+                <a:solidFill>
+                  <a:srgbClr val="008080"/>
+                </a:solidFill>
+                <a:effectLst/>
+                <a:latin typeface="Courier New" pitchFamily="49" charset="0"/>
+                <a:cs typeface="Courier New" pitchFamily="49" charset="0"/>
+              </a:rPr>
+              <a:t>'time'</a:t>
+            </a:r>
+            <a:r>
+              <a:rPr kumimoji="0" lang="de-DE" altLang="de-DE" sz="1200" b="0" i="0" u="none" strike="noStrike" cap="none" normalizeH="0" baseline="0" dirty="0">
+                <a:ln>
+                  <a:noFill/>
+                </a:ln>
+                <a:solidFill>
+                  <a:srgbClr val="000000"/>
+                </a:solidFill>
+                <a:effectLst/>
+                <a:latin typeface="Courier New" pitchFamily="49" charset="0"/>
+                <a:cs typeface="Courier New" pitchFamily="49" charset="0"/>
+              </a:rPr>
+              <a:t>]))</a:t>
+            </a:r>
+            <a:br>
+              <a:rPr kumimoji="0" lang="de-DE" altLang="de-DE" sz="1200" b="0" i="0" u="none" strike="noStrike" cap="none" normalizeH="0" baseline="0" dirty="0">
+                <a:ln>
+                  <a:noFill/>
+                </a:ln>
+                <a:solidFill>
+                  <a:srgbClr val="000000"/>
+                </a:solidFill>
+                <a:effectLst/>
+                <a:latin typeface="Courier New" pitchFamily="49" charset="0"/>
+                <a:cs typeface="Courier New" pitchFamily="49" charset="0"/>
+              </a:rPr>
+            </a:br>
+            <a:r>
+              <a:rPr kumimoji="0" lang="de-DE" altLang="de-DE" sz="1200" b="0" i="0" u="none" strike="noStrike" cap="none" normalizeH="0" baseline="0" dirty="0">
+                <a:ln>
+                  <a:noFill/>
+                </a:ln>
+                <a:solidFill>
+                  <a:srgbClr val="000000"/>
+                </a:solidFill>
+                <a:effectLst/>
+                <a:latin typeface="Courier New" pitchFamily="49" charset="0"/>
+                <a:cs typeface="Courier New" pitchFamily="49" charset="0"/>
+              </a:rPr>
+              <a:t>        </a:t>
+            </a:r>
+            <a:r>
+              <a:rPr kumimoji="0" lang="de-DE" altLang="de-DE" sz="1200" b="1" i="0" u="none" strike="noStrike" cap="none" normalizeH="0" baseline="0" dirty="0" err="1">
+                <a:ln>
+                  <a:noFill/>
+                </a:ln>
+                <a:solidFill>
+                  <a:srgbClr val="000080"/>
+                </a:solidFill>
+                <a:effectLst/>
+                <a:latin typeface="Courier New" pitchFamily="49" charset="0"/>
+                <a:cs typeface="Courier New" pitchFamily="49" charset="0"/>
+              </a:rPr>
+              <a:t>if</a:t>
+            </a:r>
+            <a:r>
+              <a:rPr kumimoji="0" lang="de-DE" altLang="de-DE" sz="1200" b="1" i="0" u="none" strike="noStrike" cap="none" normalizeH="0" baseline="0" dirty="0">
+                <a:ln>
+                  <a:noFill/>
+                </a:ln>
+                <a:solidFill>
+                  <a:srgbClr val="000080"/>
+                </a:solidFill>
+                <a:effectLst/>
+                <a:latin typeface="Courier New" pitchFamily="49" charset="0"/>
+                <a:cs typeface="Courier New" pitchFamily="49" charset="0"/>
+              </a:rPr>
+              <a:t> </a:t>
+            </a:r>
+            <a:r>
+              <a:rPr kumimoji="0" lang="de-DE" altLang="de-DE" sz="1200" b="0" i="0" u="none" strike="noStrike" cap="none" normalizeH="0" baseline="0" dirty="0" err="1">
+                <a:ln>
+                  <a:noFill/>
+                </a:ln>
+                <a:solidFill>
+                  <a:srgbClr val="000000"/>
+                </a:solidFill>
+                <a:effectLst/>
+                <a:latin typeface="Courier New" pitchFamily="49" charset="0"/>
+                <a:cs typeface="Courier New" pitchFamily="49" charset="0"/>
+              </a:rPr>
+              <a:t>message.client_id</a:t>
+            </a:r>
+            <a:r>
+              <a:rPr kumimoji="0" lang="de-DE" altLang="de-DE" sz="1200" b="0" i="0" u="none" strike="noStrike" cap="none" normalizeH="0" baseline="0" dirty="0">
+                <a:ln>
+                  <a:noFill/>
+                </a:ln>
+                <a:solidFill>
+                  <a:srgbClr val="000000"/>
+                </a:solidFill>
+                <a:effectLst/>
+                <a:latin typeface="Courier New" pitchFamily="49" charset="0"/>
+                <a:cs typeface="Courier New" pitchFamily="49" charset="0"/>
+              </a:rPr>
+              <a:t> != </a:t>
+            </a:r>
+            <a:r>
+              <a:rPr kumimoji="0" lang="de-DE" altLang="de-DE" sz="1200" b="0" i="0" u="none" strike="noStrike" cap="none" normalizeH="0" baseline="0" dirty="0">
+                <a:ln>
+                  <a:noFill/>
+                </a:ln>
+                <a:solidFill>
+                  <a:srgbClr val="0000FF"/>
+                </a:solidFill>
+                <a:effectLst/>
+                <a:latin typeface="Courier New" pitchFamily="49" charset="0"/>
+                <a:cs typeface="Courier New" pitchFamily="49" charset="0"/>
+              </a:rPr>
+              <a:t>0</a:t>
+            </a:r>
+            <a:r>
+              <a:rPr kumimoji="0" lang="de-DE" altLang="de-DE" sz="1200" b="0" i="0" u="none" strike="noStrike" cap="none" normalizeH="0" baseline="0" dirty="0">
+                <a:ln>
+                  <a:noFill/>
+                </a:ln>
+                <a:solidFill>
+                  <a:srgbClr val="000000"/>
+                </a:solidFill>
+                <a:effectLst/>
+                <a:latin typeface="Courier New" pitchFamily="49" charset="0"/>
+                <a:cs typeface="Courier New" pitchFamily="49" charset="0"/>
+              </a:rPr>
+              <a:t>:</a:t>
+            </a:r>
+            <a:br>
+              <a:rPr kumimoji="0" lang="de-DE" altLang="de-DE" sz="1200" b="0" i="0" u="none" strike="noStrike" cap="none" normalizeH="0" baseline="0" dirty="0">
+                <a:ln>
+                  <a:noFill/>
+                </a:ln>
+                <a:solidFill>
+                  <a:srgbClr val="000000"/>
+                </a:solidFill>
+                <a:effectLst/>
+                <a:latin typeface="Courier New" pitchFamily="49" charset="0"/>
+                <a:cs typeface="Courier New" pitchFamily="49" charset="0"/>
+              </a:rPr>
+            </a:br>
+            <a:r>
+              <a:rPr kumimoji="0" lang="de-DE" altLang="de-DE" sz="1200" b="0" i="0" u="none" strike="noStrike" cap="none" normalizeH="0" baseline="0" dirty="0">
+                <a:ln>
+                  <a:noFill/>
+                </a:ln>
+                <a:solidFill>
+                  <a:srgbClr val="000000"/>
+                </a:solidFill>
+                <a:effectLst/>
+                <a:latin typeface="Courier New" pitchFamily="49" charset="0"/>
+                <a:cs typeface="Courier New" pitchFamily="49" charset="0"/>
+              </a:rPr>
+              <a:t>            </a:t>
+            </a:r>
+            <a:r>
+              <a:rPr kumimoji="0" lang="de-DE" altLang="de-DE" sz="1200" b="0" i="0" u="none" strike="noStrike" cap="none" normalizeH="0" baseline="0" dirty="0" err="1">
+                <a:ln>
+                  <a:noFill/>
+                </a:ln>
+                <a:solidFill>
+                  <a:srgbClr val="000000"/>
+                </a:solidFill>
+                <a:effectLst/>
+                <a:latin typeface="Courier New" pitchFamily="49" charset="0"/>
+                <a:cs typeface="Courier New" pitchFamily="49" charset="0"/>
+              </a:rPr>
+              <a:t>logs.append</a:t>
+            </a:r>
+            <a:r>
+              <a:rPr kumimoji="0" lang="de-DE" altLang="de-DE" sz="1200" b="0" i="0" u="none" strike="noStrike" cap="none" normalizeH="0" baseline="0" dirty="0">
+                <a:ln>
+                  <a:noFill/>
+                </a:ln>
+                <a:solidFill>
+                  <a:srgbClr val="000000"/>
+                </a:solidFill>
+                <a:effectLst/>
+                <a:latin typeface="Courier New" pitchFamily="49" charset="0"/>
+                <a:cs typeface="Courier New" pitchFamily="49" charset="0"/>
+              </a:rPr>
+              <a:t>(</a:t>
+            </a:r>
+            <a:r>
+              <a:rPr kumimoji="0" lang="de-DE" altLang="de-DE" sz="1200" b="0" i="0" u="none" strike="noStrike" cap="none" normalizeH="0" baseline="0" dirty="0" err="1">
+                <a:ln>
+                  <a:noFill/>
+                </a:ln>
+                <a:solidFill>
+                  <a:srgbClr val="000000"/>
+                </a:solidFill>
+                <a:effectLst/>
+                <a:latin typeface="Courier New" pitchFamily="49" charset="0"/>
+                <a:cs typeface="Courier New" pitchFamily="49" charset="0"/>
+              </a:rPr>
+              <a:t>message</a:t>
+            </a:r>
+            <a:r>
+              <a:rPr kumimoji="0" lang="de-DE" altLang="de-DE" sz="1200" b="0" i="0" u="none" strike="noStrike" cap="none" normalizeH="0" baseline="0" dirty="0">
+                <a:ln>
+                  <a:noFill/>
+                </a:ln>
+                <a:solidFill>
+                  <a:srgbClr val="000000"/>
+                </a:solidFill>
+                <a:effectLst/>
+                <a:latin typeface="Courier New" pitchFamily="49" charset="0"/>
+                <a:cs typeface="Courier New" pitchFamily="49" charset="0"/>
+              </a:rPr>
+              <a:t>)</a:t>
+            </a:r>
+            <a:br>
+              <a:rPr kumimoji="0" lang="de-DE" altLang="de-DE" sz="1200" b="0" i="0" u="none" strike="noStrike" cap="none" normalizeH="0" baseline="0" dirty="0">
+                <a:ln>
+                  <a:noFill/>
+                </a:ln>
+                <a:solidFill>
+                  <a:srgbClr val="000000"/>
+                </a:solidFill>
+                <a:effectLst/>
+                <a:latin typeface="Courier New" pitchFamily="49" charset="0"/>
+                <a:cs typeface="Courier New" pitchFamily="49" charset="0"/>
+              </a:rPr>
+            </a:br>
+            <a:r>
+              <a:rPr kumimoji="0" lang="de-DE" altLang="de-DE" sz="1200" b="0" i="0" u="none" strike="noStrike" cap="none" normalizeH="0" baseline="0" dirty="0">
+                <a:ln>
+                  <a:noFill/>
+                </a:ln>
+                <a:solidFill>
+                  <a:srgbClr val="000000"/>
+                </a:solidFill>
+                <a:effectLst/>
+                <a:latin typeface="Courier New" pitchFamily="49" charset="0"/>
+                <a:cs typeface="Courier New" pitchFamily="49" charset="0"/>
+              </a:rPr>
               <a:t>    </a:t>
             </a:r>
             <a:r>
-              <a:rPr kumimoji="0" lang="de-DE" altLang="de-DE" sz="1200" b="0" i="0" u="none" strike="noStrike" cap="none" normalizeH="0" baseline="0" dirty="0" err="1" smtClean="0">
+              <a:rPr kumimoji="0" lang="de-DE" altLang="de-DE" sz="1200" b="1" i="0" u="none" strike="noStrike" cap="none" normalizeH="0" baseline="0" dirty="0" err="1">
+                <a:ln>
+                  <a:noFill/>
+                </a:ln>
+                <a:solidFill>
+                  <a:srgbClr val="000080"/>
+                </a:solidFill>
+                <a:effectLst/>
+                <a:latin typeface="Courier New" pitchFamily="49" charset="0"/>
+                <a:cs typeface="Courier New" pitchFamily="49" charset="0"/>
+              </a:rPr>
+              <a:t>return</a:t>
+            </a:r>
+            <a:r>
+              <a:rPr kumimoji="0" lang="de-DE" altLang="de-DE" sz="1200" b="1" i="0" u="none" strike="noStrike" cap="none" normalizeH="0" baseline="0" dirty="0">
+                <a:ln>
+                  <a:noFill/>
+                </a:ln>
+                <a:solidFill>
+                  <a:srgbClr val="000080"/>
+                </a:solidFill>
+                <a:effectLst/>
+                <a:latin typeface="Courier New" pitchFamily="49" charset="0"/>
+                <a:cs typeface="Courier New" pitchFamily="49" charset="0"/>
+              </a:rPr>
+              <a:t> </a:t>
+            </a:r>
+            <a:r>
+              <a:rPr kumimoji="0" lang="de-DE" altLang="de-DE" sz="1200" b="0" i="0" u="none" strike="noStrike" cap="none" normalizeH="0" baseline="0" dirty="0" err="1">
                 <a:ln>
                   <a:noFill/>
                 </a:ln>
@@ -7437,1932 +9419,7 @@
               </a:rPr>
               <a:t>logs</a:t>
             </a:r>
-            <a:r>
-              <a:rPr kumimoji="0" lang="de-DE" altLang="de-DE" sz="1200" b="0" i="0" u="none" strike="noStrike" cap="none" normalizeH="0" baseline="0" dirty="0" smtClean="0">
-                <a:ln>
-                  <a:noFill/>
-                </a:ln>
-                <a:solidFill>
-                  <a:srgbClr val="000000"/>
-                </a:solidFill>
-                <a:effectLst/>
-                <a:latin typeface="Courier New" pitchFamily="49" charset="0"/>
-                <a:cs typeface="Courier New" pitchFamily="49" charset="0"/>
-              </a:rPr>
-              <a:t> = []</a:t>
-            </a:r>
-            <a:br>
-              <a:rPr kumimoji="0" lang="de-DE" altLang="de-DE" sz="1200" b="0" i="0" u="none" strike="noStrike" cap="none" normalizeH="0" baseline="0" dirty="0" smtClean="0">
-                <a:ln>
-                  <a:noFill/>
-                </a:ln>
-                <a:solidFill>
-                  <a:srgbClr val="000000"/>
-                </a:solidFill>
-                <a:effectLst/>
-                <a:latin typeface="Courier New" pitchFamily="49" charset="0"/>
-                <a:cs typeface="Courier New" pitchFamily="49" charset="0"/>
-              </a:rPr>
-            </a:br>
-            <a:r>
-              <a:rPr kumimoji="0" lang="de-DE" altLang="de-DE" sz="1200" b="0" i="0" u="none" strike="noStrike" cap="none" normalizeH="0" baseline="0" dirty="0" smtClean="0">
-                <a:ln>
-                  <a:noFill/>
-                </a:ln>
-                <a:solidFill>
-                  <a:srgbClr val="000000"/>
-                </a:solidFill>
-                <a:effectLst/>
-                <a:latin typeface="Courier New" pitchFamily="49" charset="0"/>
-                <a:cs typeface="Courier New" pitchFamily="49" charset="0"/>
-              </a:rPr>
-              <a:t>    </a:t>
-            </a:r>
-            <a:r>
-              <a:rPr kumimoji="0" lang="de-DE" altLang="de-DE" sz="1200" b="1" i="0" u="none" strike="noStrike" cap="none" normalizeH="0" baseline="0" dirty="0" err="1" smtClean="0">
-                <a:ln>
-                  <a:noFill/>
-                </a:ln>
-                <a:solidFill>
-                  <a:srgbClr val="000080"/>
-                </a:solidFill>
-                <a:effectLst/>
-                <a:latin typeface="Courier New" pitchFamily="49" charset="0"/>
-                <a:cs typeface="Courier New" pitchFamily="49" charset="0"/>
-              </a:rPr>
-              <a:t>for</a:t>
-            </a:r>
-            <a:r>
-              <a:rPr kumimoji="0" lang="de-DE" altLang="de-DE" sz="1200" b="1" i="0" u="none" strike="noStrike" cap="none" normalizeH="0" baseline="0" dirty="0" smtClean="0">
-                <a:ln>
-                  <a:noFill/>
-                </a:ln>
-                <a:solidFill>
-                  <a:srgbClr val="000080"/>
-                </a:solidFill>
-                <a:effectLst/>
-                <a:latin typeface="Courier New" pitchFamily="49" charset="0"/>
-                <a:cs typeface="Courier New" pitchFamily="49" charset="0"/>
-              </a:rPr>
-              <a:t> </a:t>
-            </a:r>
-            <a:r>
-              <a:rPr kumimoji="0" lang="de-DE" altLang="de-DE" sz="1200" b="0" i="0" u="none" strike="noStrike" cap="none" normalizeH="0" baseline="0" dirty="0" err="1" smtClean="0">
-                <a:ln>
-                  <a:noFill/>
-                </a:ln>
-                <a:solidFill>
-                  <a:srgbClr val="000000"/>
-                </a:solidFill>
-                <a:effectLst/>
-                <a:latin typeface="Courier New" pitchFamily="49" charset="0"/>
-                <a:cs typeface="Courier New" pitchFamily="49" charset="0"/>
-              </a:rPr>
-              <a:t>row</a:t>
-            </a:r>
-            <a:r>
-              <a:rPr kumimoji="0" lang="de-DE" altLang="de-DE" sz="1200" b="0" i="0" u="none" strike="noStrike" cap="none" normalizeH="0" baseline="0" dirty="0" smtClean="0">
-                <a:ln>
-                  <a:noFill/>
-                </a:ln>
-                <a:solidFill>
-                  <a:srgbClr val="000000"/>
-                </a:solidFill>
-                <a:effectLst/>
-                <a:latin typeface="Courier New" pitchFamily="49" charset="0"/>
-                <a:cs typeface="Courier New" pitchFamily="49" charset="0"/>
-              </a:rPr>
-              <a:t> </a:t>
-            </a:r>
-            <a:r>
-              <a:rPr kumimoji="0" lang="de-DE" altLang="de-DE" sz="1200" b="1" i="0" u="none" strike="noStrike" cap="none" normalizeH="0" baseline="0" dirty="0" smtClean="0">
-                <a:ln>
-                  <a:noFill/>
-                </a:ln>
-                <a:solidFill>
-                  <a:srgbClr val="000080"/>
-                </a:solidFill>
-                <a:effectLst/>
-                <a:latin typeface="Courier New" pitchFamily="49" charset="0"/>
-                <a:cs typeface="Courier New" pitchFamily="49" charset="0"/>
-              </a:rPr>
-              <a:t>in </a:t>
-            </a:r>
-            <a:r>
-              <a:rPr kumimoji="0" lang="de-DE" altLang="de-DE" sz="1200" b="0" i="0" u="none" strike="noStrike" cap="none" normalizeH="0" baseline="0" dirty="0" err="1" smtClean="0">
-                <a:ln>
-                  <a:noFill/>
-                </a:ln>
-                <a:solidFill>
-                  <a:srgbClr val="000000"/>
-                </a:solidFill>
-                <a:effectLst/>
-                <a:latin typeface="Courier New" pitchFamily="49" charset="0"/>
-                <a:cs typeface="Courier New" pitchFamily="49" charset="0"/>
-              </a:rPr>
-              <a:t>data</a:t>
-            </a:r>
-            <a:r>
-              <a:rPr kumimoji="0" lang="de-DE" altLang="de-DE" sz="1200" b="0" i="0" u="none" strike="noStrike" cap="none" normalizeH="0" baseline="0" dirty="0" smtClean="0">
-                <a:ln>
-                  <a:noFill/>
-                </a:ln>
-                <a:solidFill>
-                  <a:srgbClr val="000000"/>
-                </a:solidFill>
-                <a:effectLst/>
-                <a:latin typeface="Courier New" pitchFamily="49" charset="0"/>
-                <a:cs typeface="Courier New" pitchFamily="49" charset="0"/>
-              </a:rPr>
-              <a:t>:</a:t>
-            </a:r>
-            <a:br>
-              <a:rPr kumimoji="0" lang="de-DE" altLang="de-DE" sz="1200" b="0" i="0" u="none" strike="noStrike" cap="none" normalizeH="0" baseline="0" dirty="0" smtClean="0">
-                <a:ln>
-                  <a:noFill/>
-                </a:ln>
-                <a:solidFill>
-                  <a:srgbClr val="000000"/>
-                </a:solidFill>
-                <a:effectLst/>
-                <a:latin typeface="Courier New" pitchFamily="49" charset="0"/>
-                <a:cs typeface="Courier New" pitchFamily="49" charset="0"/>
-              </a:rPr>
-            </a:br>
-            <a:r>
-              <a:rPr kumimoji="0" lang="de-DE" altLang="de-DE" sz="1200" b="0" i="0" u="none" strike="noStrike" cap="none" normalizeH="0" baseline="0" dirty="0" smtClean="0">
-                <a:ln>
-                  <a:noFill/>
-                </a:ln>
-                <a:solidFill>
-                  <a:srgbClr val="000000"/>
-                </a:solidFill>
-                <a:effectLst/>
-                <a:latin typeface="Courier New" pitchFamily="49" charset="0"/>
-                <a:cs typeface="Courier New" pitchFamily="49" charset="0"/>
-              </a:rPr>
-              <a:t>        </a:t>
-            </a:r>
-            <a:r>
-              <a:rPr kumimoji="0" lang="de-DE" altLang="de-DE" sz="1200" b="0" i="1" u="none" strike="noStrike" cap="none" normalizeH="0" baseline="0" dirty="0" smtClean="0">
-                <a:ln>
-                  <a:noFill/>
-                </a:ln>
-                <a:solidFill>
-                  <a:srgbClr val="808080"/>
-                </a:solidFill>
-                <a:effectLst/>
-                <a:latin typeface="Courier New" pitchFamily="49" charset="0"/>
-                <a:cs typeface="Courier New" pitchFamily="49" charset="0"/>
-              </a:rPr>
-              <a:t># </a:t>
-            </a:r>
-            <a:r>
-              <a:rPr kumimoji="0" lang="de-DE" altLang="de-DE" sz="1200" b="0" i="1" u="none" strike="noStrike" cap="none" normalizeH="0" baseline="0" dirty="0" err="1" smtClean="0">
-                <a:ln>
-                  <a:noFill/>
-                </a:ln>
-                <a:solidFill>
-                  <a:srgbClr val="808080"/>
-                </a:solidFill>
-                <a:effectLst/>
-                <a:latin typeface="Courier New" pitchFamily="49" charset="0"/>
-                <a:cs typeface="Courier New" pitchFamily="49" charset="0"/>
-              </a:rPr>
-              <a:t>somehow</a:t>
-            </a:r>
-            <a:r>
-              <a:rPr kumimoji="0" lang="de-DE" altLang="de-DE" sz="1200" b="0" i="1" u="none" strike="noStrike" cap="none" normalizeH="0" baseline="0" dirty="0" smtClean="0">
-                <a:ln>
-                  <a:noFill/>
-                </a:ln>
-                <a:solidFill>
-                  <a:srgbClr val="808080"/>
-                </a:solidFill>
-                <a:effectLst/>
-                <a:latin typeface="Courier New" pitchFamily="49" charset="0"/>
-                <a:cs typeface="Courier New" pitchFamily="49" charset="0"/>
-              </a:rPr>
-              <a:t> </a:t>
-            </a:r>
-            <a:r>
-              <a:rPr kumimoji="0" lang="de-DE" altLang="de-DE" sz="1200" b="0" i="1" u="none" strike="noStrike" cap="none" normalizeH="0" baseline="0" dirty="0" err="1" smtClean="0">
-                <a:ln>
-                  <a:noFill/>
-                </a:ln>
-                <a:solidFill>
-                  <a:srgbClr val="808080"/>
-                </a:solidFill>
-                <a:effectLst/>
-                <a:latin typeface="Courier New" pitchFamily="49" charset="0"/>
-                <a:cs typeface="Courier New" pitchFamily="49" charset="0"/>
-              </a:rPr>
-              <a:t>the</a:t>
-            </a:r>
-            <a:r>
-              <a:rPr kumimoji="0" lang="de-DE" altLang="de-DE" sz="1200" b="0" i="1" u="none" strike="noStrike" cap="none" normalizeH="0" baseline="0" dirty="0" smtClean="0">
-                <a:ln>
-                  <a:noFill/>
-                </a:ln>
-                <a:solidFill>
-                  <a:srgbClr val="808080"/>
-                </a:solidFill>
-                <a:effectLst/>
-                <a:latin typeface="Courier New" pitchFamily="49" charset="0"/>
-                <a:cs typeface="Courier New" pitchFamily="49" charset="0"/>
-              </a:rPr>
-              <a:t> </a:t>
-            </a:r>
-            <a:r>
-              <a:rPr kumimoji="0" lang="de-DE" altLang="de-DE" sz="1200" b="0" i="1" u="none" strike="noStrike" cap="none" normalizeH="0" baseline="0" dirty="0" err="1" smtClean="0">
-                <a:ln>
-                  <a:noFill/>
-                </a:ln>
-                <a:solidFill>
-                  <a:srgbClr val="808080"/>
-                </a:solidFill>
-                <a:effectLst/>
-                <a:latin typeface="Courier New" pitchFamily="49" charset="0"/>
-                <a:cs typeface="Courier New" pitchFamily="49" charset="0"/>
-              </a:rPr>
-              <a:t>clientid</a:t>
-            </a:r>
-            <a:r>
-              <a:rPr kumimoji="0" lang="de-DE" altLang="de-DE" sz="1200" b="0" i="1" u="none" strike="noStrike" cap="none" normalizeH="0" baseline="0" dirty="0" smtClean="0">
-                <a:ln>
-                  <a:noFill/>
-                </a:ln>
-                <a:solidFill>
-                  <a:srgbClr val="808080"/>
-                </a:solidFill>
-                <a:effectLst/>
-                <a:latin typeface="Courier New" pitchFamily="49" charset="0"/>
-                <a:cs typeface="Courier New" pitchFamily="49" charset="0"/>
-              </a:rPr>
-              <a:t> 0 </a:t>
-            </a:r>
-            <a:r>
-              <a:rPr kumimoji="0" lang="de-DE" altLang="de-DE" sz="1200" b="0" i="1" u="none" strike="noStrike" cap="none" normalizeH="0" baseline="0" dirty="0" err="1" smtClean="0">
-                <a:ln>
-                  <a:noFill/>
-                </a:ln>
-                <a:solidFill>
-                  <a:srgbClr val="808080"/>
-                </a:solidFill>
-                <a:effectLst/>
-                <a:latin typeface="Courier New" pitchFamily="49" charset="0"/>
-                <a:cs typeface="Courier New" pitchFamily="49" charset="0"/>
-              </a:rPr>
-              <a:t>is</a:t>
-            </a:r>
-            <a:r>
-              <a:rPr kumimoji="0" lang="de-DE" altLang="de-DE" sz="1200" b="0" i="1" u="none" strike="noStrike" cap="none" normalizeH="0" baseline="0" dirty="0" smtClean="0">
-                <a:ln>
-                  <a:noFill/>
-                </a:ln>
-                <a:solidFill>
-                  <a:srgbClr val="808080"/>
-                </a:solidFill>
-                <a:effectLst/>
-                <a:latin typeface="Courier New" pitchFamily="49" charset="0"/>
-                <a:cs typeface="Courier New" pitchFamily="49" charset="0"/>
-              </a:rPr>
-              <a:t> not </a:t>
-            </a:r>
-            <a:r>
-              <a:rPr kumimoji="0" lang="de-DE" altLang="de-DE" sz="1200" b="0" i="1" u="none" strike="noStrike" cap="none" normalizeH="0" baseline="0" dirty="0" err="1" smtClean="0">
-                <a:ln>
-                  <a:noFill/>
-                </a:ln>
-                <a:solidFill>
-                  <a:srgbClr val="808080"/>
-                </a:solidFill>
-                <a:effectLst/>
-                <a:latin typeface="Courier New" pitchFamily="49" charset="0"/>
-                <a:cs typeface="Courier New" pitchFamily="49" charset="0"/>
-              </a:rPr>
-              <a:t>following</a:t>
-            </a:r>
-            <a:r>
-              <a:rPr kumimoji="0" lang="de-DE" altLang="de-DE" sz="1200" b="0" i="1" u="none" strike="noStrike" cap="none" normalizeH="0" baseline="0" dirty="0" smtClean="0">
-                <a:ln>
-                  <a:noFill/>
-                </a:ln>
-                <a:solidFill>
-                  <a:srgbClr val="808080"/>
-                </a:solidFill>
-                <a:effectLst/>
-                <a:latin typeface="Courier New" pitchFamily="49" charset="0"/>
-                <a:cs typeface="Courier New" pitchFamily="49" charset="0"/>
-              </a:rPr>
-              <a:t> </a:t>
-            </a:r>
-            <a:r>
-              <a:rPr kumimoji="0" lang="de-DE" altLang="de-DE" sz="1200" b="0" i="1" u="none" strike="noStrike" cap="none" normalizeH="0" baseline="0" dirty="0" err="1" smtClean="0">
-                <a:ln>
-                  <a:noFill/>
-                </a:ln>
-                <a:solidFill>
-                  <a:srgbClr val="808080"/>
-                </a:solidFill>
-                <a:effectLst/>
-                <a:latin typeface="Courier New" pitchFamily="49" charset="0"/>
-                <a:cs typeface="Courier New" pitchFamily="49" charset="0"/>
-              </a:rPr>
-              <a:t>the</a:t>
-            </a:r>
-            <a:r>
-              <a:rPr kumimoji="0" lang="de-DE" altLang="de-DE" sz="1200" b="0" i="1" u="none" strike="noStrike" cap="none" normalizeH="0" baseline="0" dirty="0" smtClean="0">
-                <a:ln>
-                  <a:noFill/>
-                </a:ln>
-                <a:solidFill>
-                  <a:srgbClr val="808080"/>
-                </a:solidFill>
-                <a:effectLst/>
-                <a:latin typeface="Courier New" pitchFamily="49" charset="0"/>
-                <a:cs typeface="Courier New" pitchFamily="49" charset="0"/>
-              </a:rPr>
-              <a:t> </a:t>
-            </a:r>
-            <a:r>
-              <a:rPr kumimoji="0" lang="de-DE" altLang="de-DE" sz="1200" b="0" i="1" u="none" strike="noStrike" cap="none" normalizeH="0" baseline="0" dirty="0" err="1" smtClean="0">
-                <a:ln>
-                  <a:noFill/>
-                </a:ln>
-                <a:solidFill>
-                  <a:srgbClr val="808080"/>
-                </a:solidFill>
-                <a:effectLst/>
-                <a:latin typeface="Courier New" pitchFamily="49" charset="0"/>
-                <a:cs typeface="Courier New" pitchFamily="49" charset="0"/>
-              </a:rPr>
-              <a:t>logic</a:t>
-            </a:r>
-            <a:r>
-              <a:rPr kumimoji="0" lang="de-DE" altLang="de-DE" sz="1200" b="0" i="1" u="none" strike="noStrike" cap="none" normalizeH="0" baseline="0" dirty="0" smtClean="0">
-                <a:ln>
-                  <a:noFill/>
-                </a:ln>
-                <a:solidFill>
-                  <a:srgbClr val="808080"/>
-                </a:solidFill>
-                <a:effectLst/>
-                <a:latin typeface="Courier New" pitchFamily="49" charset="0"/>
-                <a:cs typeface="Courier New" pitchFamily="49" charset="0"/>
-              </a:rPr>
-              <a:t> </a:t>
-            </a:r>
-            <a:r>
-              <a:rPr kumimoji="0" lang="de-DE" altLang="de-DE" sz="1200" b="0" i="1" u="none" strike="noStrike" cap="none" normalizeH="0" baseline="0" dirty="0" err="1" smtClean="0">
-                <a:ln>
-                  <a:noFill/>
-                </a:ln>
-                <a:solidFill>
-                  <a:srgbClr val="808080"/>
-                </a:solidFill>
-                <a:effectLst/>
-                <a:latin typeface="Courier New" pitchFamily="49" charset="0"/>
-                <a:cs typeface="Courier New" pitchFamily="49" charset="0"/>
-              </a:rPr>
-              <a:t>to</a:t>
-            </a:r>
-            <a:r>
-              <a:rPr kumimoji="0" lang="de-DE" altLang="de-DE" sz="1200" b="0" i="1" u="none" strike="noStrike" cap="none" normalizeH="0" baseline="0" dirty="0" smtClean="0">
-                <a:ln>
-                  <a:noFill/>
-                </a:ln>
-                <a:solidFill>
-                  <a:srgbClr val="808080"/>
-                </a:solidFill>
-                <a:effectLst/>
-                <a:latin typeface="Courier New" pitchFamily="49" charset="0"/>
-                <a:cs typeface="Courier New" pitchFamily="49" charset="0"/>
-              </a:rPr>
-              <a:t> </a:t>
-            </a:r>
-            <a:r>
-              <a:rPr kumimoji="0" lang="de-DE" altLang="de-DE" sz="1200" b="0" i="1" u="none" strike="noStrike" cap="none" normalizeH="0" baseline="0" dirty="0" err="1" smtClean="0">
-                <a:ln>
-                  <a:noFill/>
-                </a:ln>
-                <a:solidFill>
-                  <a:srgbClr val="808080"/>
-                </a:solidFill>
-                <a:effectLst/>
-                <a:latin typeface="Courier New" pitchFamily="49" charset="0"/>
-                <a:cs typeface="Courier New" pitchFamily="49" charset="0"/>
-              </a:rPr>
-              <a:t>increment</a:t>
-            </a:r>
-            <a:r>
-              <a:rPr kumimoji="0" lang="de-DE" altLang="de-DE" sz="1200" b="0" i="1" u="none" strike="noStrike" cap="none" normalizeH="0" baseline="0" dirty="0" smtClean="0">
-                <a:ln>
-                  <a:noFill/>
-                </a:ln>
-                <a:solidFill>
-                  <a:srgbClr val="808080"/>
-                </a:solidFill>
-                <a:effectLst/>
-                <a:latin typeface="Courier New" pitchFamily="49" charset="0"/>
-                <a:cs typeface="Courier New" pitchFamily="49" charset="0"/>
-              </a:rPr>
-              <a:t> </a:t>
-            </a:r>
-            <a:r>
-              <a:rPr kumimoji="0" lang="de-DE" altLang="de-DE" sz="1200" b="0" i="1" u="none" strike="noStrike" cap="none" normalizeH="0" baseline="0" dirty="0" err="1" smtClean="0">
-                <a:ln>
-                  <a:noFill/>
-                </a:ln>
-                <a:solidFill>
-                  <a:srgbClr val="808080"/>
-                </a:solidFill>
-                <a:effectLst/>
-                <a:latin typeface="Courier New" pitchFamily="49" charset="0"/>
-                <a:cs typeface="Courier New" pitchFamily="49" charset="0"/>
-              </a:rPr>
-              <a:t>the</a:t>
-            </a:r>
-            <a:r>
-              <a:rPr kumimoji="0" lang="de-DE" altLang="de-DE" sz="1200" b="0" i="1" u="none" strike="noStrike" cap="none" normalizeH="0" baseline="0" dirty="0" smtClean="0">
-                <a:ln>
-                  <a:noFill/>
-                </a:ln>
-                <a:solidFill>
-                  <a:srgbClr val="808080"/>
-                </a:solidFill>
-                <a:effectLst/>
-                <a:latin typeface="Courier New" pitchFamily="49" charset="0"/>
-                <a:cs typeface="Courier New" pitchFamily="49" charset="0"/>
-              </a:rPr>
-              <a:t> </a:t>
-            </a:r>
-            <a:r>
-              <a:rPr kumimoji="0" lang="de-DE" altLang="de-DE" sz="1200" b="0" i="1" u="none" strike="noStrike" cap="none" normalizeH="0" baseline="0" dirty="0" err="1" smtClean="0">
-                <a:ln>
-                  <a:noFill/>
-                </a:ln>
-                <a:solidFill>
-                  <a:srgbClr val="808080"/>
-                </a:solidFill>
-                <a:effectLst/>
-                <a:latin typeface="Courier New" pitchFamily="49" charset="0"/>
-                <a:cs typeface="Courier New" pitchFamily="49" charset="0"/>
-              </a:rPr>
-              <a:t>loc_ts</a:t>
-            </a:r>
-            <a:r>
-              <a:rPr kumimoji="0" lang="de-DE" altLang="de-DE" sz="1200" b="0" i="1" u="none" strike="noStrike" cap="none" normalizeH="0" baseline="0" dirty="0" smtClean="0">
-                <a:ln>
-                  <a:noFill/>
-                </a:ln>
-                <a:solidFill>
-                  <a:srgbClr val="808080"/>
-                </a:solidFill>
-                <a:effectLst/>
-                <a:latin typeface="Courier New" pitchFamily="49" charset="0"/>
-                <a:cs typeface="Courier New" pitchFamily="49" charset="0"/>
-              </a:rPr>
-              <a:t> </a:t>
-            </a:r>
-            <a:r>
-              <a:rPr kumimoji="0" lang="de-DE" altLang="de-DE" sz="1200" b="0" i="1" u="none" strike="noStrike" cap="none" normalizeH="0" baseline="0" dirty="0" err="1" smtClean="0">
-                <a:ln>
-                  <a:noFill/>
-                </a:ln>
-                <a:solidFill>
-                  <a:srgbClr val="808080"/>
-                </a:solidFill>
-                <a:effectLst/>
-                <a:latin typeface="Courier New" pitchFamily="49" charset="0"/>
-                <a:cs typeface="Courier New" pitchFamily="49" charset="0"/>
-              </a:rPr>
-              <a:t>for</a:t>
-            </a:r>
-            <a:r>
-              <a:rPr kumimoji="0" lang="de-DE" altLang="de-DE" sz="1200" b="0" i="1" u="none" strike="noStrike" cap="none" normalizeH="0" baseline="0" dirty="0" smtClean="0">
-                <a:ln>
-                  <a:noFill/>
-                </a:ln>
-                <a:solidFill>
-                  <a:srgbClr val="808080"/>
-                </a:solidFill>
-                <a:effectLst/>
-                <a:latin typeface="Courier New" pitchFamily="49" charset="0"/>
-                <a:cs typeface="Courier New" pitchFamily="49" charset="0"/>
-              </a:rPr>
-              <a:t> </a:t>
-            </a:r>
-            <a:r>
-              <a:rPr kumimoji="0" lang="de-DE" altLang="de-DE" sz="1200" b="0" i="1" u="none" strike="noStrike" cap="none" normalizeH="0" baseline="0" dirty="0" err="1" smtClean="0">
-                <a:ln>
-                  <a:noFill/>
-                </a:ln>
-                <a:solidFill>
-                  <a:srgbClr val="808080"/>
-                </a:solidFill>
-                <a:effectLst/>
-                <a:latin typeface="Courier New" pitchFamily="49" charset="0"/>
-                <a:cs typeface="Courier New" pitchFamily="49" charset="0"/>
-              </a:rPr>
-              <a:t>every</a:t>
-            </a:r>
-            <a:r>
-              <a:rPr kumimoji="0" lang="de-DE" altLang="de-DE" sz="1200" b="0" i="1" u="none" strike="noStrike" cap="none" normalizeH="0" baseline="0" dirty="0" smtClean="0">
-                <a:ln>
-                  <a:noFill/>
-                </a:ln>
-                <a:solidFill>
-                  <a:srgbClr val="808080"/>
-                </a:solidFill>
-                <a:effectLst/>
-                <a:latin typeface="Courier New" pitchFamily="49" charset="0"/>
-                <a:cs typeface="Courier New" pitchFamily="49" charset="0"/>
-              </a:rPr>
-              <a:t> </a:t>
-            </a:r>
-            <a:r>
-              <a:rPr kumimoji="0" lang="de-DE" altLang="de-DE" sz="1200" b="0" i="1" u="none" strike="noStrike" cap="none" normalizeH="0" baseline="0" dirty="0" err="1" smtClean="0">
-                <a:ln>
-                  <a:noFill/>
-                </a:ln>
-                <a:solidFill>
-                  <a:srgbClr val="808080"/>
-                </a:solidFill>
-                <a:effectLst/>
-                <a:latin typeface="Courier New" pitchFamily="49" charset="0"/>
-                <a:cs typeface="Courier New" pitchFamily="49" charset="0"/>
-              </a:rPr>
-              <a:t>call</a:t>
-            </a:r>
-            <a:r>
-              <a:rPr kumimoji="0" lang="de-DE" altLang="de-DE" sz="1200" b="0" i="1" u="none" strike="noStrike" cap="none" normalizeH="0" baseline="0" dirty="0" smtClean="0">
-                <a:ln>
-                  <a:noFill/>
-                </a:ln>
-                <a:solidFill>
-                  <a:srgbClr val="808080"/>
-                </a:solidFill>
-                <a:effectLst/>
-                <a:latin typeface="Courier New" pitchFamily="49" charset="0"/>
-                <a:cs typeface="Courier New" pitchFamily="49" charset="0"/>
-              </a:rPr>
-              <a:t>.</a:t>
-            </a:r>
-            <a:br>
-              <a:rPr kumimoji="0" lang="de-DE" altLang="de-DE" sz="1200" b="0" i="1" u="none" strike="noStrike" cap="none" normalizeH="0" baseline="0" dirty="0" smtClean="0">
-                <a:ln>
-                  <a:noFill/>
-                </a:ln>
-                <a:solidFill>
-                  <a:srgbClr val="808080"/>
-                </a:solidFill>
-                <a:effectLst/>
-                <a:latin typeface="Courier New" pitchFamily="49" charset="0"/>
-                <a:cs typeface="Courier New" pitchFamily="49" charset="0"/>
-              </a:rPr>
-            </a:br>
-            <a:r>
-              <a:rPr kumimoji="0" lang="de-DE" altLang="de-DE" sz="1200" b="0" i="1" u="none" strike="noStrike" cap="none" normalizeH="0" baseline="0" dirty="0" smtClean="0">
-                <a:ln>
-                  <a:noFill/>
-                </a:ln>
-                <a:solidFill>
-                  <a:srgbClr val="808080"/>
-                </a:solidFill>
-                <a:effectLst/>
-                <a:latin typeface="Courier New" pitchFamily="49" charset="0"/>
-                <a:cs typeface="Courier New" pitchFamily="49" charset="0"/>
-              </a:rPr>
-              <a:t>        # </a:t>
-            </a:r>
-            <a:r>
-              <a:rPr kumimoji="0" lang="de-DE" altLang="de-DE" sz="1200" b="0" i="1" u="none" strike="noStrike" cap="none" normalizeH="0" baseline="0" dirty="0" err="1" smtClean="0">
-                <a:ln>
-                  <a:noFill/>
-                </a:ln>
-                <a:solidFill>
-                  <a:srgbClr val="808080"/>
-                </a:solidFill>
-                <a:effectLst/>
-                <a:latin typeface="Courier New" pitchFamily="49" charset="0"/>
-                <a:cs typeface="Courier New" pitchFamily="49" charset="0"/>
-              </a:rPr>
-              <a:t>There</a:t>
-            </a:r>
-            <a:r>
-              <a:rPr kumimoji="0" lang="de-DE" altLang="de-DE" sz="1200" b="0" i="1" u="none" strike="noStrike" cap="none" normalizeH="0" baseline="0" dirty="0" smtClean="0">
-                <a:ln>
-                  <a:noFill/>
-                </a:ln>
-                <a:solidFill>
-                  <a:srgbClr val="808080"/>
-                </a:solidFill>
-                <a:effectLst/>
-                <a:latin typeface="Courier New" pitchFamily="49" charset="0"/>
-                <a:cs typeface="Courier New" pitchFamily="49" charset="0"/>
-              </a:rPr>
-              <a:t> </a:t>
-            </a:r>
-            <a:r>
-              <a:rPr kumimoji="0" lang="de-DE" altLang="de-DE" sz="1200" b="0" i="1" u="none" strike="noStrike" cap="none" normalizeH="0" baseline="0" dirty="0" err="1" smtClean="0">
-                <a:ln>
-                  <a:noFill/>
-                </a:ln>
-                <a:solidFill>
-                  <a:srgbClr val="808080"/>
-                </a:solidFill>
-                <a:effectLst/>
-                <a:latin typeface="Courier New" pitchFamily="49" charset="0"/>
-                <a:cs typeface="Courier New" pitchFamily="49" charset="0"/>
-              </a:rPr>
-              <a:t>is</a:t>
-            </a:r>
-            <a:r>
-              <a:rPr kumimoji="0" lang="de-DE" altLang="de-DE" sz="1200" b="0" i="1" u="none" strike="noStrike" cap="none" normalizeH="0" baseline="0" dirty="0" smtClean="0">
-                <a:ln>
-                  <a:noFill/>
-                </a:ln>
-                <a:solidFill>
-                  <a:srgbClr val="808080"/>
-                </a:solidFill>
-                <a:effectLst/>
-                <a:latin typeface="Courier New" pitchFamily="49" charset="0"/>
-                <a:cs typeface="Courier New" pitchFamily="49" charset="0"/>
-              </a:rPr>
-              <a:t> </a:t>
-            </a:r>
-            <a:r>
-              <a:rPr kumimoji="0" lang="de-DE" altLang="de-DE" sz="1200" b="0" i="1" u="none" strike="noStrike" cap="none" normalizeH="0" baseline="0" dirty="0" err="1" smtClean="0">
-                <a:ln>
-                  <a:noFill/>
-                </a:ln>
-                <a:solidFill>
-                  <a:srgbClr val="808080"/>
-                </a:solidFill>
-                <a:effectLst/>
-                <a:latin typeface="Courier New" pitchFamily="49" charset="0"/>
-                <a:cs typeface="Courier New" pitchFamily="49" charset="0"/>
-              </a:rPr>
-              <a:t>no</a:t>
-            </a:r>
-            <a:r>
-              <a:rPr kumimoji="0" lang="de-DE" altLang="de-DE" sz="1200" b="0" i="1" u="none" strike="noStrike" cap="none" normalizeH="0" baseline="0" dirty="0" smtClean="0">
-                <a:ln>
-                  <a:noFill/>
-                </a:ln>
-                <a:solidFill>
-                  <a:srgbClr val="808080"/>
-                </a:solidFill>
-                <a:effectLst/>
-                <a:latin typeface="Courier New" pitchFamily="49" charset="0"/>
-                <a:cs typeface="Courier New" pitchFamily="49" charset="0"/>
-              </a:rPr>
-              <a:t> </a:t>
-            </a:r>
-            <a:r>
-              <a:rPr kumimoji="0" lang="de-DE" altLang="de-DE" sz="1200" b="0" i="1" u="none" strike="noStrike" cap="none" normalizeH="0" baseline="0" dirty="0" err="1" smtClean="0">
-                <a:ln>
-                  <a:noFill/>
-                </a:ln>
-                <a:solidFill>
-                  <a:srgbClr val="808080"/>
-                </a:solidFill>
-                <a:effectLst/>
-                <a:latin typeface="Courier New" pitchFamily="49" charset="0"/>
-                <a:cs typeface="Courier New" pitchFamily="49" charset="0"/>
-              </a:rPr>
-              <a:t>way</a:t>
-            </a:r>
-            <a:r>
-              <a:rPr kumimoji="0" lang="de-DE" altLang="de-DE" sz="1200" b="0" i="1" u="none" strike="noStrike" cap="none" normalizeH="0" baseline="0" dirty="0" smtClean="0">
-                <a:ln>
-                  <a:noFill/>
-                </a:ln>
-                <a:solidFill>
-                  <a:srgbClr val="808080"/>
-                </a:solidFill>
-                <a:effectLst/>
-                <a:latin typeface="Courier New" pitchFamily="49" charset="0"/>
-                <a:cs typeface="Courier New" pitchFamily="49" charset="0"/>
-              </a:rPr>
-              <a:t> </a:t>
-            </a:r>
-            <a:r>
-              <a:rPr kumimoji="0" lang="de-DE" altLang="de-DE" sz="1200" b="0" i="1" u="none" strike="noStrike" cap="none" normalizeH="0" baseline="0" dirty="0" err="1" smtClean="0">
-                <a:ln>
-                  <a:noFill/>
-                </a:ln>
-                <a:solidFill>
-                  <a:srgbClr val="808080"/>
-                </a:solidFill>
-                <a:effectLst/>
-                <a:latin typeface="Courier New" pitchFamily="49" charset="0"/>
-                <a:cs typeface="Courier New" pitchFamily="49" charset="0"/>
-              </a:rPr>
-              <a:t>to</a:t>
-            </a:r>
-            <a:r>
-              <a:rPr kumimoji="0" lang="de-DE" altLang="de-DE" sz="1200" b="0" i="1" u="none" strike="noStrike" cap="none" normalizeH="0" baseline="0" dirty="0" smtClean="0">
-                <a:ln>
-                  <a:noFill/>
-                </a:ln>
-                <a:solidFill>
-                  <a:srgbClr val="808080"/>
-                </a:solidFill>
-                <a:effectLst/>
-                <a:latin typeface="Courier New" pitchFamily="49" charset="0"/>
-                <a:cs typeface="Courier New" pitchFamily="49" charset="0"/>
-              </a:rPr>
-              <a:t> </a:t>
-            </a:r>
-            <a:r>
-              <a:rPr kumimoji="0" lang="de-DE" altLang="de-DE" sz="1200" b="0" i="1" u="none" strike="noStrike" cap="none" normalizeH="0" baseline="0" dirty="0" err="1" smtClean="0">
-                <a:ln>
-                  <a:noFill/>
-                </a:ln>
-                <a:solidFill>
-                  <a:srgbClr val="808080"/>
-                </a:solidFill>
-                <a:effectLst/>
-                <a:latin typeface="Courier New" pitchFamily="49" charset="0"/>
-                <a:cs typeface="Courier New" pitchFamily="49" charset="0"/>
-              </a:rPr>
-              <a:t>clearly</a:t>
-            </a:r>
-            <a:r>
-              <a:rPr kumimoji="0" lang="de-DE" altLang="de-DE" sz="1200" b="0" i="1" u="none" strike="noStrike" cap="none" normalizeH="0" baseline="0" dirty="0" smtClean="0">
-                <a:ln>
-                  <a:noFill/>
-                </a:ln>
-                <a:solidFill>
-                  <a:srgbClr val="808080"/>
-                </a:solidFill>
-                <a:effectLst/>
-                <a:latin typeface="Courier New" pitchFamily="49" charset="0"/>
-                <a:cs typeface="Courier New" pitchFamily="49" charset="0"/>
-              </a:rPr>
-              <a:t> </a:t>
-            </a:r>
-            <a:r>
-              <a:rPr kumimoji="0" lang="de-DE" altLang="de-DE" sz="1200" b="0" i="1" u="none" strike="noStrike" cap="none" normalizeH="0" baseline="0" dirty="0" err="1" smtClean="0">
-                <a:ln>
-                  <a:noFill/>
-                </a:ln>
-                <a:solidFill>
-                  <a:srgbClr val="808080"/>
-                </a:solidFill>
-                <a:effectLst/>
-                <a:latin typeface="Courier New" pitchFamily="49" charset="0"/>
-                <a:cs typeface="Courier New" pitchFamily="49" charset="0"/>
-              </a:rPr>
-              <a:t>identify</a:t>
-            </a:r>
-            <a:r>
-              <a:rPr kumimoji="0" lang="de-DE" altLang="de-DE" sz="1200" b="0" i="1" u="none" strike="noStrike" cap="none" normalizeH="0" baseline="0" dirty="0" smtClean="0">
-                <a:ln>
-                  <a:noFill/>
-                </a:ln>
-                <a:solidFill>
-                  <a:srgbClr val="808080"/>
-                </a:solidFill>
-                <a:effectLst/>
-                <a:latin typeface="Courier New" pitchFamily="49" charset="0"/>
-                <a:cs typeface="Courier New" pitchFamily="49" charset="0"/>
-              </a:rPr>
-              <a:t> </a:t>
-            </a:r>
-            <a:r>
-              <a:rPr kumimoji="0" lang="de-DE" altLang="de-DE" sz="1200" b="0" i="1" u="none" strike="noStrike" cap="none" normalizeH="0" baseline="0" dirty="0" err="1" smtClean="0">
-                <a:ln>
-                  <a:noFill/>
-                </a:ln>
-                <a:solidFill>
-                  <a:srgbClr val="808080"/>
-                </a:solidFill>
-                <a:effectLst/>
-                <a:latin typeface="Courier New" pitchFamily="49" charset="0"/>
-                <a:cs typeface="Courier New" pitchFamily="49" charset="0"/>
-              </a:rPr>
-              <a:t>which</a:t>
-            </a:r>
-            <a:r>
-              <a:rPr kumimoji="0" lang="de-DE" altLang="de-DE" sz="1200" b="0" i="1" u="none" strike="noStrike" cap="none" normalizeH="0" baseline="0" dirty="0" smtClean="0">
-                <a:ln>
-                  <a:noFill/>
-                </a:ln>
-                <a:solidFill>
-                  <a:srgbClr val="808080"/>
-                </a:solidFill>
-                <a:effectLst/>
-                <a:latin typeface="Courier New" pitchFamily="49" charset="0"/>
-                <a:cs typeface="Courier New" pitchFamily="49" charset="0"/>
-              </a:rPr>
-              <a:t> </a:t>
-            </a:r>
-            <a:r>
-              <a:rPr kumimoji="0" lang="de-DE" altLang="de-DE" sz="1200" b="0" i="1" u="none" strike="noStrike" cap="none" normalizeH="0" baseline="0" dirty="0" err="1" smtClean="0">
-                <a:ln>
-                  <a:noFill/>
-                </a:ln>
-                <a:solidFill>
-                  <a:srgbClr val="808080"/>
-                </a:solidFill>
-                <a:effectLst/>
-                <a:latin typeface="Courier New" pitchFamily="49" charset="0"/>
-                <a:cs typeface="Courier New" pitchFamily="49" charset="0"/>
-              </a:rPr>
-              <a:t>request</a:t>
-            </a:r>
-            <a:r>
-              <a:rPr kumimoji="0" lang="de-DE" altLang="de-DE" sz="1200" b="0" i="1" u="none" strike="noStrike" cap="none" normalizeH="0" baseline="0" dirty="0" smtClean="0">
-                <a:ln>
-                  <a:noFill/>
-                </a:ln>
-                <a:solidFill>
-                  <a:srgbClr val="808080"/>
-                </a:solidFill>
-                <a:effectLst/>
-                <a:latin typeface="Courier New" pitchFamily="49" charset="0"/>
-                <a:cs typeface="Courier New" pitchFamily="49" charset="0"/>
-              </a:rPr>
-              <a:t> </a:t>
-            </a:r>
-            <a:r>
-              <a:rPr kumimoji="0" lang="de-DE" altLang="de-DE" sz="1200" b="0" i="1" u="none" strike="noStrike" cap="none" normalizeH="0" baseline="0" dirty="0" err="1" smtClean="0">
-                <a:ln>
-                  <a:noFill/>
-                </a:ln>
-                <a:solidFill>
-                  <a:srgbClr val="808080"/>
-                </a:solidFill>
-                <a:effectLst/>
-                <a:latin typeface="Courier New" pitchFamily="49" charset="0"/>
-                <a:cs typeface="Courier New" pitchFamily="49" charset="0"/>
-              </a:rPr>
-              <a:t>belongs</a:t>
-            </a:r>
-            <a:r>
-              <a:rPr kumimoji="0" lang="de-DE" altLang="de-DE" sz="1200" b="0" i="1" u="none" strike="noStrike" cap="none" normalizeH="0" baseline="0" dirty="0" smtClean="0">
-                <a:ln>
-                  <a:noFill/>
-                </a:ln>
-                <a:solidFill>
-                  <a:srgbClr val="808080"/>
-                </a:solidFill>
-                <a:effectLst/>
-                <a:latin typeface="Courier New" pitchFamily="49" charset="0"/>
-                <a:cs typeface="Courier New" pitchFamily="49" charset="0"/>
-              </a:rPr>
-              <a:t> </a:t>
-            </a:r>
-            <a:r>
-              <a:rPr kumimoji="0" lang="de-DE" altLang="de-DE" sz="1200" b="0" i="1" u="none" strike="noStrike" cap="none" normalizeH="0" baseline="0" dirty="0" err="1" smtClean="0">
-                <a:ln>
-                  <a:noFill/>
-                </a:ln>
-                <a:solidFill>
-                  <a:srgbClr val="808080"/>
-                </a:solidFill>
-                <a:effectLst/>
-                <a:latin typeface="Courier New" pitchFamily="49" charset="0"/>
-                <a:cs typeface="Courier New" pitchFamily="49" charset="0"/>
-              </a:rPr>
-              <a:t>to</a:t>
-            </a:r>
-            <a:r>
-              <a:rPr kumimoji="0" lang="de-DE" altLang="de-DE" sz="1200" b="0" i="1" u="none" strike="noStrike" cap="none" normalizeH="0" baseline="0" dirty="0" smtClean="0">
-                <a:ln>
-                  <a:noFill/>
-                </a:ln>
-                <a:solidFill>
-                  <a:srgbClr val="808080"/>
-                </a:solidFill>
-                <a:effectLst/>
-                <a:latin typeface="Courier New" pitchFamily="49" charset="0"/>
-                <a:cs typeface="Courier New" pitchFamily="49" charset="0"/>
-              </a:rPr>
-              <a:t> </a:t>
-            </a:r>
-            <a:r>
-              <a:rPr kumimoji="0" lang="de-DE" altLang="de-DE" sz="1200" b="0" i="1" u="none" strike="noStrike" cap="none" normalizeH="0" baseline="0" dirty="0" err="1" smtClean="0">
-                <a:ln>
-                  <a:noFill/>
-                </a:ln>
-                <a:solidFill>
-                  <a:srgbClr val="808080"/>
-                </a:solidFill>
-                <a:effectLst/>
-                <a:latin typeface="Courier New" pitchFamily="49" charset="0"/>
-                <a:cs typeface="Courier New" pitchFamily="49" charset="0"/>
-              </a:rPr>
-              <a:t>which</a:t>
-            </a:r>
-            <a:r>
-              <a:rPr kumimoji="0" lang="de-DE" altLang="de-DE" sz="1200" b="0" i="1" u="none" strike="noStrike" cap="none" normalizeH="0" baseline="0" dirty="0" smtClean="0">
-                <a:ln>
-                  <a:noFill/>
-                </a:ln>
-                <a:solidFill>
-                  <a:srgbClr val="808080"/>
-                </a:solidFill>
-                <a:effectLst/>
-                <a:latin typeface="Courier New" pitchFamily="49" charset="0"/>
-                <a:cs typeface="Courier New" pitchFamily="49" charset="0"/>
-              </a:rPr>
-              <a:t> </a:t>
-            </a:r>
-            <a:r>
-              <a:rPr kumimoji="0" lang="de-DE" altLang="de-DE" sz="1200" b="0" i="1" u="none" strike="noStrike" cap="none" normalizeH="0" baseline="0" dirty="0" err="1" smtClean="0">
-                <a:ln>
-                  <a:noFill/>
-                </a:ln>
-                <a:solidFill>
-                  <a:srgbClr val="808080"/>
-                </a:solidFill>
-                <a:effectLst/>
-                <a:latin typeface="Courier New" pitchFamily="49" charset="0"/>
-                <a:cs typeface="Courier New" pitchFamily="49" charset="0"/>
-              </a:rPr>
-              <a:t>response</a:t>
-            </a:r>
-            <a:r>
-              <a:rPr kumimoji="0" lang="de-DE" altLang="de-DE" sz="1200" b="0" i="1" u="none" strike="noStrike" cap="none" normalizeH="0" baseline="0" dirty="0" smtClean="0">
-                <a:ln>
-                  <a:noFill/>
-                </a:ln>
-                <a:solidFill>
-                  <a:srgbClr val="808080"/>
-                </a:solidFill>
-                <a:effectLst/>
-                <a:latin typeface="Courier New" pitchFamily="49" charset="0"/>
-                <a:cs typeface="Courier New" pitchFamily="49" charset="0"/>
-              </a:rPr>
-              <a:t> -&gt; </a:t>
-            </a:r>
-            <a:r>
-              <a:rPr kumimoji="0" lang="de-DE" altLang="de-DE" sz="1200" b="0" i="1" u="none" strike="noStrike" cap="none" normalizeH="0" baseline="0" dirty="0" err="1" smtClean="0">
-                <a:ln>
-                  <a:noFill/>
-                </a:ln>
-                <a:solidFill>
-                  <a:srgbClr val="808080"/>
-                </a:solidFill>
-                <a:effectLst/>
-                <a:latin typeface="Courier New" pitchFamily="49" charset="0"/>
-                <a:cs typeface="Courier New" pitchFamily="49" charset="0"/>
-              </a:rPr>
-              <a:t>Ignore</a:t>
-            </a:r>
-            <a:r>
-              <a:rPr kumimoji="0" lang="de-DE" altLang="de-DE" sz="1200" b="0" i="1" u="none" strike="noStrike" cap="none" normalizeH="0" baseline="0" dirty="0" smtClean="0">
-                <a:ln>
-                  <a:noFill/>
-                </a:ln>
-                <a:solidFill>
-                  <a:srgbClr val="808080"/>
-                </a:solidFill>
-                <a:effectLst/>
-                <a:latin typeface="Courier New" pitchFamily="49" charset="0"/>
-                <a:cs typeface="Courier New" pitchFamily="49" charset="0"/>
-              </a:rPr>
-              <a:t> </a:t>
-            </a:r>
-            <a:r>
-              <a:rPr kumimoji="0" lang="de-DE" altLang="de-DE" sz="1200" b="0" i="1" u="none" strike="noStrike" cap="none" normalizeH="0" baseline="0" dirty="0" err="1" smtClean="0">
-                <a:ln>
-                  <a:noFill/>
-                </a:ln>
-                <a:solidFill>
-                  <a:srgbClr val="808080"/>
-                </a:solidFill>
-                <a:effectLst/>
-                <a:latin typeface="Courier New" pitchFamily="49" charset="0"/>
-                <a:cs typeface="Courier New" pitchFamily="49" charset="0"/>
-              </a:rPr>
-              <a:t>them</a:t>
-            </a:r>
-            <a:r>
-              <a:rPr kumimoji="0" lang="de-DE" altLang="de-DE" sz="1200" b="0" i="1" u="none" strike="noStrike" cap="none" normalizeH="0" baseline="0" dirty="0" smtClean="0">
-                <a:ln>
-                  <a:noFill/>
-                </a:ln>
-                <a:solidFill>
-                  <a:srgbClr val="808080"/>
-                </a:solidFill>
-                <a:effectLst/>
-                <a:latin typeface="Courier New" pitchFamily="49" charset="0"/>
-                <a:cs typeface="Courier New" pitchFamily="49" charset="0"/>
-              </a:rPr>
-              <a:t/>
-            </a:r>
-            <a:br>
-              <a:rPr kumimoji="0" lang="de-DE" altLang="de-DE" sz="1200" b="0" i="1" u="none" strike="noStrike" cap="none" normalizeH="0" baseline="0" dirty="0" smtClean="0">
-                <a:ln>
-                  <a:noFill/>
-                </a:ln>
-                <a:solidFill>
-                  <a:srgbClr val="808080"/>
-                </a:solidFill>
-                <a:effectLst/>
-                <a:latin typeface="Courier New" pitchFamily="49" charset="0"/>
-                <a:cs typeface="Courier New" pitchFamily="49" charset="0"/>
-              </a:rPr>
-            </a:br>
-            <a:r>
-              <a:rPr kumimoji="0" lang="de-DE" altLang="de-DE" sz="1200" b="0" i="1" u="none" strike="noStrike" cap="none" normalizeH="0" baseline="0" dirty="0" smtClean="0">
-                <a:ln>
-                  <a:noFill/>
-                </a:ln>
-                <a:solidFill>
-                  <a:srgbClr val="808080"/>
-                </a:solidFill>
-                <a:effectLst/>
-                <a:latin typeface="Courier New" pitchFamily="49" charset="0"/>
-                <a:cs typeface="Courier New" pitchFamily="49" charset="0"/>
-              </a:rPr>
-              <a:t>        </a:t>
-            </a:r>
-            <a:r>
-              <a:rPr kumimoji="0" lang="de-DE" altLang="de-DE" sz="1200" b="0" i="0" u="none" strike="noStrike" cap="none" normalizeH="0" baseline="0" dirty="0" err="1" smtClean="0">
-                <a:ln>
-                  <a:noFill/>
-                </a:ln>
-                <a:solidFill>
-                  <a:srgbClr val="000000"/>
-                </a:solidFill>
-                <a:effectLst/>
-                <a:latin typeface="Courier New" pitchFamily="49" charset="0"/>
-                <a:cs typeface="Courier New" pitchFamily="49" charset="0"/>
-              </a:rPr>
-              <a:t>message</a:t>
-            </a:r>
-            <a:r>
-              <a:rPr kumimoji="0" lang="de-DE" altLang="de-DE" sz="1200" b="0" i="0" u="none" strike="noStrike" cap="none" normalizeH="0" baseline="0" dirty="0" smtClean="0">
-                <a:ln>
-                  <a:noFill/>
-                </a:ln>
-                <a:solidFill>
-                  <a:srgbClr val="000000"/>
-                </a:solidFill>
-                <a:effectLst/>
-                <a:latin typeface="Courier New" pitchFamily="49" charset="0"/>
-                <a:cs typeface="Courier New" pitchFamily="49" charset="0"/>
-              </a:rPr>
-              <a:t> = </a:t>
-            </a:r>
-            <a:r>
-              <a:rPr kumimoji="0" lang="de-DE" altLang="de-DE" sz="1200" b="0" i="0" u="none" strike="noStrike" cap="none" normalizeH="0" baseline="0" dirty="0" err="1" smtClean="0">
-                <a:ln>
-                  <a:noFill/>
-                </a:ln>
-                <a:solidFill>
-                  <a:srgbClr val="000000"/>
-                </a:solidFill>
-                <a:effectLst/>
-                <a:latin typeface="Courier New" pitchFamily="49" charset="0"/>
-                <a:cs typeface="Courier New" pitchFamily="49" charset="0"/>
-              </a:rPr>
-              <a:t>LogMessage</a:t>
-            </a:r>
-            <a:r>
-              <a:rPr kumimoji="0" lang="de-DE" altLang="de-DE" sz="1200" b="0" i="0" u="none" strike="noStrike" cap="none" normalizeH="0" baseline="0" dirty="0" smtClean="0">
-                <a:ln>
-                  <a:noFill/>
-                </a:ln>
-                <a:solidFill>
-                  <a:srgbClr val="000000"/>
-                </a:solidFill>
-                <a:effectLst/>
-                <a:latin typeface="Courier New" pitchFamily="49" charset="0"/>
-                <a:cs typeface="Courier New" pitchFamily="49" charset="0"/>
-              </a:rPr>
-              <a:t>(</a:t>
-            </a:r>
-            <a:r>
-              <a:rPr kumimoji="0" lang="de-DE" altLang="de-DE" sz="1200" b="0" i="0" u="none" strike="noStrike" cap="none" normalizeH="0" baseline="0" dirty="0" err="1" smtClean="0">
-                <a:ln>
-                  <a:noFill/>
-                </a:ln>
-                <a:solidFill>
-                  <a:srgbClr val="000080"/>
-                </a:solidFill>
-                <a:effectLst/>
-                <a:latin typeface="Courier New" pitchFamily="49" charset="0"/>
-                <a:cs typeface="Courier New" pitchFamily="49" charset="0"/>
-              </a:rPr>
-              <a:t>str</a:t>
-            </a:r>
-            <a:r>
-              <a:rPr kumimoji="0" lang="de-DE" altLang="de-DE" sz="1200" b="0" i="0" u="none" strike="noStrike" cap="none" normalizeH="0" baseline="0" dirty="0" smtClean="0">
-                <a:ln>
-                  <a:noFill/>
-                </a:ln>
-                <a:solidFill>
-                  <a:srgbClr val="000000"/>
-                </a:solidFill>
-                <a:effectLst/>
-                <a:latin typeface="Courier New" pitchFamily="49" charset="0"/>
-                <a:cs typeface="Courier New" pitchFamily="49" charset="0"/>
-              </a:rPr>
-              <a:t>(</a:t>
-            </a:r>
-            <a:r>
-              <a:rPr kumimoji="0" lang="de-DE" altLang="de-DE" sz="1200" b="0" i="0" u="none" strike="noStrike" cap="none" normalizeH="0" baseline="0" dirty="0" err="1" smtClean="0">
-                <a:ln>
-                  <a:noFill/>
-                </a:ln>
-                <a:solidFill>
-                  <a:srgbClr val="000000"/>
-                </a:solidFill>
-                <a:effectLst/>
-                <a:latin typeface="Courier New" pitchFamily="49" charset="0"/>
-                <a:cs typeface="Courier New" pitchFamily="49" charset="0"/>
-              </a:rPr>
-              <a:t>row</a:t>
-            </a:r>
-            <a:r>
-              <a:rPr kumimoji="0" lang="de-DE" altLang="de-DE" sz="1200" b="0" i="0" u="none" strike="noStrike" cap="none" normalizeH="0" baseline="0" dirty="0" smtClean="0">
-                <a:ln>
-                  <a:noFill/>
-                </a:ln>
-                <a:solidFill>
-                  <a:srgbClr val="000000"/>
-                </a:solidFill>
-                <a:effectLst/>
-                <a:latin typeface="Courier New" pitchFamily="49" charset="0"/>
-                <a:cs typeface="Courier New" pitchFamily="49" charset="0"/>
-              </a:rPr>
-              <a:t>[</a:t>
-            </a:r>
-            <a:r>
-              <a:rPr kumimoji="0" lang="de-DE" altLang="de-DE" sz="1200" b="1" i="0" u="none" strike="noStrike" cap="none" normalizeH="0" baseline="0" dirty="0" smtClean="0">
-                <a:ln>
-                  <a:noFill/>
-                </a:ln>
-                <a:solidFill>
-                  <a:srgbClr val="008080"/>
-                </a:solidFill>
-                <a:effectLst/>
-                <a:latin typeface="Courier New" pitchFamily="49" charset="0"/>
-                <a:cs typeface="Courier New" pitchFamily="49" charset="0"/>
-              </a:rPr>
-              <a:t>'</a:t>
-            </a:r>
-            <a:r>
-              <a:rPr kumimoji="0" lang="de-DE" altLang="de-DE" sz="1200" b="1" i="0" u="none" strike="noStrike" cap="none" normalizeH="0" baseline="0" dirty="0" err="1" smtClean="0">
-                <a:ln>
-                  <a:noFill/>
-                </a:ln>
-                <a:solidFill>
-                  <a:srgbClr val="008080"/>
-                </a:solidFill>
-                <a:effectLst/>
-                <a:latin typeface="Courier New" pitchFamily="49" charset="0"/>
-                <a:cs typeface="Courier New" pitchFamily="49" charset="0"/>
-              </a:rPr>
-              <a:t>code</a:t>
-            </a:r>
-            <a:r>
-              <a:rPr kumimoji="0" lang="de-DE" altLang="de-DE" sz="1200" b="1" i="0" u="none" strike="noStrike" cap="none" normalizeH="0" baseline="0" dirty="0" smtClean="0">
-                <a:ln>
-                  <a:noFill/>
-                </a:ln>
-                <a:solidFill>
-                  <a:srgbClr val="008080"/>
-                </a:solidFill>
-                <a:effectLst/>
-                <a:latin typeface="Courier New" pitchFamily="49" charset="0"/>
-                <a:cs typeface="Courier New" pitchFamily="49" charset="0"/>
-              </a:rPr>
-              <a:t>'</a:t>
-            </a:r>
-            <a:r>
-              <a:rPr kumimoji="0" lang="de-DE" altLang="de-DE" sz="1200" b="0" i="0" u="none" strike="noStrike" cap="none" normalizeH="0" baseline="0" dirty="0" smtClean="0">
-                <a:ln>
-                  <a:noFill/>
-                </a:ln>
-                <a:solidFill>
-                  <a:srgbClr val="000000"/>
-                </a:solidFill>
-                <a:effectLst/>
-                <a:latin typeface="Courier New" pitchFamily="49" charset="0"/>
-                <a:cs typeface="Courier New" pitchFamily="49" charset="0"/>
-              </a:rPr>
-              <a:t>]), </a:t>
-            </a:r>
-            <a:r>
-              <a:rPr kumimoji="0" lang="de-DE" altLang="de-DE" sz="1200" b="0" i="0" u="none" strike="noStrike" cap="none" normalizeH="0" baseline="0" dirty="0" err="1" smtClean="0">
-                <a:ln>
-                  <a:noFill/>
-                </a:ln>
-                <a:solidFill>
-                  <a:srgbClr val="000080"/>
-                </a:solidFill>
-                <a:effectLst/>
-                <a:latin typeface="Courier New" pitchFamily="49" charset="0"/>
-                <a:cs typeface="Courier New" pitchFamily="49" charset="0"/>
-              </a:rPr>
-              <a:t>int</a:t>
-            </a:r>
-            <a:r>
-              <a:rPr kumimoji="0" lang="de-DE" altLang="de-DE" sz="1200" b="0" i="0" u="none" strike="noStrike" cap="none" normalizeH="0" baseline="0" dirty="0" smtClean="0">
-                <a:ln>
-                  <a:noFill/>
-                </a:ln>
-                <a:solidFill>
-                  <a:srgbClr val="000000"/>
-                </a:solidFill>
-                <a:effectLst/>
-                <a:latin typeface="Courier New" pitchFamily="49" charset="0"/>
-                <a:cs typeface="Courier New" pitchFamily="49" charset="0"/>
-              </a:rPr>
-              <a:t>(</a:t>
-            </a:r>
-            <a:r>
-              <a:rPr kumimoji="0" lang="de-DE" altLang="de-DE" sz="1200" b="0" i="0" u="none" strike="noStrike" cap="none" normalizeH="0" baseline="0" dirty="0" err="1" smtClean="0">
-                <a:ln>
-                  <a:noFill/>
-                </a:ln>
-                <a:solidFill>
-                  <a:srgbClr val="000000"/>
-                </a:solidFill>
-                <a:effectLst/>
-                <a:latin typeface="Courier New" pitchFamily="49" charset="0"/>
-                <a:cs typeface="Courier New" pitchFamily="49" charset="0"/>
-              </a:rPr>
-              <a:t>row</a:t>
-            </a:r>
-            <a:r>
-              <a:rPr kumimoji="0" lang="de-DE" altLang="de-DE" sz="1200" b="0" i="0" u="none" strike="noStrike" cap="none" normalizeH="0" baseline="0" dirty="0" smtClean="0">
-                <a:ln>
-                  <a:noFill/>
-                </a:ln>
-                <a:solidFill>
-                  <a:srgbClr val="000000"/>
-                </a:solidFill>
-                <a:effectLst/>
-                <a:latin typeface="Courier New" pitchFamily="49" charset="0"/>
-                <a:cs typeface="Courier New" pitchFamily="49" charset="0"/>
-              </a:rPr>
-              <a:t>[</a:t>
-            </a:r>
-            <a:r>
-              <a:rPr kumimoji="0" lang="de-DE" altLang="de-DE" sz="1200" b="1" i="0" u="none" strike="noStrike" cap="none" normalizeH="0" baseline="0" dirty="0" smtClean="0">
-                <a:ln>
-                  <a:noFill/>
-                </a:ln>
-                <a:solidFill>
-                  <a:srgbClr val="008080"/>
-                </a:solidFill>
-                <a:effectLst/>
-                <a:latin typeface="Courier New" pitchFamily="49" charset="0"/>
-                <a:cs typeface="Courier New" pitchFamily="49" charset="0"/>
-              </a:rPr>
-              <a:t>'</a:t>
-            </a:r>
-            <a:r>
-              <a:rPr kumimoji="0" lang="de-DE" altLang="de-DE" sz="1200" b="1" i="0" u="none" strike="noStrike" cap="none" normalizeH="0" baseline="0" dirty="0" err="1" smtClean="0">
-                <a:ln>
-                  <a:noFill/>
-                </a:ln>
-                <a:solidFill>
-                  <a:srgbClr val="008080"/>
-                </a:solidFill>
-                <a:effectLst/>
-                <a:latin typeface="Courier New" pitchFamily="49" charset="0"/>
-                <a:cs typeface="Courier New" pitchFamily="49" charset="0"/>
-              </a:rPr>
-              <a:t>client_id</a:t>
-            </a:r>
-            <a:r>
-              <a:rPr kumimoji="0" lang="de-DE" altLang="de-DE" sz="1200" b="1" i="0" u="none" strike="noStrike" cap="none" normalizeH="0" baseline="0" dirty="0" smtClean="0">
-                <a:ln>
-                  <a:noFill/>
-                </a:ln>
-                <a:solidFill>
-                  <a:srgbClr val="008080"/>
-                </a:solidFill>
-                <a:effectLst/>
-                <a:latin typeface="Courier New" pitchFamily="49" charset="0"/>
-                <a:cs typeface="Courier New" pitchFamily="49" charset="0"/>
-              </a:rPr>
-              <a:t>'</a:t>
-            </a:r>
-            <a:r>
-              <a:rPr kumimoji="0" lang="de-DE" altLang="de-DE" sz="1200" b="0" i="0" u="none" strike="noStrike" cap="none" normalizeH="0" baseline="0" dirty="0" smtClean="0">
-                <a:ln>
-                  <a:noFill/>
-                </a:ln>
-                <a:solidFill>
-                  <a:srgbClr val="000000"/>
-                </a:solidFill>
-                <a:effectLst/>
-                <a:latin typeface="Courier New" pitchFamily="49" charset="0"/>
-                <a:cs typeface="Courier New" pitchFamily="49" charset="0"/>
-              </a:rPr>
-              <a:t>]), </a:t>
-            </a:r>
-            <a:r>
-              <a:rPr kumimoji="0" lang="de-DE" altLang="de-DE" sz="1200" b="0" i="0" u="none" strike="noStrike" cap="none" normalizeH="0" baseline="0" dirty="0" err="1" smtClean="0">
-                <a:ln>
-                  <a:noFill/>
-                </a:ln>
-                <a:solidFill>
-                  <a:srgbClr val="000080"/>
-                </a:solidFill>
-                <a:effectLst/>
-                <a:latin typeface="Courier New" pitchFamily="49" charset="0"/>
-                <a:cs typeface="Courier New" pitchFamily="49" charset="0"/>
-              </a:rPr>
-              <a:t>int</a:t>
-            </a:r>
-            <a:r>
-              <a:rPr kumimoji="0" lang="de-DE" altLang="de-DE" sz="1200" b="0" i="0" u="none" strike="noStrike" cap="none" normalizeH="0" baseline="0" dirty="0" smtClean="0">
-                <a:ln>
-                  <a:noFill/>
-                </a:ln>
-                <a:solidFill>
-                  <a:srgbClr val="000000"/>
-                </a:solidFill>
-                <a:effectLst/>
-                <a:latin typeface="Courier New" pitchFamily="49" charset="0"/>
-                <a:cs typeface="Courier New" pitchFamily="49" charset="0"/>
-              </a:rPr>
-              <a:t>(</a:t>
-            </a:r>
-            <a:r>
-              <a:rPr kumimoji="0" lang="de-DE" altLang="de-DE" sz="1200" b="0" i="0" u="none" strike="noStrike" cap="none" normalizeH="0" baseline="0" dirty="0" err="1" smtClean="0">
-                <a:ln>
-                  <a:noFill/>
-                </a:ln>
-                <a:solidFill>
-                  <a:srgbClr val="000000"/>
-                </a:solidFill>
-                <a:effectLst/>
-                <a:latin typeface="Courier New" pitchFamily="49" charset="0"/>
-                <a:cs typeface="Courier New" pitchFamily="49" charset="0"/>
-              </a:rPr>
-              <a:t>row</a:t>
-            </a:r>
-            <a:r>
-              <a:rPr kumimoji="0" lang="de-DE" altLang="de-DE" sz="1200" b="0" i="0" u="none" strike="noStrike" cap="none" normalizeH="0" baseline="0" dirty="0" smtClean="0">
-                <a:ln>
-                  <a:noFill/>
-                </a:ln>
-                <a:solidFill>
-                  <a:srgbClr val="000000"/>
-                </a:solidFill>
-                <a:effectLst/>
-                <a:latin typeface="Courier New" pitchFamily="49" charset="0"/>
-                <a:cs typeface="Courier New" pitchFamily="49" charset="0"/>
-              </a:rPr>
-              <a:t>[</a:t>
-            </a:r>
-            <a:r>
-              <a:rPr kumimoji="0" lang="de-DE" altLang="de-DE" sz="1200" b="1" i="0" u="none" strike="noStrike" cap="none" normalizeH="0" baseline="0" dirty="0" smtClean="0">
-                <a:ln>
-                  <a:noFill/>
-                </a:ln>
-                <a:solidFill>
-                  <a:srgbClr val="008080"/>
-                </a:solidFill>
-                <a:effectLst/>
-                <a:latin typeface="Courier New" pitchFamily="49" charset="0"/>
-                <a:cs typeface="Courier New" pitchFamily="49" charset="0"/>
-              </a:rPr>
-              <a:t>'</a:t>
-            </a:r>
-            <a:r>
-              <a:rPr kumimoji="0" lang="de-DE" altLang="de-DE" sz="1200" b="1" i="0" u="none" strike="noStrike" cap="none" normalizeH="0" baseline="0" dirty="0" err="1" smtClean="0">
-                <a:ln>
-                  <a:noFill/>
-                </a:ln>
-                <a:solidFill>
-                  <a:srgbClr val="008080"/>
-                </a:solidFill>
-                <a:effectLst/>
-                <a:latin typeface="Courier New" pitchFamily="49" charset="0"/>
-                <a:cs typeface="Courier New" pitchFamily="49" charset="0"/>
-              </a:rPr>
-              <a:t>loc_ts</a:t>
-            </a:r>
-            <a:r>
-              <a:rPr kumimoji="0" lang="de-DE" altLang="de-DE" sz="1200" b="1" i="0" u="none" strike="noStrike" cap="none" normalizeH="0" baseline="0" dirty="0" smtClean="0">
-                <a:ln>
-                  <a:noFill/>
-                </a:ln>
-                <a:solidFill>
-                  <a:srgbClr val="008080"/>
-                </a:solidFill>
-                <a:effectLst/>
-                <a:latin typeface="Courier New" pitchFamily="49" charset="0"/>
-                <a:cs typeface="Courier New" pitchFamily="49" charset="0"/>
-              </a:rPr>
-              <a:t>'</a:t>
-            </a:r>
-            <a:r>
-              <a:rPr kumimoji="0" lang="de-DE" altLang="de-DE" sz="1200" b="0" i="0" u="none" strike="noStrike" cap="none" normalizeH="0" baseline="0" dirty="0" smtClean="0">
-                <a:ln>
-                  <a:noFill/>
-                </a:ln>
-                <a:solidFill>
-                  <a:srgbClr val="000000"/>
-                </a:solidFill>
-                <a:effectLst/>
-                <a:latin typeface="Courier New" pitchFamily="49" charset="0"/>
-                <a:cs typeface="Courier New" pitchFamily="49" charset="0"/>
-              </a:rPr>
-              <a:t>]), </a:t>
-            </a:r>
-            <a:r>
-              <a:rPr kumimoji="0" lang="de-DE" altLang="de-DE" sz="1200" b="0" i="0" u="none" strike="noStrike" cap="none" normalizeH="0" baseline="0" dirty="0" err="1" smtClean="0">
-                <a:ln>
-                  <a:noFill/>
-                </a:ln>
-                <a:solidFill>
-                  <a:srgbClr val="000000"/>
-                </a:solidFill>
-                <a:effectLst/>
-                <a:latin typeface="Courier New" pitchFamily="49" charset="0"/>
-                <a:cs typeface="Courier New" pitchFamily="49" charset="0"/>
-              </a:rPr>
-              <a:t>safeintcast</a:t>
-            </a:r>
-            <a:r>
-              <a:rPr kumimoji="0" lang="de-DE" altLang="de-DE" sz="1200" b="0" i="0" u="none" strike="noStrike" cap="none" normalizeH="0" baseline="0" dirty="0" smtClean="0">
-                <a:ln>
-                  <a:noFill/>
-                </a:ln>
-                <a:solidFill>
-                  <a:srgbClr val="000000"/>
-                </a:solidFill>
-                <a:effectLst/>
-                <a:latin typeface="Courier New" pitchFamily="49" charset="0"/>
-                <a:cs typeface="Courier New" pitchFamily="49" charset="0"/>
-              </a:rPr>
-              <a:t>(</a:t>
-            </a:r>
-            <a:r>
-              <a:rPr kumimoji="0" lang="de-DE" altLang="de-DE" sz="1200" b="0" i="0" u="none" strike="noStrike" cap="none" normalizeH="0" baseline="0" dirty="0" err="1" smtClean="0">
-                <a:ln>
-                  <a:noFill/>
-                </a:ln>
-                <a:solidFill>
-                  <a:srgbClr val="000000"/>
-                </a:solidFill>
-                <a:effectLst/>
-                <a:latin typeface="Courier New" pitchFamily="49" charset="0"/>
-                <a:cs typeface="Courier New" pitchFamily="49" charset="0"/>
-              </a:rPr>
-              <a:t>row</a:t>
-            </a:r>
-            <a:r>
-              <a:rPr kumimoji="0" lang="de-DE" altLang="de-DE" sz="1200" b="0" i="0" u="none" strike="noStrike" cap="none" normalizeH="0" baseline="0" dirty="0" smtClean="0">
-                <a:ln>
-                  <a:noFill/>
-                </a:ln>
-                <a:solidFill>
-                  <a:srgbClr val="000000"/>
-                </a:solidFill>
-                <a:effectLst/>
-                <a:latin typeface="Courier New" pitchFamily="49" charset="0"/>
-                <a:cs typeface="Courier New" pitchFamily="49" charset="0"/>
-              </a:rPr>
-              <a:t>[</a:t>
-            </a:r>
-            <a:r>
-              <a:rPr kumimoji="0" lang="de-DE" altLang="de-DE" sz="1200" b="1" i="0" u="none" strike="noStrike" cap="none" normalizeH="0" baseline="0" dirty="0" smtClean="0">
-                <a:ln>
-                  <a:noFill/>
-                </a:ln>
-                <a:solidFill>
-                  <a:srgbClr val="008080"/>
-                </a:solidFill>
-                <a:effectLst/>
-                <a:latin typeface="Courier New" pitchFamily="49" charset="0"/>
-                <a:cs typeface="Courier New" pitchFamily="49" charset="0"/>
-              </a:rPr>
-              <a:t>'</a:t>
-            </a:r>
-            <a:r>
-              <a:rPr kumimoji="0" lang="de-DE" altLang="de-DE" sz="1200" b="1" i="0" u="none" strike="noStrike" cap="none" normalizeH="0" baseline="0" dirty="0" err="1" smtClean="0">
-                <a:ln>
-                  <a:noFill/>
-                </a:ln>
-                <a:solidFill>
-                  <a:srgbClr val="008080"/>
-                </a:solidFill>
-                <a:effectLst/>
-                <a:latin typeface="Courier New" pitchFamily="49" charset="0"/>
-                <a:cs typeface="Courier New" pitchFamily="49" charset="0"/>
-              </a:rPr>
-              <a:t>err_code</a:t>
-            </a:r>
-            <a:r>
-              <a:rPr kumimoji="0" lang="de-DE" altLang="de-DE" sz="1200" b="1" i="0" u="none" strike="noStrike" cap="none" normalizeH="0" baseline="0" dirty="0" smtClean="0">
-                <a:ln>
-                  <a:noFill/>
-                </a:ln>
-                <a:solidFill>
-                  <a:srgbClr val="008080"/>
-                </a:solidFill>
-                <a:effectLst/>
-                <a:latin typeface="Courier New" pitchFamily="49" charset="0"/>
-                <a:cs typeface="Courier New" pitchFamily="49" charset="0"/>
-              </a:rPr>
-              <a:t>'</a:t>
-            </a:r>
-            <a:r>
-              <a:rPr kumimoji="0" lang="de-DE" altLang="de-DE" sz="1200" b="0" i="0" u="none" strike="noStrike" cap="none" normalizeH="0" baseline="0" dirty="0" smtClean="0">
-                <a:ln>
-                  <a:noFill/>
-                </a:ln>
-                <a:solidFill>
-                  <a:srgbClr val="000000"/>
-                </a:solidFill>
-                <a:effectLst/>
-                <a:latin typeface="Courier New" pitchFamily="49" charset="0"/>
-                <a:cs typeface="Courier New" pitchFamily="49" charset="0"/>
-              </a:rPr>
-              <a:t>], -</a:t>
-            </a:r>
-            <a:r>
-              <a:rPr kumimoji="0" lang="de-DE" altLang="de-DE" sz="1200" b="0" i="0" u="none" strike="noStrike" cap="none" normalizeH="0" baseline="0" dirty="0" smtClean="0">
-                <a:ln>
-                  <a:noFill/>
-                </a:ln>
-                <a:solidFill>
-                  <a:srgbClr val="0000FF"/>
-                </a:solidFill>
-                <a:effectLst/>
-                <a:latin typeface="Courier New" pitchFamily="49" charset="0"/>
-                <a:cs typeface="Courier New" pitchFamily="49" charset="0"/>
-              </a:rPr>
-              <a:t>1</a:t>
-            </a:r>
-            <a:r>
-              <a:rPr kumimoji="0" lang="de-DE" altLang="de-DE" sz="1200" b="0" i="0" u="none" strike="noStrike" cap="none" normalizeH="0" baseline="0" dirty="0" smtClean="0">
-                <a:ln>
-                  <a:noFill/>
-                </a:ln>
-                <a:solidFill>
-                  <a:srgbClr val="000000"/>
-                </a:solidFill>
-                <a:effectLst/>
-                <a:latin typeface="Courier New" pitchFamily="49" charset="0"/>
-                <a:cs typeface="Courier New" pitchFamily="49" charset="0"/>
-              </a:rPr>
-              <a:t>), </a:t>
-            </a:r>
-            <a:r>
-              <a:rPr kumimoji="0" lang="de-DE" altLang="de-DE" sz="1200" b="0" i="0" u="none" strike="noStrike" cap="none" normalizeH="0" baseline="0" dirty="0" err="1" smtClean="0">
-                <a:ln>
-                  <a:noFill/>
-                </a:ln>
-                <a:solidFill>
-                  <a:srgbClr val="000080"/>
-                </a:solidFill>
-                <a:effectLst/>
-                <a:latin typeface="Courier New" pitchFamily="49" charset="0"/>
-                <a:cs typeface="Courier New" pitchFamily="49" charset="0"/>
-              </a:rPr>
-              <a:t>int</a:t>
-            </a:r>
-            <a:r>
-              <a:rPr kumimoji="0" lang="de-DE" altLang="de-DE" sz="1200" b="0" i="0" u="none" strike="noStrike" cap="none" normalizeH="0" baseline="0" dirty="0" smtClean="0">
-                <a:ln>
-                  <a:noFill/>
-                </a:ln>
-                <a:solidFill>
-                  <a:srgbClr val="000000"/>
-                </a:solidFill>
-                <a:effectLst/>
-                <a:latin typeface="Courier New" pitchFamily="49" charset="0"/>
-                <a:cs typeface="Courier New" pitchFamily="49" charset="0"/>
-              </a:rPr>
-              <a:t>(</a:t>
-            </a:r>
-            <a:r>
-              <a:rPr kumimoji="0" lang="de-DE" altLang="de-DE" sz="1200" b="0" i="0" u="none" strike="noStrike" cap="none" normalizeH="0" baseline="0" dirty="0" err="1" smtClean="0">
-                <a:ln>
-                  <a:noFill/>
-                </a:ln>
-                <a:solidFill>
-                  <a:srgbClr val="000000"/>
-                </a:solidFill>
-                <a:effectLst/>
-                <a:latin typeface="Courier New" pitchFamily="49" charset="0"/>
-                <a:cs typeface="Courier New" pitchFamily="49" charset="0"/>
-              </a:rPr>
-              <a:t>row</a:t>
-            </a:r>
-            <a:r>
-              <a:rPr kumimoji="0" lang="de-DE" altLang="de-DE" sz="1200" b="0" i="0" u="none" strike="noStrike" cap="none" normalizeH="0" baseline="0" dirty="0" smtClean="0">
-                <a:ln>
-                  <a:noFill/>
-                </a:ln>
-                <a:solidFill>
-                  <a:srgbClr val="000000"/>
-                </a:solidFill>
-                <a:effectLst/>
-                <a:latin typeface="Courier New" pitchFamily="49" charset="0"/>
-                <a:cs typeface="Courier New" pitchFamily="49" charset="0"/>
-              </a:rPr>
-              <a:t>[</a:t>
-            </a:r>
-            <a:r>
-              <a:rPr kumimoji="0" lang="de-DE" altLang="de-DE" sz="1200" b="1" i="0" u="none" strike="noStrike" cap="none" normalizeH="0" baseline="0" dirty="0" smtClean="0">
-                <a:ln>
-                  <a:noFill/>
-                </a:ln>
-                <a:solidFill>
-                  <a:srgbClr val="008080"/>
-                </a:solidFill>
-                <a:effectLst/>
-                <a:latin typeface="Courier New" pitchFamily="49" charset="0"/>
-                <a:cs typeface="Courier New" pitchFamily="49" charset="0"/>
-              </a:rPr>
-              <a:t>'time'</a:t>
-            </a:r>
-            <a:r>
-              <a:rPr kumimoji="0" lang="de-DE" altLang="de-DE" sz="1200" b="0" i="0" u="none" strike="noStrike" cap="none" normalizeH="0" baseline="0" dirty="0" smtClean="0">
-                <a:ln>
-                  <a:noFill/>
-                </a:ln>
-                <a:solidFill>
-                  <a:srgbClr val="000000"/>
-                </a:solidFill>
-                <a:effectLst/>
-                <a:latin typeface="Courier New" pitchFamily="49" charset="0"/>
-                <a:cs typeface="Courier New" pitchFamily="49" charset="0"/>
-              </a:rPr>
-              <a:t>]))</a:t>
-            </a:r>
-            <a:br>
-              <a:rPr kumimoji="0" lang="de-DE" altLang="de-DE" sz="1200" b="0" i="0" u="none" strike="noStrike" cap="none" normalizeH="0" baseline="0" dirty="0" smtClean="0">
-                <a:ln>
-                  <a:noFill/>
-                </a:ln>
-                <a:solidFill>
-                  <a:srgbClr val="000000"/>
-                </a:solidFill>
-                <a:effectLst/>
-                <a:latin typeface="Courier New" pitchFamily="49" charset="0"/>
-                <a:cs typeface="Courier New" pitchFamily="49" charset="0"/>
-              </a:rPr>
-            </a:br>
-            <a:r>
-              <a:rPr kumimoji="0" lang="de-DE" altLang="de-DE" sz="1200" b="0" i="0" u="none" strike="noStrike" cap="none" normalizeH="0" baseline="0" dirty="0" smtClean="0">
-                <a:ln>
-                  <a:noFill/>
-                </a:ln>
-                <a:solidFill>
-                  <a:srgbClr val="000000"/>
-                </a:solidFill>
-                <a:effectLst/>
-                <a:latin typeface="Courier New" pitchFamily="49" charset="0"/>
-                <a:cs typeface="Courier New" pitchFamily="49" charset="0"/>
-              </a:rPr>
-              <a:t>        </a:t>
-            </a:r>
-            <a:r>
-              <a:rPr kumimoji="0" lang="de-DE" altLang="de-DE" sz="1200" b="1" i="0" u="none" strike="noStrike" cap="none" normalizeH="0" baseline="0" dirty="0" err="1" smtClean="0">
-                <a:ln>
-                  <a:noFill/>
-                </a:ln>
-                <a:solidFill>
-                  <a:srgbClr val="000080"/>
-                </a:solidFill>
-                <a:effectLst/>
-                <a:latin typeface="Courier New" pitchFamily="49" charset="0"/>
-                <a:cs typeface="Courier New" pitchFamily="49" charset="0"/>
-              </a:rPr>
-              <a:t>if</a:t>
-            </a:r>
-            <a:r>
-              <a:rPr kumimoji="0" lang="de-DE" altLang="de-DE" sz="1200" b="1" i="0" u="none" strike="noStrike" cap="none" normalizeH="0" baseline="0" dirty="0" smtClean="0">
-                <a:ln>
-                  <a:noFill/>
-                </a:ln>
-                <a:solidFill>
-                  <a:srgbClr val="000080"/>
-                </a:solidFill>
-                <a:effectLst/>
-                <a:latin typeface="Courier New" pitchFamily="49" charset="0"/>
-                <a:cs typeface="Courier New" pitchFamily="49" charset="0"/>
-              </a:rPr>
-              <a:t> </a:t>
-            </a:r>
-            <a:r>
-              <a:rPr kumimoji="0" lang="de-DE" altLang="de-DE" sz="1200" b="0" i="0" u="none" strike="noStrike" cap="none" normalizeH="0" baseline="0" dirty="0" err="1" smtClean="0">
-                <a:ln>
-                  <a:noFill/>
-                </a:ln>
-                <a:solidFill>
-                  <a:srgbClr val="000000"/>
-                </a:solidFill>
-                <a:effectLst/>
-                <a:latin typeface="Courier New" pitchFamily="49" charset="0"/>
-                <a:cs typeface="Courier New" pitchFamily="49" charset="0"/>
-              </a:rPr>
-              <a:t>message.client_id</a:t>
-            </a:r>
-            <a:r>
-              <a:rPr kumimoji="0" lang="de-DE" altLang="de-DE" sz="1200" b="0" i="0" u="none" strike="noStrike" cap="none" normalizeH="0" baseline="0" dirty="0" smtClean="0">
-                <a:ln>
-                  <a:noFill/>
-                </a:ln>
-                <a:solidFill>
-                  <a:srgbClr val="000000"/>
-                </a:solidFill>
-                <a:effectLst/>
-                <a:latin typeface="Courier New" pitchFamily="49" charset="0"/>
-                <a:cs typeface="Courier New" pitchFamily="49" charset="0"/>
-              </a:rPr>
-              <a:t> != </a:t>
-            </a:r>
-            <a:r>
-              <a:rPr kumimoji="0" lang="de-DE" altLang="de-DE" sz="1200" b="0" i="0" u="none" strike="noStrike" cap="none" normalizeH="0" baseline="0" dirty="0" smtClean="0">
-                <a:ln>
-                  <a:noFill/>
-                </a:ln>
-                <a:solidFill>
-                  <a:srgbClr val="0000FF"/>
-                </a:solidFill>
-                <a:effectLst/>
-                <a:latin typeface="Courier New" pitchFamily="49" charset="0"/>
-                <a:cs typeface="Courier New" pitchFamily="49" charset="0"/>
-              </a:rPr>
-              <a:t>0</a:t>
-            </a:r>
-            <a:r>
-              <a:rPr kumimoji="0" lang="de-DE" altLang="de-DE" sz="1200" b="0" i="0" u="none" strike="noStrike" cap="none" normalizeH="0" baseline="0" dirty="0" smtClean="0">
-                <a:ln>
-                  <a:noFill/>
-                </a:ln>
-                <a:solidFill>
-                  <a:srgbClr val="000000"/>
-                </a:solidFill>
-                <a:effectLst/>
-                <a:latin typeface="Courier New" pitchFamily="49" charset="0"/>
-                <a:cs typeface="Courier New" pitchFamily="49" charset="0"/>
-              </a:rPr>
-              <a:t>:</a:t>
-            </a:r>
-            <a:br>
-              <a:rPr kumimoji="0" lang="de-DE" altLang="de-DE" sz="1200" b="0" i="0" u="none" strike="noStrike" cap="none" normalizeH="0" baseline="0" dirty="0" smtClean="0">
-                <a:ln>
-                  <a:noFill/>
-                </a:ln>
-                <a:solidFill>
-                  <a:srgbClr val="000000"/>
-                </a:solidFill>
-                <a:effectLst/>
-                <a:latin typeface="Courier New" pitchFamily="49" charset="0"/>
-                <a:cs typeface="Courier New" pitchFamily="49" charset="0"/>
-              </a:rPr>
-            </a:br>
-            <a:r>
-              <a:rPr kumimoji="0" lang="de-DE" altLang="de-DE" sz="1200" b="0" i="0" u="none" strike="noStrike" cap="none" normalizeH="0" baseline="0" dirty="0" smtClean="0">
-                <a:ln>
-                  <a:noFill/>
-                </a:ln>
-                <a:solidFill>
-                  <a:srgbClr val="000000"/>
-                </a:solidFill>
-                <a:effectLst/>
-                <a:latin typeface="Courier New" pitchFamily="49" charset="0"/>
-                <a:cs typeface="Courier New" pitchFamily="49" charset="0"/>
-              </a:rPr>
-              <a:t>            </a:t>
-            </a:r>
-            <a:r>
-              <a:rPr kumimoji="0" lang="de-DE" altLang="de-DE" sz="1200" b="0" i="0" u="none" strike="noStrike" cap="none" normalizeH="0" baseline="0" dirty="0" err="1" smtClean="0">
-                <a:ln>
-                  <a:noFill/>
-                </a:ln>
-                <a:solidFill>
-                  <a:srgbClr val="000000"/>
-                </a:solidFill>
-                <a:effectLst/>
-                <a:latin typeface="Courier New" pitchFamily="49" charset="0"/>
-                <a:cs typeface="Courier New" pitchFamily="49" charset="0"/>
-              </a:rPr>
-              <a:t>logs.append</a:t>
-            </a:r>
-            <a:r>
-              <a:rPr kumimoji="0" lang="de-DE" altLang="de-DE" sz="1200" b="0" i="0" u="none" strike="noStrike" cap="none" normalizeH="0" baseline="0" dirty="0" smtClean="0">
-                <a:ln>
-                  <a:noFill/>
-                </a:ln>
-                <a:solidFill>
-                  <a:srgbClr val="000000"/>
-                </a:solidFill>
-                <a:effectLst/>
-                <a:latin typeface="Courier New" pitchFamily="49" charset="0"/>
-                <a:cs typeface="Courier New" pitchFamily="49" charset="0"/>
-              </a:rPr>
-              <a:t>(</a:t>
-            </a:r>
-            <a:r>
-              <a:rPr kumimoji="0" lang="de-DE" altLang="de-DE" sz="1200" b="0" i="0" u="none" strike="noStrike" cap="none" normalizeH="0" baseline="0" dirty="0" err="1" smtClean="0">
-                <a:ln>
-                  <a:noFill/>
-                </a:ln>
-                <a:solidFill>
-                  <a:srgbClr val="000000"/>
-                </a:solidFill>
-                <a:effectLst/>
-                <a:latin typeface="Courier New" pitchFamily="49" charset="0"/>
-                <a:cs typeface="Courier New" pitchFamily="49" charset="0"/>
-              </a:rPr>
-              <a:t>message</a:t>
-            </a:r>
-            <a:r>
-              <a:rPr kumimoji="0" lang="de-DE" altLang="de-DE" sz="1200" b="0" i="0" u="none" strike="noStrike" cap="none" normalizeH="0" baseline="0" dirty="0" smtClean="0">
-                <a:ln>
-                  <a:noFill/>
-                </a:ln>
-                <a:solidFill>
-                  <a:srgbClr val="000000"/>
-                </a:solidFill>
-                <a:effectLst/>
-                <a:latin typeface="Courier New" pitchFamily="49" charset="0"/>
-                <a:cs typeface="Courier New" pitchFamily="49" charset="0"/>
-              </a:rPr>
-              <a:t>)</a:t>
-            </a:r>
-            <a:br>
-              <a:rPr kumimoji="0" lang="de-DE" altLang="de-DE" sz="1200" b="0" i="0" u="none" strike="noStrike" cap="none" normalizeH="0" baseline="0" dirty="0" smtClean="0">
-                <a:ln>
-                  <a:noFill/>
-                </a:ln>
-                <a:solidFill>
-                  <a:srgbClr val="000000"/>
-                </a:solidFill>
-                <a:effectLst/>
-                <a:latin typeface="Courier New" pitchFamily="49" charset="0"/>
-                <a:cs typeface="Courier New" pitchFamily="49" charset="0"/>
-              </a:rPr>
-            </a:br>
-            <a:r>
-              <a:rPr kumimoji="0" lang="de-DE" altLang="de-DE" sz="1200" b="0" i="0" u="none" strike="noStrike" cap="none" normalizeH="0" baseline="0" dirty="0" smtClean="0">
-                <a:ln>
-                  <a:noFill/>
-                </a:ln>
-                <a:solidFill>
-                  <a:srgbClr val="000000"/>
-                </a:solidFill>
-                <a:effectLst/>
-                <a:latin typeface="Courier New" pitchFamily="49" charset="0"/>
-                <a:cs typeface="Courier New" pitchFamily="49" charset="0"/>
-              </a:rPr>
-              <a:t>    </a:t>
-            </a:r>
-            <a:r>
-              <a:rPr kumimoji="0" lang="de-DE" altLang="de-DE" sz="1200" b="1" i="0" u="none" strike="noStrike" cap="none" normalizeH="0" baseline="0" dirty="0" err="1" smtClean="0">
-                <a:ln>
-                  <a:noFill/>
-                </a:ln>
-                <a:solidFill>
-                  <a:srgbClr val="000080"/>
-                </a:solidFill>
-                <a:effectLst/>
-                <a:latin typeface="Courier New" pitchFamily="49" charset="0"/>
-                <a:cs typeface="Courier New" pitchFamily="49" charset="0"/>
-              </a:rPr>
-              <a:t>return</a:t>
-            </a:r>
-            <a:r>
-              <a:rPr kumimoji="0" lang="de-DE" altLang="de-DE" sz="1200" b="1" i="0" u="none" strike="noStrike" cap="none" normalizeH="0" baseline="0" dirty="0" smtClean="0">
-                <a:ln>
-                  <a:noFill/>
-                </a:ln>
-                <a:solidFill>
-                  <a:srgbClr val="000080"/>
-                </a:solidFill>
-                <a:effectLst/>
-                <a:latin typeface="Courier New" pitchFamily="49" charset="0"/>
-                <a:cs typeface="Courier New" pitchFamily="49" charset="0"/>
-              </a:rPr>
-              <a:t> </a:t>
-            </a:r>
-            <a:r>
-              <a:rPr kumimoji="0" lang="de-DE" altLang="de-DE" sz="1200" b="0" i="0" u="none" strike="noStrike" cap="none" normalizeH="0" baseline="0" dirty="0" err="1" smtClean="0">
-                <a:ln>
-                  <a:noFill/>
-                </a:ln>
-                <a:solidFill>
-                  <a:srgbClr val="000000"/>
-                </a:solidFill>
-                <a:effectLst/>
-                <a:latin typeface="Courier New" pitchFamily="49" charset="0"/>
-                <a:cs typeface="Courier New" pitchFamily="49" charset="0"/>
-              </a:rPr>
-              <a:t>logs</a:t>
-            </a:r>
-            <a:endParaRPr kumimoji="0" lang="de-DE" altLang="de-DE" sz="3200" b="0" i="0" u="none" strike="noStrike" cap="none" normalizeH="0" baseline="0" dirty="0" smtClean="0">
+            <a:endParaRPr kumimoji="0" lang="de-DE" altLang="de-DE" sz="3200" b="0" i="0" u="none" strike="noStrike" cap="none" normalizeH="0" baseline="0" dirty="0">
               <a:ln>
                 <a:noFill/>
               </a:ln>
@@ -9447,7 +9504,7 @@
               <a:tabLst/>
             </a:pPr>
             <a:r>
-              <a:rPr kumimoji="0" lang="de-DE" altLang="de-DE" sz="1200" b="0" i="0" u="none" strike="noStrike" cap="none" normalizeH="0" baseline="0" dirty="0" err="1" smtClean="0">
+              <a:rPr kumimoji="0" lang="de-DE" altLang="de-DE" sz="1200" b="0" i="0" u="none" strike="noStrike" cap="none" normalizeH="0" baseline="0" dirty="0" err="1">
                 <a:ln>
                   <a:noFill/>
                 </a:ln>
@@ -9461,7 +9518,7 @@
               <a:t>data</a:t>
             </a:r>
             <a:r>
-              <a:rPr kumimoji="0" lang="de-DE" altLang="de-DE" sz="1200" b="0" i="0" u="none" strike="noStrike" cap="none" normalizeH="0" baseline="0" dirty="0" smtClean="0">
+              <a:rPr kumimoji="0" lang="de-DE" altLang="de-DE" sz="1200" b="0" i="0" u="none" strike="noStrike" cap="none" normalizeH="0" baseline="0" dirty="0">
                 <a:ln>
                   <a:noFill/>
                 </a:ln>
@@ -9475,7 +9532,7 @@
               <a:t> = </a:t>
             </a:r>
             <a:r>
-              <a:rPr kumimoji="0" lang="de-DE" altLang="de-DE" sz="1200" b="0" i="0" u="none" strike="noStrike" cap="none" normalizeH="0" baseline="0" dirty="0" err="1" smtClean="0">
+              <a:rPr kumimoji="0" lang="de-DE" altLang="de-DE" sz="1200" b="0" i="0" u="none" strike="noStrike" cap="none" normalizeH="0" baseline="0" dirty="0" err="1">
                 <a:ln>
                   <a:noFill/>
                 </a:ln>
@@ -9489,7 +9546,7 @@
               <a:t>csv.DictReader</a:t>
             </a:r>
             <a:r>
-              <a:rPr kumimoji="0" lang="de-DE" altLang="de-DE" sz="1200" b="0" i="0" u="none" strike="noStrike" cap="none" normalizeH="0" baseline="0" dirty="0" smtClean="0">
+              <a:rPr kumimoji="0" lang="de-DE" altLang="de-DE" sz="1200" b="0" i="0" u="none" strike="noStrike" cap="none" normalizeH="0" baseline="0" dirty="0">
                 <a:ln>
                   <a:noFill/>
                 </a:ln>
@@ -9503,7 +9560,7 @@
               <a:t>(</a:t>
             </a:r>
             <a:r>
-              <a:rPr kumimoji="0" lang="de-DE" altLang="de-DE" sz="1200" b="0" i="0" u="none" strike="noStrike" cap="none" normalizeH="0" baseline="0" dirty="0" smtClean="0">
+              <a:rPr kumimoji="0" lang="de-DE" altLang="de-DE" sz="1200" b="0" i="0" u="none" strike="noStrike" cap="none" normalizeH="0" baseline="0" dirty="0">
                 <a:ln>
                   <a:noFill/>
                 </a:ln>
@@ -9517,7 +9574,7 @@
               <a:t>open</a:t>
             </a:r>
             <a:r>
-              <a:rPr kumimoji="0" lang="de-DE" altLang="de-DE" sz="1200" b="0" i="0" u="none" strike="noStrike" cap="none" normalizeH="0" baseline="0" dirty="0" smtClean="0">
+              <a:rPr kumimoji="0" lang="de-DE" altLang="de-DE" sz="1200" b="0" i="0" u="none" strike="noStrike" cap="none" normalizeH="0" baseline="0" dirty="0">
                 <a:ln>
                   <a:noFill/>
                 </a:ln>
@@ -9531,7 +9588,7 @@
               <a:t>(</a:t>
             </a:r>
             <a:r>
-              <a:rPr kumimoji="0" lang="de-DE" altLang="de-DE" sz="1200" b="0" i="0" u="none" strike="noStrike" cap="none" normalizeH="0" baseline="0" dirty="0" err="1" smtClean="0">
+              <a:rPr kumimoji="0" lang="de-DE" altLang="de-DE" sz="1200" b="0" i="0" u="none" strike="noStrike" cap="none" normalizeH="0" baseline="0" dirty="0" err="1">
                 <a:ln>
                   <a:noFill/>
                 </a:ln>
@@ -9545,7 +9602,7 @@
               <a:t>path</a:t>
             </a:r>
             <a:r>
-              <a:rPr kumimoji="0" lang="de-DE" altLang="de-DE" sz="1200" b="0" i="0" u="none" strike="noStrike" cap="none" normalizeH="0" baseline="0" dirty="0" smtClean="0">
+              <a:rPr kumimoji="0" lang="de-DE" altLang="de-DE" sz="1200" b="0" i="0" u="none" strike="noStrike" cap="none" normalizeH="0" baseline="0" dirty="0">
                 <a:ln>
                   <a:noFill/>
                 </a:ln>
@@ -9559,7 +9616,7 @@
               <a:t>),</a:t>
             </a:r>
             <a:r>
-              <a:rPr kumimoji="0" lang="de-DE" altLang="de-DE" sz="1200" b="0" i="0" u="none" strike="noStrike" cap="none" normalizeH="0" baseline="0" dirty="0" err="1" smtClean="0">
+              <a:rPr kumimoji="0" lang="de-DE" altLang="de-DE" sz="1200" b="0" i="0" u="none" strike="noStrike" cap="none" normalizeH="0" baseline="0" dirty="0" err="1">
                 <a:ln>
                   <a:noFill/>
                 </a:ln>
@@ -9573,7 +9630,7 @@
               <a:t>dialect</a:t>
             </a:r>
             <a:r>
-              <a:rPr kumimoji="0" lang="de-DE" altLang="de-DE" sz="1200" b="0" i="0" u="none" strike="noStrike" cap="none" normalizeH="0" baseline="0" dirty="0" smtClean="0">
+              <a:rPr kumimoji="0" lang="de-DE" altLang="de-DE" sz="1200" b="0" i="0" u="none" strike="noStrike" cap="none" normalizeH="0" baseline="0" dirty="0">
                 <a:ln>
                   <a:noFill/>
                 </a:ln>
@@ -9587,7 +9644,7 @@
               <a:t>=</a:t>
             </a:r>
             <a:r>
-              <a:rPr kumimoji="0" lang="de-DE" altLang="de-DE" sz="1200" b="1" i="0" u="none" strike="noStrike" cap="none" normalizeH="0" baseline="0" dirty="0" smtClean="0">
+              <a:rPr kumimoji="0" lang="de-DE" altLang="de-DE" sz="1200" b="1" i="0" u="none" strike="noStrike" cap="none" normalizeH="0" baseline="0" dirty="0">
                 <a:ln>
                   <a:noFill/>
                 </a:ln>
@@ -9601,7 +9658,7 @@
               <a:t>'</a:t>
             </a:r>
             <a:r>
-              <a:rPr kumimoji="0" lang="de-DE" altLang="de-DE" sz="1200" b="1" i="0" u="none" strike="noStrike" cap="none" normalizeH="0" baseline="0" dirty="0" err="1" smtClean="0">
+              <a:rPr kumimoji="0" lang="de-DE" altLang="de-DE" sz="1200" b="1" i="0" u="none" strike="noStrike" cap="none" normalizeH="0" baseline="0" dirty="0" err="1">
                 <a:ln>
                   <a:noFill/>
                 </a:ln>
@@ -9615,7 +9672,7 @@
               <a:t>excel</a:t>
             </a:r>
             <a:r>
-              <a:rPr kumimoji="0" lang="de-DE" altLang="de-DE" sz="1200" b="1" i="0" u="none" strike="noStrike" cap="none" normalizeH="0" baseline="0" dirty="0" smtClean="0">
+              <a:rPr kumimoji="0" lang="de-DE" altLang="de-DE" sz="1200" b="1" i="0" u="none" strike="noStrike" cap="none" normalizeH="0" baseline="0" dirty="0">
                 <a:ln>
                   <a:noFill/>
                 </a:ln>
@@ -9629,7 +9686,7 @@
               <a:t>'</a:t>
             </a:r>
             <a:r>
-              <a:rPr kumimoji="0" lang="de-DE" altLang="de-DE" sz="1200" b="0" i="0" u="none" strike="noStrike" cap="none" normalizeH="0" baseline="0" dirty="0" smtClean="0">
+              <a:rPr kumimoji="0" lang="de-DE" altLang="de-DE" sz="1200" b="0" i="0" u="none" strike="noStrike" cap="none" normalizeH="0" baseline="0" dirty="0">
                 <a:ln>
                   <a:noFill/>
                 </a:ln>
@@ -9643,7 +9700,7 @@
               <a:t>)</a:t>
             </a:r>
             <a:br>
-              <a:rPr kumimoji="0" lang="de-DE" altLang="de-DE" sz="1200" b="0" i="0" u="none" strike="noStrike" cap="none" normalizeH="0" baseline="0" dirty="0" smtClean="0">
+              <a:rPr kumimoji="0" lang="de-DE" altLang="de-DE" sz="1200" b="0" i="0" u="none" strike="noStrike" cap="none" normalizeH="0" baseline="0" dirty="0">
                 <a:ln>
                   <a:noFill/>
                 </a:ln>
@@ -9655,8 +9712,8 @@
                 <a:cs typeface="Courier New" pitchFamily="49" charset="0"/>
               </a:rPr>
             </a:br>
-            <a:r>
-              <a:rPr kumimoji="0" lang="de-DE" altLang="de-DE" sz="1200" b="0" i="0" u="none" strike="noStrike" cap="none" normalizeH="0" baseline="0" dirty="0" smtClean="0">
+            <a:br>
+              <a:rPr kumimoji="0" lang="de-DE" altLang="de-DE" sz="1200" b="0" i="0" u="none" strike="noStrike" cap="none" normalizeH="0" baseline="0" dirty="0">
                 <a:ln>
                   <a:noFill/>
                 </a:ln>
@@ -9667,10 +9724,79 @@
                 <a:latin typeface="Courier New" pitchFamily="49" charset="0"/>
                 <a:cs typeface="Courier New" pitchFamily="49" charset="0"/>
               </a:rPr>
-              <a:t/>
+            </a:br>
+            <a:r>
+              <a:rPr kumimoji="0" lang="de-DE" altLang="de-DE" sz="1200" b="1" i="0" u="none" strike="noStrike" cap="none" normalizeH="0" baseline="0" dirty="0" err="1">
+                <a:ln>
+                  <a:noFill/>
+                </a:ln>
+                <a:solidFill>
+                  <a:srgbClr val="000080"/>
+                </a:solidFill>
+                <a:effectLst/>
+                <a:latin typeface="Courier New" pitchFamily="49" charset="0"/>
+                <a:cs typeface="Courier New" pitchFamily="49" charset="0"/>
+              </a:rPr>
+              <a:t>def</a:t>
+            </a:r>
+            <a:r>
+              <a:rPr kumimoji="0" lang="de-DE" altLang="de-DE" sz="1200" b="1" i="0" u="none" strike="noStrike" cap="none" normalizeH="0" baseline="0" dirty="0">
+                <a:ln>
+                  <a:noFill/>
+                </a:ln>
+                <a:solidFill>
+                  <a:srgbClr val="000080"/>
+                </a:solidFill>
+                <a:effectLst/>
+                <a:latin typeface="Courier New" pitchFamily="49" charset="0"/>
+                <a:cs typeface="Courier New" pitchFamily="49" charset="0"/>
+              </a:rPr>
+              <a:t> </a:t>
+            </a:r>
+            <a:r>
+              <a:rPr kumimoji="0" lang="de-DE" altLang="de-DE" sz="1200" b="0" i="0" u="none" strike="noStrike" cap="none" normalizeH="0" baseline="0" dirty="0">
+                <a:ln>
+                  <a:noFill/>
+                </a:ln>
+                <a:solidFill>
+                  <a:srgbClr val="000000"/>
+                </a:solidFill>
+                <a:effectLst/>
+                <a:latin typeface="Courier New" pitchFamily="49" charset="0"/>
+                <a:cs typeface="Courier New" pitchFamily="49" charset="0"/>
+              </a:rPr>
+              <a:t>task1map(</a:t>
+            </a:r>
+            <a:r>
+              <a:rPr kumimoji="0" lang="de-DE" altLang="de-DE" sz="1200" b="0" i="0" u="none" strike="noStrike" cap="none" normalizeH="0" baseline="0" dirty="0" err="1">
+                <a:ln>
+                  <a:noFill/>
+                </a:ln>
+                <a:solidFill>
+                  <a:srgbClr val="000000"/>
+                </a:solidFill>
+                <a:effectLst/>
+                <a:latin typeface="Courier New" pitchFamily="49" charset="0"/>
+                <a:cs typeface="Courier New" pitchFamily="49" charset="0"/>
+              </a:rPr>
+              <a:t>data</a:t>
+            </a:r>
+            <a:r>
+              <a:rPr kumimoji="0" lang="de-DE" altLang="de-DE" sz="1200" b="0" i="0" u="none" strike="noStrike" cap="none" normalizeH="0" baseline="0" dirty="0">
+                <a:ln>
+                  <a:noFill/>
+                </a:ln>
+                <a:solidFill>
+                  <a:srgbClr val="000000"/>
+                </a:solidFill>
+                <a:effectLst/>
+                <a:latin typeface="Courier New" pitchFamily="49" charset="0"/>
+                <a:cs typeface="Courier New" pitchFamily="49" charset="0"/>
+              </a:rPr>
+              <a:t>):</a:t>
             </a:r>
             <a:br>
-              <a:rPr kumimoji="0" lang="de-DE" altLang="de-DE" sz="1200" b="0" i="0" u="none" strike="noStrike" cap="none" normalizeH="0" baseline="0" dirty="0" smtClean="0">
+              <a:rPr kumimoji="0" lang="de-DE" altLang="de-DE" sz="1200" b="0" i="0" u="none" strike="noStrike" cap="none" normalizeH="0" baseline="0" dirty="0">
                 <a:ln>
                   <a:noFill/>
                 </a:ln>
@@ -9683,7 +9809,76 @@
               </a:rPr>
             </a:br>
             <a:r>
-              <a:rPr kumimoji="0" lang="de-DE" altLang="de-DE" sz="1200" b="1" i="0" u="none" strike="noStrike" cap="none" normalizeH="0" baseline="0" dirty="0" err="1" smtClean="0">
+              <a:rPr kumimoji="0" lang="de-DE" altLang="de-DE" sz="1200" b="0" i="0" u="none" strike="noStrike" cap="none" normalizeH="0" baseline="0" dirty="0">
+                <a:ln>
+                  <a:noFill/>
+                </a:ln>
+                <a:solidFill>
+                  <a:srgbClr val="000000"/>
+                </a:solidFill>
+                <a:effectLst/>
+                <a:latin typeface="Courier New" pitchFamily="49" charset="0"/>
+                <a:cs typeface="Courier New" pitchFamily="49" charset="0"/>
+              </a:rPr>
+              <a:t>    </a:t>
+            </a:r>
+            <a:r>
+              <a:rPr kumimoji="0" lang="de-DE" altLang="de-DE" sz="1200" b="0" i="0" u="none" strike="noStrike" cap="none" normalizeH="0" baseline="0" dirty="0" err="1">
+                <a:ln>
+                  <a:noFill/>
+                </a:ln>
+                <a:solidFill>
+                  <a:srgbClr val="000000"/>
+                </a:solidFill>
+                <a:effectLst/>
+                <a:latin typeface="Courier New" pitchFamily="49" charset="0"/>
+                <a:cs typeface="Courier New" pitchFamily="49" charset="0"/>
+              </a:rPr>
+              <a:t>timestamps</a:t>
+            </a:r>
+            <a:r>
+              <a:rPr kumimoji="0" lang="de-DE" altLang="de-DE" sz="1200" b="0" i="0" u="none" strike="noStrike" cap="none" normalizeH="0" baseline="0" dirty="0">
+                <a:ln>
+                  <a:noFill/>
+                </a:ln>
+                <a:solidFill>
+                  <a:srgbClr val="000000"/>
+                </a:solidFill>
+                <a:effectLst/>
+                <a:latin typeface="Courier New" pitchFamily="49" charset="0"/>
+                <a:cs typeface="Courier New" pitchFamily="49" charset="0"/>
+              </a:rPr>
+              <a:t> = []</a:t>
+            </a:r>
+            <a:br>
+              <a:rPr kumimoji="0" lang="de-DE" altLang="de-DE" sz="1200" b="0" i="0" u="none" strike="noStrike" cap="none" normalizeH="0" baseline="0" dirty="0">
+                <a:ln>
+                  <a:noFill/>
+                </a:ln>
+                <a:solidFill>
+                  <a:srgbClr val="000000"/>
+                </a:solidFill>
+                <a:effectLst/>
+                <a:latin typeface="Courier New" pitchFamily="49" charset="0"/>
+                <a:cs typeface="Courier New" pitchFamily="49" charset="0"/>
+              </a:rPr>
+            </a:br>
+            <a:r>
+              <a:rPr kumimoji="0" lang="de-DE" altLang="de-DE" sz="1200" b="0" i="0" u="none" strike="noStrike" cap="none" normalizeH="0" baseline="0" dirty="0">
+                <a:ln>
+                  <a:noFill/>
+                </a:ln>
+                <a:solidFill>
+                  <a:srgbClr val="000000"/>
+                </a:solidFill>
+                <a:effectLst/>
+                <a:latin typeface="Courier New" pitchFamily="49" charset="0"/>
+                <a:cs typeface="Courier New" pitchFamily="49" charset="0"/>
+              </a:rPr>
+              <a:t>    </a:t>
+            </a:r>
+            <a:r>
+              <a:rPr kumimoji="0" lang="de-DE" altLang="de-DE" sz="1200" b="1" i="0" u="none" strike="noStrike" cap="none" normalizeH="0" baseline="0" dirty="0" err="1">
                 <a:ln>
                   <a:noFill/>
                 </a:ln>
@@ -9694,10 +9889,10 @@
                 <a:latin typeface="Courier New" pitchFamily="49" charset="0"/>
                 <a:cs typeface="Courier New" pitchFamily="49" charset="0"/>
               </a:rPr>
-              <a:t>def</a:t>
-            </a:r>
-            <a:r>
-              <a:rPr kumimoji="0" lang="de-DE" altLang="de-DE" sz="1200" b="1" i="0" u="none" strike="noStrike" cap="none" normalizeH="0" baseline="0" dirty="0" smtClean="0">
+              <a:t>for</a:t>
+            </a:r>
+            <a:r>
+              <a:rPr kumimoji="0" lang="de-DE" altLang="de-DE" sz="1200" b="1" i="0" u="none" strike="noStrike" cap="none" normalizeH="0" baseline="0" dirty="0">
                 <a:ln>
                   <a:noFill/>
                 </a:ln>
@@ -9711,7 +9906,7 @@
               <a:t> </a:t>
             </a:r>
             <a:r>
-              <a:rPr kumimoji="0" lang="de-DE" altLang="de-DE" sz="1200" b="0" i="0" u="none" strike="noStrike" cap="none" normalizeH="0" baseline="0" dirty="0" smtClean="0">
+              <a:rPr kumimoji="0" lang="de-DE" altLang="de-DE" sz="1200" b="0" i="0" u="none" strike="noStrike" cap="none" normalizeH="0" baseline="0" dirty="0" err="1">
                 <a:ln>
                   <a:noFill/>
                 </a:ln>
@@ -9722,10 +9917,10 @@
                 <a:latin typeface="Courier New" pitchFamily="49" charset="0"/>
                 <a:cs typeface="Courier New" pitchFamily="49" charset="0"/>
               </a:rPr>
-              <a:t>task1map(</a:t>
-            </a:r>
-            <a:r>
-              <a:rPr kumimoji="0" lang="de-DE" altLang="de-DE" sz="1200" b="0" i="0" u="none" strike="noStrike" cap="none" normalizeH="0" baseline="0" dirty="0" err="1" smtClean="0">
+              <a:t>row</a:t>
+            </a:r>
+            <a:r>
+              <a:rPr kumimoji="0" lang="de-DE" altLang="de-DE" sz="1200" b="0" i="0" u="none" strike="noStrike" cap="none" normalizeH="0" baseline="0" dirty="0">
                 <a:ln>
                   <a:noFill/>
                 </a:ln>
@@ -9736,10 +9931,38 @@
                 <a:latin typeface="Courier New" pitchFamily="49" charset="0"/>
                 <a:cs typeface="Courier New" pitchFamily="49" charset="0"/>
               </a:rPr>
+              <a:t> </a:t>
+            </a:r>
+            <a:r>
+              <a:rPr kumimoji="0" lang="de-DE" altLang="de-DE" sz="1200" b="1" i="0" u="none" strike="noStrike" cap="none" normalizeH="0" baseline="0" dirty="0">
+                <a:ln>
+                  <a:noFill/>
+                </a:ln>
+                <a:solidFill>
+                  <a:srgbClr val="000080"/>
+                </a:solidFill>
+                <a:effectLst/>
+                <a:latin typeface="Courier New" pitchFamily="49" charset="0"/>
+                <a:cs typeface="Courier New" pitchFamily="49" charset="0"/>
+              </a:rPr>
+              <a:t>in </a:t>
+            </a:r>
+            <a:r>
+              <a:rPr kumimoji="0" lang="de-DE" altLang="de-DE" sz="1200" b="0" i="0" u="none" strike="noStrike" cap="none" normalizeH="0" baseline="0" dirty="0" err="1">
+                <a:ln>
+                  <a:noFill/>
+                </a:ln>
+                <a:solidFill>
+                  <a:srgbClr val="000000"/>
+                </a:solidFill>
+                <a:effectLst/>
+                <a:latin typeface="Courier New" pitchFamily="49" charset="0"/>
+                <a:cs typeface="Courier New" pitchFamily="49" charset="0"/>
+              </a:rPr>
               <a:t>data</a:t>
             </a:r>
             <a:r>
-              <a:rPr kumimoji="0" lang="de-DE" altLang="de-DE" sz="1200" b="0" i="0" u="none" strike="noStrike" cap="none" normalizeH="0" baseline="0" dirty="0" smtClean="0">
+              <a:rPr kumimoji="0" lang="de-DE" altLang="de-DE" sz="1200" b="0" i="0" u="none" strike="noStrike" cap="none" normalizeH="0" baseline="0" dirty="0">
                 <a:ln>
                   <a:noFill/>
                 </a:ln>
@@ -9750,10 +9973,10 @@
                 <a:latin typeface="Courier New" pitchFamily="49" charset="0"/>
                 <a:cs typeface="Courier New" pitchFamily="49" charset="0"/>
               </a:rPr>
-              <a:t>):</a:t>
+              <a:t>:</a:t>
             </a:r>
             <a:br>
-              <a:rPr kumimoji="0" lang="de-DE" altLang="de-DE" sz="1200" b="0" i="0" u="none" strike="noStrike" cap="none" normalizeH="0" baseline="0" dirty="0" smtClean="0">
+              <a:rPr kumimoji="0" lang="de-DE" altLang="de-DE" sz="1200" b="0" i="0" u="none" strike="noStrike" cap="none" normalizeH="0" baseline="0" dirty="0">
                 <a:ln>
                   <a:noFill/>
                 </a:ln>
@@ -9766,7 +9989,7 @@
               </a:rPr>
             </a:br>
             <a:r>
-              <a:rPr kumimoji="0" lang="de-DE" altLang="de-DE" sz="1200" b="0" i="0" u="none" strike="noStrike" cap="none" normalizeH="0" baseline="0" dirty="0" smtClean="0">
+              <a:rPr kumimoji="0" lang="de-DE" altLang="de-DE" sz="1200" b="0" i="0" u="none" strike="noStrike" cap="none" normalizeH="0" baseline="0" dirty="0">
                 <a:ln>
                   <a:noFill/>
                 </a:ln>
@@ -9777,10 +10000,400 @@
                 <a:latin typeface="Courier New" pitchFamily="49" charset="0"/>
                 <a:cs typeface="Courier New" pitchFamily="49" charset="0"/>
               </a:rPr>
+              <a:t>        </a:t>
+            </a:r>
+            <a:r>
+              <a:rPr kumimoji="0" lang="de-DE" altLang="de-DE" sz="1200" b="1" i="0" u="none" strike="noStrike" cap="none" normalizeH="0" baseline="0" dirty="0" err="1">
+                <a:ln>
+                  <a:noFill/>
+                </a:ln>
+                <a:solidFill>
+                  <a:srgbClr val="000080"/>
+                </a:solidFill>
+                <a:effectLst/>
+                <a:latin typeface="Courier New" pitchFamily="49" charset="0"/>
+                <a:cs typeface="Courier New" pitchFamily="49" charset="0"/>
+              </a:rPr>
+              <a:t>if</a:t>
+            </a:r>
+            <a:r>
+              <a:rPr kumimoji="0" lang="de-DE" altLang="de-DE" sz="1200" b="1" i="0" u="none" strike="noStrike" cap="none" normalizeH="0" baseline="0" dirty="0">
+                <a:ln>
+                  <a:noFill/>
+                </a:ln>
+                <a:solidFill>
+                  <a:srgbClr val="000080"/>
+                </a:solidFill>
+                <a:effectLst/>
+                <a:latin typeface="Courier New" pitchFamily="49" charset="0"/>
+                <a:cs typeface="Courier New" pitchFamily="49" charset="0"/>
+              </a:rPr>
+              <a:t> </a:t>
+            </a:r>
+            <a:r>
+              <a:rPr kumimoji="0" lang="de-DE" altLang="de-DE" sz="1200" b="0" i="0" u="none" strike="noStrike" cap="none" normalizeH="0" baseline="0" dirty="0" err="1">
+                <a:ln>
+                  <a:noFill/>
+                </a:ln>
+                <a:solidFill>
+                  <a:srgbClr val="000000"/>
+                </a:solidFill>
+                <a:effectLst/>
+                <a:latin typeface="Courier New" pitchFamily="49" charset="0"/>
+                <a:cs typeface="Courier New" pitchFamily="49" charset="0"/>
+              </a:rPr>
+              <a:t>row</a:t>
+            </a:r>
+            <a:r>
+              <a:rPr kumimoji="0" lang="de-DE" altLang="de-DE" sz="1200" b="0" i="0" u="none" strike="noStrike" cap="none" normalizeH="0" baseline="0" dirty="0">
+                <a:ln>
+                  <a:noFill/>
+                </a:ln>
+                <a:solidFill>
+                  <a:srgbClr val="000000"/>
+                </a:solidFill>
+                <a:effectLst/>
+                <a:latin typeface="Courier New" pitchFamily="49" charset="0"/>
+                <a:cs typeface="Courier New" pitchFamily="49" charset="0"/>
+              </a:rPr>
+              <a:t>[</a:t>
+            </a:r>
+            <a:r>
+              <a:rPr kumimoji="0" lang="de-DE" altLang="de-DE" sz="1200" b="1" i="0" u="none" strike="noStrike" cap="none" normalizeH="0" baseline="0" dirty="0">
+                <a:ln>
+                  <a:noFill/>
+                </a:ln>
+                <a:solidFill>
+                  <a:srgbClr val="008080"/>
+                </a:solidFill>
+                <a:effectLst/>
+                <a:latin typeface="Courier New" pitchFamily="49" charset="0"/>
+                <a:cs typeface="Courier New" pitchFamily="49" charset="0"/>
+              </a:rPr>
+              <a:t>'</a:t>
+            </a:r>
+            <a:r>
+              <a:rPr kumimoji="0" lang="de-DE" altLang="de-DE" sz="1200" b="1" i="0" u="none" strike="noStrike" cap="none" normalizeH="0" baseline="0" dirty="0" err="1">
+                <a:ln>
+                  <a:noFill/>
+                </a:ln>
+                <a:solidFill>
+                  <a:srgbClr val="008080"/>
+                </a:solidFill>
+                <a:effectLst/>
+                <a:latin typeface="Courier New" pitchFamily="49" charset="0"/>
+                <a:cs typeface="Courier New" pitchFamily="49" charset="0"/>
+              </a:rPr>
+              <a:t>code</a:t>
+            </a:r>
+            <a:r>
+              <a:rPr kumimoji="0" lang="de-DE" altLang="de-DE" sz="1200" b="1" i="0" u="none" strike="noStrike" cap="none" normalizeH="0" baseline="0" dirty="0">
+                <a:ln>
+                  <a:noFill/>
+                </a:ln>
+                <a:solidFill>
+                  <a:srgbClr val="008080"/>
+                </a:solidFill>
+                <a:effectLst/>
+                <a:latin typeface="Courier New" pitchFamily="49" charset="0"/>
+                <a:cs typeface="Courier New" pitchFamily="49" charset="0"/>
+              </a:rPr>
+              <a:t>'</a:t>
+            </a:r>
+            <a:r>
+              <a:rPr kumimoji="0" lang="de-DE" altLang="de-DE" sz="1200" b="0" i="0" u="none" strike="noStrike" cap="none" normalizeH="0" baseline="0" dirty="0">
+                <a:ln>
+                  <a:noFill/>
+                </a:ln>
+                <a:solidFill>
+                  <a:srgbClr val="000000"/>
+                </a:solidFill>
+                <a:effectLst/>
+                <a:latin typeface="Courier New" pitchFamily="49" charset="0"/>
+                <a:cs typeface="Courier New" pitchFamily="49" charset="0"/>
+              </a:rPr>
+              <a:t>]==</a:t>
+            </a:r>
+            <a:r>
+              <a:rPr kumimoji="0" lang="de-DE" altLang="de-DE" sz="1200" b="1" i="0" u="none" strike="noStrike" cap="none" normalizeH="0" baseline="0" dirty="0">
+                <a:ln>
+                  <a:noFill/>
+                </a:ln>
+                <a:solidFill>
+                  <a:srgbClr val="008080"/>
+                </a:solidFill>
+                <a:effectLst/>
+                <a:latin typeface="Courier New" pitchFamily="49" charset="0"/>
+                <a:cs typeface="Courier New" pitchFamily="49" charset="0"/>
+              </a:rPr>
+              <a:t>'</a:t>
+            </a:r>
+            <a:r>
+              <a:rPr kumimoji="0" lang="de-DE" altLang="de-DE" sz="1200" b="1" i="0" u="none" strike="noStrike" cap="none" normalizeH="0" baseline="0" dirty="0" err="1">
+                <a:ln>
+                  <a:noFill/>
+                </a:ln>
+                <a:solidFill>
+                  <a:srgbClr val="008080"/>
+                </a:solidFill>
+                <a:effectLst/>
+                <a:latin typeface="Courier New" pitchFamily="49" charset="0"/>
+                <a:cs typeface="Courier New" pitchFamily="49" charset="0"/>
+              </a:rPr>
+              <a:t>res_snd</a:t>
+            </a:r>
+            <a:r>
+              <a:rPr kumimoji="0" lang="de-DE" altLang="de-DE" sz="1200" b="1" i="0" u="none" strike="noStrike" cap="none" normalizeH="0" baseline="0" dirty="0">
+                <a:ln>
+                  <a:noFill/>
+                </a:ln>
+                <a:solidFill>
+                  <a:srgbClr val="008080"/>
+                </a:solidFill>
+                <a:effectLst/>
+                <a:latin typeface="Courier New" pitchFamily="49" charset="0"/>
+                <a:cs typeface="Courier New" pitchFamily="49" charset="0"/>
+              </a:rPr>
+              <a:t>'</a:t>
+            </a:r>
+            <a:r>
+              <a:rPr kumimoji="0" lang="de-DE" altLang="de-DE" sz="1200" b="0" i="0" u="none" strike="noStrike" cap="none" normalizeH="0" baseline="0" dirty="0">
+                <a:ln>
+                  <a:noFill/>
+                </a:ln>
+                <a:solidFill>
+                  <a:srgbClr val="000000"/>
+                </a:solidFill>
+                <a:effectLst/>
+                <a:latin typeface="Courier New" pitchFamily="49" charset="0"/>
+                <a:cs typeface="Courier New" pitchFamily="49" charset="0"/>
+              </a:rPr>
+              <a:t>:</a:t>
+            </a:r>
+            <a:br>
+              <a:rPr kumimoji="0" lang="de-DE" altLang="de-DE" sz="1200" b="0" i="0" u="none" strike="noStrike" cap="none" normalizeH="0" baseline="0" dirty="0">
+                <a:ln>
+                  <a:noFill/>
+                </a:ln>
+                <a:solidFill>
+                  <a:srgbClr val="000000"/>
+                </a:solidFill>
+                <a:effectLst/>
+                <a:latin typeface="Courier New" pitchFamily="49" charset="0"/>
+                <a:cs typeface="Courier New" pitchFamily="49" charset="0"/>
+              </a:rPr>
+            </a:br>
+            <a:r>
+              <a:rPr kumimoji="0" lang="de-DE" altLang="de-DE" sz="1200" b="0" i="0" u="none" strike="noStrike" cap="none" normalizeH="0" baseline="0" dirty="0">
+                <a:ln>
+                  <a:noFill/>
+                </a:ln>
+                <a:solidFill>
+                  <a:srgbClr val="000000"/>
+                </a:solidFill>
+                <a:effectLst/>
+                <a:latin typeface="Courier New" pitchFamily="49" charset="0"/>
+                <a:cs typeface="Courier New" pitchFamily="49" charset="0"/>
+              </a:rPr>
+              <a:t>            </a:t>
+            </a:r>
+            <a:r>
+              <a:rPr kumimoji="0" lang="de-DE" altLang="de-DE" sz="1200" b="0" i="0" u="none" strike="noStrike" cap="none" normalizeH="0" baseline="0" dirty="0" err="1">
+                <a:ln>
+                  <a:noFill/>
+                </a:ln>
+                <a:solidFill>
+                  <a:srgbClr val="000000"/>
+                </a:solidFill>
+                <a:effectLst/>
+                <a:latin typeface="Courier New" pitchFamily="49" charset="0"/>
+                <a:cs typeface="Courier New" pitchFamily="49" charset="0"/>
+              </a:rPr>
+              <a:t>timestamps.append</a:t>
+            </a:r>
+            <a:r>
+              <a:rPr kumimoji="0" lang="de-DE" altLang="de-DE" sz="1200" b="0" i="0" u="none" strike="noStrike" cap="none" normalizeH="0" baseline="0" dirty="0">
+                <a:ln>
+                  <a:noFill/>
+                </a:ln>
+                <a:solidFill>
+                  <a:srgbClr val="000000"/>
+                </a:solidFill>
+                <a:effectLst/>
+                <a:latin typeface="Courier New" pitchFamily="49" charset="0"/>
+                <a:cs typeface="Courier New" pitchFamily="49" charset="0"/>
+              </a:rPr>
+              <a:t>(</a:t>
+            </a:r>
+            <a:r>
+              <a:rPr kumimoji="0" lang="de-DE" altLang="de-DE" sz="1200" b="0" i="0" u="none" strike="noStrike" cap="none" normalizeH="0" baseline="0" dirty="0" err="1">
+                <a:ln>
+                  <a:noFill/>
+                </a:ln>
+                <a:solidFill>
+                  <a:srgbClr val="000080"/>
+                </a:solidFill>
+                <a:effectLst/>
+                <a:latin typeface="Courier New" pitchFamily="49" charset="0"/>
+                <a:cs typeface="Courier New" pitchFamily="49" charset="0"/>
+              </a:rPr>
+              <a:t>int</a:t>
+            </a:r>
+            <a:r>
+              <a:rPr kumimoji="0" lang="de-DE" altLang="de-DE" sz="1200" b="0" i="0" u="none" strike="noStrike" cap="none" normalizeH="0" baseline="0" dirty="0">
+                <a:ln>
+                  <a:noFill/>
+                </a:ln>
+                <a:solidFill>
+                  <a:srgbClr val="000000"/>
+                </a:solidFill>
+                <a:effectLst/>
+                <a:latin typeface="Courier New" pitchFamily="49" charset="0"/>
+                <a:cs typeface="Courier New" pitchFamily="49" charset="0"/>
+              </a:rPr>
+              <a:t>(</a:t>
+            </a:r>
+            <a:r>
+              <a:rPr kumimoji="0" lang="de-DE" altLang="de-DE" sz="1200" b="0" i="0" u="none" strike="noStrike" cap="none" normalizeH="0" baseline="0" dirty="0" err="1">
+                <a:ln>
+                  <a:noFill/>
+                </a:ln>
+                <a:solidFill>
+                  <a:srgbClr val="000000"/>
+                </a:solidFill>
+                <a:effectLst/>
+                <a:latin typeface="Courier New" pitchFamily="49" charset="0"/>
+                <a:cs typeface="Courier New" pitchFamily="49" charset="0"/>
+              </a:rPr>
+              <a:t>row</a:t>
+            </a:r>
+            <a:r>
+              <a:rPr kumimoji="0" lang="de-DE" altLang="de-DE" sz="1200" b="0" i="0" u="none" strike="noStrike" cap="none" normalizeH="0" baseline="0" dirty="0">
+                <a:ln>
+                  <a:noFill/>
+                </a:ln>
+                <a:solidFill>
+                  <a:srgbClr val="000000"/>
+                </a:solidFill>
+                <a:effectLst/>
+                <a:latin typeface="Courier New" pitchFamily="49" charset="0"/>
+                <a:cs typeface="Courier New" pitchFamily="49" charset="0"/>
+              </a:rPr>
+              <a:t>[</a:t>
+            </a:r>
+            <a:r>
+              <a:rPr kumimoji="0" lang="de-DE" altLang="de-DE" sz="1200" b="1" i="0" u="none" strike="noStrike" cap="none" normalizeH="0" baseline="0" dirty="0">
+                <a:ln>
+                  <a:noFill/>
+                </a:ln>
+                <a:solidFill>
+                  <a:srgbClr val="008080"/>
+                </a:solidFill>
+                <a:effectLst/>
+                <a:latin typeface="Courier New" pitchFamily="49" charset="0"/>
+                <a:cs typeface="Courier New" pitchFamily="49" charset="0"/>
+              </a:rPr>
+              <a:t>'time'</a:t>
+            </a:r>
+            <a:r>
+              <a:rPr kumimoji="0" lang="de-DE" altLang="de-DE" sz="1200" b="0" i="0" u="none" strike="noStrike" cap="none" normalizeH="0" baseline="0" dirty="0">
+                <a:ln>
+                  <a:noFill/>
+                </a:ln>
+                <a:solidFill>
+                  <a:srgbClr val="000000"/>
+                </a:solidFill>
+                <a:effectLst/>
+                <a:latin typeface="Courier New" pitchFamily="49" charset="0"/>
+                <a:cs typeface="Courier New" pitchFamily="49" charset="0"/>
+              </a:rPr>
+              <a:t>])//</a:t>
+            </a:r>
+            <a:r>
+              <a:rPr kumimoji="0" lang="de-DE" altLang="de-DE" sz="1200" b="0" i="0" u="none" strike="noStrike" cap="none" normalizeH="0" baseline="0" dirty="0">
+                <a:ln>
+                  <a:noFill/>
+                </a:ln>
+                <a:solidFill>
+                  <a:srgbClr val="0000FF"/>
+                </a:solidFill>
+                <a:effectLst/>
+                <a:latin typeface="Courier New" pitchFamily="49" charset="0"/>
+                <a:cs typeface="Courier New" pitchFamily="49" charset="0"/>
+              </a:rPr>
+              <a:t>60000</a:t>
+            </a:r>
+            <a:r>
+              <a:rPr kumimoji="0" lang="de-DE" altLang="de-DE" sz="1200" b="0" i="0" u="none" strike="noStrike" cap="none" normalizeH="0" baseline="0" dirty="0">
+                <a:ln>
+                  <a:noFill/>
+                </a:ln>
+                <a:solidFill>
+                  <a:srgbClr val="000000"/>
+                </a:solidFill>
+                <a:effectLst/>
+                <a:latin typeface="Courier New" pitchFamily="49" charset="0"/>
+                <a:cs typeface="Courier New" pitchFamily="49" charset="0"/>
+              </a:rPr>
+              <a:t>)</a:t>
+            </a:r>
+            <a:br>
+              <a:rPr kumimoji="0" lang="de-DE" altLang="de-DE" sz="1200" b="0" i="0" u="none" strike="noStrike" cap="none" normalizeH="0" baseline="0" dirty="0">
+                <a:ln>
+                  <a:noFill/>
+                </a:ln>
+                <a:solidFill>
+                  <a:srgbClr val="000000"/>
+                </a:solidFill>
+                <a:effectLst/>
+                <a:latin typeface="Courier New" pitchFamily="49" charset="0"/>
+                <a:cs typeface="Courier New" pitchFamily="49" charset="0"/>
+              </a:rPr>
+            </a:br>
+            <a:r>
+              <a:rPr kumimoji="0" lang="de-DE" altLang="de-DE" sz="1200" b="0" i="0" u="none" strike="noStrike" cap="none" normalizeH="0" baseline="0" dirty="0">
+                <a:ln>
+                  <a:noFill/>
+                </a:ln>
+                <a:solidFill>
+                  <a:srgbClr val="000000"/>
+                </a:solidFill>
+                <a:effectLst/>
+                <a:latin typeface="Courier New" pitchFamily="49" charset="0"/>
+                <a:cs typeface="Courier New" pitchFamily="49" charset="0"/>
+              </a:rPr>
               <a:t>    </a:t>
             </a:r>
             <a:r>
-              <a:rPr kumimoji="0" lang="de-DE" altLang="de-DE" sz="1200" b="0" i="0" u="none" strike="noStrike" cap="none" normalizeH="0" baseline="0" dirty="0" err="1" smtClean="0">
+              <a:rPr kumimoji="0" lang="de-DE" altLang="de-DE" sz="1200" b="1" i="0" u="none" strike="noStrike" cap="none" normalizeH="0" baseline="0" dirty="0" err="1">
+                <a:ln>
+                  <a:noFill/>
+                </a:ln>
+                <a:solidFill>
+                  <a:srgbClr val="000080"/>
+                </a:solidFill>
+                <a:effectLst/>
+                <a:latin typeface="Courier New" pitchFamily="49" charset="0"/>
+                <a:cs typeface="Courier New" pitchFamily="49" charset="0"/>
+              </a:rPr>
+              <a:t>return</a:t>
+            </a:r>
+            <a:r>
+              <a:rPr kumimoji="0" lang="de-DE" altLang="de-DE" sz="1200" b="1" i="0" u="none" strike="noStrike" cap="none" normalizeH="0" baseline="0" dirty="0">
+                <a:ln>
+                  <a:noFill/>
+                </a:ln>
+                <a:solidFill>
+                  <a:srgbClr val="000080"/>
+                </a:solidFill>
+                <a:effectLst/>
+                <a:latin typeface="Courier New" pitchFamily="49" charset="0"/>
+                <a:cs typeface="Courier New" pitchFamily="49" charset="0"/>
+              </a:rPr>
+              <a:t> </a:t>
+            </a:r>
+            <a:r>
+              <a:rPr kumimoji="0" lang="de-DE" altLang="de-DE" sz="1200" b="0" i="0" u="none" strike="noStrike" cap="none" normalizeH="0" baseline="0" dirty="0" err="1">
                 <a:ln>
                   <a:noFill/>
                 </a:ln>
@@ -9793,577 +10406,7 @@
               </a:rPr>
               <a:t>timestamps</a:t>
             </a:r>
-            <a:r>
-              <a:rPr kumimoji="0" lang="de-DE" altLang="de-DE" sz="1200" b="0" i="0" u="none" strike="noStrike" cap="none" normalizeH="0" baseline="0" dirty="0" smtClean="0">
-                <a:ln>
-                  <a:noFill/>
-                </a:ln>
-                <a:solidFill>
-                  <a:srgbClr val="000000"/>
-                </a:solidFill>
-                <a:effectLst/>
-                <a:latin typeface="Courier New" pitchFamily="49" charset="0"/>
-                <a:cs typeface="Courier New" pitchFamily="49" charset="0"/>
-              </a:rPr>
-              <a:t> = []</a:t>
-            </a:r>
-            <a:br>
-              <a:rPr kumimoji="0" lang="de-DE" altLang="de-DE" sz="1200" b="0" i="0" u="none" strike="noStrike" cap="none" normalizeH="0" baseline="0" dirty="0" smtClean="0">
-                <a:ln>
-                  <a:noFill/>
-                </a:ln>
-                <a:solidFill>
-                  <a:srgbClr val="000000"/>
-                </a:solidFill>
-                <a:effectLst/>
-                <a:latin typeface="Courier New" pitchFamily="49" charset="0"/>
-                <a:cs typeface="Courier New" pitchFamily="49" charset="0"/>
-              </a:rPr>
-            </a:br>
-            <a:r>
-              <a:rPr kumimoji="0" lang="de-DE" altLang="de-DE" sz="1200" b="0" i="0" u="none" strike="noStrike" cap="none" normalizeH="0" baseline="0" dirty="0" smtClean="0">
-                <a:ln>
-                  <a:noFill/>
-                </a:ln>
-                <a:solidFill>
-                  <a:srgbClr val="000000"/>
-                </a:solidFill>
-                <a:effectLst/>
-                <a:latin typeface="Courier New" pitchFamily="49" charset="0"/>
-                <a:cs typeface="Courier New" pitchFamily="49" charset="0"/>
-              </a:rPr>
-              <a:t>    </a:t>
-            </a:r>
-            <a:r>
-              <a:rPr kumimoji="0" lang="de-DE" altLang="de-DE" sz="1200" b="1" i="0" u="none" strike="noStrike" cap="none" normalizeH="0" baseline="0" dirty="0" err="1" smtClean="0">
-                <a:ln>
-                  <a:noFill/>
-                </a:ln>
-                <a:solidFill>
-                  <a:srgbClr val="000080"/>
-                </a:solidFill>
-                <a:effectLst/>
-                <a:latin typeface="Courier New" pitchFamily="49" charset="0"/>
-                <a:cs typeface="Courier New" pitchFamily="49" charset="0"/>
-              </a:rPr>
-              <a:t>for</a:t>
-            </a:r>
-            <a:r>
-              <a:rPr kumimoji="0" lang="de-DE" altLang="de-DE" sz="1200" b="1" i="0" u="none" strike="noStrike" cap="none" normalizeH="0" baseline="0" dirty="0" smtClean="0">
-                <a:ln>
-                  <a:noFill/>
-                </a:ln>
-                <a:solidFill>
-                  <a:srgbClr val="000080"/>
-                </a:solidFill>
-                <a:effectLst/>
-                <a:latin typeface="Courier New" pitchFamily="49" charset="0"/>
-                <a:cs typeface="Courier New" pitchFamily="49" charset="0"/>
-              </a:rPr>
-              <a:t> </a:t>
-            </a:r>
-            <a:r>
-              <a:rPr kumimoji="0" lang="de-DE" altLang="de-DE" sz="1200" b="0" i="0" u="none" strike="noStrike" cap="none" normalizeH="0" baseline="0" dirty="0" err="1" smtClean="0">
-                <a:ln>
-                  <a:noFill/>
-                </a:ln>
-                <a:solidFill>
-                  <a:srgbClr val="000000"/>
-                </a:solidFill>
-                <a:effectLst/>
-                <a:latin typeface="Courier New" pitchFamily="49" charset="0"/>
-                <a:cs typeface="Courier New" pitchFamily="49" charset="0"/>
-              </a:rPr>
-              <a:t>row</a:t>
-            </a:r>
-            <a:r>
-              <a:rPr kumimoji="0" lang="de-DE" altLang="de-DE" sz="1200" b="0" i="0" u="none" strike="noStrike" cap="none" normalizeH="0" baseline="0" dirty="0" smtClean="0">
-                <a:ln>
-                  <a:noFill/>
-                </a:ln>
-                <a:solidFill>
-                  <a:srgbClr val="000000"/>
-                </a:solidFill>
-                <a:effectLst/>
-                <a:latin typeface="Courier New" pitchFamily="49" charset="0"/>
-                <a:cs typeface="Courier New" pitchFamily="49" charset="0"/>
-              </a:rPr>
-              <a:t> </a:t>
-            </a:r>
-            <a:r>
-              <a:rPr kumimoji="0" lang="de-DE" altLang="de-DE" sz="1200" b="1" i="0" u="none" strike="noStrike" cap="none" normalizeH="0" baseline="0" dirty="0" smtClean="0">
-                <a:ln>
-                  <a:noFill/>
-                </a:ln>
-                <a:solidFill>
-                  <a:srgbClr val="000080"/>
-                </a:solidFill>
-                <a:effectLst/>
-                <a:latin typeface="Courier New" pitchFamily="49" charset="0"/>
-                <a:cs typeface="Courier New" pitchFamily="49" charset="0"/>
-              </a:rPr>
-              <a:t>in </a:t>
-            </a:r>
-            <a:r>
-              <a:rPr kumimoji="0" lang="de-DE" altLang="de-DE" sz="1200" b="0" i="0" u="none" strike="noStrike" cap="none" normalizeH="0" baseline="0" dirty="0" err="1" smtClean="0">
-                <a:ln>
-                  <a:noFill/>
-                </a:ln>
-                <a:solidFill>
-                  <a:srgbClr val="000000"/>
-                </a:solidFill>
-                <a:effectLst/>
-                <a:latin typeface="Courier New" pitchFamily="49" charset="0"/>
-                <a:cs typeface="Courier New" pitchFamily="49" charset="0"/>
-              </a:rPr>
-              <a:t>data</a:t>
-            </a:r>
-            <a:r>
-              <a:rPr kumimoji="0" lang="de-DE" altLang="de-DE" sz="1200" b="0" i="0" u="none" strike="noStrike" cap="none" normalizeH="0" baseline="0" dirty="0" smtClean="0">
-                <a:ln>
-                  <a:noFill/>
-                </a:ln>
-                <a:solidFill>
-                  <a:srgbClr val="000000"/>
-                </a:solidFill>
-                <a:effectLst/>
-                <a:latin typeface="Courier New" pitchFamily="49" charset="0"/>
-                <a:cs typeface="Courier New" pitchFamily="49" charset="0"/>
-              </a:rPr>
-              <a:t>:</a:t>
-            </a:r>
-            <a:br>
-              <a:rPr kumimoji="0" lang="de-DE" altLang="de-DE" sz="1200" b="0" i="0" u="none" strike="noStrike" cap="none" normalizeH="0" baseline="0" dirty="0" smtClean="0">
-                <a:ln>
-                  <a:noFill/>
-                </a:ln>
-                <a:solidFill>
-                  <a:srgbClr val="000000"/>
-                </a:solidFill>
-                <a:effectLst/>
-                <a:latin typeface="Courier New" pitchFamily="49" charset="0"/>
-                <a:cs typeface="Courier New" pitchFamily="49" charset="0"/>
-              </a:rPr>
-            </a:br>
-            <a:r>
-              <a:rPr kumimoji="0" lang="de-DE" altLang="de-DE" sz="1200" b="0" i="0" u="none" strike="noStrike" cap="none" normalizeH="0" baseline="0" dirty="0" smtClean="0">
-                <a:ln>
-                  <a:noFill/>
-                </a:ln>
-                <a:solidFill>
-                  <a:srgbClr val="000000"/>
-                </a:solidFill>
-                <a:effectLst/>
-                <a:latin typeface="Courier New" pitchFamily="49" charset="0"/>
-                <a:cs typeface="Courier New" pitchFamily="49" charset="0"/>
-              </a:rPr>
-              <a:t>        </a:t>
-            </a:r>
-            <a:r>
-              <a:rPr kumimoji="0" lang="de-DE" altLang="de-DE" sz="1200" b="1" i="0" u="none" strike="noStrike" cap="none" normalizeH="0" baseline="0" dirty="0" err="1" smtClean="0">
-                <a:ln>
-                  <a:noFill/>
-                </a:ln>
-                <a:solidFill>
-                  <a:srgbClr val="000080"/>
-                </a:solidFill>
-                <a:effectLst/>
-                <a:latin typeface="Courier New" pitchFamily="49" charset="0"/>
-                <a:cs typeface="Courier New" pitchFamily="49" charset="0"/>
-              </a:rPr>
-              <a:t>if</a:t>
-            </a:r>
-            <a:r>
-              <a:rPr kumimoji="0" lang="de-DE" altLang="de-DE" sz="1200" b="1" i="0" u="none" strike="noStrike" cap="none" normalizeH="0" baseline="0" dirty="0" smtClean="0">
-                <a:ln>
-                  <a:noFill/>
-                </a:ln>
-                <a:solidFill>
-                  <a:srgbClr val="000080"/>
-                </a:solidFill>
-                <a:effectLst/>
-                <a:latin typeface="Courier New" pitchFamily="49" charset="0"/>
-                <a:cs typeface="Courier New" pitchFamily="49" charset="0"/>
-              </a:rPr>
-              <a:t> </a:t>
-            </a:r>
-            <a:r>
-              <a:rPr kumimoji="0" lang="de-DE" altLang="de-DE" sz="1200" b="0" i="0" u="none" strike="noStrike" cap="none" normalizeH="0" baseline="0" dirty="0" err="1" smtClean="0">
-                <a:ln>
-                  <a:noFill/>
-                </a:ln>
-                <a:solidFill>
-                  <a:srgbClr val="000000"/>
-                </a:solidFill>
-                <a:effectLst/>
-                <a:latin typeface="Courier New" pitchFamily="49" charset="0"/>
-                <a:cs typeface="Courier New" pitchFamily="49" charset="0"/>
-              </a:rPr>
-              <a:t>row</a:t>
-            </a:r>
-            <a:r>
-              <a:rPr kumimoji="0" lang="de-DE" altLang="de-DE" sz="1200" b="0" i="0" u="none" strike="noStrike" cap="none" normalizeH="0" baseline="0" dirty="0" smtClean="0">
-                <a:ln>
-                  <a:noFill/>
-                </a:ln>
-                <a:solidFill>
-                  <a:srgbClr val="000000"/>
-                </a:solidFill>
-                <a:effectLst/>
-                <a:latin typeface="Courier New" pitchFamily="49" charset="0"/>
-                <a:cs typeface="Courier New" pitchFamily="49" charset="0"/>
-              </a:rPr>
-              <a:t>[</a:t>
-            </a:r>
-            <a:r>
-              <a:rPr kumimoji="0" lang="de-DE" altLang="de-DE" sz="1200" b="1" i="0" u="none" strike="noStrike" cap="none" normalizeH="0" baseline="0" dirty="0" smtClean="0">
-                <a:ln>
-                  <a:noFill/>
-                </a:ln>
-                <a:solidFill>
-                  <a:srgbClr val="008080"/>
-                </a:solidFill>
-                <a:effectLst/>
-                <a:latin typeface="Courier New" pitchFamily="49" charset="0"/>
-                <a:cs typeface="Courier New" pitchFamily="49" charset="0"/>
-              </a:rPr>
-              <a:t>'</a:t>
-            </a:r>
-            <a:r>
-              <a:rPr kumimoji="0" lang="de-DE" altLang="de-DE" sz="1200" b="1" i="0" u="none" strike="noStrike" cap="none" normalizeH="0" baseline="0" dirty="0" err="1" smtClean="0">
-                <a:ln>
-                  <a:noFill/>
-                </a:ln>
-                <a:solidFill>
-                  <a:srgbClr val="008080"/>
-                </a:solidFill>
-                <a:effectLst/>
-                <a:latin typeface="Courier New" pitchFamily="49" charset="0"/>
-                <a:cs typeface="Courier New" pitchFamily="49" charset="0"/>
-              </a:rPr>
-              <a:t>code</a:t>
-            </a:r>
-            <a:r>
-              <a:rPr kumimoji="0" lang="de-DE" altLang="de-DE" sz="1200" b="1" i="0" u="none" strike="noStrike" cap="none" normalizeH="0" baseline="0" dirty="0" smtClean="0">
-                <a:ln>
-                  <a:noFill/>
-                </a:ln>
-                <a:solidFill>
-                  <a:srgbClr val="008080"/>
-                </a:solidFill>
-                <a:effectLst/>
-                <a:latin typeface="Courier New" pitchFamily="49" charset="0"/>
-                <a:cs typeface="Courier New" pitchFamily="49" charset="0"/>
-              </a:rPr>
-              <a:t>'</a:t>
-            </a:r>
-            <a:r>
-              <a:rPr kumimoji="0" lang="de-DE" altLang="de-DE" sz="1200" b="0" i="0" u="none" strike="noStrike" cap="none" normalizeH="0" baseline="0" dirty="0" smtClean="0">
-                <a:ln>
-                  <a:noFill/>
-                </a:ln>
-                <a:solidFill>
-                  <a:srgbClr val="000000"/>
-                </a:solidFill>
-                <a:effectLst/>
-                <a:latin typeface="Courier New" pitchFamily="49" charset="0"/>
-                <a:cs typeface="Courier New" pitchFamily="49" charset="0"/>
-              </a:rPr>
-              <a:t>]==</a:t>
-            </a:r>
-            <a:r>
-              <a:rPr kumimoji="0" lang="de-DE" altLang="de-DE" sz="1200" b="1" i="0" u="none" strike="noStrike" cap="none" normalizeH="0" baseline="0" dirty="0" smtClean="0">
-                <a:ln>
-                  <a:noFill/>
-                </a:ln>
-                <a:solidFill>
-                  <a:srgbClr val="008080"/>
-                </a:solidFill>
-                <a:effectLst/>
-                <a:latin typeface="Courier New" pitchFamily="49" charset="0"/>
-                <a:cs typeface="Courier New" pitchFamily="49" charset="0"/>
-              </a:rPr>
-              <a:t>'</a:t>
-            </a:r>
-            <a:r>
-              <a:rPr kumimoji="0" lang="de-DE" altLang="de-DE" sz="1200" b="1" i="0" u="none" strike="noStrike" cap="none" normalizeH="0" baseline="0" dirty="0" err="1" smtClean="0">
-                <a:ln>
-                  <a:noFill/>
-                </a:ln>
-                <a:solidFill>
-                  <a:srgbClr val="008080"/>
-                </a:solidFill>
-                <a:effectLst/>
-                <a:latin typeface="Courier New" pitchFamily="49" charset="0"/>
-                <a:cs typeface="Courier New" pitchFamily="49" charset="0"/>
-              </a:rPr>
-              <a:t>res_snd</a:t>
-            </a:r>
-            <a:r>
-              <a:rPr kumimoji="0" lang="de-DE" altLang="de-DE" sz="1200" b="1" i="0" u="none" strike="noStrike" cap="none" normalizeH="0" baseline="0" dirty="0" smtClean="0">
-                <a:ln>
-                  <a:noFill/>
-                </a:ln>
-                <a:solidFill>
-                  <a:srgbClr val="008080"/>
-                </a:solidFill>
-                <a:effectLst/>
-                <a:latin typeface="Courier New" pitchFamily="49" charset="0"/>
-                <a:cs typeface="Courier New" pitchFamily="49" charset="0"/>
-              </a:rPr>
-              <a:t>'</a:t>
-            </a:r>
-            <a:r>
-              <a:rPr kumimoji="0" lang="de-DE" altLang="de-DE" sz="1200" b="0" i="0" u="none" strike="noStrike" cap="none" normalizeH="0" baseline="0" dirty="0" smtClean="0">
-                <a:ln>
-                  <a:noFill/>
-                </a:ln>
-                <a:solidFill>
-                  <a:srgbClr val="000000"/>
-                </a:solidFill>
-                <a:effectLst/>
-                <a:latin typeface="Courier New" pitchFamily="49" charset="0"/>
-                <a:cs typeface="Courier New" pitchFamily="49" charset="0"/>
-              </a:rPr>
-              <a:t>:</a:t>
-            </a:r>
-            <a:br>
-              <a:rPr kumimoji="0" lang="de-DE" altLang="de-DE" sz="1200" b="0" i="0" u="none" strike="noStrike" cap="none" normalizeH="0" baseline="0" dirty="0" smtClean="0">
-                <a:ln>
-                  <a:noFill/>
-                </a:ln>
-                <a:solidFill>
-                  <a:srgbClr val="000000"/>
-                </a:solidFill>
-                <a:effectLst/>
-                <a:latin typeface="Courier New" pitchFamily="49" charset="0"/>
-                <a:cs typeface="Courier New" pitchFamily="49" charset="0"/>
-              </a:rPr>
-            </a:br>
-            <a:r>
-              <a:rPr kumimoji="0" lang="de-DE" altLang="de-DE" sz="1200" b="0" i="0" u="none" strike="noStrike" cap="none" normalizeH="0" baseline="0" dirty="0" smtClean="0">
-                <a:ln>
-                  <a:noFill/>
-                </a:ln>
-                <a:solidFill>
-                  <a:srgbClr val="000000"/>
-                </a:solidFill>
-                <a:effectLst/>
-                <a:latin typeface="Courier New" pitchFamily="49" charset="0"/>
-                <a:cs typeface="Courier New" pitchFamily="49" charset="0"/>
-              </a:rPr>
-              <a:t>            </a:t>
-            </a:r>
-            <a:r>
-              <a:rPr kumimoji="0" lang="de-DE" altLang="de-DE" sz="1200" b="0" i="0" u="none" strike="noStrike" cap="none" normalizeH="0" baseline="0" dirty="0" err="1" smtClean="0">
-                <a:ln>
-                  <a:noFill/>
-                </a:ln>
-                <a:solidFill>
-                  <a:srgbClr val="000000"/>
-                </a:solidFill>
-                <a:effectLst/>
-                <a:latin typeface="Courier New" pitchFamily="49" charset="0"/>
-                <a:cs typeface="Courier New" pitchFamily="49" charset="0"/>
-              </a:rPr>
-              <a:t>timestamps.append</a:t>
-            </a:r>
-            <a:r>
-              <a:rPr kumimoji="0" lang="de-DE" altLang="de-DE" sz="1200" b="0" i="0" u="none" strike="noStrike" cap="none" normalizeH="0" baseline="0" dirty="0" smtClean="0">
-                <a:ln>
-                  <a:noFill/>
-                </a:ln>
-                <a:solidFill>
-                  <a:srgbClr val="000000"/>
-                </a:solidFill>
-                <a:effectLst/>
-                <a:latin typeface="Courier New" pitchFamily="49" charset="0"/>
-                <a:cs typeface="Courier New" pitchFamily="49" charset="0"/>
-              </a:rPr>
-              <a:t>(</a:t>
-            </a:r>
-            <a:r>
-              <a:rPr kumimoji="0" lang="de-DE" altLang="de-DE" sz="1200" b="0" i="0" u="none" strike="noStrike" cap="none" normalizeH="0" baseline="0" dirty="0" err="1" smtClean="0">
-                <a:ln>
-                  <a:noFill/>
-                </a:ln>
-                <a:solidFill>
-                  <a:srgbClr val="000080"/>
-                </a:solidFill>
-                <a:effectLst/>
-                <a:latin typeface="Courier New" pitchFamily="49" charset="0"/>
-                <a:cs typeface="Courier New" pitchFamily="49" charset="0"/>
-              </a:rPr>
-              <a:t>int</a:t>
-            </a:r>
-            <a:r>
-              <a:rPr kumimoji="0" lang="de-DE" altLang="de-DE" sz="1200" b="0" i="0" u="none" strike="noStrike" cap="none" normalizeH="0" baseline="0" dirty="0" smtClean="0">
-                <a:ln>
-                  <a:noFill/>
-                </a:ln>
-                <a:solidFill>
-                  <a:srgbClr val="000000"/>
-                </a:solidFill>
-                <a:effectLst/>
-                <a:latin typeface="Courier New" pitchFamily="49" charset="0"/>
-                <a:cs typeface="Courier New" pitchFamily="49" charset="0"/>
-              </a:rPr>
-              <a:t>(</a:t>
-            </a:r>
-            <a:r>
-              <a:rPr kumimoji="0" lang="de-DE" altLang="de-DE" sz="1200" b="0" i="0" u="none" strike="noStrike" cap="none" normalizeH="0" baseline="0" dirty="0" err="1" smtClean="0">
-                <a:ln>
-                  <a:noFill/>
-                </a:ln>
-                <a:solidFill>
-                  <a:srgbClr val="000000"/>
-                </a:solidFill>
-                <a:effectLst/>
-                <a:latin typeface="Courier New" pitchFamily="49" charset="0"/>
-                <a:cs typeface="Courier New" pitchFamily="49" charset="0"/>
-              </a:rPr>
-              <a:t>row</a:t>
-            </a:r>
-            <a:r>
-              <a:rPr kumimoji="0" lang="de-DE" altLang="de-DE" sz="1200" b="0" i="0" u="none" strike="noStrike" cap="none" normalizeH="0" baseline="0" dirty="0" smtClean="0">
-                <a:ln>
-                  <a:noFill/>
-                </a:ln>
-                <a:solidFill>
-                  <a:srgbClr val="000000"/>
-                </a:solidFill>
-                <a:effectLst/>
-                <a:latin typeface="Courier New" pitchFamily="49" charset="0"/>
-                <a:cs typeface="Courier New" pitchFamily="49" charset="0"/>
-              </a:rPr>
-              <a:t>[</a:t>
-            </a:r>
-            <a:r>
-              <a:rPr kumimoji="0" lang="de-DE" altLang="de-DE" sz="1200" b="1" i="0" u="none" strike="noStrike" cap="none" normalizeH="0" baseline="0" dirty="0" smtClean="0">
-                <a:ln>
-                  <a:noFill/>
-                </a:ln>
-                <a:solidFill>
-                  <a:srgbClr val="008080"/>
-                </a:solidFill>
-                <a:effectLst/>
-                <a:latin typeface="Courier New" pitchFamily="49" charset="0"/>
-                <a:cs typeface="Courier New" pitchFamily="49" charset="0"/>
-              </a:rPr>
-              <a:t>'time'</a:t>
-            </a:r>
-            <a:r>
-              <a:rPr kumimoji="0" lang="de-DE" altLang="de-DE" sz="1200" b="0" i="0" u="none" strike="noStrike" cap="none" normalizeH="0" baseline="0" dirty="0" smtClean="0">
-                <a:ln>
-                  <a:noFill/>
-                </a:ln>
-                <a:solidFill>
-                  <a:srgbClr val="000000"/>
-                </a:solidFill>
-                <a:effectLst/>
-                <a:latin typeface="Courier New" pitchFamily="49" charset="0"/>
-                <a:cs typeface="Courier New" pitchFamily="49" charset="0"/>
-              </a:rPr>
-              <a:t>])//</a:t>
-            </a:r>
-            <a:r>
-              <a:rPr kumimoji="0" lang="de-DE" altLang="de-DE" sz="1200" b="0" i="0" u="none" strike="noStrike" cap="none" normalizeH="0" baseline="0" dirty="0" smtClean="0">
-                <a:ln>
-                  <a:noFill/>
-                </a:ln>
-                <a:solidFill>
-                  <a:srgbClr val="0000FF"/>
-                </a:solidFill>
-                <a:effectLst/>
-                <a:latin typeface="Courier New" pitchFamily="49" charset="0"/>
-                <a:cs typeface="Courier New" pitchFamily="49" charset="0"/>
-              </a:rPr>
-              <a:t>60000</a:t>
-            </a:r>
-            <a:r>
-              <a:rPr kumimoji="0" lang="de-DE" altLang="de-DE" sz="1200" b="0" i="0" u="none" strike="noStrike" cap="none" normalizeH="0" baseline="0" dirty="0" smtClean="0">
-                <a:ln>
-                  <a:noFill/>
-                </a:ln>
-                <a:solidFill>
-                  <a:srgbClr val="000000"/>
-                </a:solidFill>
-                <a:effectLst/>
-                <a:latin typeface="Courier New" pitchFamily="49" charset="0"/>
-                <a:cs typeface="Courier New" pitchFamily="49" charset="0"/>
-              </a:rPr>
-              <a:t>)</a:t>
-            </a:r>
-            <a:br>
-              <a:rPr kumimoji="0" lang="de-DE" altLang="de-DE" sz="1200" b="0" i="0" u="none" strike="noStrike" cap="none" normalizeH="0" baseline="0" dirty="0" smtClean="0">
-                <a:ln>
-                  <a:noFill/>
-                </a:ln>
-                <a:solidFill>
-                  <a:srgbClr val="000000"/>
-                </a:solidFill>
-                <a:effectLst/>
-                <a:latin typeface="Courier New" pitchFamily="49" charset="0"/>
-                <a:cs typeface="Courier New" pitchFamily="49" charset="0"/>
-              </a:rPr>
-            </a:br>
-            <a:r>
-              <a:rPr kumimoji="0" lang="de-DE" altLang="de-DE" sz="1200" b="0" i="0" u="none" strike="noStrike" cap="none" normalizeH="0" baseline="0" dirty="0" smtClean="0">
-                <a:ln>
-                  <a:noFill/>
-                </a:ln>
-                <a:solidFill>
-                  <a:srgbClr val="000000"/>
-                </a:solidFill>
-                <a:effectLst/>
-                <a:latin typeface="Courier New" pitchFamily="49" charset="0"/>
-                <a:cs typeface="Courier New" pitchFamily="49" charset="0"/>
-              </a:rPr>
-              <a:t>    </a:t>
-            </a:r>
-            <a:r>
-              <a:rPr kumimoji="0" lang="de-DE" altLang="de-DE" sz="1200" b="1" i="0" u="none" strike="noStrike" cap="none" normalizeH="0" baseline="0" dirty="0" err="1" smtClean="0">
-                <a:ln>
-                  <a:noFill/>
-                </a:ln>
-                <a:solidFill>
-                  <a:srgbClr val="000080"/>
-                </a:solidFill>
-                <a:effectLst/>
-                <a:latin typeface="Courier New" pitchFamily="49" charset="0"/>
-                <a:cs typeface="Courier New" pitchFamily="49" charset="0"/>
-              </a:rPr>
-              <a:t>return</a:t>
-            </a:r>
-            <a:r>
-              <a:rPr kumimoji="0" lang="de-DE" altLang="de-DE" sz="1200" b="1" i="0" u="none" strike="noStrike" cap="none" normalizeH="0" baseline="0" dirty="0" smtClean="0">
-                <a:ln>
-                  <a:noFill/>
-                </a:ln>
-                <a:solidFill>
-                  <a:srgbClr val="000080"/>
-                </a:solidFill>
-                <a:effectLst/>
-                <a:latin typeface="Courier New" pitchFamily="49" charset="0"/>
-                <a:cs typeface="Courier New" pitchFamily="49" charset="0"/>
-              </a:rPr>
-              <a:t> </a:t>
-            </a:r>
-            <a:r>
-              <a:rPr kumimoji="0" lang="de-DE" altLang="de-DE" sz="1200" b="0" i="0" u="none" strike="noStrike" cap="none" normalizeH="0" baseline="0" dirty="0" err="1" smtClean="0">
-                <a:ln>
-                  <a:noFill/>
-                </a:ln>
-                <a:solidFill>
-                  <a:srgbClr val="000000"/>
-                </a:solidFill>
-                <a:effectLst/>
-                <a:latin typeface="Courier New" pitchFamily="49" charset="0"/>
-                <a:cs typeface="Courier New" pitchFamily="49" charset="0"/>
-              </a:rPr>
-              <a:t>timestamps</a:t>
-            </a:r>
-            <a:endParaRPr kumimoji="0" lang="de-DE" altLang="de-DE" sz="3200" b="0" i="0" u="none" strike="noStrike" cap="none" normalizeH="0" baseline="0" dirty="0" smtClean="0">
+            <a:endParaRPr kumimoji="0" lang="de-DE" altLang="de-DE" sz="3200" b="0" i="0" u="none" strike="noStrike" cap="none" normalizeH="0" baseline="0" dirty="0">
               <a:ln>
                 <a:noFill/>
               </a:ln>
@@ -10387,13 +10430,6 @@
   <p:clrMapOvr>
     <a:masterClrMapping/>
   </p:clrMapOvr>
-  <p:timing>
-    <p:tnLst>
-      <p:par>
-        <p:cTn id="1" dur="indefinite" restart="never" nodeType="tmRoot"/>
-      </p:par>
-    </p:tnLst>
-  </p:timing>
 </p:sld>
 </file>
 
@@ -10430,35 +10466,41 @@
           <a:lstStyle/>
           <a:p>
             <a:r>
-              <a:rPr lang="de-CH" dirty="0" smtClean="0"/>
-              <a:t>Code Pandas</a:t>
+              <a:rPr lang="de-CH" dirty="0"/>
+              <a:t>Code </a:t>
+            </a:r>
+            <a:r>
+              <a:rPr lang="de-CH" dirty="0" err="1"/>
+              <a:t>Multiprocessing</a:t>
             </a:r>
             <a:endParaRPr lang="de-CH" dirty="0"/>
           </a:p>
         </p:txBody>
       </p:sp>
-      <p:sp>
-        <p:nvSpPr>
-          <p:cNvPr id="3" name="Content Placeholder 2"/>
-          <p:cNvSpPr>
-            <a:spLocks noGrp="1"/>
-          </p:cNvSpPr>
-          <p:nvPr>
-            <p:ph idx="1"/>
-          </p:nvPr>
-        </p:nvSpPr>
-        <p:spPr/>
-        <p:txBody>
-          <a:bodyPr/>
-          <a:lstStyle/>
-          <a:p>
-            <a:pPr marL="0" indent="0">
-              <a:buNone/>
-            </a:pPr>
-            <a:endParaRPr lang="de-CH" dirty="0"/>
-          </a:p>
-        </p:txBody>
-      </p:sp>
+      <p:pic>
+        <p:nvPicPr>
+          <p:cNvPr id="4" name="Grafik 3"/>
+          <p:cNvPicPr>
+            <a:picLocks noChangeAspect="1"/>
+          </p:cNvPicPr>
+          <p:nvPr/>
+        </p:nvPicPr>
+        <p:blipFill>
+          <a:blip r:embed="rId2"/>
+          <a:stretch>
+            <a:fillRect/>
+          </a:stretch>
+        </p:blipFill>
+        <p:spPr>
+          <a:xfrm>
+            <a:off x="1379980" y="1181100"/>
+            <a:ext cx="7191375" cy="5676900"/>
+          </a:xfrm>
+          <a:prstGeom prst="rect">
+            <a:avLst/>
+          </a:prstGeom>
+        </p:spPr>
+      </p:pic>
     </p:spTree>
     <p:extLst>
       <p:ext uri="{BB962C8B-B14F-4D97-AF65-F5344CB8AC3E}">
@@ -10469,13 +10511,6 @@
   <p:clrMapOvr>
     <a:masterClrMapping/>
   </p:clrMapOvr>
-  <p:timing>
-    <p:tnLst>
-      <p:par>
-        <p:cTn id="1" dur="indefinite" restart="never" nodeType="tmRoot"/>
-      </p:par>
-    </p:tnLst>
-  </p:timing>
 </p:sld>
 </file>
 
@@ -10498,7 +10533,7 @@
       </p:grpSpPr>
       <p:sp>
         <p:nvSpPr>
-          <p:cNvPr id="2" name="Title 1"/>
+          <p:cNvPr id="2" name="Titel 1"/>
           <p:cNvSpPr>
             <a:spLocks noGrp="1"/>
           </p:cNvSpPr>
@@ -10512,187 +10547,46 @@
           <a:lstStyle/>
           <a:p>
             <a:r>
-              <a:rPr lang="de-CH" dirty="0" smtClean="0"/>
-              <a:t>Performance-Vergleich</a:t>
-            </a:r>
-            <a:endParaRPr lang="de-CH" dirty="0"/>
+              <a:rPr lang="de-CH" dirty="0"/>
+              <a:t>Code Pandas (Task 1)</a:t>
+            </a:r>
           </a:p>
         </p:txBody>
       </p:sp>
-      <p:graphicFrame>
-        <p:nvGraphicFramePr>
-          <p:cNvPr id="4" name="Tabelle 3"/>
-          <p:cNvGraphicFramePr>
-            <a:graphicFrameLocks noGrp="1"/>
-          </p:cNvGraphicFramePr>
-          <p:nvPr>
-            <p:extLst>
-              <p:ext uri="{D42A27DB-BD31-4B8C-83A1-F6EECF244321}">
-                <p14:modId xmlns:p14="http://schemas.microsoft.com/office/powerpoint/2010/main" val="4197762856"/>
-              </p:ext>
-            </p:extLst>
-          </p:nvPr>
-        </p:nvGraphicFramePr>
-        <p:xfrm>
-          <a:off x="755461" y="2160589"/>
-          <a:ext cx="8127999" cy="1112520"/>
-        </p:xfrm>
-        <a:graphic>
-          <a:graphicData uri="http://schemas.openxmlformats.org/drawingml/2006/table">
-            <a:tbl>
-              <a:tblPr firstRow="1" bandRow="1">
-                <a:tableStyleId>{5C22544A-7EE6-4342-B048-85BDC9FD1C3A}</a:tableStyleId>
-              </a:tblPr>
-              <a:tblGrid>
-                <a:gridCol w="2709333"/>
-                <a:gridCol w="2709333"/>
-                <a:gridCol w="2709333"/>
-              </a:tblGrid>
-              <a:tr h="370840">
-                <a:tc>
-                  <a:txBody>
-                    <a:bodyPr/>
-                    <a:lstStyle/>
-                    <a:p>
-                      <a:endParaRPr lang="de-CH" dirty="0"/>
-                    </a:p>
-                  </a:txBody>
-                  <a:tcPr/>
-                </a:tc>
-                <a:tc>
-                  <a:txBody>
-                    <a:bodyPr/>
-                    <a:lstStyle/>
-                    <a:p>
-                      <a:r>
-                        <a:rPr lang="de-CH" dirty="0" smtClean="0"/>
-                        <a:t>Single-Core</a:t>
-                      </a:r>
-                      <a:endParaRPr lang="de-CH" dirty="0"/>
-                    </a:p>
-                  </a:txBody>
-                  <a:tcPr/>
-                </a:tc>
-                <a:tc>
-                  <a:txBody>
-                    <a:bodyPr/>
-                    <a:lstStyle/>
-                    <a:p>
-                      <a:r>
-                        <a:rPr lang="de-CH" dirty="0" smtClean="0"/>
-                        <a:t>Pandas</a:t>
-                      </a:r>
-                      <a:endParaRPr lang="de-CH" dirty="0"/>
-                    </a:p>
-                  </a:txBody>
-                  <a:tcPr/>
-                </a:tc>
-              </a:tr>
-              <a:tr h="370840">
-                <a:tc>
-                  <a:txBody>
-                    <a:bodyPr/>
-                    <a:lstStyle/>
-                    <a:p>
-                      <a:r>
-                        <a:rPr lang="de-CH" dirty="0" smtClean="0"/>
-                        <a:t>Task 1</a:t>
-                      </a:r>
-                      <a:endParaRPr lang="de-CH" dirty="0"/>
-                    </a:p>
-                  </a:txBody>
-                  <a:tcPr/>
-                </a:tc>
-                <a:tc>
-                  <a:txBody>
-                    <a:bodyPr/>
-                    <a:lstStyle/>
-                    <a:p>
-                      <a:r>
-                        <a:rPr lang="de-CH" dirty="0" smtClean="0"/>
-                        <a:t>36 Sekunden</a:t>
-                      </a:r>
-                      <a:endParaRPr lang="de-CH" dirty="0"/>
-                    </a:p>
-                  </a:txBody>
-                  <a:tcPr/>
-                </a:tc>
-                <a:tc>
-                  <a:txBody>
-                    <a:bodyPr/>
-                    <a:lstStyle/>
-                    <a:p>
-                      <a:r>
-                        <a:rPr lang="de-CH" dirty="0" smtClean="0"/>
-                        <a:t>1.8 Sekunden</a:t>
-                      </a:r>
-                      <a:endParaRPr lang="de-CH" dirty="0"/>
-                    </a:p>
-                  </a:txBody>
-                  <a:tcPr/>
-                </a:tc>
-              </a:tr>
-              <a:tr h="370840">
-                <a:tc>
-                  <a:txBody>
-                    <a:bodyPr/>
-                    <a:lstStyle/>
-                    <a:p>
-                      <a:r>
-                        <a:rPr lang="de-CH" dirty="0" smtClean="0"/>
-                        <a:t>Task 2</a:t>
-                      </a:r>
-                      <a:endParaRPr lang="de-CH" dirty="0"/>
-                    </a:p>
-                  </a:txBody>
-                  <a:tcPr/>
-                </a:tc>
-                <a:tc>
-                  <a:txBody>
-                    <a:bodyPr/>
-                    <a:lstStyle/>
-                    <a:p>
-                      <a:r>
-                        <a:rPr lang="de-CH" dirty="0" smtClean="0"/>
-                        <a:t>64 Sekunden</a:t>
-                      </a:r>
-                      <a:endParaRPr lang="de-CH" dirty="0"/>
-                    </a:p>
-                  </a:txBody>
-                  <a:tcPr/>
-                </a:tc>
-                <a:tc>
-                  <a:txBody>
-                    <a:bodyPr/>
-                    <a:lstStyle/>
-                    <a:p>
-                      <a:endParaRPr lang="de-CH" dirty="0"/>
-                    </a:p>
-                  </a:txBody>
-                  <a:tcPr/>
-                </a:tc>
-              </a:tr>
-            </a:tbl>
-          </a:graphicData>
-        </a:graphic>
-      </p:graphicFrame>
+      <p:pic>
+        <p:nvPicPr>
+          <p:cNvPr id="4" name="Grafik 3"/>
+          <p:cNvPicPr>
+            <a:picLocks noChangeAspect="1"/>
+          </p:cNvPicPr>
+          <p:nvPr/>
+        </p:nvPicPr>
+        <p:blipFill>
+          <a:blip r:embed="rId2"/>
+          <a:stretch>
+            <a:fillRect/>
+          </a:stretch>
+        </p:blipFill>
+        <p:spPr>
+          <a:xfrm>
+            <a:off x="1260918" y="1457001"/>
+            <a:ext cx="7429500" cy="4867275"/>
+          </a:xfrm>
+          <a:prstGeom prst="rect">
+            <a:avLst/>
+          </a:prstGeom>
+        </p:spPr>
+      </p:pic>
     </p:spTree>
     <p:extLst>
       <p:ext uri="{BB962C8B-B14F-4D97-AF65-F5344CB8AC3E}">
-        <p14:creationId xmlns:p14="http://schemas.microsoft.com/office/powerpoint/2010/main" val="970240754"/>
+        <p14:creationId xmlns:p14="http://schemas.microsoft.com/office/powerpoint/2010/main" val="3459167344"/>
       </p:ext>
     </p:extLst>
   </p:cSld>
   <p:clrMapOvr>
     <a:masterClrMapping/>
   </p:clrMapOvr>
-  <p:timing>
-    <p:tnLst>
-      <p:par>
-        <p:cTn id="1" dur="indefinite" restart="never" nodeType="tmRoot"/>
-      </p:par>
-    </p:tnLst>
-  </p:timing>
 </p:sld>
 </file>
 
@@ -10729,54 +10623,212 @@
           <a:lstStyle/>
           <a:p>
             <a:r>
-              <a:rPr lang="de-CH" dirty="0" smtClean="0"/>
-              <a:t>Ergebnisse</a:t>
-            </a:r>
-            <a:endParaRPr lang="de-CH" dirty="0"/>
+              <a:rPr lang="de-CH" dirty="0"/>
+              <a:t>Performance-Vergleich</a:t>
+            </a:r>
           </a:p>
         </p:txBody>
       </p:sp>
       <p:graphicFrame>
         <p:nvGraphicFramePr>
-          <p:cNvPr id="5" name="Diagramm 4"/>
+          <p:cNvPr id="4" name="Tabelle 3"/>
           <p:cNvGraphicFramePr>
-            <a:graphicFrameLocks/>
+            <a:graphicFrameLocks noGrp="1"/>
           </p:cNvGraphicFramePr>
           <p:nvPr>
             <p:extLst>
               <p:ext uri="{D42A27DB-BD31-4B8C-83A1-F6EECF244321}">
-                <p14:modId xmlns:p14="http://schemas.microsoft.com/office/powerpoint/2010/main" val="3401543070"/>
+                <p14:modId xmlns:p14="http://schemas.microsoft.com/office/powerpoint/2010/main" val="3341429404"/>
               </p:ext>
             </p:extLst>
           </p:nvPr>
         </p:nvGraphicFramePr>
         <p:xfrm>
-          <a:off x="411941" y="1327446"/>
-          <a:ext cx="11780059" cy="4774590"/>
+          <a:off x="755461" y="3003968"/>
+          <a:ext cx="8518542" cy="1112520"/>
         </p:xfrm>
         <a:graphic>
-          <a:graphicData uri="http://schemas.openxmlformats.org/drawingml/2006/chart">
-            <c:chart xmlns:c="http://schemas.openxmlformats.org/drawingml/2006/chart" xmlns:r="http://schemas.openxmlformats.org/officeDocument/2006/relationships" r:id="rId2"/>
+          <a:graphicData uri="http://schemas.openxmlformats.org/drawingml/2006/table">
+            <a:tbl>
+              <a:tblPr firstRow="1" bandRow="1">
+                <a:tableStyleId>{5C22544A-7EE6-4342-B048-85BDC9FD1C3A}</a:tableStyleId>
+              </a:tblPr>
+              <a:tblGrid>
+                <a:gridCol w="2839514">
+                  <a:extLst>
+                    <a:ext uri="{9D8B030D-6E8A-4147-A177-3AD203B41FA5}">
+                      <a16:colId xmlns:a16="http://schemas.microsoft.com/office/drawing/2014/main" val="20000"/>
+                    </a:ext>
+                  </a:extLst>
+                </a:gridCol>
+                <a:gridCol w="2415208">
+                  <a:extLst>
+                    <a:ext uri="{9D8B030D-6E8A-4147-A177-3AD203B41FA5}">
+                      <a16:colId xmlns:a16="http://schemas.microsoft.com/office/drawing/2014/main" val="20001"/>
+                    </a:ext>
+                  </a:extLst>
+                </a:gridCol>
+                <a:gridCol w="3263820">
+                  <a:extLst>
+                    <a:ext uri="{9D8B030D-6E8A-4147-A177-3AD203B41FA5}">
+                      <a16:colId xmlns:a16="http://schemas.microsoft.com/office/drawing/2014/main" val="20002"/>
+                    </a:ext>
+                  </a:extLst>
+                </a:gridCol>
+              </a:tblGrid>
+              <a:tr h="370840">
+                <a:tc>
+                  <a:txBody>
+                    <a:bodyPr/>
+                    <a:lstStyle/>
+                    <a:p>
+                      <a:endParaRPr lang="de-CH" dirty="0"/>
+                    </a:p>
+                  </a:txBody>
+                  <a:tcPr/>
+                </a:tc>
+                <a:tc>
+                  <a:txBody>
+                    <a:bodyPr/>
+                    <a:lstStyle/>
+                    <a:p>
+                      <a:r>
+                        <a:rPr lang="de-CH" dirty="0"/>
+                        <a:t>Single-Core</a:t>
+                      </a:r>
+                    </a:p>
+                  </a:txBody>
+                  <a:tcPr/>
+                </a:tc>
+                <a:tc>
+                  <a:txBody>
+                    <a:bodyPr/>
+                    <a:lstStyle/>
+                    <a:p>
+                      <a:r>
+                        <a:rPr lang="de-CH" dirty="0" err="1"/>
+                        <a:t>Multiprocessing</a:t>
+                      </a:r>
+                      <a:r>
+                        <a:rPr lang="de-CH" dirty="0"/>
+                        <a:t> + Pandas</a:t>
+                      </a:r>
+                    </a:p>
+                  </a:txBody>
+                  <a:tcPr/>
+                </a:tc>
+                <a:extLst>
+                  <a:ext uri="{0D108BD9-81ED-4DB2-BD59-A6C34878D82A}">
+                    <a16:rowId xmlns:a16="http://schemas.microsoft.com/office/drawing/2014/main" val="10000"/>
+                  </a:ext>
+                </a:extLst>
+              </a:tr>
+              <a:tr h="370840">
+                <a:tc>
+                  <a:txBody>
+                    <a:bodyPr/>
+                    <a:lstStyle/>
+                    <a:p>
+                      <a:r>
+                        <a:rPr lang="de-CH" dirty="0"/>
+                        <a:t>Task 1</a:t>
+                      </a:r>
+                    </a:p>
+                  </a:txBody>
+                  <a:tcPr/>
+                </a:tc>
+                <a:tc>
+                  <a:txBody>
+                    <a:bodyPr/>
+                    <a:lstStyle/>
+                    <a:p>
+                      <a:r>
+                        <a:rPr lang="de-CH" dirty="0"/>
+                        <a:t>36 Sekunden</a:t>
+                      </a:r>
+                    </a:p>
+                  </a:txBody>
+                  <a:tcPr/>
+                </a:tc>
+                <a:tc>
+                  <a:txBody>
+                    <a:bodyPr/>
+                    <a:lstStyle/>
+                    <a:p>
+                      <a:r>
+                        <a:rPr lang="de-CH" dirty="0"/>
+                        <a:t>1,8 Sekunden</a:t>
+                      </a:r>
+                    </a:p>
+                  </a:txBody>
+                  <a:tcPr/>
+                </a:tc>
+                <a:extLst>
+                  <a:ext uri="{0D108BD9-81ED-4DB2-BD59-A6C34878D82A}">
+                    <a16:rowId xmlns:a16="http://schemas.microsoft.com/office/drawing/2014/main" val="10001"/>
+                  </a:ext>
+                </a:extLst>
+              </a:tr>
+              <a:tr h="370840">
+                <a:tc>
+                  <a:txBody>
+                    <a:bodyPr/>
+                    <a:lstStyle/>
+                    <a:p>
+                      <a:r>
+                        <a:rPr lang="de-CH" dirty="0"/>
+                        <a:t>Task 2</a:t>
+                      </a:r>
+                    </a:p>
+                  </a:txBody>
+                  <a:tcPr/>
+                </a:tc>
+                <a:tc>
+                  <a:txBody>
+                    <a:bodyPr/>
+                    <a:lstStyle/>
+                    <a:p>
+                      <a:r>
+                        <a:rPr lang="de-CH" dirty="0"/>
+                        <a:t>64 Sekunden</a:t>
+                      </a:r>
+                    </a:p>
+                  </a:txBody>
+                  <a:tcPr/>
+                </a:tc>
+                <a:tc>
+                  <a:txBody>
+                    <a:bodyPr/>
+                    <a:lstStyle/>
+                    <a:p>
+                      <a:r>
+                        <a:rPr lang="de-CH" dirty="0"/>
+                        <a:t>28,9 Sekunden</a:t>
+                      </a:r>
+                    </a:p>
+                  </a:txBody>
+                  <a:tcPr/>
+                </a:tc>
+                <a:extLst>
+                  <a:ext uri="{0D108BD9-81ED-4DB2-BD59-A6C34878D82A}">
+                    <a16:rowId xmlns:a16="http://schemas.microsoft.com/office/drawing/2014/main" val="10002"/>
+                  </a:ext>
+                </a:extLst>
+              </a:tr>
+            </a:tbl>
           </a:graphicData>
         </a:graphic>
       </p:graphicFrame>
     </p:spTree>
     <p:extLst>
       <p:ext uri="{BB962C8B-B14F-4D97-AF65-F5344CB8AC3E}">
-        <p14:creationId xmlns:p14="http://schemas.microsoft.com/office/powerpoint/2010/main" val="636100945"/>
+        <p14:creationId xmlns:p14="http://schemas.microsoft.com/office/powerpoint/2010/main" val="970240754"/>
       </p:ext>
     </p:extLst>
   </p:cSld>
   <p:clrMapOvr>
     <a:masterClrMapping/>
   </p:clrMapOvr>
-  <p:timing>
-    <p:tnLst>
-      <p:par>
-        <p:cTn id="1" dur="indefinite" restart="never" nodeType="tmRoot"/>
-      </p:par>
-    </p:tnLst>
-  </p:timing>
 </p:sld>
 </file>
 
@@ -10813,95 +10865,40 @@
           <a:lstStyle/>
           <a:p>
             <a:r>
-              <a:rPr lang="de-CH" dirty="0" smtClean="0"/>
-              <a:t>Vor- und Nachteile</a:t>
-            </a:r>
-            <a:endParaRPr lang="de-CH" dirty="0"/>
+              <a:rPr lang="de-CH" dirty="0"/>
+              <a:t>Ergebnisse</a:t>
+            </a:r>
           </a:p>
         </p:txBody>
       </p:sp>
-      <p:sp>
-        <p:nvSpPr>
-          <p:cNvPr id="3" name="Content Placeholder 2"/>
-          <p:cNvSpPr>
-            <a:spLocks noGrp="1"/>
-          </p:cNvSpPr>
+      <p:graphicFrame>
+        <p:nvGraphicFramePr>
+          <p:cNvPr id="5" name="Diagramm 4"/>
+          <p:cNvGraphicFramePr>
+            <a:graphicFrameLocks/>
+          </p:cNvGraphicFramePr>
           <p:nvPr>
-            <p:ph idx="1"/>
+            <p:extLst>
+              <p:ext uri="{D42A27DB-BD31-4B8C-83A1-F6EECF244321}">
+                <p14:modId xmlns:p14="http://schemas.microsoft.com/office/powerpoint/2010/main" val="3401543070"/>
+              </p:ext>
+            </p:extLst>
           </p:nvPr>
-        </p:nvSpPr>
-        <p:spPr/>
-        <p:txBody>
-          <a:bodyPr/>
-          <a:lstStyle/>
-          <a:p>
-            <a:pPr marL="0" indent="0">
-              <a:buNone/>
-            </a:pPr>
-            <a:r>
-              <a:rPr lang="de-CH" dirty="0" smtClean="0"/>
-              <a:t>Vorteile:</a:t>
-            </a:r>
-          </a:p>
-          <a:p>
-            <a:r>
-              <a:rPr lang="de-CH" dirty="0" smtClean="0"/>
-              <a:t>Python als Sprache: sehr einfach und logisch</a:t>
-            </a:r>
-          </a:p>
-          <a:p>
-            <a:r>
-              <a:rPr lang="de-CH" dirty="0" smtClean="0"/>
-              <a:t>Implementierung in Python relativ unkompliziert (sogar nur mit </a:t>
-            </a:r>
-            <a:r>
-              <a:rPr lang="de-CH" dirty="0"/>
-              <a:t>S</a:t>
-            </a:r>
-            <a:r>
-              <a:rPr lang="de-CH" dirty="0" smtClean="0"/>
-              <a:t>ystem API)</a:t>
-            </a:r>
-          </a:p>
-          <a:p>
-            <a:r>
-              <a:rPr lang="de-CH" dirty="0" smtClean="0"/>
-              <a:t>Für „lokale“ und kleine Probleme sehr effizient</a:t>
-            </a:r>
-          </a:p>
-          <a:p>
-            <a:endParaRPr lang="de-CH" dirty="0" smtClean="0"/>
-          </a:p>
-          <a:p>
-            <a:pPr marL="0" indent="0">
-              <a:buNone/>
-            </a:pPr>
-            <a:r>
-              <a:rPr lang="de-CH" dirty="0" smtClean="0"/>
-              <a:t>Nachteile:</a:t>
-            </a:r>
-          </a:p>
-          <a:p>
-            <a:r>
-              <a:rPr lang="de-CH" dirty="0" smtClean="0"/>
-              <a:t>Teilweise grosser Ressourcenverbrauch</a:t>
-            </a:r>
-          </a:p>
-          <a:p>
-            <a:r>
-              <a:rPr lang="de-CH" dirty="0" smtClean="0"/>
-              <a:t>Fehlende Typisierung gewöhnungsbedürftig</a:t>
-            </a:r>
-          </a:p>
-          <a:p>
-            <a:endParaRPr lang="de-CH" dirty="0"/>
-          </a:p>
-        </p:txBody>
-      </p:sp>
+        </p:nvGraphicFramePr>
+        <p:xfrm>
+          <a:off x="411941" y="1327446"/>
+          <a:ext cx="11780059" cy="4774590"/>
+        </p:xfrm>
+        <a:graphic>
+          <a:graphicData uri="http://schemas.openxmlformats.org/drawingml/2006/chart">
+            <c:chart xmlns:c="http://schemas.openxmlformats.org/drawingml/2006/chart" xmlns:r="http://schemas.openxmlformats.org/officeDocument/2006/relationships" r:id="rId2"/>
+          </a:graphicData>
+        </a:graphic>
+      </p:graphicFrame>
     </p:spTree>
     <p:extLst>
       <p:ext uri="{BB962C8B-B14F-4D97-AF65-F5344CB8AC3E}">
-        <p14:creationId xmlns:p14="http://schemas.microsoft.com/office/powerpoint/2010/main" val="288686238"/>
+        <p14:creationId xmlns:p14="http://schemas.microsoft.com/office/powerpoint/2010/main" val="636100945"/>
       </p:ext>
     </p:extLst>
   </p:cSld>
@@ -10944,10 +10941,9 @@
           <a:lstStyle/>
           <a:p>
             <a:r>
-              <a:rPr lang="de-CH" dirty="0" smtClean="0"/>
-              <a:t>Diskussion</a:t>
-            </a:r>
-            <a:endParaRPr lang="de-CH" dirty="0"/>
+              <a:rPr lang="de-CH" dirty="0"/>
+              <a:t>Vor- und Nachteile</a:t>
+            </a:r>
           </a:p>
         </p:txBody>
       </p:sp>
@@ -10966,6 +10962,63 @@
           <a:bodyPr/>
           <a:lstStyle/>
           <a:p>
+            <a:pPr marL="0" indent="0">
+              <a:buNone/>
+            </a:pPr>
+            <a:r>
+              <a:rPr lang="de-CH" dirty="0"/>
+              <a:t>Vorteile:</a:t>
+            </a:r>
+          </a:p>
+          <a:p>
+            <a:r>
+              <a:rPr lang="de-CH" dirty="0"/>
+              <a:t>Python als Sprache: sehr einfach und logisch</a:t>
+            </a:r>
+          </a:p>
+          <a:p>
+            <a:r>
+              <a:rPr lang="de-CH" dirty="0"/>
+              <a:t>Implementierung in Python relativ unkompliziert (sogar nur mit System API)</a:t>
+            </a:r>
+          </a:p>
+          <a:p>
+            <a:r>
+              <a:rPr lang="de-CH" dirty="0"/>
+              <a:t>Für „lokale“ und kleine Probleme sehr effizient</a:t>
+            </a:r>
+          </a:p>
+          <a:p>
+            <a:endParaRPr lang="de-CH" dirty="0"/>
+          </a:p>
+          <a:p>
+            <a:pPr marL="0" indent="0">
+              <a:buNone/>
+            </a:pPr>
+            <a:r>
+              <a:rPr lang="de-CH" dirty="0"/>
+              <a:t>Nachteile:</a:t>
+            </a:r>
+          </a:p>
+          <a:p>
+            <a:r>
+              <a:rPr lang="de-CH" dirty="0"/>
+              <a:t>Teilweise grosser Ressourcenverbrauch</a:t>
+            </a:r>
+          </a:p>
+          <a:p>
+            <a:r>
+              <a:rPr lang="de-CH" dirty="0"/>
+              <a:t>Fehlende Typisierung gewöhnungsbedürftig</a:t>
+            </a:r>
+          </a:p>
+          <a:p>
+            <a:r>
+              <a:rPr lang="de-CH" dirty="0"/>
+              <a:t>Mächtige Libraries – die man aber zuerst verstehen muss…</a:t>
+            </a:r>
+          </a:p>
+          <a:p>
             <a:endParaRPr lang="de-CH" dirty="0"/>
           </a:p>
         </p:txBody>
@@ -10973,7 +11026,7 @@
     </p:spTree>
     <p:extLst>
       <p:ext uri="{BB962C8B-B14F-4D97-AF65-F5344CB8AC3E}">
-        <p14:creationId xmlns:p14="http://schemas.microsoft.com/office/powerpoint/2010/main" val="1934373449"/>
+        <p14:creationId xmlns:p14="http://schemas.microsoft.com/office/powerpoint/2010/main" val="288686238"/>
       </p:ext>
     </p:extLst>
   </p:cSld>
@@ -11234,7 +11287,7 @@
   <a:extraClrSchemeLst/>
   <a:extLst>
     <a:ext uri="{05A4C25C-085E-4340-85A3-A5531E510DB2}">
-      <thm15:themeFamily xmlns:thm15="http://schemas.microsoft.com/office/thememl/2012/main" xmlns="" name="Facet" id="{C0C680CD-088A-49FC-A102-D699147F32B2}" vid="{CFBC31BA-B70F-4F30-BCAA-4F3011E16C4D}"/>
+      <thm15:themeFamily xmlns:thm15="http://schemas.microsoft.com/office/thememl/2012/main" name="Facet" id="{C0C680CD-088A-49FC-A102-D699147F32B2}" vid="{CFBC31BA-B70F-4F30-BCAA-4F3011E16C4D}"/>
     </a:ext>
   </a:extLst>
 </a:theme>
